--- a/images/theory_analysis/Kubernetes_Architecture/Kubernetes_Architecture.pptx
+++ b/images/theory_analysis/Kubernetes_Architecture/Kubernetes_Architecture.pptx
@@ -5,11 +5,12 @@
     <p:sldMasterId id="2147483648" r:id="rId1"/>
   </p:sldMasterIdLst>
   <p:notesMasterIdLst>
-    <p:notesMasterId r:id="rId4"/>
+    <p:notesMasterId r:id="rId5"/>
   </p:notesMasterIdLst>
   <p:sldIdLst>
     <p:sldId id="425" r:id="rId2"/>
-    <p:sldId id="424" r:id="rId3"/>
+    <p:sldId id="426" r:id="rId3"/>
+    <p:sldId id="424" r:id="rId4"/>
   </p:sldIdLst>
   <p:sldSz cx="9144000" cy="5143500" type="screen16x9"/>
   <p:notesSz cx="6858000" cy="9144000"/>
@@ -214,7 +215,7 @@
           <a:p>
             <a:fld id="{6CD5550B-26C4-49A9-A5BA-636EF7BE6CE9}" type="datetimeFigureOut">
               <a:rPr lang="ko-KR" altLang="en-US" smtClean="0"/>
-              <a:t>2019-05-06</a:t>
+              <a:t>2019-05-07</a:t>
             </a:fld>
             <a:endParaRPr lang="ko-KR" altLang="en-US"/>
           </a:p>
@@ -639,6 +640,90 @@
     </p:spTree>
     <p:extLst>
       <p:ext uri="{BB962C8B-B14F-4D97-AF65-F5344CB8AC3E}">
+        <p14:creationId xmlns:p14="http://schemas.microsoft.com/office/powerpoint/2010/main" val="2653558153"/>
+      </p:ext>
+    </p:extLst>
+  </p:cSld>
+  <p:clrMapOvr>
+    <a:masterClrMapping/>
+  </p:clrMapOvr>
+</p:notes>
+</file>
+
+<file path=ppt/notesSlides/notesSlide3.xml><?xml version="1.0" encoding="utf-8"?>
+<p:notes xmlns:a="http://schemas.openxmlformats.org/drawingml/2006/main" xmlns:r="http://schemas.openxmlformats.org/officeDocument/2006/relationships" xmlns:p="http://schemas.openxmlformats.org/presentationml/2006/main">
+  <p:cSld>
+    <p:spTree>
+      <p:nvGrpSpPr>
+        <p:cNvPr id="1" name=""/>
+        <p:cNvGrpSpPr/>
+        <p:nvPr/>
+      </p:nvGrpSpPr>
+      <p:grpSpPr>
+        <a:xfrm>
+          <a:off x="0" y="0"/>
+          <a:ext cx="0" cy="0"/>
+          <a:chOff x="0" y="0"/>
+          <a:chExt cx="0" cy="0"/>
+        </a:xfrm>
+      </p:grpSpPr>
+      <p:sp>
+        <p:nvSpPr>
+          <p:cNvPr id="2" name="슬라이드 이미지 개체 틀 1"/>
+          <p:cNvSpPr>
+            <a:spLocks noGrp="1" noRot="1" noChangeAspect="1"/>
+          </p:cNvSpPr>
+          <p:nvPr>
+            <p:ph type="sldImg"/>
+          </p:nvPr>
+        </p:nvSpPr>
+        <p:spPr/>
+      </p:sp>
+      <p:sp>
+        <p:nvSpPr>
+          <p:cNvPr id="3" name="슬라이드 노트 개체 틀 2"/>
+          <p:cNvSpPr>
+            <a:spLocks noGrp="1"/>
+          </p:cNvSpPr>
+          <p:nvPr>
+            <p:ph type="body" idx="1"/>
+          </p:nvPr>
+        </p:nvSpPr>
+        <p:spPr/>
+        <p:txBody>
+          <a:bodyPr/>
+          <a:lstStyle/>
+          <a:p>
+            <a:endParaRPr lang="ko-KR" altLang="en-US"/>
+          </a:p>
+        </p:txBody>
+      </p:sp>
+      <p:sp>
+        <p:nvSpPr>
+          <p:cNvPr id="4" name="슬라이드 번호 개체 틀 3"/>
+          <p:cNvSpPr>
+            <a:spLocks noGrp="1"/>
+          </p:cNvSpPr>
+          <p:nvPr>
+            <p:ph type="sldNum" sz="quarter" idx="10"/>
+          </p:nvPr>
+        </p:nvSpPr>
+        <p:spPr/>
+        <p:txBody>
+          <a:bodyPr/>
+          <a:lstStyle/>
+          <a:p>
+            <a:fld id="{BA5DFA43-8D57-47FB-BC46-057616015C3B}" type="slidenum">
+              <a:rPr lang="ko-KR" altLang="en-US" smtClean="0"/>
+              <a:t>3</a:t>
+            </a:fld>
+            <a:endParaRPr lang="ko-KR" altLang="en-US"/>
+          </a:p>
+        </p:txBody>
+      </p:sp>
+    </p:spTree>
+    <p:extLst>
+      <p:ext uri="{BB962C8B-B14F-4D97-AF65-F5344CB8AC3E}">
         <p14:creationId xmlns:p14="http://schemas.microsoft.com/office/powerpoint/2010/main" val="3669824910"/>
       </p:ext>
     </p:extLst>
@@ -828,7 +913,7 @@
           <a:p>
             <a:fld id="{FB30EDBD-1C2D-4C1E-B459-B60219FAB484}" type="datetimeFigureOut">
               <a:rPr lang="ko-KR" altLang="en-US" smtClean="0"/>
-              <a:t>2019-05-06</a:t>
+              <a:t>2019-05-07</a:t>
             </a:fld>
             <a:endParaRPr lang="ko-KR" altLang="en-US"/>
           </a:p>
@@ -991,7 +1076,7 @@
           <a:p>
             <a:fld id="{FB30EDBD-1C2D-4C1E-B459-B60219FAB484}" type="datetimeFigureOut">
               <a:rPr lang="ko-KR" altLang="en-US" smtClean="0"/>
-              <a:t>2019-05-06</a:t>
+              <a:t>2019-05-07</a:t>
             </a:fld>
             <a:endParaRPr lang="ko-KR" altLang="en-US"/>
           </a:p>
@@ -1164,7 +1249,7 @@
           <a:p>
             <a:fld id="{FB30EDBD-1C2D-4C1E-B459-B60219FAB484}" type="datetimeFigureOut">
               <a:rPr lang="ko-KR" altLang="en-US" smtClean="0"/>
-              <a:t>2019-05-06</a:t>
+              <a:t>2019-05-07</a:t>
             </a:fld>
             <a:endParaRPr lang="ko-KR" altLang="en-US"/>
           </a:p>
@@ -1327,7 +1412,7 @@
           <a:p>
             <a:fld id="{FB30EDBD-1C2D-4C1E-B459-B60219FAB484}" type="datetimeFigureOut">
               <a:rPr lang="ko-KR" altLang="en-US" smtClean="0"/>
-              <a:t>2019-05-06</a:t>
+              <a:t>2019-05-07</a:t>
             </a:fld>
             <a:endParaRPr lang="ko-KR" altLang="en-US"/>
           </a:p>
@@ -1567,7 +1652,7 @@
           <a:p>
             <a:fld id="{FB30EDBD-1C2D-4C1E-B459-B60219FAB484}" type="datetimeFigureOut">
               <a:rPr lang="ko-KR" altLang="en-US" smtClean="0"/>
-              <a:t>2019-05-06</a:t>
+              <a:t>2019-05-07</a:t>
             </a:fld>
             <a:endParaRPr lang="ko-KR" altLang="en-US"/>
           </a:p>
@@ -1847,7 +1932,7 @@
           <a:p>
             <a:fld id="{FB30EDBD-1C2D-4C1E-B459-B60219FAB484}" type="datetimeFigureOut">
               <a:rPr lang="ko-KR" altLang="en-US" smtClean="0"/>
-              <a:t>2019-05-06</a:t>
+              <a:t>2019-05-07</a:t>
             </a:fld>
             <a:endParaRPr lang="ko-KR" altLang="en-US"/>
           </a:p>
@@ -2261,7 +2346,7 @@
           <a:p>
             <a:fld id="{FB30EDBD-1C2D-4C1E-B459-B60219FAB484}" type="datetimeFigureOut">
               <a:rPr lang="ko-KR" altLang="en-US" smtClean="0"/>
-              <a:t>2019-05-06</a:t>
+              <a:t>2019-05-07</a:t>
             </a:fld>
             <a:endParaRPr lang="ko-KR" altLang="en-US"/>
           </a:p>
@@ -2373,7 +2458,7 @@
           <a:p>
             <a:fld id="{FB30EDBD-1C2D-4C1E-B459-B60219FAB484}" type="datetimeFigureOut">
               <a:rPr lang="ko-KR" altLang="en-US" smtClean="0"/>
-              <a:t>2019-05-06</a:t>
+              <a:t>2019-05-07</a:t>
             </a:fld>
             <a:endParaRPr lang="ko-KR" altLang="en-US"/>
           </a:p>
@@ -2463,7 +2548,7 @@
           <a:p>
             <a:fld id="{FB30EDBD-1C2D-4C1E-B459-B60219FAB484}" type="datetimeFigureOut">
               <a:rPr lang="ko-KR" altLang="en-US" smtClean="0"/>
-              <a:t>2019-05-06</a:t>
+              <a:t>2019-05-07</a:t>
             </a:fld>
             <a:endParaRPr lang="ko-KR" altLang="en-US"/>
           </a:p>
@@ -2733,7 +2818,7 @@
           <a:p>
             <a:fld id="{FB30EDBD-1C2D-4C1E-B459-B60219FAB484}" type="datetimeFigureOut">
               <a:rPr lang="ko-KR" altLang="en-US" smtClean="0"/>
-              <a:t>2019-05-06</a:t>
+              <a:t>2019-05-07</a:t>
             </a:fld>
             <a:endParaRPr lang="ko-KR" altLang="en-US"/>
           </a:p>
@@ -2980,7 +3065,7 @@
           <a:p>
             <a:fld id="{FB30EDBD-1C2D-4C1E-B459-B60219FAB484}" type="datetimeFigureOut">
               <a:rPr lang="ko-KR" altLang="en-US" smtClean="0"/>
-              <a:t>2019-05-06</a:t>
+              <a:t>2019-05-07</a:t>
             </a:fld>
             <a:endParaRPr lang="ko-KR" altLang="en-US"/>
           </a:p>
@@ -3186,7 +3271,7 @@
           <a:p>
             <a:fld id="{FB30EDBD-1C2D-4C1E-B459-B60219FAB484}" type="datetimeFigureOut">
               <a:rPr lang="ko-KR" altLang="en-US" smtClean="0"/>
-              <a:t>2019-05-06</a:t>
+              <a:t>2019-05-07</a:t>
             </a:fld>
             <a:endParaRPr lang="ko-KR" altLang="en-US"/>
           </a:p>
@@ -3540,6 +3625,6701 @@
 </file>
 
 <file path=ppt/slides/slide1.xml><?xml version="1.0" encoding="utf-8"?>
+<p:sld xmlns:a="http://schemas.openxmlformats.org/drawingml/2006/main" xmlns:r="http://schemas.openxmlformats.org/officeDocument/2006/relationships" xmlns:p="http://schemas.openxmlformats.org/presentationml/2006/main">
+  <p:cSld>
+    <p:spTree>
+      <p:nvGrpSpPr>
+        <p:cNvPr id="1" name=""/>
+        <p:cNvGrpSpPr/>
+        <p:nvPr/>
+      </p:nvGrpSpPr>
+      <p:grpSpPr>
+        <a:xfrm>
+          <a:off x="0" y="0"/>
+          <a:ext cx="0" cy="0"/>
+          <a:chOff x="0" y="0"/>
+          <a:chExt cx="0" cy="0"/>
+        </a:xfrm>
+      </p:grpSpPr>
+      <p:grpSp>
+        <p:nvGrpSpPr>
+          <p:cNvPr id="222" name="그룹 221">
+            <a:extLst>
+              <a:ext uri="{FF2B5EF4-FFF2-40B4-BE49-F238E27FC236}">
+                <a16:creationId xmlns:a16="http://schemas.microsoft.com/office/drawing/2014/main" id="{3ABF5266-FEC2-426C-BB36-C84CEBB17E73}"/>
+              </a:ext>
+            </a:extLst>
+          </p:cNvPr>
+          <p:cNvGrpSpPr/>
+          <p:nvPr/>
+        </p:nvGrpSpPr>
+        <p:grpSpPr>
+          <a:xfrm>
+            <a:off x="661032" y="924984"/>
+            <a:ext cx="3406912" cy="3687486"/>
+            <a:chOff x="356491" y="1232857"/>
+            <a:chExt cx="3406912" cy="3687486"/>
+          </a:xfrm>
+        </p:grpSpPr>
+        <p:sp>
+          <p:nvSpPr>
+            <p:cNvPr id="223" name="사각형: 둥근 모서리 222">
+              <a:extLst>
+                <a:ext uri="{FF2B5EF4-FFF2-40B4-BE49-F238E27FC236}">
+                  <a16:creationId xmlns:a16="http://schemas.microsoft.com/office/drawing/2014/main" id="{2B48F313-DD96-45A3-B561-F784982C3F7C}"/>
+                </a:ext>
+              </a:extLst>
+            </p:cNvPr>
+            <p:cNvSpPr/>
+            <p:nvPr/>
+          </p:nvSpPr>
+          <p:spPr>
+            <a:xfrm>
+              <a:off x="356491" y="1232857"/>
+              <a:ext cx="3406912" cy="3687486"/>
+            </a:xfrm>
+            <a:prstGeom prst="roundRect">
+              <a:avLst>
+                <a:gd name="adj" fmla="val 4530"/>
+              </a:avLst>
+            </a:prstGeom>
+            <a:ln>
+              <a:solidFill>
+                <a:schemeClr val="bg1">
+                  <a:lumMod val="65000"/>
+                </a:schemeClr>
+              </a:solidFill>
+            </a:ln>
+          </p:spPr>
+          <p:style>
+            <a:lnRef idx="2">
+              <a:schemeClr val="dk1"/>
+            </a:lnRef>
+            <a:fillRef idx="1">
+              <a:schemeClr val="lt1"/>
+            </a:fillRef>
+            <a:effectRef idx="0">
+              <a:schemeClr val="dk1"/>
+            </a:effectRef>
+            <a:fontRef idx="minor">
+              <a:schemeClr val="dk1"/>
+            </a:fontRef>
+          </p:style>
+          <p:txBody>
+            <a:bodyPr rtlCol="0" anchor="b"/>
+            <a:lstStyle/>
+            <a:p>
+              <a:pPr algn="ctr"/>
+              <a:r>
+                <a:rPr lang="en-US" altLang="ko-KR" sz="1600" b="1"/>
+                <a:t>Master Node</a:t>
+              </a:r>
+              <a:endParaRPr lang="ko-KR" altLang="en-US" sz="1600" b="1"/>
+            </a:p>
+          </p:txBody>
+        </p:sp>
+        <p:sp>
+          <p:nvSpPr>
+            <p:cNvPr id="224" name="사각형: 둥근 모서리 223">
+              <a:extLst>
+                <a:ext uri="{FF2B5EF4-FFF2-40B4-BE49-F238E27FC236}">
+                  <a16:creationId xmlns:a16="http://schemas.microsoft.com/office/drawing/2014/main" id="{33782B9C-519C-43D1-8EA9-ACA8D3DE1B56}"/>
+                </a:ext>
+              </a:extLst>
+            </p:cNvPr>
+            <p:cNvSpPr/>
+            <p:nvPr/>
+          </p:nvSpPr>
+          <p:spPr>
+            <a:xfrm>
+              <a:off x="512262" y="1343929"/>
+              <a:ext cx="3103042" cy="3176288"/>
+            </a:xfrm>
+            <a:prstGeom prst="roundRect">
+              <a:avLst>
+                <a:gd name="adj" fmla="val 3766"/>
+              </a:avLst>
+            </a:prstGeom>
+            <a:ln>
+              <a:solidFill>
+                <a:schemeClr val="bg1">
+                  <a:lumMod val="65000"/>
+                </a:schemeClr>
+              </a:solidFill>
+            </a:ln>
+          </p:spPr>
+          <p:style>
+            <a:lnRef idx="2">
+              <a:schemeClr val="dk1"/>
+            </a:lnRef>
+            <a:fillRef idx="1">
+              <a:schemeClr val="lt1"/>
+            </a:fillRef>
+            <a:effectRef idx="0">
+              <a:schemeClr val="dk1"/>
+            </a:effectRef>
+            <a:fontRef idx="minor">
+              <a:schemeClr val="dk1"/>
+            </a:fontRef>
+          </p:style>
+          <p:txBody>
+            <a:bodyPr rtlCol="0" anchor="b"/>
+            <a:lstStyle/>
+            <a:p>
+              <a:pPr algn="ctr"/>
+              <a:r>
+                <a:rPr lang="en-US" altLang="ko-KR" sz="1400" b="1"/>
+                <a:t>Docker</a:t>
+              </a:r>
+              <a:endParaRPr lang="ko-KR" altLang="en-US" sz="1400" b="1"/>
+            </a:p>
+          </p:txBody>
+        </p:sp>
+        <p:sp>
+          <p:nvSpPr>
+            <p:cNvPr id="225" name="사각형: 둥근 모서리 224">
+              <a:extLst>
+                <a:ext uri="{FF2B5EF4-FFF2-40B4-BE49-F238E27FC236}">
+                  <a16:creationId xmlns:a16="http://schemas.microsoft.com/office/drawing/2014/main" id="{E9AD8CE5-9182-46BF-B297-724BF44C01C8}"/>
+                </a:ext>
+              </a:extLst>
+            </p:cNvPr>
+            <p:cNvSpPr/>
+            <p:nvPr/>
+          </p:nvSpPr>
+          <p:spPr>
+            <a:xfrm>
+              <a:off x="2172912" y="1470004"/>
+              <a:ext cx="1301347" cy="797287"/>
+            </a:xfrm>
+            <a:prstGeom prst="roundRect">
+              <a:avLst>
+                <a:gd name="adj" fmla="val 9318"/>
+              </a:avLst>
+            </a:prstGeom>
+            <a:ln>
+              <a:solidFill>
+                <a:schemeClr val="bg1">
+                  <a:lumMod val="65000"/>
+                </a:schemeClr>
+              </a:solidFill>
+            </a:ln>
+          </p:spPr>
+          <p:style>
+            <a:lnRef idx="2">
+              <a:schemeClr val="dk1"/>
+            </a:lnRef>
+            <a:fillRef idx="1">
+              <a:schemeClr val="lt1"/>
+            </a:fillRef>
+            <a:effectRef idx="0">
+              <a:schemeClr val="dk1"/>
+            </a:effectRef>
+            <a:fontRef idx="minor">
+              <a:schemeClr val="dk1"/>
+            </a:fontRef>
+          </p:style>
+          <p:txBody>
+            <a:bodyPr rtlCol="0" anchor="ctr"/>
+            <a:lstStyle/>
+            <a:p>
+              <a:pPr algn="ctr"/>
+              <a:r>
+                <a:rPr lang="en-US" altLang="ko-KR" sz="1400"/>
+                <a:t>kube-apiserver</a:t>
+              </a:r>
+            </a:p>
+          </p:txBody>
+        </p:sp>
+        <p:sp>
+          <p:nvSpPr>
+            <p:cNvPr id="226" name="사각형: 둥근 모서리 225">
+              <a:extLst>
+                <a:ext uri="{FF2B5EF4-FFF2-40B4-BE49-F238E27FC236}">
+                  <a16:creationId xmlns:a16="http://schemas.microsoft.com/office/drawing/2014/main" id="{6B3A5DA2-BEA7-4F91-A1A8-AC2A015809C4}"/>
+                </a:ext>
+              </a:extLst>
+            </p:cNvPr>
+            <p:cNvSpPr/>
+            <p:nvPr/>
+          </p:nvSpPr>
+          <p:spPr>
+            <a:xfrm>
+              <a:off x="661431" y="2494816"/>
+              <a:ext cx="1301347" cy="797287"/>
+            </a:xfrm>
+            <a:prstGeom prst="roundRect">
+              <a:avLst>
+                <a:gd name="adj" fmla="val 9318"/>
+              </a:avLst>
+            </a:prstGeom>
+            <a:ln>
+              <a:solidFill>
+                <a:schemeClr val="bg1">
+                  <a:lumMod val="65000"/>
+                </a:schemeClr>
+              </a:solidFill>
+            </a:ln>
+          </p:spPr>
+          <p:style>
+            <a:lnRef idx="2">
+              <a:schemeClr val="dk1"/>
+            </a:lnRef>
+            <a:fillRef idx="1">
+              <a:schemeClr val="lt1"/>
+            </a:fillRef>
+            <a:effectRef idx="0">
+              <a:schemeClr val="dk1"/>
+            </a:effectRef>
+            <a:fontRef idx="minor">
+              <a:schemeClr val="dk1"/>
+            </a:fontRef>
+          </p:style>
+          <p:txBody>
+            <a:bodyPr rtlCol="0" anchor="ctr"/>
+            <a:lstStyle/>
+            <a:p>
+              <a:pPr algn="ctr"/>
+              <a:r>
+                <a:rPr lang="en-US" altLang="ko-KR" sz="1400"/>
+                <a:t>kube-controller-manager</a:t>
+              </a:r>
+            </a:p>
+          </p:txBody>
+        </p:sp>
+        <p:sp>
+          <p:nvSpPr>
+            <p:cNvPr id="227" name="사각형: 둥근 모서리 226">
+              <a:extLst>
+                <a:ext uri="{FF2B5EF4-FFF2-40B4-BE49-F238E27FC236}">
+                  <a16:creationId xmlns:a16="http://schemas.microsoft.com/office/drawing/2014/main" id="{46DF4D7E-63C9-4B8E-A33B-DB3AE3A96520}"/>
+                </a:ext>
+              </a:extLst>
+            </p:cNvPr>
+            <p:cNvSpPr/>
+            <p:nvPr/>
+          </p:nvSpPr>
+          <p:spPr>
+            <a:xfrm>
+              <a:off x="2172912" y="2494816"/>
+              <a:ext cx="1301347" cy="797287"/>
+            </a:xfrm>
+            <a:prstGeom prst="roundRect">
+              <a:avLst>
+                <a:gd name="adj" fmla="val 9318"/>
+              </a:avLst>
+            </a:prstGeom>
+            <a:ln>
+              <a:solidFill>
+                <a:schemeClr val="bg1">
+                  <a:lumMod val="65000"/>
+                </a:schemeClr>
+              </a:solidFill>
+            </a:ln>
+          </p:spPr>
+          <p:style>
+            <a:lnRef idx="2">
+              <a:schemeClr val="dk1"/>
+            </a:lnRef>
+            <a:fillRef idx="1">
+              <a:schemeClr val="lt1"/>
+            </a:fillRef>
+            <a:effectRef idx="0">
+              <a:schemeClr val="dk1"/>
+            </a:effectRef>
+            <a:fontRef idx="minor">
+              <a:schemeClr val="dk1"/>
+            </a:fontRef>
+          </p:style>
+          <p:txBody>
+            <a:bodyPr rtlCol="0" anchor="ctr"/>
+            <a:lstStyle/>
+            <a:p>
+              <a:pPr algn="ctr"/>
+              <a:r>
+                <a:rPr lang="en-US" altLang="ko-KR" sz="1400"/>
+                <a:t>kube-scheduler</a:t>
+              </a:r>
+            </a:p>
+          </p:txBody>
+        </p:sp>
+        <p:sp>
+          <p:nvSpPr>
+            <p:cNvPr id="228" name="사각형: 둥근 모서리 227">
+              <a:extLst>
+                <a:ext uri="{FF2B5EF4-FFF2-40B4-BE49-F238E27FC236}">
+                  <a16:creationId xmlns:a16="http://schemas.microsoft.com/office/drawing/2014/main" id="{A24A3EE0-E515-4199-8010-B75D09A7BEF0}"/>
+                </a:ext>
+              </a:extLst>
+            </p:cNvPr>
+            <p:cNvSpPr/>
+            <p:nvPr/>
+          </p:nvSpPr>
+          <p:spPr>
+            <a:xfrm>
+              <a:off x="661431" y="1470004"/>
+              <a:ext cx="1301347" cy="797287"/>
+            </a:xfrm>
+            <a:prstGeom prst="roundRect">
+              <a:avLst>
+                <a:gd name="adj" fmla="val 9318"/>
+              </a:avLst>
+            </a:prstGeom>
+            <a:ln>
+              <a:solidFill>
+                <a:schemeClr val="bg1">
+                  <a:lumMod val="65000"/>
+                </a:schemeClr>
+              </a:solidFill>
+            </a:ln>
+          </p:spPr>
+          <p:style>
+            <a:lnRef idx="2">
+              <a:schemeClr val="dk1"/>
+            </a:lnRef>
+            <a:fillRef idx="1">
+              <a:schemeClr val="lt1"/>
+            </a:fillRef>
+            <a:effectRef idx="0">
+              <a:schemeClr val="dk1"/>
+            </a:effectRef>
+            <a:fontRef idx="minor">
+              <a:schemeClr val="dk1"/>
+            </a:fontRef>
+          </p:style>
+          <p:txBody>
+            <a:bodyPr rtlCol="0" anchor="ctr"/>
+            <a:lstStyle/>
+            <a:p>
+              <a:pPr algn="ctr"/>
+              <a:r>
+                <a:rPr lang="en-US" altLang="ko-KR" sz="1400"/>
+                <a:t>etcd</a:t>
+              </a:r>
+            </a:p>
+          </p:txBody>
+        </p:sp>
+        <p:cxnSp>
+          <p:nvCxnSpPr>
+            <p:cNvPr id="229" name="직선 화살표 연결선 228">
+              <a:extLst>
+                <a:ext uri="{FF2B5EF4-FFF2-40B4-BE49-F238E27FC236}">
+                  <a16:creationId xmlns:a16="http://schemas.microsoft.com/office/drawing/2014/main" id="{DFA9B0F6-86EF-4BAD-AE76-A2EA95946ACA}"/>
+                </a:ext>
+              </a:extLst>
+            </p:cNvPr>
+            <p:cNvCxnSpPr>
+              <a:cxnSpLocks/>
+              <a:stCxn id="225" idx="1"/>
+              <a:endCxn id="228" idx="3"/>
+            </p:cNvCxnSpPr>
+            <p:nvPr/>
+          </p:nvCxnSpPr>
+          <p:spPr>
+            <a:xfrm flipH="1">
+              <a:off x="1962778" y="1868648"/>
+              <a:ext cx="210134" cy="0"/>
+            </a:xfrm>
+            <a:prstGeom prst="straightConnector1">
+              <a:avLst/>
+            </a:prstGeom>
+            <a:ln w="28575">
+              <a:solidFill>
+                <a:schemeClr val="bg1">
+                  <a:lumMod val="65000"/>
+                </a:schemeClr>
+              </a:solidFill>
+              <a:headEnd type="arrow" w="med" len="med"/>
+              <a:tailEnd type="arrow" w="med" len="med"/>
+            </a:ln>
+          </p:spPr>
+          <p:style>
+            <a:lnRef idx="1">
+              <a:schemeClr val="accent1"/>
+            </a:lnRef>
+            <a:fillRef idx="0">
+              <a:schemeClr val="accent1"/>
+            </a:fillRef>
+            <a:effectRef idx="0">
+              <a:schemeClr val="accent1"/>
+            </a:effectRef>
+            <a:fontRef idx="minor">
+              <a:schemeClr val="tx1"/>
+            </a:fontRef>
+          </p:style>
+        </p:cxnSp>
+        <p:cxnSp>
+          <p:nvCxnSpPr>
+            <p:cNvPr id="230" name="직선 화살표 연결선 229">
+              <a:extLst>
+                <a:ext uri="{FF2B5EF4-FFF2-40B4-BE49-F238E27FC236}">
+                  <a16:creationId xmlns:a16="http://schemas.microsoft.com/office/drawing/2014/main" id="{C5AA20BD-0448-4F7F-A334-AB8FEF24008D}"/>
+                </a:ext>
+              </a:extLst>
+            </p:cNvPr>
+            <p:cNvCxnSpPr>
+              <a:cxnSpLocks/>
+              <a:stCxn id="225" idx="2"/>
+              <a:endCxn id="226" idx="0"/>
+            </p:cNvCxnSpPr>
+            <p:nvPr/>
+          </p:nvCxnSpPr>
+          <p:spPr>
+            <a:xfrm flipH="1">
+              <a:off x="1312105" y="2267291"/>
+              <a:ext cx="1511481" cy="227525"/>
+            </a:xfrm>
+            <a:prstGeom prst="straightConnector1">
+              <a:avLst/>
+            </a:prstGeom>
+            <a:ln w="28575">
+              <a:solidFill>
+                <a:schemeClr val="bg1">
+                  <a:lumMod val="65000"/>
+                </a:schemeClr>
+              </a:solidFill>
+              <a:headEnd type="arrow" w="med" len="med"/>
+              <a:tailEnd type="arrow" w="med" len="med"/>
+            </a:ln>
+          </p:spPr>
+          <p:style>
+            <a:lnRef idx="1">
+              <a:schemeClr val="accent1"/>
+            </a:lnRef>
+            <a:fillRef idx="0">
+              <a:schemeClr val="accent1"/>
+            </a:fillRef>
+            <a:effectRef idx="0">
+              <a:schemeClr val="accent1"/>
+            </a:effectRef>
+            <a:fontRef idx="minor">
+              <a:schemeClr val="tx1"/>
+            </a:fontRef>
+          </p:style>
+        </p:cxnSp>
+        <p:cxnSp>
+          <p:nvCxnSpPr>
+            <p:cNvPr id="231" name="직선 화살표 연결선 230">
+              <a:extLst>
+                <a:ext uri="{FF2B5EF4-FFF2-40B4-BE49-F238E27FC236}">
+                  <a16:creationId xmlns:a16="http://schemas.microsoft.com/office/drawing/2014/main" id="{C6B4F1C0-E30B-42D3-8221-227A8CAA999E}"/>
+                </a:ext>
+              </a:extLst>
+            </p:cNvPr>
+            <p:cNvCxnSpPr>
+              <a:cxnSpLocks/>
+              <a:stCxn id="225" idx="2"/>
+              <a:endCxn id="227" idx="0"/>
+            </p:cNvCxnSpPr>
+            <p:nvPr/>
+          </p:nvCxnSpPr>
+          <p:spPr>
+            <a:xfrm>
+              <a:off x="2823586" y="2267291"/>
+              <a:ext cx="0" cy="227525"/>
+            </a:xfrm>
+            <a:prstGeom prst="straightConnector1">
+              <a:avLst/>
+            </a:prstGeom>
+            <a:ln w="28575">
+              <a:solidFill>
+                <a:schemeClr val="bg1">
+                  <a:lumMod val="65000"/>
+                </a:schemeClr>
+              </a:solidFill>
+              <a:headEnd type="arrow" w="med" len="med"/>
+              <a:tailEnd type="arrow" w="med" len="med"/>
+            </a:ln>
+          </p:spPr>
+          <p:style>
+            <a:lnRef idx="1">
+              <a:schemeClr val="accent1"/>
+            </a:lnRef>
+            <a:fillRef idx="0">
+              <a:schemeClr val="accent1"/>
+            </a:fillRef>
+            <a:effectRef idx="0">
+              <a:schemeClr val="accent1"/>
+            </a:effectRef>
+            <a:fontRef idx="minor">
+              <a:schemeClr val="tx1"/>
+            </a:fontRef>
+          </p:style>
+        </p:cxnSp>
+        <p:sp>
+          <p:nvSpPr>
+            <p:cNvPr id="232" name="사각형: 둥근 모서리 231">
+              <a:extLst>
+                <a:ext uri="{FF2B5EF4-FFF2-40B4-BE49-F238E27FC236}">
+                  <a16:creationId xmlns:a16="http://schemas.microsoft.com/office/drawing/2014/main" id="{F28CB064-84EA-4DC5-9386-874609B8DE1B}"/>
+                </a:ext>
+              </a:extLst>
+            </p:cNvPr>
+            <p:cNvSpPr/>
+            <p:nvPr/>
+          </p:nvSpPr>
+          <p:spPr>
+            <a:xfrm>
+              <a:off x="661431" y="3513623"/>
+              <a:ext cx="1301346" cy="684708"/>
+            </a:xfrm>
+            <a:prstGeom prst="roundRect">
+              <a:avLst>
+                <a:gd name="adj" fmla="val 9318"/>
+              </a:avLst>
+            </a:prstGeom>
+            <a:ln>
+              <a:solidFill>
+                <a:schemeClr val="bg1">
+                  <a:lumMod val="65000"/>
+                </a:schemeClr>
+              </a:solidFill>
+            </a:ln>
+          </p:spPr>
+          <p:style>
+            <a:lnRef idx="2">
+              <a:schemeClr val="dk1"/>
+            </a:lnRef>
+            <a:fillRef idx="1">
+              <a:schemeClr val="lt1"/>
+            </a:fillRef>
+            <a:effectRef idx="0">
+              <a:schemeClr val="dk1"/>
+            </a:effectRef>
+            <a:fontRef idx="minor">
+              <a:schemeClr val="dk1"/>
+            </a:fontRef>
+          </p:style>
+          <p:txBody>
+            <a:bodyPr rtlCol="0" anchor="ctr"/>
+            <a:lstStyle/>
+            <a:p>
+              <a:pPr algn="ctr"/>
+              <a:r>
+                <a:rPr lang="en-US" altLang="ko-KR" sz="1400"/>
+                <a:t>kube-proxy</a:t>
+              </a:r>
+            </a:p>
+            <a:p>
+              <a:pPr algn="ctr"/>
+              <a:r>
+                <a:rPr lang="en-US" altLang="ko-KR" sz="1400"/>
+                <a:t>/ Daemonset</a:t>
+              </a:r>
+              <a:endParaRPr lang="ko-KR" altLang="en-US" sz="1400"/>
+            </a:p>
+          </p:txBody>
+        </p:sp>
+        <p:sp>
+          <p:nvSpPr>
+            <p:cNvPr id="233" name="사각형: 둥근 모서리 232">
+              <a:extLst>
+                <a:ext uri="{FF2B5EF4-FFF2-40B4-BE49-F238E27FC236}">
+                  <a16:creationId xmlns:a16="http://schemas.microsoft.com/office/drawing/2014/main" id="{6B29E1AF-E429-43C2-8E1F-1022CBE95290}"/>
+                </a:ext>
+              </a:extLst>
+            </p:cNvPr>
+            <p:cNvSpPr/>
+            <p:nvPr/>
+          </p:nvSpPr>
+          <p:spPr>
+            <a:xfrm>
+              <a:off x="2170335" y="3513623"/>
+              <a:ext cx="1301346" cy="684708"/>
+            </a:xfrm>
+            <a:prstGeom prst="roundRect">
+              <a:avLst>
+                <a:gd name="adj" fmla="val 9318"/>
+              </a:avLst>
+            </a:prstGeom>
+            <a:ln>
+              <a:solidFill>
+                <a:schemeClr val="bg1">
+                  <a:lumMod val="65000"/>
+                </a:schemeClr>
+              </a:solidFill>
+            </a:ln>
+          </p:spPr>
+          <p:style>
+            <a:lnRef idx="2">
+              <a:schemeClr val="dk1"/>
+            </a:lnRef>
+            <a:fillRef idx="1">
+              <a:schemeClr val="lt1"/>
+            </a:fillRef>
+            <a:effectRef idx="0">
+              <a:schemeClr val="dk1"/>
+            </a:effectRef>
+            <a:fontRef idx="minor">
+              <a:schemeClr val="dk1"/>
+            </a:fontRef>
+          </p:style>
+          <p:txBody>
+            <a:bodyPr rtlCol="0" anchor="ctr"/>
+            <a:lstStyle/>
+            <a:p>
+              <a:pPr algn="ctr"/>
+              <a:r>
+                <a:rPr lang="en-US" altLang="ko-KR" sz="1400"/>
+                <a:t>Net Daemon</a:t>
+              </a:r>
+            </a:p>
+            <a:p>
+              <a:pPr algn="ctr"/>
+              <a:r>
+                <a:rPr lang="en-US" altLang="ko-KR" sz="1400"/>
+                <a:t>/ Daemonset</a:t>
+              </a:r>
+              <a:endParaRPr lang="ko-KR" altLang="en-US" sz="1400"/>
+            </a:p>
+          </p:txBody>
+        </p:sp>
+        <p:cxnSp>
+          <p:nvCxnSpPr>
+            <p:cNvPr id="234" name="직선 화살표 연결선 233">
+              <a:extLst>
+                <a:ext uri="{FF2B5EF4-FFF2-40B4-BE49-F238E27FC236}">
+                  <a16:creationId xmlns:a16="http://schemas.microsoft.com/office/drawing/2014/main" id="{CBF41A9D-5ED0-40B2-80B3-1A6868B6289B}"/>
+                </a:ext>
+              </a:extLst>
+            </p:cNvPr>
+            <p:cNvCxnSpPr>
+              <a:cxnSpLocks/>
+              <a:stCxn id="225" idx="2"/>
+              <a:endCxn id="232" idx="0"/>
+            </p:cNvCxnSpPr>
+            <p:nvPr/>
+          </p:nvCxnSpPr>
+          <p:spPr>
+            <a:xfrm flipH="1">
+              <a:off x="1312104" y="2267291"/>
+              <a:ext cx="1511482" cy="1246332"/>
+            </a:xfrm>
+            <a:prstGeom prst="straightConnector1">
+              <a:avLst/>
+            </a:prstGeom>
+            <a:ln w="28575">
+              <a:solidFill>
+                <a:schemeClr val="bg1">
+                  <a:lumMod val="65000"/>
+                </a:schemeClr>
+              </a:solidFill>
+              <a:headEnd type="arrow" w="med" len="med"/>
+              <a:tailEnd type="arrow" w="med" len="med"/>
+            </a:ln>
+          </p:spPr>
+          <p:style>
+            <a:lnRef idx="1">
+              <a:schemeClr val="accent1"/>
+            </a:lnRef>
+            <a:fillRef idx="0">
+              <a:schemeClr val="accent1"/>
+            </a:fillRef>
+            <a:effectRef idx="0">
+              <a:schemeClr val="accent1"/>
+            </a:effectRef>
+            <a:fontRef idx="minor">
+              <a:schemeClr val="tx1"/>
+            </a:fontRef>
+          </p:style>
+        </p:cxnSp>
+        <p:cxnSp>
+          <p:nvCxnSpPr>
+            <p:cNvPr id="235" name="직선 화살표 연결선 234">
+              <a:extLst>
+                <a:ext uri="{FF2B5EF4-FFF2-40B4-BE49-F238E27FC236}">
+                  <a16:creationId xmlns:a16="http://schemas.microsoft.com/office/drawing/2014/main" id="{CD836159-2E1C-409D-AEF7-61B6DEB42ADA}"/>
+                </a:ext>
+              </a:extLst>
+            </p:cNvPr>
+            <p:cNvCxnSpPr>
+              <a:cxnSpLocks/>
+              <a:stCxn id="225" idx="2"/>
+              <a:endCxn id="233" idx="0"/>
+            </p:cNvCxnSpPr>
+            <p:nvPr/>
+          </p:nvCxnSpPr>
+          <p:spPr>
+            <a:xfrm flipH="1">
+              <a:off x="2821008" y="2267291"/>
+              <a:ext cx="2578" cy="1246332"/>
+            </a:xfrm>
+            <a:prstGeom prst="straightConnector1">
+              <a:avLst/>
+            </a:prstGeom>
+            <a:ln w="28575">
+              <a:solidFill>
+                <a:schemeClr val="bg1">
+                  <a:lumMod val="65000"/>
+                </a:schemeClr>
+              </a:solidFill>
+              <a:headEnd type="arrow" w="med" len="med"/>
+              <a:tailEnd type="arrow" w="med" len="med"/>
+            </a:ln>
+          </p:spPr>
+          <p:style>
+            <a:lnRef idx="1">
+              <a:schemeClr val="accent1"/>
+            </a:lnRef>
+            <a:fillRef idx="0">
+              <a:schemeClr val="accent1"/>
+            </a:fillRef>
+            <a:effectRef idx="0">
+              <a:schemeClr val="accent1"/>
+            </a:effectRef>
+            <a:fontRef idx="minor">
+              <a:schemeClr val="tx1"/>
+            </a:fontRef>
+          </p:style>
+        </p:cxnSp>
+      </p:grpSp>
+      <p:grpSp>
+        <p:nvGrpSpPr>
+          <p:cNvPr id="203" name="그룹 202">
+            <a:extLst>
+              <a:ext uri="{FF2B5EF4-FFF2-40B4-BE49-F238E27FC236}">
+                <a16:creationId xmlns:a16="http://schemas.microsoft.com/office/drawing/2014/main" id="{14FD72AE-F990-47AF-A70A-A15D16871D29}"/>
+              </a:ext>
+            </a:extLst>
+          </p:cNvPr>
+          <p:cNvGrpSpPr/>
+          <p:nvPr/>
+        </p:nvGrpSpPr>
+        <p:grpSpPr>
+          <a:xfrm>
+            <a:off x="4831617" y="735148"/>
+            <a:ext cx="3623078" cy="3312368"/>
+            <a:chOff x="4716016" y="1635646"/>
+            <a:chExt cx="3623078" cy="3312368"/>
+          </a:xfrm>
+        </p:grpSpPr>
+        <p:sp>
+          <p:nvSpPr>
+            <p:cNvPr id="204" name="사각형: 둥근 모서리 203">
+              <a:extLst>
+                <a:ext uri="{FF2B5EF4-FFF2-40B4-BE49-F238E27FC236}">
+                  <a16:creationId xmlns:a16="http://schemas.microsoft.com/office/drawing/2014/main" id="{8A001A10-23E9-4750-8048-2F7BB66EF9B0}"/>
+                </a:ext>
+              </a:extLst>
+            </p:cNvPr>
+            <p:cNvSpPr/>
+            <p:nvPr/>
+          </p:nvSpPr>
+          <p:spPr>
+            <a:xfrm>
+              <a:off x="4716016" y="1635646"/>
+              <a:ext cx="3623078" cy="3312368"/>
+            </a:xfrm>
+            <a:prstGeom prst="roundRect">
+              <a:avLst>
+                <a:gd name="adj" fmla="val 3439"/>
+              </a:avLst>
+            </a:prstGeom>
+            <a:ln>
+              <a:solidFill>
+                <a:schemeClr val="bg1">
+                  <a:lumMod val="75000"/>
+                </a:schemeClr>
+              </a:solidFill>
+            </a:ln>
+          </p:spPr>
+          <p:style>
+            <a:lnRef idx="2">
+              <a:schemeClr val="dk1"/>
+            </a:lnRef>
+            <a:fillRef idx="1">
+              <a:schemeClr val="lt1"/>
+            </a:fillRef>
+            <a:effectRef idx="0">
+              <a:schemeClr val="dk1"/>
+            </a:effectRef>
+            <a:fontRef idx="minor">
+              <a:schemeClr val="dk1"/>
+            </a:fontRef>
+          </p:style>
+          <p:txBody>
+            <a:bodyPr rtlCol="0" anchor="b"/>
+            <a:lstStyle/>
+            <a:p>
+              <a:pPr algn="ctr"/>
+              <a:r>
+                <a:rPr lang="en-US" altLang="ko-KR" sz="1600" b="1"/>
+                <a:t>Worker Node</a:t>
+              </a:r>
+              <a:endParaRPr lang="ko-KR" altLang="en-US" sz="1600" b="1"/>
+            </a:p>
+          </p:txBody>
+        </p:sp>
+        <p:sp>
+          <p:nvSpPr>
+            <p:cNvPr id="205" name="사각형: 둥근 모서리 204">
+              <a:extLst>
+                <a:ext uri="{FF2B5EF4-FFF2-40B4-BE49-F238E27FC236}">
+                  <a16:creationId xmlns:a16="http://schemas.microsoft.com/office/drawing/2014/main" id="{DE21EF05-BCA7-47A3-BC74-68EEAE37A0FA}"/>
+                </a:ext>
+              </a:extLst>
+            </p:cNvPr>
+            <p:cNvSpPr/>
+            <p:nvPr/>
+          </p:nvSpPr>
+          <p:spPr>
+            <a:xfrm>
+              <a:off x="5118213" y="1762523"/>
+              <a:ext cx="1152128" cy="504056"/>
+            </a:xfrm>
+            <a:prstGeom prst="roundRect">
+              <a:avLst>
+                <a:gd name="adj" fmla="val 9318"/>
+              </a:avLst>
+            </a:prstGeom>
+            <a:ln>
+              <a:solidFill>
+                <a:schemeClr val="bg1">
+                  <a:lumMod val="75000"/>
+                </a:schemeClr>
+              </a:solidFill>
+            </a:ln>
+          </p:spPr>
+          <p:style>
+            <a:lnRef idx="2">
+              <a:schemeClr val="dk1"/>
+            </a:lnRef>
+            <a:fillRef idx="1">
+              <a:schemeClr val="lt1"/>
+            </a:fillRef>
+            <a:effectRef idx="0">
+              <a:schemeClr val="dk1"/>
+            </a:effectRef>
+            <a:fontRef idx="minor">
+              <a:schemeClr val="dk1"/>
+            </a:fontRef>
+          </p:style>
+          <p:txBody>
+            <a:bodyPr rtlCol="0" anchor="ctr"/>
+            <a:lstStyle/>
+            <a:p>
+              <a:pPr algn="ctr"/>
+              <a:r>
+                <a:rPr lang="en-US" altLang="ko-KR" sz="1400"/>
+                <a:t>kubelet</a:t>
+              </a:r>
+              <a:endParaRPr lang="ko-KR" altLang="en-US" sz="1400"/>
+            </a:p>
+          </p:txBody>
+        </p:sp>
+        <p:sp>
+          <p:nvSpPr>
+            <p:cNvPr id="206" name="사각형: 둥근 모서리 205">
+              <a:extLst>
+                <a:ext uri="{FF2B5EF4-FFF2-40B4-BE49-F238E27FC236}">
+                  <a16:creationId xmlns:a16="http://schemas.microsoft.com/office/drawing/2014/main" id="{51943266-AD1F-4F08-A7F1-BB415F676695}"/>
+                </a:ext>
+              </a:extLst>
+            </p:cNvPr>
+            <p:cNvSpPr/>
+            <p:nvPr/>
+          </p:nvSpPr>
+          <p:spPr>
+            <a:xfrm>
+              <a:off x="6743093" y="1755068"/>
+              <a:ext cx="1152128" cy="504056"/>
+            </a:xfrm>
+            <a:prstGeom prst="roundRect">
+              <a:avLst>
+                <a:gd name="adj" fmla="val 9318"/>
+              </a:avLst>
+            </a:prstGeom>
+            <a:ln>
+              <a:solidFill>
+                <a:schemeClr val="bg1">
+                  <a:lumMod val="75000"/>
+                </a:schemeClr>
+              </a:solidFill>
+            </a:ln>
+          </p:spPr>
+          <p:style>
+            <a:lnRef idx="2">
+              <a:schemeClr val="dk1"/>
+            </a:lnRef>
+            <a:fillRef idx="1">
+              <a:schemeClr val="lt1"/>
+            </a:fillRef>
+            <a:effectRef idx="0">
+              <a:schemeClr val="dk1"/>
+            </a:effectRef>
+            <a:fontRef idx="minor">
+              <a:schemeClr val="dk1"/>
+            </a:fontRef>
+          </p:style>
+          <p:txBody>
+            <a:bodyPr rtlCol="0" anchor="ctr"/>
+            <a:lstStyle/>
+            <a:p>
+              <a:pPr algn="ctr"/>
+              <a:r>
+                <a:rPr lang="en-US" altLang="ko-KR" sz="1400"/>
+                <a:t>CNI Plugin</a:t>
+              </a:r>
+              <a:endParaRPr lang="ko-KR" altLang="en-US" sz="1400"/>
+            </a:p>
+          </p:txBody>
+        </p:sp>
+        <p:sp>
+          <p:nvSpPr>
+            <p:cNvPr id="207" name="사각형: 둥근 모서리 206">
+              <a:extLst>
+                <a:ext uri="{FF2B5EF4-FFF2-40B4-BE49-F238E27FC236}">
+                  <a16:creationId xmlns:a16="http://schemas.microsoft.com/office/drawing/2014/main" id="{BA19E836-A714-4C0A-BB57-E08B61DC9DD1}"/>
+                </a:ext>
+              </a:extLst>
+            </p:cNvPr>
+            <p:cNvSpPr/>
+            <p:nvPr/>
+          </p:nvSpPr>
+          <p:spPr>
+            <a:xfrm>
+              <a:off x="4882710" y="2499741"/>
+              <a:ext cx="3312368" cy="2078351"/>
+            </a:xfrm>
+            <a:prstGeom prst="roundRect">
+              <a:avLst>
+                <a:gd name="adj" fmla="val 4573"/>
+              </a:avLst>
+            </a:prstGeom>
+            <a:ln>
+              <a:solidFill>
+                <a:schemeClr val="bg1">
+                  <a:lumMod val="75000"/>
+                </a:schemeClr>
+              </a:solidFill>
+            </a:ln>
+          </p:spPr>
+          <p:style>
+            <a:lnRef idx="2">
+              <a:schemeClr val="dk1"/>
+            </a:lnRef>
+            <a:fillRef idx="1">
+              <a:schemeClr val="lt1"/>
+            </a:fillRef>
+            <a:effectRef idx="0">
+              <a:schemeClr val="dk1"/>
+            </a:effectRef>
+            <a:fontRef idx="minor">
+              <a:schemeClr val="dk1"/>
+            </a:fontRef>
+          </p:style>
+          <p:txBody>
+            <a:bodyPr rtlCol="0" anchor="b"/>
+            <a:lstStyle/>
+            <a:p>
+              <a:pPr algn="ctr"/>
+              <a:r>
+                <a:rPr lang="en-US" altLang="ko-KR" sz="1400" b="1"/>
+                <a:t>Docker</a:t>
+              </a:r>
+              <a:endParaRPr lang="ko-KR" altLang="en-US" sz="1400" b="1"/>
+            </a:p>
+          </p:txBody>
+        </p:sp>
+        <p:grpSp>
+          <p:nvGrpSpPr>
+            <p:cNvPr id="208" name="그룹 207">
+              <a:extLst>
+                <a:ext uri="{FF2B5EF4-FFF2-40B4-BE49-F238E27FC236}">
+                  <a16:creationId xmlns:a16="http://schemas.microsoft.com/office/drawing/2014/main" id="{5EC6334B-ABB4-46D2-B966-CE3BB0943CDC}"/>
+                </a:ext>
+              </a:extLst>
+            </p:cNvPr>
+            <p:cNvGrpSpPr/>
+            <p:nvPr/>
+          </p:nvGrpSpPr>
+          <p:grpSpPr>
+            <a:xfrm>
+              <a:off x="6650767" y="2712820"/>
+              <a:ext cx="1321468" cy="546583"/>
+              <a:chOff x="6444208" y="3253038"/>
+              <a:chExt cx="1321468" cy="546583"/>
+            </a:xfrm>
+          </p:grpSpPr>
+          <p:sp>
+            <p:nvSpPr>
+              <p:cNvPr id="215" name="사각형: 둥근 모서리 214">
+                <a:extLst>
+                  <a:ext uri="{FF2B5EF4-FFF2-40B4-BE49-F238E27FC236}">
+                    <a16:creationId xmlns:a16="http://schemas.microsoft.com/office/drawing/2014/main" id="{43C901C7-41E8-4B45-B15F-48B8DAD1B167}"/>
+                  </a:ext>
+                </a:extLst>
+              </p:cNvPr>
+              <p:cNvSpPr/>
+              <p:nvPr/>
+            </p:nvSpPr>
+            <p:spPr>
+              <a:xfrm>
+                <a:off x="6627016" y="3253038"/>
+                <a:ext cx="1138660" cy="409048"/>
+              </a:xfrm>
+              <a:prstGeom prst="roundRect">
+                <a:avLst>
+                  <a:gd name="adj" fmla="val 9318"/>
+                </a:avLst>
+              </a:prstGeom>
+              <a:ln>
+                <a:solidFill>
+                  <a:schemeClr val="bg1">
+                    <a:lumMod val="75000"/>
+                  </a:schemeClr>
+                </a:solidFill>
+              </a:ln>
+            </p:spPr>
+            <p:style>
+              <a:lnRef idx="2">
+                <a:schemeClr val="dk1"/>
+              </a:lnRef>
+              <a:fillRef idx="1">
+                <a:schemeClr val="lt1"/>
+              </a:fillRef>
+              <a:effectRef idx="0">
+                <a:schemeClr val="dk1"/>
+              </a:effectRef>
+              <a:fontRef idx="minor">
+                <a:schemeClr val="dk1"/>
+              </a:fontRef>
+            </p:style>
+            <p:txBody>
+              <a:bodyPr rtlCol="0" anchor="ctr"/>
+              <a:lstStyle/>
+              <a:p>
+                <a:pPr algn="ctr"/>
+                <a:r>
+                  <a:rPr lang="en-US" altLang="ko-KR" sz="1400"/>
+                  <a:t>Pod</a:t>
+                </a:r>
+                <a:endParaRPr lang="ko-KR" altLang="en-US" sz="1400"/>
+              </a:p>
+            </p:txBody>
+          </p:sp>
+          <p:sp>
+            <p:nvSpPr>
+              <p:cNvPr id="216" name="사각형: 둥근 모서리 215">
+                <a:extLst>
+                  <a:ext uri="{FF2B5EF4-FFF2-40B4-BE49-F238E27FC236}">
+                    <a16:creationId xmlns:a16="http://schemas.microsoft.com/office/drawing/2014/main" id="{D5507AA2-3A86-4447-A88A-AAC5671037AA}"/>
+                  </a:ext>
+                </a:extLst>
+              </p:cNvPr>
+              <p:cNvSpPr/>
+              <p:nvPr/>
+            </p:nvSpPr>
+            <p:spPr>
+              <a:xfrm>
+                <a:off x="6536534" y="3321084"/>
+                <a:ext cx="1138660" cy="409048"/>
+              </a:xfrm>
+              <a:prstGeom prst="roundRect">
+                <a:avLst>
+                  <a:gd name="adj" fmla="val 9318"/>
+                </a:avLst>
+              </a:prstGeom>
+              <a:ln>
+                <a:solidFill>
+                  <a:schemeClr val="bg1">
+                    <a:lumMod val="75000"/>
+                  </a:schemeClr>
+                </a:solidFill>
+              </a:ln>
+            </p:spPr>
+            <p:style>
+              <a:lnRef idx="2">
+                <a:schemeClr val="dk1"/>
+              </a:lnRef>
+              <a:fillRef idx="1">
+                <a:schemeClr val="lt1"/>
+              </a:fillRef>
+              <a:effectRef idx="0">
+                <a:schemeClr val="dk1"/>
+              </a:effectRef>
+              <a:fontRef idx="minor">
+                <a:schemeClr val="dk1"/>
+              </a:fontRef>
+            </p:style>
+            <p:txBody>
+              <a:bodyPr rtlCol="0" anchor="ctr"/>
+              <a:lstStyle/>
+              <a:p>
+                <a:pPr algn="ctr"/>
+                <a:r>
+                  <a:rPr lang="en-US" altLang="ko-KR" sz="1400"/>
+                  <a:t>Pod</a:t>
+                </a:r>
+                <a:endParaRPr lang="ko-KR" altLang="en-US" sz="1400"/>
+              </a:p>
+            </p:txBody>
+          </p:sp>
+          <p:sp>
+            <p:nvSpPr>
+              <p:cNvPr id="217" name="사각형: 둥근 모서리 216">
+                <a:extLst>
+                  <a:ext uri="{FF2B5EF4-FFF2-40B4-BE49-F238E27FC236}">
+                    <a16:creationId xmlns:a16="http://schemas.microsoft.com/office/drawing/2014/main" id="{71412BB8-8040-44D0-9898-142B469D1536}"/>
+                  </a:ext>
+                </a:extLst>
+              </p:cNvPr>
+              <p:cNvSpPr/>
+              <p:nvPr/>
+            </p:nvSpPr>
+            <p:spPr>
+              <a:xfrm>
+                <a:off x="6444208" y="3390573"/>
+                <a:ext cx="1138660" cy="409048"/>
+              </a:xfrm>
+              <a:prstGeom prst="roundRect">
+                <a:avLst>
+                  <a:gd name="adj" fmla="val 9318"/>
+                </a:avLst>
+              </a:prstGeom>
+              <a:ln>
+                <a:solidFill>
+                  <a:schemeClr val="bg1">
+                    <a:lumMod val="75000"/>
+                  </a:schemeClr>
+                </a:solidFill>
+              </a:ln>
+            </p:spPr>
+            <p:style>
+              <a:lnRef idx="2">
+                <a:schemeClr val="dk1"/>
+              </a:lnRef>
+              <a:fillRef idx="1">
+                <a:schemeClr val="lt1"/>
+              </a:fillRef>
+              <a:effectRef idx="0">
+                <a:schemeClr val="dk1"/>
+              </a:effectRef>
+              <a:fontRef idx="minor">
+                <a:schemeClr val="dk1"/>
+              </a:fontRef>
+            </p:style>
+            <p:txBody>
+              <a:bodyPr rtlCol="0" anchor="ctr"/>
+              <a:lstStyle/>
+              <a:p>
+                <a:pPr algn="ctr"/>
+                <a:r>
+                  <a:rPr lang="en-US" altLang="ko-KR" sz="1400"/>
+                  <a:t>App / Pod</a:t>
+                </a:r>
+                <a:endParaRPr lang="ko-KR" altLang="en-US" sz="1400"/>
+              </a:p>
+            </p:txBody>
+          </p:sp>
+        </p:grpSp>
+        <p:sp>
+          <p:nvSpPr>
+            <p:cNvPr id="209" name="사각형: 둥근 모서리 208">
+              <a:extLst>
+                <a:ext uri="{FF2B5EF4-FFF2-40B4-BE49-F238E27FC236}">
+                  <a16:creationId xmlns:a16="http://schemas.microsoft.com/office/drawing/2014/main" id="{37D60D38-3218-4C11-B447-52CBC3568943}"/>
+                </a:ext>
+              </a:extLst>
+            </p:cNvPr>
+            <p:cNvSpPr/>
+            <p:nvPr/>
+          </p:nvSpPr>
+          <p:spPr>
+            <a:xfrm>
+              <a:off x="5026726" y="2643758"/>
+              <a:ext cx="1335105" cy="684708"/>
+            </a:xfrm>
+            <a:prstGeom prst="roundRect">
+              <a:avLst>
+                <a:gd name="adj" fmla="val 9318"/>
+              </a:avLst>
+            </a:prstGeom>
+            <a:ln>
+              <a:solidFill>
+                <a:schemeClr val="bg1">
+                  <a:lumMod val="75000"/>
+                </a:schemeClr>
+              </a:solidFill>
+            </a:ln>
+          </p:spPr>
+          <p:style>
+            <a:lnRef idx="2">
+              <a:schemeClr val="dk1"/>
+            </a:lnRef>
+            <a:fillRef idx="1">
+              <a:schemeClr val="lt1"/>
+            </a:fillRef>
+            <a:effectRef idx="0">
+              <a:schemeClr val="dk1"/>
+            </a:effectRef>
+            <a:fontRef idx="minor">
+              <a:schemeClr val="dk1"/>
+            </a:fontRef>
+          </p:style>
+          <p:txBody>
+            <a:bodyPr rtlCol="0" anchor="ctr"/>
+            <a:lstStyle/>
+            <a:p>
+              <a:pPr algn="ctr"/>
+              <a:r>
+                <a:rPr lang="en-US" altLang="ko-KR" sz="1400"/>
+                <a:t>coredns</a:t>
+              </a:r>
+            </a:p>
+            <a:p>
+              <a:pPr algn="ctr"/>
+              <a:r>
+                <a:rPr lang="en-US" altLang="ko-KR" sz="1400"/>
+                <a:t>/ Pod, Deployments</a:t>
+              </a:r>
+              <a:endParaRPr lang="ko-KR" altLang="en-US" sz="1400"/>
+            </a:p>
+          </p:txBody>
+        </p:sp>
+        <p:sp>
+          <p:nvSpPr>
+            <p:cNvPr id="210" name="사각형: 둥근 모서리 209">
+              <a:extLst>
+                <a:ext uri="{FF2B5EF4-FFF2-40B4-BE49-F238E27FC236}">
+                  <a16:creationId xmlns:a16="http://schemas.microsoft.com/office/drawing/2014/main" id="{4BDDCA4C-EA42-4E00-8A86-536E605445C8}"/>
+                </a:ext>
+              </a:extLst>
+            </p:cNvPr>
+            <p:cNvSpPr/>
+            <p:nvPr/>
+          </p:nvSpPr>
+          <p:spPr>
+            <a:xfrm>
+              <a:off x="6643949" y="3543226"/>
+              <a:ext cx="1335105" cy="684708"/>
+            </a:xfrm>
+            <a:prstGeom prst="roundRect">
+              <a:avLst>
+                <a:gd name="adj" fmla="val 9318"/>
+              </a:avLst>
+            </a:prstGeom>
+            <a:ln>
+              <a:solidFill>
+                <a:schemeClr val="bg1">
+                  <a:lumMod val="75000"/>
+                </a:schemeClr>
+              </a:solidFill>
+            </a:ln>
+          </p:spPr>
+          <p:style>
+            <a:lnRef idx="2">
+              <a:schemeClr val="dk1"/>
+            </a:lnRef>
+            <a:fillRef idx="1">
+              <a:schemeClr val="lt1"/>
+            </a:fillRef>
+            <a:effectRef idx="0">
+              <a:schemeClr val="dk1"/>
+            </a:effectRef>
+            <a:fontRef idx="minor">
+              <a:schemeClr val="dk1"/>
+            </a:fontRef>
+          </p:style>
+          <p:txBody>
+            <a:bodyPr rtlCol="0" anchor="ctr"/>
+            <a:lstStyle/>
+            <a:p>
+              <a:pPr algn="ctr"/>
+              <a:r>
+                <a:rPr lang="en-US" altLang="ko-KR" sz="1400"/>
+                <a:t>Net Daemon</a:t>
+              </a:r>
+            </a:p>
+            <a:p>
+              <a:pPr algn="ctr"/>
+              <a:r>
+                <a:rPr lang="en-US" altLang="ko-KR" sz="1400"/>
+                <a:t>/ Pod, Daemonset</a:t>
+              </a:r>
+              <a:endParaRPr lang="ko-KR" altLang="en-US" sz="1400"/>
+            </a:p>
+          </p:txBody>
+        </p:sp>
+        <p:sp>
+          <p:nvSpPr>
+            <p:cNvPr id="211" name="사각형: 둥근 모서리 210">
+              <a:extLst>
+                <a:ext uri="{FF2B5EF4-FFF2-40B4-BE49-F238E27FC236}">
+                  <a16:creationId xmlns:a16="http://schemas.microsoft.com/office/drawing/2014/main" id="{7EADB006-312D-445B-ABDC-3B21B9CAC24D}"/>
+                </a:ext>
+              </a:extLst>
+            </p:cNvPr>
+            <p:cNvSpPr/>
+            <p:nvPr/>
+          </p:nvSpPr>
+          <p:spPr>
+            <a:xfrm>
+              <a:off x="5026725" y="3543226"/>
+              <a:ext cx="1335105" cy="684708"/>
+            </a:xfrm>
+            <a:prstGeom prst="roundRect">
+              <a:avLst>
+                <a:gd name="adj" fmla="val 9318"/>
+              </a:avLst>
+            </a:prstGeom>
+            <a:ln>
+              <a:solidFill>
+                <a:schemeClr val="bg1">
+                  <a:lumMod val="75000"/>
+                </a:schemeClr>
+              </a:solidFill>
+            </a:ln>
+          </p:spPr>
+          <p:style>
+            <a:lnRef idx="2">
+              <a:schemeClr val="dk1"/>
+            </a:lnRef>
+            <a:fillRef idx="1">
+              <a:schemeClr val="lt1"/>
+            </a:fillRef>
+            <a:effectRef idx="0">
+              <a:schemeClr val="dk1"/>
+            </a:effectRef>
+            <a:fontRef idx="minor">
+              <a:schemeClr val="dk1"/>
+            </a:fontRef>
+          </p:style>
+          <p:txBody>
+            <a:bodyPr rtlCol="0" anchor="ctr"/>
+            <a:lstStyle/>
+            <a:p>
+              <a:pPr algn="ctr"/>
+              <a:r>
+                <a:rPr lang="en-US" altLang="ko-KR" sz="1400"/>
+                <a:t>kube-proxy</a:t>
+              </a:r>
+            </a:p>
+            <a:p>
+              <a:pPr algn="ctr"/>
+              <a:r>
+                <a:rPr lang="en-US" altLang="ko-KR" sz="1400"/>
+                <a:t>/ Pod, Daemonset</a:t>
+              </a:r>
+              <a:endParaRPr lang="ko-KR" altLang="en-US" sz="1400"/>
+            </a:p>
+          </p:txBody>
+        </p:sp>
+        <p:cxnSp>
+          <p:nvCxnSpPr>
+            <p:cNvPr id="212" name="직선 화살표 연결선 211">
+              <a:extLst>
+                <a:ext uri="{FF2B5EF4-FFF2-40B4-BE49-F238E27FC236}">
+                  <a16:creationId xmlns:a16="http://schemas.microsoft.com/office/drawing/2014/main" id="{BD05516D-4308-4E2F-B127-1717D1D3281D}"/>
+                </a:ext>
+              </a:extLst>
+            </p:cNvPr>
+            <p:cNvCxnSpPr>
+              <a:cxnSpLocks/>
+              <a:stCxn id="206" idx="1"/>
+              <a:endCxn id="205" idx="3"/>
+            </p:cNvCxnSpPr>
+            <p:nvPr/>
+          </p:nvCxnSpPr>
+          <p:spPr>
+            <a:xfrm flipH="1">
+              <a:off x="6270341" y="2007096"/>
+              <a:ext cx="472752" cy="7455"/>
+            </a:xfrm>
+            <a:prstGeom prst="straightConnector1">
+              <a:avLst/>
+            </a:prstGeom>
+            <a:ln w="28575">
+              <a:solidFill>
+                <a:schemeClr val="bg1">
+                  <a:lumMod val="75000"/>
+                </a:schemeClr>
+              </a:solidFill>
+              <a:headEnd type="arrow" w="med" len="med"/>
+              <a:tailEnd type="none" w="med" len="med"/>
+            </a:ln>
+          </p:spPr>
+          <p:style>
+            <a:lnRef idx="1">
+              <a:schemeClr val="accent1"/>
+            </a:lnRef>
+            <a:fillRef idx="0">
+              <a:schemeClr val="accent1"/>
+            </a:fillRef>
+            <a:effectRef idx="0">
+              <a:schemeClr val="accent1"/>
+            </a:effectRef>
+            <a:fontRef idx="minor">
+              <a:schemeClr val="tx1"/>
+            </a:fontRef>
+          </p:style>
+        </p:cxnSp>
+        <p:cxnSp>
+          <p:nvCxnSpPr>
+            <p:cNvPr id="213" name="직선 화살표 연결선 212">
+              <a:extLst>
+                <a:ext uri="{FF2B5EF4-FFF2-40B4-BE49-F238E27FC236}">
+                  <a16:creationId xmlns:a16="http://schemas.microsoft.com/office/drawing/2014/main" id="{3525CD13-638A-4CCF-B5CB-C94609712536}"/>
+                </a:ext>
+              </a:extLst>
+            </p:cNvPr>
+            <p:cNvCxnSpPr>
+              <a:cxnSpLocks/>
+              <a:stCxn id="209" idx="0"/>
+              <a:endCxn id="206" idx="2"/>
+            </p:cNvCxnSpPr>
+            <p:nvPr/>
+          </p:nvCxnSpPr>
+          <p:spPr>
+            <a:xfrm flipV="1">
+              <a:off x="5694279" y="2259124"/>
+              <a:ext cx="1624878" cy="384634"/>
+            </a:xfrm>
+            <a:prstGeom prst="straightConnector1">
+              <a:avLst/>
+            </a:prstGeom>
+            <a:ln w="28575">
+              <a:solidFill>
+                <a:schemeClr val="bg1">
+                  <a:lumMod val="75000"/>
+                </a:schemeClr>
+              </a:solidFill>
+              <a:headEnd type="arrow" w="med" len="med"/>
+              <a:tailEnd type="none" w="med" len="med"/>
+            </a:ln>
+          </p:spPr>
+          <p:style>
+            <a:lnRef idx="1">
+              <a:schemeClr val="accent1"/>
+            </a:lnRef>
+            <a:fillRef idx="0">
+              <a:schemeClr val="accent1"/>
+            </a:fillRef>
+            <a:effectRef idx="0">
+              <a:schemeClr val="accent1"/>
+            </a:effectRef>
+            <a:fontRef idx="minor">
+              <a:schemeClr val="tx1"/>
+            </a:fontRef>
+          </p:style>
+        </p:cxnSp>
+        <p:cxnSp>
+          <p:nvCxnSpPr>
+            <p:cNvPr id="214" name="직선 화살표 연결선 213">
+              <a:extLst>
+                <a:ext uri="{FF2B5EF4-FFF2-40B4-BE49-F238E27FC236}">
+                  <a16:creationId xmlns:a16="http://schemas.microsoft.com/office/drawing/2014/main" id="{3BBA4138-4693-43DC-88D8-CBC147078906}"/>
+                </a:ext>
+              </a:extLst>
+            </p:cNvPr>
+            <p:cNvCxnSpPr>
+              <a:cxnSpLocks/>
+              <a:stCxn id="217" idx="0"/>
+              <a:endCxn id="206" idx="2"/>
+            </p:cNvCxnSpPr>
+            <p:nvPr/>
+          </p:nvCxnSpPr>
+          <p:spPr>
+            <a:xfrm flipV="1">
+              <a:off x="7220097" y="2259124"/>
+              <a:ext cx="99060" cy="591231"/>
+            </a:xfrm>
+            <a:prstGeom prst="straightConnector1">
+              <a:avLst/>
+            </a:prstGeom>
+            <a:ln w="28575">
+              <a:solidFill>
+                <a:schemeClr val="bg1">
+                  <a:lumMod val="75000"/>
+                </a:schemeClr>
+              </a:solidFill>
+              <a:headEnd type="arrow" w="med" len="med"/>
+              <a:tailEnd type="none" w="med" len="med"/>
+            </a:ln>
+          </p:spPr>
+          <p:style>
+            <a:lnRef idx="1">
+              <a:schemeClr val="accent1"/>
+            </a:lnRef>
+            <a:fillRef idx="0">
+              <a:schemeClr val="accent1"/>
+            </a:fillRef>
+            <a:effectRef idx="0">
+              <a:schemeClr val="accent1"/>
+            </a:effectRef>
+            <a:fontRef idx="minor">
+              <a:schemeClr val="tx1"/>
+            </a:fontRef>
+          </p:style>
+        </p:cxnSp>
+      </p:grpSp>
+      <p:grpSp>
+        <p:nvGrpSpPr>
+          <p:cNvPr id="183" name="그룹 182">
+            <a:extLst>
+              <a:ext uri="{FF2B5EF4-FFF2-40B4-BE49-F238E27FC236}">
+                <a16:creationId xmlns:a16="http://schemas.microsoft.com/office/drawing/2014/main" id="{B8B3EC6D-83F5-4450-9942-AFF1578196FE}"/>
+              </a:ext>
+            </a:extLst>
+          </p:cNvPr>
+          <p:cNvGrpSpPr/>
+          <p:nvPr/>
+        </p:nvGrpSpPr>
+        <p:grpSpPr>
+          <a:xfrm>
+            <a:off x="4773420" y="793345"/>
+            <a:ext cx="3623078" cy="3312368"/>
+            <a:chOff x="4716016" y="1635646"/>
+            <a:chExt cx="3623078" cy="3312368"/>
+          </a:xfrm>
+        </p:grpSpPr>
+        <p:sp>
+          <p:nvSpPr>
+            <p:cNvPr id="184" name="사각형: 둥근 모서리 183">
+              <a:extLst>
+                <a:ext uri="{FF2B5EF4-FFF2-40B4-BE49-F238E27FC236}">
+                  <a16:creationId xmlns:a16="http://schemas.microsoft.com/office/drawing/2014/main" id="{AF4D5D27-CF0C-4E3E-B2AA-4419E8EAA308}"/>
+                </a:ext>
+              </a:extLst>
+            </p:cNvPr>
+            <p:cNvSpPr/>
+            <p:nvPr/>
+          </p:nvSpPr>
+          <p:spPr>
+            <a:xfrm>
+              <a:off x="4716016" y="1635646"/>
+              <a:ext cx="3623078" cy="3312368"/>
+            </a:xfrm>
+            <a:prstGeom prst="roundRect">
+              <a:avLst>
+                <a:gd name="adj" fmla="val 3439"/>
+              </a:avLst>
+            </a:prstGeom>
+            <a:ln>
+              <a:solidFill>
+                <a:schemeClr val="bg1">
+                  <a:lumMod val="75000"/>
+                </a:schemeClr>
+              </a:solidFill>
+            </a:ln>
+          </p:spPr>
+          <p:style>
+            <a:lnRef idx="2">
+              <a:schemeClr val="dk1"/>
+            </a:lnRef>
+            <a:fillRef idx="1">
+              <a:schemeClr val="lt1"/>
+            </a:fillRef>
+            <a:effectRef idx="0">
+              <a:schemeClr val="dk1"/>
+            </a:effectRef>
+            <a:fontRef idx="minor">
+              <a:schemeClr val="dk1"/>
+            </a:fontRef>
+          </p:style>
+          <p:txBody>
+            <a:bodyPr rtlCol="0" anchor="b"/>
+            <a:lstStyle/>
+            <a:p>
+              <a:pPr algn="ctr"/>
+              <a:r>
+                <a:rPr lang="en-US" altLang="ko-KR" sz="1600" b="1"/>
+                <a:t>Worker Node</a:t>
+              </a:r>
+              <a:endParaRPr lang="ko-KR" altLang="en-US" sz="1600" b="1"/>
+            </a:p>
+          </p:txBody>
+        </p:sp>
+        <p:sp>
+          <p:nvSpPr>
+            <p:cNvPr id="185" name="사각형: 둥근 모서리 184">
+              <a:extLst>
+                <a:ext uri="{FF2B5EF4-FFF2-40B4-BE49-F238E27FC236}">
+                  <a16:creationId xmlns:a16="http://schemas.microsoft.com/office/drawing/2014/main" id="{07641B98-9497-44B8-96F6-E68C4719AAC3}"/>
+                </a:ext>
+              </a:extLst>
+            </p:cNvPr>
+            <p:cNvSpPr/>
+            <p:nvPr/>
+          </p:nvSpPr>
+          <p:spPr>
+            <a:xfrm>
+              <a:off x="5118213" y="1762523"/>
+              <a:ext cx="1152128" cy="504056"/>
+            </a:xfrm>
+            <a:prstGeom prst="roundRect">
+              <a:avLst>
+                <a:gd name="adj" fmla="val 9318"/>
+              </a:avLst>
+            </a:prstGeom>
+            <a:ln>
+              <a:solidFill>
+                <a:schemeClr val="bg1">
+                  <a:lumMod val="75000"/>
+                </a:schemeClr>
+              </a:solidFill>
+            </a:ln>
+          </p:spPr>
+          <p:style>
+            <a:lnRef idx="2">
+              <a:schemeClr val="dk1"/>
+            </a:lnRef>
+            <a:fillRef idx="1">
+              <a:schemeClr val="lt1"/>
+            </a:fillRef>
+            <a:effectRef idx="0">
+              <a:schemeClr val="dk1"/>
+            </a:effectRef>
+            <a:fontRef idx="minor">
+              <a:schemeClr val="dk1"/>
+            </a:fontRef>
+          </p:style>
+          <p:txBody>
+            <a:bodyPr rtlCol="0" anchor="ctr"/>
+            <a:lstStyle/>
+            <a:p>
+              <a:pPr algn="ctr"/>
+              <a:r>
+                <a:rPr lang="en-US" altLang="ko-KR" sz="1400"/>
+                <a:t>kubelet</a:t>
+              </a:r>
+              <a:endParaRPr lang="ko-KR" altLang="en-US" sz="1400"/>
+            </a:p>
+          </p:txBody>
+        </p:sp>
+        <p:sp>
+          <p:nvSpPr>
+            <p:cNvPr id="186" name="사각형: 둥근 모서리 185">
+              <a:extLst>
+                <a:ext uri="{FF2B5EF4-FFF2-40B4-BE49-F238E27FC236}">
+                  <a16:creationId xmlns:a16="http://schemas.microsoft.com/office/drawing/2014/main" id="{B19FDDAE-C2F4-44D4-9B0F-B156BE97C4BB}"/>
+                </a:ext>
+              </a:extLst>
+            </p:cNvPr>
+            <p:cNvSpPr/>
+            <p:nvPr/>
+          </p:nvSpPr>
+          <p:spPr>
+            <a:xfrm>
+              <a:off x="6743093" y="1755068"/>
+              <a:ext cx="1152128" cy="504056"/>
+            </a:xfrm>
+            <a:prstGeom prst="roundRect">
+              <a:avLst>
+                <a:gd name="adj" fmla="val 9318"/>
+              </a:avLst>
+            </a:prstGeom>
+            <a:ln>
+              <a:solidFill>
+                <a:schemeClr val="bg1">
+                  <a:lumMod val="75000"/>
+                </a:schemeClr>
+              </a:solidFill>
+            </a:ln>
+          </p:spPr>
+          <p:style>
+            <a:lnRef idx="2">
+              <a:schemeClr val="dk1"/>
+            </a:lnRef>
+            <a:fillRef idx="1">
+              <a:schemeClr val="lt1"/>
+            </a:fillRef>
+            <a:effectRef idx="0">
+              <a:schemeClr val="dk1"/>
+            </a:effectRef>
+            <a:fontRef idx="minor">
+              <a:schemeClr val="dk1"/>
+            </a:fontRef>
+          </p:style>
+          <p:txBody>
+            <a:bodyPr rtlCol="0" anchor="ctr"/>
+            <a:lstStyle/>
+            <a:p>
+              <a:pPr algn="ctr"/>
+              <a:r>
+                <a:rPr lang="en-US" altLang="ko-KR" sz="1400"/>
+                <a:t>CNI Plugin</a:t>
+              </a:r>
+              <a:endParaRPr lang="ko-KR" altLang="en-US" sz="1400"/>
+            </a:p>
+          </p:txBody>
+        </p:sp>
+        <p:sp>
+          <p:nvSpPr>
+            <p:cNvPr id="188" name="사각형: 둥근 모서리 187">
+              <a:extLst>
+                <a:ext uri="{FF2B5EF4-FFF2-40B4-BE49-F238E27FC236}">
+                  <a16:creationId xmlns:a16="http://schemas.microsoft.com/office/drawing/2014/main" id="{2384CC64-9AFA-475D-AE37-068F749650DD}"/>
+                </a:ext>
+              </a:extLst>
+            </p:cNvPr>
+            <p:cNvSpPr/>
+            <p:nvPr/>
+          </p:nvSpPr>
+          <p:spPr>
+            <a:xfrm>
+              <a:off x="4882710" y="2499741"/>
+              <a:ext cx="3312368" cy="2078351"/>
+            </a:xfrm>
+            <a:prstGeom prst="roundRect">
+              <a:avLst>
+                <a:gd name="adj" fmla="val 4573"/>
+              </a:avLst>
+            </a:prstGeom>
+            <a:ln>
+              <a:solidFill>
+                <a:schemeClr val="bg1">
+                  <a:lumMod val="75000"/>
+                </a:schemeClr>
+              </a:solidFill>
+            </a:ln>
+          </p:spPr>
+          <p:style>
+            <a:lnRef idx="2">
+              <a:schemeClr val="dk1"/>
+            </a:lnRef>
+            <a:fillRef idx="1">
+              <a:schemeClr val="lt1"/>
+            </a:fillRef>
+            <a:effectRef idx="0">
+              <a:schemeClr val="dk1"/>
+            </a:effectRef>
+            <a:fontRef idx="minor">
+              <a:schemeClr val="dk1"/>
+            </a:fontRef>
+          </p:style>
+          <p:txBody>
+            <a:bodyPr rtlCol="0" anchor="b"/>
+            <a:lstStyle/>
+            <a:p>
+              <a:pPr algn="ctr"/>
+              <a:r>
+                <a:rPr lang="en-US" altLang="ko-KR" sz="1400" b="1"/>
+                <a:t>Docker</a:t>
+              </a:r>
+              <a:endParaRPr lang="ko-KR" altLang="en-US" sz="1400" b="1"/>
+            </a:p>
+          </p:txBody>
+        </p:sp>
+        <p:grpSp>
+          <p:nvGrpSpPr>
+            <p:cNvPr id="189" name="그룹 188">
+              <a:extLst>
+                <a:ext uri="{FF2B5EF4-FFF2-40B4-BE49-F238E27FC236}">
+                  <a16:creationId xmlns:a16="http://schemas.microsoft.com/office/drawing/2014/main" id="{1144ACF2-6862-4D58-8109-8249B2A05368}"/>
+                </a:ext>
+              </a:extLst>
+            </p:cNvPr>
+            <p:cNvGrpSpPr/>
+            <p:nvPr/>
+          </p:nvGrpSpPr>
+          <p:grpSpPr>
+            <a:xfrm>
+              <a:off x="6650767" y="2712820"/>
+              <a:ext cx="1321468" cy="546583"/>
+              <a:chOff x="6444208" y="3253038"/>
+              <a:chExt cx="1321468" cy="546583"/>
+            </a:xfrm>
+          </p:grpSpPr>
+          <p:sp>
+            <p:nvSpPr>
+              <p:cNvPr id="200" name="사각형: 둥근 모서리 199">
+                <a:extLst>
+                  <a:ext uri="{FF2B5EF4-FFF2-40B4-BE49-F238E27FC236}">
+                    <a16:creationId xmlns:a16="http://schemas.microsoft.com/office/drawing/2014/main" id="{1157D4FF-CF9D-4C0D-BFA5-E55CC83373D9}"/>
+                  </a:ext>
+                </a:extLst>
+              </p:cNvPr>
+              <p:cNvSpPr/>
+              <p:nvPr/>
+            </p:nvSpPr>
+            <p:spPr>
+              <a:xfrm>
+                <a:off x="6627016" y="3253038"/>
+                <a:ext cx="1138660" cy="409048"/>
+              </a:xfrm>
+              <a:prstGeom prst="roundRect">
+                <a:avLst>
+                  <a:gd name="adj" fmla="val 9318"/>
+                </a:avLst>
+              </a:prstGeom>
+              <a:ln>
+                <a:solidFill>
+                  <a:schemeClr val="bg1">
+                    <a:lumMod val="75000"/>
+                  </a:schemeClr>
+                </a:solidFill>
+              </a:ln>
+            </p:spPr>
+            <p:style>
+              <a:lnRef idx="2">
+                <a:schemeClr val="dk1"/>
+              </a:lnRef>
+              <a:fillRef idx="1">
+                <a:schemeClr val="lt1"/>
+              </a:fillRef>
+              <a:effectRef idx="0">
+                <a:schemeClr val="dk1"/>
+              </a:effectRef>
+              <a:fontRef idx="minor">
+                <a:schemeClr val="dk1"/>
+              </a:fontRef>
+            </p:style>
+            <p:txBody>
+              <a:bodyPr rtlCol="0" anchor="ctr"/>
+              <a:lstStyle/>
+              <a:p>
+                <a:pPr algn="ctr"/>
+                <a:r>
+                  <a:rPr lang="en-US" altLang="ko-KR" sz="1400"/>
+                  <a:t>Pod</a:t>
+                </a:r>
+                <a:endParaRPr lang="ko-KR" altLang="en-US" sz="1400"/>
+              </a:p>
+            </p:txBody>
+          </p:sp>
+          <p:sp>
+            <p:nvSpPr>
+              <p:cNvPr id="201" name="사각형: 둥근 모서리 200">
+                <a:extLst>
+                  <a:ext uri="{FF2B5EF4-FFF2-40B4-BE49-F238E27FC236}">
+                    <a16:creationId xmlns:a16="http://schemas.microsoft.com/office/drawing/2014/main" id="{E75F50E8-0BB6-4A79-BC4E-A61CE4DC4BCC}"/>
+                  </a:ext>
+                </a:extLst>
+              </p:cNvPr>
+              <p:cNvSpPr/>
+              <p:nvPr/>
+            </p:nvSpPr>
+            <p:spPr>
+              <a:xfrm>
+                <a:off x="6536534" y="3321084"/>
+                <a:ext cx="1138660" cy="409048"/>
+              </a:xfrm>
+              <a:prstGeom prst="roundRect">
+                <a:avLst>
+                  <a:gd name="adj" fmla="val 9318"/>
+                </a:avLst>
+              </a:prstGeom>
+              <a:ln>
+                <a:solidFill>
+                  <a:schemeClr val="bg1">
+                    <a:lumMod val="75000"/>
+                  </a:schemeClr>
+                </a:solidFill>
+              </a:ln>
+            </p:spPr>
+            <p:style>
+              <a:lnRef idx="2">
+                <a:schemeClr val="dk1"/>
+              </a:lnRef>
+              <a:fillRef idx="1">
+                <a:schemeClr val="lt1"/>
+              </a:fillRef>
+              <a:effectRef idx="0">
+                <a:schemeClr val="dk1"/>
+              </a:effectRef>
+              <a:fontRef idx="minor">
+                <a:schemeClr val="dk1"/>
+              </a:fontRef>
+            </p:style>
+            <p:txBody>
+              <a:bodyPr rtlCol="0" anchor="ctr"/>
+              <a:lstStyle/>
+              <a:p>
+                <a:pPr algn="ctr"/>
+                <a:r>
+                  <a:rPr lang="en-US" altLang="ko-KR" sz="1400"/>
+                  <a:t>Pod</a:t>
+                </a:r>
+                <a:endParaRPr lang="ko-KR" altLang="en-US" sz="1400"/>
+              </a:p>
+            </p:txBody>
+          </p:sp>
+          <p:sp>
+            <p:nvSpPr>
+              <p:cNvPr id="202" name="사각형: 둥근 모서리 201">
+                <a:extLst>
+                  <a:ext uri="{FF2B5EF4-FFF2-40B4-BE49-F238E27FC236}">
+                    <a16:creationId xmlns:a16="http://schemas.microsoft.com/office/drawing/2014/main" id="{5106D78C-2126-43B0-AF51-47EFB63EB771}"/>
+                  </a:ext>
+                </a:extLst>
+              </p:cNvPr>
+              <p:cNvSpPr/>
+              <p:nvPr/>
+            </p:nvSpPr>
+            <p:spPr>
+              <a:xfrm>
+                <a:off x="6444208" y="3390573"/>
+                <a:ext cx="1138660" cy="409048"/>
+              </a:xfrm>
+              <a:prstGeom prst="roundRect">
+                <a:avLst>
+                  <a:gd name="adj" fmla="val 9318"/>
+                </a:avLst>
+              </a:prstGeom>
+              <a:ln>
+                <a:solidFill>
+                  <a:schemeClr val="bg1">
+                    <a:lumMod val="75000"/>
+                  </a:schemeClr>
+                </a:solidFill>
+              </a:ln>
+            </p:spPr>
+            <p:style>
+              <a:lnRef idx="2">
+                <a:schemeClr val="dk1"/>
+              </a:lnRef>
+              <a:fillRef idx="1">
+                <a:schemeClr val="lt1"/>
+              </a:fillRef>
+              <a:effectRef idx="0">
+                <a:schemeClr val="dk1"/>
+              </a:effectRef>
+              <a:fontRef idx="minor">
+                <a:schemeClr val="dk1"/>
+              </a:fontRef>
+            </p:style>
+            <p:txBody>
+              <a:bodyPr rtlCol="0" anchor="ctr"/>
+              <a:lstStyle/>
+              <a:p>
+                <a:pPr algn="ctr"/>
+                <a:r>
+                  <a:rPr lang="en-US" altLang="ko-KR" sz="1400"/>
+                  <a:t>App / Pod</a:t>
+                </a:r>
+                <a:endParaRPr lang="ko-KR" altLang="en-US" sz="1400"/>
+              </a:p>
+            </p:txBody>
+          </p:sp>
+        </p:grpSp>
+        <p:sp>
+          <p:nvSpPr>
+            <p:cNvPr id="191" name="사각형: 둥근 모서리 190">
+              <a:extLst>
+                <a:ext uri="{FF2B5EF4-FFF2-40B4-BE49-F238E27FC236}">
+                  <a16:creationId xmlns:a16="http://schemas.microsoft.com/office/drawing/2014/main" id="{476061D1-7321-4D8E-95FD-956AB7087DC6}"/>
+                </a:ext>
+              </a:extLst>
+            </p:cNvPr>
+            <p:cNvSpPr/>
+            <p:nvPr/>
+          </p:nvSpPr>
+          <p:spPr>
+            <a:xfrm>
+              <a:off x="5026726" y="2643758"/>
+              <a:ext cx="1335105" cy="684708"/>
+            </a:xfrm>
+            <a:prstGeom prst="roundRect">
+              <a:avLst>
+                <a:gd name="adj" fmla="val 9318"/>
+              </a:avLst>
+            </a:prstGeom>
+            <a:ln>
+              <a:solidFill>
+                <a:schemeClr val="bg1">
+                  <a:lumMod val="75000"/>
+                </a:schemeClr>
+              </a:solidFill>
+            </a:ln>
+          </p:spPr>
+          <p:style>
+            <a:lnRef idx="2">
+              <a:schemeClr val="dk1"/>
+            </a:lnRef>
+            <a:fillRef idx="1">
+              <a:schemeClr val="lt1"/>
+            </a:fillRef>
+            <a:effectRef idx="0">
+              <a:schemeClr val="dk1"/>
+            </a:effectRef>
+            <a:fontRef idx="minor">
+              <a:schemeClr val="dk1"/>
+            </a:fontRef>
+          </p:style>
+          <p:txBody>
+            <a:bodyPr rtlCol="0" anchor="ctr"/>
+            <a:lstStyle/>
+            <a:p>
+              <a:pPr algn="ctr"/>
+              <a:r>
+                <a:rPr lang="en-US" altLang="ko-KR" sz="1400"/>
+                <a:t>coredns</a:t>
+              </a:r>
+            </a:p>
+            <a:p>
+              <a:pPr algn="ctr"/>
+              <a:r>
+                <a:rPr lang="en-US" altLang="ko-KR" sz="1400"/>
+                <a:t>/ Pod, Deployments</a:t>
+              </a:r>
+              <a:endParaRPr lang="ko-KR" altLang="en-US" sz="1400"/>
+            </a:p>
+          </p:txBody>
+        </p:sp>
+        <p:sp>
+          <p:nvSpPr>
+            <p:cNvPr id="192" name="사각형: 둥근 모서리 191">
+              <a:extLst>
+                <a:ext uri="{FF2B5EF4-FFF2-40B4-BE49-F238E27FC236}">
+                  <a16:creationId xmlns:a16="http://schemas.microsoft.com/office/drawing/2014/main" id="{963AA08D-3172-4449-99C5-7601E7AE99CA}"/>
+                </a:ext>
+              </a:extLst>
+            </p:cNvPr>
+            <p:cNvSpPr/>
+            <p:nvPr/>
+          </p:nvSpPr>
+          <p:spPr>
+            <a:xfrm>
+              <a:off x="6643949" y="3543226"/>
+              <a:ext cx="1335105" cy="684708"/>
+            </a:xfrm>
+            <a:prstGeom prst="roundRect">
+              <a:avLst>
+                <a:gd name="adj" fmla="val 9318"/>
+              </a:avLst>
+            </a:prstGeom>
+            <a:ln>
+              <a:solidFill>
+                <a:schemeClr val="bg1">
+                  <a:lumMod val="75000"/>
+                </a:schemeClr>
+              </a:solidFill>
+            </a:ln>
+          </p:spPr>
+          <p:style>
+            <a:lnRef idx="2">
+              <a:schemeClr val="dk1"/>
+            </a:lnRef>
+            <a:fillRef idx="1">
+              <a:schemeClr val="lt1"/>
+            </a:fillRef>
+            <a:effectRef idx="0">
+              <a:schemeClr val="dk1"/>
+            </a:effectRef>
+            <a:fontRef idx="minor">
+              <a:schemeClr val="dk1"/>
+            </a:fontRef>
+          </p:style>
+          <p:txBody>
+            <a:bodyPr rtlCol="0" anchor="ctr"/>
+            <a:lstStyle/>
+            <a:p>
+              <a:pPr algn="ctr"/>
+              <a:r>
+                <a:rPr lang="en-US" altLang="ko-KR" sz="1400"/>
+                <a:t>Net Daemon</a:t>
+              </a:r>
+            </a:p>
+            <a:p>
+              <a:pPr algn="ctr"/>
+              <a:r>
+                <a:rPr lang="en-US" altLang="ko-KR" sz="1400"/>
+                <a:t>/ Pod, Daemonset</a:t>
+              </a:r>
+              <a:endParaRPr lang="ko-KR" altLang="en-US" sz="1400"/>
+            </a:p>
+          </p:txBody>
+        </p:sp>
+        <p:sp>
+          <p:nvSpPr>
+            <p:cNvPr id="194" name="사각형: 둥근 모서리 193">
+              <a:extLst>
+                <a:ext uri="{FF2B5EF4-FFF2-40B4-BE49-F238E27FC236}">
+                  <a16:creationId xmlns:a16="http://schemas.microsoft.com/office/drawing/2014/main" id="{6BEFF294-4D10-41CA-BE45-17AC2A975D65}"/>
+                </a:ext>
+              </a:extLst>
+            </p:cNvPr>
+            <p:cNvSpPr/>
+            <p:nvPr/>
+          </p:nvSpPr>
+          <p:spPr>
+            <a:xfrm>
+              <a:off x="5026725" y="3543226"/>
+              <a:ext cx="1335105" cy="684708"/>
+            </a:xfrm>
+            <a:prstGeom prst="roundRect">
+              <a:avLst>
+                <a:gd name="adj" fmla="val 9318"/>
+              </a:avLst>
+            </a:prstGeom>
+            <a:ln>
+              <a:solidFill>
+                <a:schemeClr val="bg1">
+                  <a:lumMod val="75000"/>
+                </a:schemeClr>
+              </a:solidFill>
+            </a:ln>
+          </p:spPr>
+          <p:style>
+            <a:lnRef idx="2">
+              <a:schemeClr val="dk1"/>
+            </a:lnRef>
+            <a:fillRef idx="1">
+              <a:schemeClr val="lt1"/>
+            </a:fillRef>
+            <a:effectRef idx="0">
+              <a:schemeClr val="dk1"/>
+            </a:effectRef>
+            <a:fontRef idx="minor">
+              <a:schemeClr val="dk1"/>
+            </a:fontRef>
+          </p:style>
+          <p:txBody>
+            <a:bodyPr rtlCol="0" anchor="ctr"/>
+            <a:lstStyle/>
+            <a:p>
+              <a:pPr algn="ctr"/>
+              <a:r>
+                <a:rPr lang="en-US" altLang="ko-KR" sz="1400"/>
+                <a:t>kube-proxy</a:t>
+              </a:r>
+            </a:p>
+            <a:p>
+              <a:pPr algn="ctr"/>
+              <a:r>
+                <a:rPr lang="en-US" altLang="ko-KR" sz="1400"/>
+                <a:t>/ Pod, Daemonset</a:t>
+              </a:r>
+              <a:endParaRPr lang="ko-KR" altLang="en-US" sz="1400"/>
+            </a:p>
+          </p:txBody>
+        </p:sp>
+        <p:cxnSp>
+          <p:nvCxnSpPr>
+            <p:cNvPr id="196" name="직선 화살표 연결선 195">
+              <a:extLst>
+                <a:ext uri="{FF2B5EF4-FFF2-40B4-BE49-F238E27FC236}">
+                  <a16:creationId xmlns:a16="http://schemas.microsoft.com/office/drawing/2014/main" id="{F0C29AC9-28A8-4119-9F85-86F01E78412E}"/>
+                </a:ext>
+              </a:extLst>
+            </p:cNvPr>
+            <p:cNvCxnSpPr>
+              <a:cxnSpLocks/>
+              <a:stCxn id="186" idx="1"/>
+              <a:endCxn id="185" idx="3"/>
+            </p:cNvCxnSpPr>
+            <p:nvPr/>
+          </p:nvCxnSpPr>
+          <p:spPr>
+            <a:xfrm flipH="1">
+              <a:off x="6270341" y="2007096"/>
+              <a:ext cx="472752" cy="7455"/>
+            </a:xfrm>
+            <a:prstGeom prst="straightConnector1">
+              <a:avLst/>
+            </a:prstGeom>
+            <a:ln w="28575">
+              <a:solidFill>
+                <a:schemeClr val="bg1">
+                  <a:lumMod val="75000"/>
+                </a:schemeClr>
+              </a:solidFill>
+              <a:headEnd type="arrow" w="med" len="med"/>
+              <a:tailEnd type="none" w="med" len="med"/>
+            </a:ln>
+          </p:spPr>
+          <p:style>
+            <a:lnRef idx="1">
+              <a:schemeClr val="accent1"/>
+            </a:lnRef>
+            <a:fillRef idx="0">
+              <a:schemeClr val="accent1"/>
+            </a:fillRef>
+            <a:effectRef idx="0">
+              <a:schemeClr val="accent1"/>
+            </a:effectRef>
+            <a:fontRef idx="minor">
+              <a:schemeClr val="tx1"/>
+            </a:fontRef>
+          </p:style>
+        </p:cxnSp>
+        <p:cxnSp>
+          <p:nvCxnSpPr>
+            <p:cNvPr id="197" name="직선 화살표 연결선 196">
+              <a:extLst>
+                <a:ext uri="{FF2B5EF4-FFF2-40B4-BE49-F238E27FC236}">
+                  <a16:creationId xmlns:a16="http://schemas.microsoft.com/office/drawing/2014/main" id="{004494EC-B654-4642-8449-C061BC5B0F91}"/>
+                </a:ext>
+              </a:extLst>
+            </p:cNvPr>
+            <p:cNvCxnSpPr>
+              <a:cxnSpLocks/>
+              <a:stCxn id="191" idx="0"/>
+              <a:endCxn id="186" idx="2"/>
+            </p:cNvCxnSpPr>
+            <p:nvPr/>
+          </p:nvCxnSpPr>
+          <p:spPr>
+            <a:xfrm flipV="1">
+              <a:off x="5694279" y="2259124"/>
+              <a:ext cx="1624878" cy="384634"/>
+            </a:xfrm>
+            <a:prstGeom prst="straightConnector1">
+              <a:avLst/>
+            </a:prstGeom>
+            <a:ln w="28575">
+              <a:solidFill>
+                <a:schemeClr val="bg1">
+                  <a:lumMod val="75000"/>
+                </a:schemeClr>
+              </a:solidFill>
+              <a:headEnd type="arrow" w="med" len="med"/>
+              <a:tailEnd type="none" w="med" len="med"/>
+            </a:ln>
+          </p:spPr>
+          <p:style>
+            <a:lnRef idx="1">
+              <a:schemeClr val="accent1"/>
+            </a:lnRef>
+            <a:fillRef idx="0">
+              <a:schemeClr val="accent1"/>
+            </a:fillRef>
+            <a:effectRef idx="0">
+              <a:schemeClr val="accent1"/>
+            </a:effectRef>
+            <a:fontRef idx="minor">
+              <a:schemeClr val="tx1"/>
+            </a:fontRef>
+          </p:style>
+        </p:cxnSp>
+        <p:cxnSp>
+          <p:nvCxnSpPr>
+            <p:cNvPr id="198" name="직선 화살표 연결선 197">
+              <a:extLst>
+                <a:ext uri="{FF2B5EF4-FFF2-40B4-BE49-F238E27FC236}">
+                  <a16:creationId xmlns:a16="http://schemas.microsoft.com/office/drawing/2014/main" id="{7A1041A8-C13F-4A99-9E4E-90618162336D}"/>
+                </a:ext>
+              </a:extLst>
+            </p:cNvPr>
+            <p:cNvCxnSpPr>
+              <a:cxnSpLocks/>
+              <a:stCxn id="202" idx="0"/>
+              <a:endCxn id="186" idx="2"/>
+            </p:cNvCxnSpPr>
+            <p:nvPr/>
+          </p:nvCxnSpPr>
+          <p:spPr>
+            <a:xfrm flipV="1">
+              <a:off x="7220097" y="2259124"/>
+              <a:ext cx="99060" cy="591231"/>
+            </a:xfrm>
+            <a:prstGeom prst="straightConnector1">
+              <a:avLst/>
+            </a:prstGeom>
+            <a:ln w="28575">
+              <a:solidFill>
+                <a:schemeClr val="bg1">
+                  <a:lumMod val="75000"/>
+                </a:schemeClr>
+              </a:solidFill>
+              <a:headEnd type="arrow" w="med" len="med"/>
+              <a:tailEnd type="none" w="med" len="med"/>
+            </a:ln>
+          </p:spPr>
+          <p:style>
+            <a:lnRef idx="1">
+              <a:schemeClr val="accent1"/>
+            </a:lnRef>
+            <a:fillRef idx="0">
+              <a:schemeClr val="accent1"/>
+            </a:fillRef>
+            <a:effectRef idx="0">
+              <a:schemeClr val="accent1"/>
+            </a:effectRef>
+            <a:fontRef idx="minor">
+              <a:schemeClr val="tx1"/>
+            </a:fontRef>
+          </p:style>
+        </p:cxnSp>
+      </p:grpSp>
+      <p:grpSp>
+        <p:nvGrpSpPr>
+          <p:cNvPr id="168" name="그룹 167">
+            <a:extLst>
+              <a:ext uri="{FF2B5EF4-FFF2-40B4-BE49-F238E27FC236}">
+                <a16:creationId xmlns:a16="http://schemas.microsoft.com/office/drawing/2014/main" id="{2D1DE3C2-899F-44F3-A59D-E31CB2F4352B}"/>
+              </a:ext>
+            </a:extLst>
+          </p:cNvPr>
+          <p:cNvGrpSpPr/>
+          <p:nvPr/>
+        </p:nvGrpSpPr>
+        <p:grpSpPr>
+          <a:xfrm>
+            <a:off x="4708578" y="857415"/>
+            <a:ext cx="3623078" cy="3312368"/>
+            <a:chOff x="4716016" y="1635646"/>
+            <a:chExt cx="3623078" cy="3312368"/>
+          </a:xfrm>
+        </p:grpSpPr>
+        <p:sp>
+          <p:nvSpPr>
+            <p:cNvPr id="169" name="사각형: 둥근 모서리 168">
+              <a:extLst>
+                <a:ext uri="{FF2B5EF4-FFF2-40B4-BE49-F238E27FC236}">
+                  <a16:creationId xmlns:a16="http://schemas.microsoft.com/office/drawing/2014/main" id="{3CBFC952-83BC-490E-8010-660FDBDF02B2}"/>
+                </a:ext>
+              </a:extLst>
+            </p:cNvPr>
+            <p:cNvSpPr/>
+            <p:nvPr/>
+          </p:nvSpPr>
+          <p:spPr>
+            <a:xfrm>
+              <a:off x="4716016" y="1635646"/>
+              <a:ext cx="3623078" cy="3312368"/>
+            </a:xfrm>
+            <a:prstGeom prst="roundRect">
+              <a:avLst>
+                <a:gd name="adj" fmla="val 3439"/>
+              </a:avLst>
+            </a:prstGeom>
+            <a:ln>
+              <a:solidFill>
+                <a:schemeClr val="bg1">
+                  <a:lumMod val="75000"/>
+                </a:schemeClr>
+              </a:solidFill>
+            </a:ln>
+          </p:spPr>
+          <p:style>
+            <a:lnRef idx="2">
+              <a:schemeClr val="dk1"/>
+            </a:lnRef>
+            <a:fillRef idx="1">
+              <a:schemeClr val="lt1"/>
+            </a:fillRef>
+            <a:effectRef idx="0">
+              <a:schemeClr val="dk1"/>
+            </a:effectRef>
+            <a:fontRef idx="minor">
+              <a:schemeClr val="dk1"/>
+            </a:fontRef>
+          </p:style>
+          <p:txBody>
+            <a:bodyPr rtlCol="0" anchor="b"/>
+            <a:lstStyle/>
+            <a:p>
+              <a:pPr algn="ctr"/>
+              <a:r>
+                <a:rPr lang="en-US" altLang="ko-KR" sz="1600" b="1"/>
+                <a:t>Worker Node</a:t>
+              </a:r>
+              <a:endParaRPr lang="ko-KR" altLang="en-US" sz="1600" b="1"/>
+            </a:p>
+          </p:txBody>
+        </p:sp>
+        <p:sp>
+          <p:nvSpPr>
+            <p:cNvPr id="170" name="사각형: 둥근 모서리 169">
+              <a:extLst>
+                <a:ext uri="{FF2B5EF4-FFF2-40B4-BE49-F238E27FC236}">
+                  <a16:creationId xmlns:a16="http://schemas.microsoft.com/office/drawing/2014/main" id="{2D994C30-6357-4162-B237-25E572F4B735}"/>
+                </a:ext>
+              </a:extLst>
+            </p:cNvPr>
+            <p:cNvSpPr/>
+            <p:nvPr/>
+          </p:nvSpPr>
+          <p:spPr>
+            <a:xfrm>
+              <a:off x="5118213" y="1762523"/>
+              <a:ext cx="1152128" cy="504056"/>
+            </a:xfrm>
+            <a:prstGeom prst="roundRect">
+              <a:avLst>
+                <a:gd name="adj" fmla="val 9318"/>
+              </a:avLst>
+            </a:prstGeom>
+            <a:ln>
+              <a:solidFill>
+                <a:schemeClr val="bg1">
+                  <a:lumMod val="75000"/>
+                </a:schemeClr>
+              </a:solidFill>
+            </a:ln>
+          </p:spPr>
+          <p:style>
+            <a:lnRef idx="2">
+              <a:schemeClr val="dk1"/>
+            </a:lnRef>
+            <a:fillRef idx="1">
+              <a:schemeClr val="lt1"/>
+            </a:fillRef>
+            <a:effectRef idx="0">
+              <a:schemeClr val="dk1"/>
+            </a:effectRef>
+            <a:fontRef idx="minor">
+              <a:schemeClr val="dk1"/>
+            </a:fontRef>
+          </p:style>
+          <p:txBody>
+            <a:bodyPr rtlCol="0" anchor="ctr"/>
+            <a:lstStyle/>
+            <a:p>
+              <a:pPr algn="ctr"/>
+              <a:r>
+                <a:rPr lang="en-US" altLang="ko-KR" sz="1400"/>
+                <a:t>kubelet</a:t>
+              </a:r>
+              <a:endParaRPr lang="ko-KR" altLang="en-US" sz="1400"/>
+            </a:p>
+          </p:txBody>
+        </p:sp>
+        <p:sp>
+          <p:nvSpPr>
+            <p:cNvPr id="171" name="사각형: 둥근 모서리 170">
+              <a:extLst>
+                <a:ext uri="{FF2B5EF4-FFF2-40B4-BE49-F238E27FC236}">
+                  <a16:creationId xmlns:a16="http://schemas.microsoft.com/office/drawing/2014/main" id="{FAD8821B-1D98-4076-8B5C-CE93990FAE28}"/>
+                </a:ext>
+              </a:extLst>
+            </p:cNvPr>
+            <p:cNvSpPr/>
+            <p:nvPr/>
+          </p:nvSpPr>
+          <p:spPr>
+            <a:xfrm>
+              <a:off x="6743093" y="1755068"/>
+              <a:ext cx="1152128" cy="504056"/>
+            </a:xfrm>
+            <a:prstGeom prst="roundRect">
+              <a:avLst>
+                <a:gd name="adj" fmla="val 9318"/>
+              </a:avLst>
+            </a:prstGeom>
+            <a:ln>
+              <a:solidFill>
+                <a:schemeClr val="bg1">
+                  <a:lumMod val="75000"/>
+                </a:schemeClr>
+              </a:solidFill>
+            </a:ln>
+          </p:spPr>
+          <p:style>
+            <a:lnRef idx="2">
+              <a:schemeClr val="dk1"/>
+            </a:lnRef>
+            <a:fillRef idx="1">
+              <a:schemeClr val="lt1"/>
+            </a:fillRef>
+            <a:effectRef idx="0">
+              <a:schemeClr val="dk1"/>
+            </a:effectRef>
+            <a:fontRef idx="minor">
+              <a:schemeClr val="dk1"/>
+            </a:fontRef>
+          </p:style>
+          <p:txBody>
+            <a:bodyPr rtlCol="0" anchor="ctr"/>
+            <a:lstStyle/>
+            <a:p>
+              <a:pPr algn="ctr"/>
+              <a:r>
+                <a:rPr lang="en-US" altLang="ko-KR" sz="1400"/>
+                <a:t>CNI Plugin</a:t>
+              </a:r>
+              <a:endParaRPr lang="ko-KR" altLang="en-US" sz="1400"/>
+            </a:p>
+          </p:txBody>
+        </p:sp>
+        <p:sp>
+          <p:nvSpPr>
+            <p:cNvPr id="172" name="사각형: 둥근 모서리 171">
+              <a:extLst>
+                <a:ext uri="{FF2B5EF4-FFF2-40B4-BE49-F238E27FC236}">
+                  <a16:creationId xmlns:a16="http://schemas.microsoft.com/office/drawing/2014/main" id="{8551F654-1CA7-431E-BB01-6D6EFC5BAE9E}"/>
+                </a:ext>
+              </a:extLst>
+            </p:cNvPr>
+            <p:cNvSpPr/>
+            <p:nvPr/>
+          </p:nvSpPr>
+          <p:spPr>
+            <a:xfrm>
+              <a:off x="4882710" y="2499741"/>
+              <a:ext cx="3312368" cy="2078351"/>
+            </a:xfrm>
+            <a:prstGeom prst="roundRect">
+              <a:avLst>
+                <a:gd name="adj" fmla="val 4573"/>
+              </a:avLst>
+            </a:prstGeom>
+            <a:ln>
+              <a:solidFill>
+                <a:schemeClr val="bg1">
+                  <a:lumMod val="75000"/>
+                </a:schemeClr>
+              </a:solidFill>
+            </a:ln>
+          </p:spPr>
+          <p:style>
+            <a:lnRef idx="2">
+              <a:schemeClr val="dk1"/>
+            </a:lnRef>
+            <a:fillRef idx="1">
+              <a:schemeClr val="lt1"/>
+            </a:fillRef>
+            <a:effectRef idx="0">
+              <a:schemeClr val="dk1"/>
+            </a:effectRef>
+            <a:fontRef idx="minor">
+              <a:schemeClr val="dk1"/>
+            </a:fontRef>
+          </p:style>
+          <p:txBody>
+            <a:bodyPr rtlCol="0" anchor="b"/>
+            <a:lstStyle/>
+            <a:p>
+              <a:pPr algn="ctr"/>
+              <a:r>
+                <a:rPr lang="en-US" altLang="ko-KR" sz="1400" b="1"/>
+                <a:t>Docker</a:t>
+              </a:r>
+              <a:endParaRPr lang="ko-KR" altLang="en-US" sz="1400" b="1"/>
+            </a:p>
+          </p:txBody>
+        </p:sp>
+        <p:grpSp>
+          <p:nvGrpSpPr>
+            <p:cNvPr id="173" name="그룹 172">
+              <a:extLst>
+                <a:ext uri="{FF2B5EF4-FFF2-40B4-BE49-F238E27FC236}">
+                  <a16:creationId xmlns:a16="http://schemas.microsoft.com/office/drawing/2014/main" id="{707D959E-65AB-49A6-A35E-DACB169FCDA3}"/>
+                </a:ext>
+              </a:extLst>
+            </p:cNvPr>
+            <p:cNvGrpSpPr/>
+            <p:nvPr/>
+          </p:nvGrpSpPr>
+          <p:grpSpPr>
+            <a:xfrm>
+              <a:off x="6650767" y="2712820"/>
+              <a:ext cx="1321468" cy="546583"/>
+              <a:chOff x="6444208" y="3253038"/>
+              <a:chExt cx="1321468" cy="546583"/>
+            </a:xfrm>
+          </p:grpSpPr>
+          <p:sp>
+            <p:nvSpPr>
+              <p:cNvPr id="180" name="사각형: 둥근 모서리 179">
+                <a:extLst>
+                  <a:ext uri="{FF2B5EF4-FFF2-40B4-BE49-F238E27FC236}">
+                    <a16:creationId xmlns:a16="http://schemas.microsoft.com/office/drawing/2014/main" id="{5368601C-EBAD-4A8D-892B-D83EF3F7927D}"/>
+                  </a:ext>
+                </a:extLst>
+              </p:cNvPr>
+              <p:cNvSpPr/>
+              <p:nvPr/>
+            </p:nvSpPr>
+            <p:spPr>
+              <a:xfrm>
+                <a:off x="6627016" y="3253038"/>
+                <a:ext cx="1138660" cy="409048"/>
+              </a:xfrm>
+              <a:prstGeom prst="roundRect">
+                <a:avLst>
+                  <a:gd name="adj" fmla="val 9318"/>
+                </a:avLst>
+              </a:prstGeom>
+              <a:ln>
+                <a:solidFill>
+                  <a:schemeClr val="bg1">
+                    <a:lumMod val="75000"/>
+                  </a:schemeClr>
+                </a:solidFill>
+              </a:ln>
+            </p:spPr>
+            <p:style>
+              <a:lnRef idx="2">
+                <a:schemeClr val="dk1"/>
+              </a:lnRef>
+              <a:fillRef idx="1">
+                <a:schemeClr val="lt1"/>
+              </a:fillRef>
+              <a:effectRef idx="0">
+                <a:schemeClr val="dk1"/>
+              </a:effectRef>
+              <a:fontRef idx="minor">
+                <a:schemeClr val="dk1"/>
+              </a:fontRef>
+            </p:style>
+            <p:txBody>
+              <a:bodyPr rtlCol="0" anchor="ctr"/>
+              <a:lstStyle/>
+              <a:p>
+                <a:pPr algn="ctr"/>
+                <a:r>
+                  <a:rPr lang="en-US" altLang="ko-KR" sz="1400"/>
+                  <a:t>Pod</a:t>
+                </a:r>
+                <a:endParaRPr lang="ko-KR" altLang="en-US" sz="1400"/>
+              </a:p>
+            </p:txBody>
+          </p:sp>
+          <p:sp>
+            <p:nvSpPr>
+              <p:cNvPr id="181" name="사각형: 둥근 모서리 180">
+                <a:extLst>
+                  <a:ext uri="{FF2B5EF4-FFF2-40B4-BE49-F238E27FC236}">
+                    <a16:creationId xmlns:a16="http://schemas.microsoft.com/office/drawing/2014/main" id="{E274E87E-6B64-4458-BD47-14C8D0AEB52E}"/>
+                  </a:ext>
+                </a:extLst>
+              </p:cNvPr>
+              <p:cNvSpPr/>
+              <p:nvPr/>
+            </p:nvSpPr>
+            <p:spPr>
+              <a:xfrm>
+                <a:off x="6536534" y="3321084"/>
+                <a:ext cx="1138660" cy="409048"/>
+              </a:xfrm>
+              <a:prstGeom prst="roundRect">
+                <a:avLst>
+                  <a:gd name="adj" fmla="val 9318"/>
+                </a:avLst>
+              </a:prstGeom>
+              <a:ln>
+                <a:solidFill>
+                  <a:schemeClr val="bg1">
+                    <a:lumMod val="75000"/>
+                  </a:schemeClr>
+                </a:solidFill>
+              </a:ln>
+            </p:spPr>
+            <p:style>
+              <a:lnRef idx="2">
+                <a:schemeClr val="dk1"/>
+              </a:lnRef>
+              <a:fillRef idx="1">
+                <a:schemeClr val="lt1"/>
+              </a:fillRef>
+              <a:effectRef idx="0">
+                <a:schemeClr val="dk1"/>
+              </a:effectRef>
+              <a:fontRef idx="minor">
+                <a:schemeClr val="dk1"/>
+              </a:fontRef>
+            </p:style>
+            <p:txBody>
+              <a:bodyPr rtlCol="0" anchor="ctr"/>
+              <a:lstStyle/>
+              <a:p>
+                <a:pPr algn="ctr"/>
+                <a:r>
+                  <a:rPr lang="en-US" altLang="ko-KR" sz="1400"/>
+                  <a:t>Pod</a:t>
+                </a:r>
+                <a:endParaRPr lang="ko-KR" altLang="en-US" sz="1400"/>
+              </a:p>
+            </p:txBody>
+          </p:sp>
+          <p:sp>
+            <p:nvSpPr>
+              <p:cNvPr id="182" name="사각형: 둥근 모서리 181">
+                <a:extLst>
+                  <a:ext uri="{FF2B5EF4-FFF2-40B4-BE49-F238E27FC236}">
+                    <a16:creationId xmlns:a16="http://schemas.microsoft.com/office/drawing/2014/main" id="{1B92C205-BFF4-44EA-9498-CEC64034B215}"/>
+                  </a:ext>
+                </a:extLst>
+              </p:cNvPr>
+              <p:cNvSpPr/>
+              <p:nvPr/>
+            </p:nvSpPr>
+            <p:spPr>
+              <a:xfrm>
+                <a:off x="6444208" y="3390573"/>
+                <a:ext cx="1138660" cy="409048"/>
+              </a:xfrm>
+              <a:prstGeom prst="roundRect">
+                <a:avLst>
+                  <a:gd name="adj" fmla="val 9318"/>
+                </a:avLst>
+              </a:prstGeom>
+              <a:ln>
+                <a:solidFill>
+                  <a:schemeClr val="bg1">
+                    <a:lumMod val="75000"/>
+                  </a:schemeClr>
+                </a:solidFill>
+              </a:ln>
+            </p:spPr>
+            <p:style>
+              <a:lnRef idx="2">
+                <a:schemeClr val="dk1"/>
+              </a:lnRef>
+              <a:fillRef idx="1">
+                <a:schemeClr val="lt1"/>
+              </a:fillRef>
+              <a:effectRef idx="0">
+                <a:schemeClr val="dk1"/>
+              </a:effectRef>
+              <a:fontRef idx="minor">
+                <a:schemeClr val="dk1"/>
+              </a:fontRef>
+            </p:style>
+            <p:txBody>
+              <a:bodyPr rtlCol="0" anchor="ctr"/>
+              <a:lstStyle/>
+              <a:p>
+                <a:pPr algn="ctr"/>
+                <a:r>
+                  <a:rPr lang="en-US" altLang="ko-KR" sz="1400"/>
+                  <a:t>App / Pod</a:t>
+                </a:r>
+                <a:endParaRPr lang="ko-KR" altLang="en-US" sz="1400"/>
+              </a:p>
+            </p:txBody>
+          </p:sp>
+        </p:grpSp>
+        <p:sp>
+          <p:nvSpPr>
+            <p:cNvPr id="174" name="사각형: 둥근 모서리 173">
+              <a:extLst>
+                <a:ext uri="{FF2B5EF4-FFF2-40B4-BE49-F238E27FC236}">
+                  <a16:creationId xmlns:a16="http://schemas.microsoft.com/office/drawing/2014/main" id="{5B5ECCCC-B7D7-4B40-8B09-8178BA3DD18C}"/>
+                </a:ext>
+              </a:extLst>
+            </p:cNvPr>
+            <p:cNvSpPr/>
+            <p:nvPr/>
+          </p:nvSpPr>
+          <p:spPr>
+            <a:xfrm>
+              <a:off x="5026726" y="2643758"/>
+              <a:ext cx="1335105" cy="684708"/>
+            </a:xfrm>
+            <a:prstGeom prst="roundRect">
+              <a:avLst>
+                <a:gd name="adj" fmla="val 9318"/>
+              </a:avLst>
+            </a:prstGeom>
+            <a:ln>
+              <a:solidFill>
+                <a:schemeClr val="bg1">
+                  <a:lumMod val="75000"/>
+                </a:schemeClr>
+              </a:solidFill>
+            </a:ln>
+          </p:spPr>
+          <p:style>
+            <a:lnRef idx="2">
+              <a:schemeClr val="dk1"/>
+            </a:lnRef>
+            <a:fillRef idx="1">
+              <a:schemeClr val="lt1"/>
+            </a:fillRef>
+            <a:effectRef idx="0">
+              <a:schemeClr val="dk1"/>
+            </a:effectRef>
+            <a:fontRef idx="minor">
+              <a:schemeClr val="dk1"/>
+            </a:fontRef>
+          </p:style>
+          <p:txBody>
+            <a:bodyPr rtlCol="0" anchor="ctr"/>
+            <a:lstStyle/>
+            <a:p>
+              <a:pPr algn="ctr"/>
+              <a:r>
+                <a:rPr lang="en-US" altLang="ko-KR" sz="1400"/>
+                <a:t>coredns</a:t>
+              </a:r>
+            </a:p>
+            <a:p>
+              <a:pPr algn="ctr"/>
+              <a:r>
+                <a:rPr lang="en-US" altLang="ko-KR" sz="1400"/>
+                <a:t>/ Pod, Deployments</a:t>
+              </a:r>
+              <a:endParaRPr lang="ko-KR" altLang="en-US" sz="1400"/>
+            </a:p>
+          </p:txBody>
+        </p:sp>
+        <p:sp>
+          <p:nvSpPr>
+            <p:cNvPr id="175" name="사각형: 둥근 모서리 174">
+              <a:extLst>
+                <a:ext uri="{FF2B5EF4-FFF2-40B4-BE49-F238E27FC236}">
+                  <a16:creationId xmlns:a16="http://schemas.microsoft.com/office/drawing/2014/main" id="{68CA54B4-E48E-45EF-9BFD-B86847C44D1C}"/>
+                </a:ext>
+              </a:extLst>
+            </p:cNvPr>
+            <p:cNvSpPr/>
+            <p:nvPr/>
+          </p:nvSpPr>
+          <p:spPr>
+            <a:xfrm>
+              <a:off x="6643949" y="3543226"/>
+              <a:ext cx="1335105" cy="684708"/>
+            </a:xfrm>
+            <a:prstGeom prst="roundRect">
+              <a:avLst>
+                <a:gd name="adj" fmla="val 9318"/>
+              </a:avLst>
+            </a:prstGeom>
+            <a:ln>
+              <a:solidFill>
+                <a:schemeClr val="bg1">
+                  <a:lumMod val="75000"/>
+                </a:schemeClr>
+              </a:solidFill>
+            </a:ln>
+          </p:spPr>
+          <p:style>
+            <a:lnRef idx="2">
+              <a:schemeClr val="dk1"/>
+            </a:lnRef>
+            <a:fillRef idx="1">
+              <a:schemeClr val="lt1"/>
+            </a:fillRef>
+            <a:effectRef idx="0">
+              <a:schemeClr val="dk1"/>
+            </a:effectRef>
+            <a:fontRef idx="minor">
+              <a:schemeClr val="dk1"/>
+            </a:fontRef>
+          </p:style>
+          <p:txBody>
+            <a:bodyPr rtlCol="0" anchor="ctr"/>
+            <a:lstStyle/>
+            <a:p>
+              <a:pPr algn="ctr"/>
+              <a:r>
+                <a:rPr lang="en-US" altLang="ko-KR" sz="1400"/>
+                <a:t>Net Daemon</a:t>
+              </a:r>
+            </a:p>
+            <a:p>
+              <a:pPr algn="ctr"/>
+              <a:r>
+                <a:rPr lang="en-US" altLang="ko-KR" sz="1400"/>
+                <a:t>/ Pod, Daemonset</a:t>
+              </a:r>
+              <a:endParaRPr lang="ko-KR" altLang="en-US" sz="1400"/>
+            </a:p>
+          </p:txBody>
+        </p:sp>
+        <p:sp>
+          <p:nvSpPr>
+            <p:cNvPr id="176" name="사각형: 둥근 모서리 175">
+              <a:extLst>
+                <a:ext uri="{FF2B5EF4-FFF2-40B4-BE49-F238E27FC236}">
+                  <a16:creationId xmlns:a16="http://schemas.microsoft.com/office/drawing/2014/main" id="{77DA76F9-FF97-4D13-AB2E-AFEE40A71C58}"/>
+                </a:ext>
+              </a:extLst>
+            </p:cNvPr>
+            <p:cNvSpPr/>
+            <p:nvPr/>
+          </p:nvSpPr>
+          <p:spPr>
+            <a:xfrm>
+              <a:off x="5026725" y="3543226"/>
+              <a:ext cx="1335105" cy="684708"/>
+            </a:xfrm>
+            <a:prstGeom prst="roundRect">
+              <a:avLst>
+                <a:gd name="adj" fmla="val 9318"/>
+              </a:avLst>
+            </a:prstGeom>
+            <a:ln>
+              <a:solidFill>
+                <a:schemeClr val="bg1">
+                  <a:lumMod val="75000"/>
+                </a:schemeClr>
+              </a:solidFill>
+            </a:ln>
+          </p:spPr>
+          <p:style>
+            <a:lnRef idx="2">
+              <a:schemeClr val="dk1"/>
+            </a:lnRef>
+            <a:fillRef idx="1">
+              <a:schemeClr val="lt1"/>
+            </a:fillRef>
+            <a:effectRef idx="0">
+              <a:schemeClr val="dk1"/>
+            </a:effectRef>
+            <a:fontRef idx="minor">
+              <a:schemeClr val="dk1"/>
+            </a:fontRef>
+          </p:style>
+          <p:txBody>
+            <a:bodyPr rtlCol="0" anchor="ctr"/>
+            <a:lstStyle/>
+            <a:p>
+              <a:pPr algn="ctr"/>
+              <a:r>
+                <a:rPr lang="en-US" altLang="ko-KR" sz="1400"/>
+                <a:t>kube-proxy</a:t>
+              </a:r>
+            </a:p>
+            <a:p>
+              <a:pPr algn="ctr"/>
+              <a:r>
+                <a:rPr lang="en-US" altLang="ko-KR" sz="1400"/>
+                <a:t>/ Pod, Daemonset</a:t>
+              </a:r>
+              <a:endParaRPr lang="ko-KR" altLang="en-US" sz="1400"/>
+            </a:p>
+          </p:txBody>
+        </p:sp>
+        <p:cxnSp>
+          <p:nvCxnSpPr>
+            <p:cNvPr id="177" name="직선 화살표 연결선 176">
+              <a:extLst>
+                <a:ext uri="{FF2B5EF4-FFF2-40B4-BE49-F238E27FC236}">
+                  <a16:creationId xmlns:a16="http://schemas.microsoft.com/office/drawing/2014/main" id="{337A9D07-191C-47B2-A724-08CD647F1885}"/>
+                </a:ext>
+              </a:extLst>
+            </p:cNvPr>
+            <p:cNvCxnSpPr>
+              <a:cxnSpLocks/>
+              <a:stCxn id="171" idx="1"/>
+              <a:endCxn id="170" idx="3"/>
+            </p:cNvCxnSpPr>
+            <p:nvPr/>
+          </p:nvCxnSpPr>
+          <p:spPr>
+            <a:xfrm flipH="1">
+              <a:off x="6270341" y="2007096"/>
+              <a:ext cx="472752" cy="7455"/>
+            </a:xfrm>
+            <a:prstGeom prst="straightConnector1">
+              <a:avLst/>
+            </a:prstGeom>
+            <a:ln w="28575">
+              <a:solidFill>
+                <a:schemeClr val="bg1">
+                  <a:lumMod val="75000"/>
+                </a:schemeClr>
+              </a:solidFill>
+              <a:headEnd type="arrow" w="med" len="med"/>
+              <a:tailEnd type="none" w="med" len="med"/>
+            </a:ln>
+          </p:spPr>
+          <p:style>
+            <a:lnRef idx="1">
+              <a:schemeClr val="accent1"/>
+            </a:lnRef>
+            <a:fillRef idx="0">
+              <a:schemeClr val="accent1"/>
+            </a:fillRef>
+            <a:effectRef idx="0">
+              <a:schemeClr val="accent1"/>
+            </a:effectRef>
+            <a:fontRef idx="minor">
+              <a:schemeClr val="tx1"/>
+            </a:fontRef>
+          </p:style>
+        </p:cxnSp>
+        <p:cxnSp>
+          <p:nvCxnSpPr>
+            <p:cNvPr id="178" name="직선 화살표 연결선 177">
+              <a:extLst>
+                <a:ext uri="{FF2B5EF4-FFF2-40B4-BE49-F238E27FC236}">
+                  <a16:creationId xmlns:a16="http://schemas.microsoft.com/office/drawing/2014/main" id="{894A820B-65D4-4D3C-AFF2-20B1596B54F5}"/>
+                </a:ext>
+              </a:extLst>
+            </p:cNvPr>
+            <p:cNvCxnSpPr>
+              <a:cxnSpLocks/>
+              <a:stCxn id="174" idx="0"/>
+              <a:endCxn id="171" idx="2"/>
+            </p:cNvCxnSpPr>
+            <p:nvPr/>
+          </p:nvCxnSpPr>
+          <p:spPr>
+            <a:xfrm flipV="1">
+              <a:off x="5694279" y="2259124"/>
+              <a:ext cx="1624878" cy="384634"/>
+            </a:xfrm>
+            <a:prstGeom prst="straightConnector1">
+              <a:avLst/>
+            </a:prstGeom>
+            <a:ln w="28575">
+              <a:solidFill>
+                <a:schemeClr val="bg1">
+                  <a:lumMod val="75000"/>
+                </a:schemeClr>
+              </a:solidFill>
+              <a:headEnd type="arrow" w="med" len="med"/>
+              <a:tailEnd type="none" w="med" len="med"/>
+            </a:ln>
+          </p:spPr>
+          <p:style>
+            <a:lnRef idx="1">
+              <a:schemeClr val="accent1"/>
+            </a:lnRef>
+            <a:fillRef idx="0">
+              <a:schemeClr val="accent1"/>
+            </a:fillRef>
+            <a:effectRef idx="0">
+              <a:schemeClr val="accent1"/>
+            </a:effectRef>
+            <a:fontRef idx="minor">
+              <a:schemeClr val="tx1"/>
+            </a:fontRef>
+          </p:style>
+        </p:cxnSp>
+        <p:cxnSp>
+          <p:nvCxnSpPr>
+            <p:cNvPr id="179" name="직선 화살표 연결선 178">
+              <a:extLst>
+                <a:ext uri="{FF2B5EF4-FFF2-40B4-BE49-F238E27FC236}">
+                  <a16:creationId xmlns:a16="http://schemas.microsoft.com/office/drawing/2014/main" id="{C3E10AC5-8007-40E3-8045-C1CEC1F55D5E}"/>
+                </a:ext>
+              </a:extLst>
+            </p:cNvPr>
+            <p:cNvCxnSpPr>
+              <a:cxnSpLocks/>
+              <a:stCxn id="182" idx="0"/>
+              <a:endCxn id="171" idx="2"/>
+            </p:cNvCxnSpPr>
+            <p:nvPr/>
+          </p:nvCxnSpPr>
+          <p:spPr>
+            <a:xfrm flipV="1">
+              <a:off x="7220097" y="2259124"/>
+              <a:ext cx="99060" cy="591231"/>
+            </a:xfrm>
+            <a:prstGeom prst="straightConnector1">
+              <a:avLst/>
+            </a:prstGeom>
+            <a:ln w="28575">
+              <a:solidFill>
+                <a:schemeClr val="bg1">
+                  <a:lumMod val="75000"/>
+                </a:schemeClr>
+              </a:solidFill>
+              <a:headEnd type="arrow" w="med" len="med"/>
+              <a:tailEnd type="none" w="med" len="med"/>
+            </a:ln>
+          </p:spPr>
+          <p:style>
+            <a:lnRef idx="1">
+              <a:schemeClr val="accent1"/>
+            </a:lnRef>
+            <a:fillRef idx="0">
+              <a:schemeClr val="accent1"/>
+            </a:fillRef>
+            <a:effectRef idx="0">
+              <a:schemeClr val="accent1"/>
+            </a:effectRef>
+            <a:fontRef idx="minor">
+              <a:schemeClr val="tx1"/>
+            </a:fontRef>
+          </p:style>
+        </p:cxnSp>
+      </p:grpSp>
+      <p:grpSp>
+        <p:nvGrpSpPr>
+          <p:cNvPr id="125" name="그룹 124">
+            <a:extLst>
+              <a:ext uri="{FF2B5EF4-FFF2-40B4-BE49-F238E27FC236}">
+                <a16:creationId xmlns:a16="http://schemas.microsoft.com/office/drawing/2014/main" id="{AD0A0EF4-3A2D-4AA2-B03E-8861FA2A5CA6}"/>
+              </a:ext>
+            </a:extLst>
+          </p:cNvPr>
+          <p:cNvGrpSpPr/>
+          <p:nvPr/>
+        </p:nvGrpSpPr>
+        <p:grpSpPr>
+          <a:xfrm>
+            <a:off x="4644008" y="921803"/>
+            <a:ext cx="3623078" cy="3312368"/>
+            <a:chOff x="4716016" y="1635646"/>
+            <a:chExt cx="3623078" cy="3312368"/>
+          </a:xfrm>
+        </p:grpSpPr>
+        <p:sp>
+          <p:nvSpPr>
+            <p:cNvPr id="126" name="사각형: 둥근 모서리 125">
+              <a:extLst>
+                <a:ext uri="{FF2B5EF4-FFF2-40B4-BE49-F238E27FC236}">
+                  <a16:creationId xmlns:a16="http://schemas.microsoft.com/office/drawing/2014/main" id="{70BD0955-81EB-4C27-988C-28730C114377}"/>
+                </a:ext>
+              </a:extLst>
+            </p:cNvPr>
+            <p:cNvSpPr/>
+            <p:nvPr/>
+          </p:nvSpPr>
+          <p:spPr>
+            <a:xfrm>
+              <a:off x="4716016" y="1635646"/>
+              <a:ext cx="3623078" cy="3312368"/>
+            </a:xfrm>
+            <a:prstGeom prst="roundRect">
+              <a:avLst>
+                <a:gd name="adj" fmla="val 3439"/>
+              </a:avLst>
+            </a:prstGeom>
+            <a:ln>
+              <a:solidFill>
+                <a:schemeClr val="bg1">
+                  <a:lumMod val="75000"/>
+                </a:schemeClr>
+              </a:solidFill>
+            </a:ln>
+          </p:spPr>
+          <p:style>
+            <a:lnRef idx="2">
+              <a:schemeClr val="dk1"/>
+            </a:lnRef>
+            <a:fillRef idx="1">
+              <a:schemeClr val="lt1"/>
+            </a:fillRef>
+            <a:effectRef idx="0">
+              <a:schemeClr val="dk1"/>
+            </a:effectRef>
+            <a:fontRef idx="minor">
+              <a:schemeClr val="dk1"/>
+            </a:fontRef>
+          </p:style>
+          <p:txBody>
+            <a:bodyPr rtlCol="0" anchor="b"/>
+            <a:lstStyle/>
+            <a:p>
+              <a:pPr algn="ctr"/>
+              <a:r>
+                <a:rPr lang="en-US" altLang="ko-KR" sz="1600" b="1"/>
+                <a:t>Worker Node</a:t>
+              </a:r>
+              <a:endParaRPr lang="ko-KR" altLang="en-US" sz="1600" b="1"/>
+            </a:p>
+          </p:txBody>
+        </p:sp>
+        <p:sp>
+          <p:nvSpPr>
+            <p:cNvPr id="127" name="사각형: 둥근 모서리 126">
+              <a:extLst>
+                <a:ext uri="{FF2B5EF4-FFF2-40B4-BE49-F238E27FC236}">
+                  <a16:creationId xmlns:a16="http://schemas.microsoft.com/office/drawing/2014/main" id="{6907BB93-19C6-4F54-9152-B26B5B513834}"/>
+                </a:ext>
+              </a:extLst>
+            </p:cNvPr>
+            <p:cNvSpPr/>
+            <p:nvPr/>
+          </p:nvSpPr>
+          <p:spPr>
+            <a:xfrm>
+              <a:off x="5118213" y="1762523"/>
+              <a:ext cx="1152128" cy="504056"/>
+            </a:xfrm>
+            <a:prstGeom prst="roundRect">
+              <a:avLst>
+                <a:gd name="adj" fmla="val 9318"/>
+              </a:avLst>
+            </a:prstGeom>
+            <a:ln>
+              <a:solidFill>
+                <a:schemeClr val="bg1">
+                  <a:lumMod val="75000"/>
+                </a:schemeClr>
+              </a:solidFill>
+            </a:ln>
+          </p:spPr>
+          <p:style>
+            <a:lnRef idx="2">
+              <a:schemeClr val="dk1"/>
+            </a:lnRef>
+            <a:fillRef idx="1">
+              <a:schemeClr val="lt1"/>
+            </a:fillRef>
+            <a:effectRef idx="0">
+              <a:schemeClr val="dk1"/>
+            </a:effectRef>
+            <a:fontRef idx="minor">
+              <a:schemeClr val="dk1"/>
+            </a:fontRef>
+          </p:style>
+          <p:txBody>
+            <a:bodyPr rtlCol="0" anchor="ctr"/>
+            <a:lstStyle/>
+            <a:p>
+              <a:pPr algn="ctr"/>
+              <a:r>
+                <a:rPr lang="en-US" altLang="ko-KR" sz="1400"/>
+                <a:t>kubelet</a:t>
+              </a:r>
+              <a:endParaRPr lang="ko-KR" altLang="en-US" sz="1400"/>
+            </a:p>
+          </p:txBody>
+        </p:sp>
+        <p:sp>
+          <p:nvSpPr>
+            <p:cNvPr id="128" name="사각형: 둥근 모서리 127">
+              <a:extLst>
+                <a:ext uri="{FF2B5EF4-FFF2-40B4-BE49-F238E27FC236}">
+                  <a16:creationId xmlns:a16="http://schemas.microsoft.com/office/drawing/2014/main" id="{74110420-5460-4C80-BF37-910E33719CDA}"/>
+                </a:ext>
+              </a:extLst>
+            </p:cNvPr>
+            <p:cNvSpPr/>
+            <p:nvPr/>
+          </p:nvSpPr>
+          <p:spPr>
+            <a:xfrm>
+              <a:off x="6743093" y="1755068"/>
+              <a:ext cx="1152128" cy="504056"/>
+            </a:xfrm>
+            <a:prstGeom prst="roundRect">
+              <a:avLst>
+                <a:gd name="adj" fmla="val 9318"/>
+              </a:avLst>
+            </a:prstGeom>
+            <a:ln>
+              <a:solidFill>
+                <a:schemeClr val="bg1">
+                  <a:lumMod val="75000"/>
+                </a:schemeClr>
+              </a:solidFill>
+            </a:ln>
+          </p:spPr>
+          <p:style>
+            <a:lnRef idx="2">
+              <a:schemeClr val="dk1"/>
+            </a:lnRef>
+            <a:fillRef idx="1">
+              <a:schemeClr val="lt1"/>
+            </a:fillRef>
+            <a:effectRef idx="0">
+              <a:schemeClr val="dk1"/>
+            </a:effectRef>
+            <a:fontRef idx="minor">
+              <a:schemeClr val="dk1"/>
+            </a:fontRef>
+          </p:style>
+          <p:txBody>
+            <a:bodyPr rtlCol="0" anchor="ctr"/>
+            <a:lstStyle/>
+            <a:p>
+              <a:pPr algn="ctr"/>
+              <a:r>
+                <a:rPr lang="en-US" altLang="ko-KR" sz="1400"/>
+                <a:t>CNI Plugin</a:t>
+              </a:r>
+              <a:endParaRPr lang="ko-KR" altLang="en-US" sz="1400"/>
+            </a:p>
+          </p:txBody>
+        </p:sp>
+        <p:sp>
+          <p:nvSpPr>
+            <p:cNvPr id="133" name="사각형: 둥근 모서리 132">
+              <a:extLst>
+                <a:ext uri="{FF2B5EF4-FFF2-40B4-BE49-F238E27FC236}">
+                  <a16:creationId xmlns:a16="http://schemas.microsoft.com/office/drawing/2014/main" id="{0F60AB63-6207-4033-ABBD-84BE226EE8E6}"/>
+                </a:ext>
+              </a:extLst>
+            </p:cNvPr>
+            <p:cNvSpPr/>
+            <p:nvPr/>
+          </p:nvSpPr>
+          <p:spPr>
+            <a:xfrm>
+              <a:off x="4882710" y="2499741"/>
+              <a:ext cx="3312368" cy="2078351"/>
+            </a:xfrm>
+            <a:prstGeom prst="roundRect">
+              <a:avLst>
+                <a:gd name="adj" fmla="val 4573"/>
+              </a:avLst>
+            </a:prstGeom>
+            <a:ln>
+              <a:solidFill>
+                <a:schemeClr val="bg1">
+                  <a:lumMod val="75000"/>
+                </a:schemeClr>
+              </a:solidFill>
+            </a:ln>
+          </p:spPr>
+          <p:style>
+            <a:lnRef idx="2">
+              <a:schemeClr val="dk1"/>
+            </a:lnRef>
+            <a:fillRef idx="1">
+              <a:schemeClr val="lt1"/>
+            </a:fillRef>
+            <a:effectRef idx="0">
+              <a:schemeClr val="dk1"/>
+            </a:effectRef>
+            <a:fontRef idx="minor">
+              <a:schemeClr val="dk1"/>
+            </a:fontRef>
+          </p:style>
+          <p:txBody>
+            <a:bodyPr rtlCol="0" anchor="b"/>
+            <a:lstStyle/>
+            <a:p>
+              <a:pPr algn="ctr"/>
+              <a:r>
+                <a:rPr lang="en-US" altLang="ko-KR" sz="1400" b="1"/>
+                <a:t>Docker</a:t>
+              </a:r>
+              <a:endParaRPr lang="ko-KR" altLang="en-US" sz="1400" b="1"/>
+            </a:p>
+          </p:txBody>
+        </p:sp>
+        <p:grpSp>
+          <p:nvGrpSpPr>
+            <p:cNvPr id="138" name="그룹 137">
+              <a:extLst>
+                <a:ext uri="{FF2B5EF4-FFF2-40B4-BE49-F238E27FC236}">
+                  <a16:creationId xmlns:a16="http://schemas.microsoft.com/office/drawing/2014/main" id="{42CFC863-0AE4-4B2F-B0B7-0EC14808BB31}"/>
+                </a:ext>
+              </a:extLst>
+            </p:cNvPr>
+            <p:cNvGrpSpPr/>
+            <p:nvPr/>
+          </p:nvGrpSpPr>
+          <p:grpSpPr>
+            <a:xfrm>
+              <a:off x="6650767" y="2712820"/>
+              <a:ext cx="1321468" cy="546583"/>
+              <a:chOff x="6444208" y="3253038"/>
+              <a:chExt cx="1321468" cy="546583"/>
+            </a:xfrm>
+          </p:grpSpPr>
+          <p:sp>
+            <p:nvSpPr>
+              <p:cNvPr id="165" name="사각형: 둥근 모서리 164">
+                <a:extLst>
+                  <a:ext uri="{FF2B5EF4-FFF2-40B4-BE49-F238E27FC236}">
+                    <a16:creationId xmlns:a16="http://schemas.microsoft.com/office/drawing/2014/main" id="{92EBD31B-A7A3-4E52-A3C1-405A31944915}"/>
+                  </a:ext>
+                </a:extLst>
+              </p:cNvPr>
+              <p:cNvSpPr/>
+              <p:nvPr/>
+            </p:nvSpPr>
+            <p:spPr>
+              <a:xfrm>
+                <a:off x="6627016" y="3253038"/>
+                <a:ext cx="1138660" cy="409048"/>
+              </a:xfrm>
+              <a:prstGeom prst="roundRect">
+                <a:avLst>
+                  <a:gd name="adj" fmla="val 9318"/>
+                </a:avLst>
+              </a:prstGeom>
+              <a:ln>
+                <a:solidFill>
+                  <a:schemeClr val="bg1">
+                    <a:lumMod val="75000"/>
+                  </a:schemeClr>
+                </a:solidFill>
+              </a:ln>
+            </p:spPr>
+            <p:style>
+              <a:lnRef idx="2">
+                <a:schemeClr val="dk1"/>
+              </a:lnRef>
+              <a:fillRef idx="1">
+                <a:schemeClr val="lt1"/>
+              </a:fillRef>
+              <a:effectRef idx="0">
+                <a:schemeClr val="dk1"/>
+              </a:effectRef>
+              <a:fontRef idx="minor">
+                <a:schemeClr val="dk1"/>
+              </a:fontRef>
+            </p:style>
+            <p:txBody>
+              <a:bodyPr rtlCol="0" anchor="ctr"/>
+              <a:lstStyle/>
+              <a:p>
+                <a:pPr algn="ctr"/>
+                <a:r>
+                  <a:rPr lang="en-US" altLang="ko-KR" sz="1400"/>
+                  <a:t>Pod</a:t>
+                </a:r>
+                <a:endParaRPr lang="ko-KR" altLang="en-US" sz="1400"/>
+              </a:p>
+            </p:txBody>
+          </p:sp>
+          <p:sp>
+            <p:nvSpPr>
+              <p:cNvPr id="166" name="사각형: 둥근 모서리 165">
+                <a:extLst>
+                  <a:ext uri="{FF2B5EF4-FFF2-40B4-BE49-F238E27FC236}">
+                    <a16:creationId xmlns:a16="http://schemas.microsoft.com/office/drawing/2014/main" id="{B9AD7759-110A-49B5-BB10-FD1C9AEC856B}"/>
+                  </a:ext>
+                </a:extLst>
+              </p:cNvPr>
+              <p:cNvSpPr/>
+              <p:nvPr/>
+            </p:nvSpPr>
+            <p:spPr>
+              <a:xfrm>
+                <a:off x="6536534" y="3321084"/>
+                <a:ext cx="1138660" cy="409048"/>
+              </a:xfrm>
+              <a:prstGeom prst="roundRect">
+                <a:avLst>
+                  <a:gd name="adj" fmla="val 9318"/>
+                </a:avLst>
+              </a:prstGeom>
+              <a:ln>
+                <a:solidFill>
+                  <a:schemeClr val="bg1">
+                    <a:lumMod val="75000"/>
+                  </a:schemeClr>
+                </a:solidFill>
+              </a:ln>
+            </p:spPr>
+            <p:style>
+              <a:lnRef idx="2">
+                <a:schemeClr val="dk1"/>
+              </a:lnRef>
+              <a:fillRef idx="1">
+                <a:schemeClr val="lt1"/>
+              </a:fillRef>
+              <a:effectRef idx="0">
+                <a:schemeClr val="dk1"/>
+              </a:effectRef>
+              <a:fontRef idx="minor">
+                <a:schemeClr val="dk1"/>
+              </a:fontRef>
+            </p:style>
+            <p:txBody>
+              <a:bodyPr rtlCol="0" anchor="ctr"/>
+              <a:lstStyle/>
+              <a:p>
+                <a:pPr algn="ctr"/>
+                <a:r>
+                  <a:rPr lang="en-US" altLang="ko-KR" sz="1400"/>
+                  <a:t>Pod</a:t>
+                </a:r>
+                <a:endParaRPr lang="ko-KR" altLang="en-US" sz="1400"/>
+              </a:p>
+            </p:txBody>
+          </p:sp>
+          <p:sp>
+            <p:nvSpPr>
+              <p:cNvPr id="167" name="사각형: 둥근 모서리 166">
+                <a:extLst>
+                  <a:ext uri="{FF2B5EF4-FFF2-40B4-BE49-F238E27FC236}">
+                    <a16:creationId xmlns:a16="http://schemas.microsoft.com/office/drawing/2014/main" id="{A63B8F16-680D-4860-A5FB-46C37239204B}"/>
+                  </a:ext>
+                </a:extLst>
+              </p:cNvPr>
+              <p:cNvSpPr/>
+              <p:nvPr/>
+            </p:nvSpPr>
+            <p:spPr>
+              <a:xfrm>
+                <a:off x="6444208" y="3390573"/>
+                <a:ext cx="1138660" cy="409048"/>
+              </a:xfrm>
+              <a:prstGeom prst="roundRect">
+                <a:avLst>
+                  <a:gd name="adj" fmla="val 9318"/>
+                </a:avLst>
+              </a:prstGeom>
+              <a:ln>
+                <a:solidFill>
+                  <a:schemeClr val="bg1">
+                    <a:lumMod val="75000"/>
+                  </a:schemeClr>
+                </a:solidFill>
+              </a:ln>
+            </p:spPr>
+            <p:style>
+              <a:lnRef idx="2">
+                <a:schemeClr val="dk1"/>
+              </a:lnRef>
+              <a:fillRef idx="1">
+                <a:schemeClr val="lt1"/>
+              </a:fillRef>
+              <a:effectRef idx="0">
+                <a:schemeClr val="dk1"/>
+              </a:effectRef>
+              <a:fontRef idx="minor">
+                <a:schemeClr val="dk1"/>
+              </a:fontRef>
+            </p:style>
+            <p:txBody>
+              <a:bodyPr rtlCol="0" anchor="ctr"/>
+              <a:lstStyle/>
+              <a:p>
+                <a:pPr algn="ctr"/>
+                <a:r>
+                  <a:rPr lang="en-US" altLang="ko-KR" sz="1400"/>
+                  <a:t>App / Pod</a:t>
+                </a:r>
+                <a:endParaRPr lang="ko-KR" altLang="en-US" sz="1400"/>
+              </a:p>
+            </p:txBody>
+          </p:sp>
+        </p:grpSp>
+        <p:sp>
+          <p:nvSpPr>
+            <p:cNvPr id="159" name="사각형: 둥근 모서리 158">
+              <a:extLst>
+                <a:ext uri="{FF2B5EF4-FFF2-40B4-BE49-F238E27FC236}">
+                  <a16:creationId xmlns:a16="http://schemas.microsoft.com/office/drawing/2014/main" id="{BDB2BA91-CB7A-478B-9702-104777EE7EFC}"/>
+                </a:ext>
+              </a:extLst>
+            </p:cNvPr>
+            <p:cNvSpPr/>
+            <p:nvPr/>
+          </p:nvSpPr>
+          <p:spPr>
+            <a:xfrm>
+              <a:off x="5026726" y="2643758"/>
+              <a:ext cx="1335105" cy="684708"/>
+            </a:xfrm>
+            <a:prstGeom prst="roundRect">
+              <a:avLst>
+                <a:gd name="adj" fmla="val 9318"/>
+              </a:avLst>
+            </a:prstGeom>
+            <a:ln>
+              <a:solidFill>
+                <a:schemeClr val="bg1">
+                  <a:lumMod val="75000"/>
+                </a:schemeClr>
+              </a:solidFill>
+            </a:ln>
+          </p:spPr>
+          <p:style>
+            <a:lnRef idx="2">
+              <a:schemeClr val="dk1"/>
+            </a:lnRef>
+            <a:fillRef idx="1">
+              <a:schemeClr val="lt1"/>
+            </a:fillRef>
+            <a:effectRef idx="0">
+              <a:schemeClr val="dk1"/>
+            </a:effectRef>
+            <a:fontRef idx="minor">
+              <a:schemeClr val="dk1"/>
+            </a:fontRef>
+          </p:style>
+          <p:txBody>
+            <a:bodyPr rtlCol="0" anchor="ctr"/>
+            <a:lstStyle/>
+            <a:p>
+              <a:pPr algn="ctr"/>
+              <a:r>
+                <a:rPr lang="en-US" altLang="ko-KR" sz="1400"/>
+                <a:t>coredns</a:t>
+              </a:r>
+            </a:p>
+            <a:p>
+              <a:pPr algn="ctr"/>
+              <a:r>
+                <a:rPr lang="en-US" altLang="ko-KR" sz="1400"/>
+                <a:t>/ Pod, Deployments</a:t>
+              </a:r>
+              <a:endParaRPr lang="ko-KR" altLang="en-US" sz="1400"/>
+            </a:p>
+          </p:txBody>
+        </p:sp>
+        <p:sp>
+          <p:nvSpPr>
+            <p:cNvPr id="160" name="사각형: 둥근 모서리 159">
+              <a:extLst>
+                <a:ext uri="{FF2B5EF4-FFF2-40B4-BE49-F238E27FC236}">
+                  <a16:creationId xmlns:a16="http://schemas.microsoft.com/office/drawing/2014/main" id="{80BCF112-FDA9-434E-BBCF-9CEA81660A0E}"/>
+                </a:ext>
+              </a:extLst>
+            </p:cNvPr>
+            <p:cNvSpPr/>
+            <p:nvPr/>
+          </p:nvSpPr>
+          <p:spPr>
+            <a:xfrm>
+              <a:off x="6643949" y="3543226"/>
+              <a:ext cx="1335105" cy="684708"/>
+            </a:xfrm>
+            <a:prstGeom prst="roundRect">
+              <a:avLst>
+                <a:gd name="adj" fmla="val 9318"/>
+              </a:avLst>
+            </a:prstGeom>
+            <a:ln>
+              <a:solidFill>
+                <a:schemeClr val="bg1">
+                  <a:lumMod val="75000"/>
+                </a:schemeClr>
+              </a:solidFill>
+            </a:ln>
+          </p:spPr>
+          <p:style>
+            <a:lnRef idx="2">
+              <a:schemeClr val="dk1"/>
+            </a:lnRef>
+            <a:fillRef idx="1">
+              <a:schemeClr val="lt1"/>
+            </a:fillRef>
+            <a:effectRef idx="0">
+              <a:schemeClr val="dk1"/>
+            </a:effectRef>
+            <a:fontRef idx="minor">
+              <a:schemeClr val="dk1"/>
+            </a:fontRef>
+          </p:style>
+          <p:txBody>
+            <a:bodyPr rtlCol="0" anchor="ctr"/>
+            <a:lstStyle/>
+            <a:p>
+              <a:pPr algn="ctr"/>
+              <a:r>
+                <a:rPr lang="en-US" altLang="ko-KR" sz="1400"/>
+                <a:t>Net Daemon</a:t>
+              </a:r>
+            </a:p>
+            <a:p>
+              <a:pPr algn="ctr"/>
+              <a:r>
+                <a:rPr lang="en-US" altLang="ko-KR" sz="1400"/>
+                <a:t>/ Pod, Daemonset</a:t>
+              </a:r>
+              <a:endParaRPr lang="ko-KR" altLang="en-US" sz="1400"/>
+            </a:p>
+          </p:txBody>
+        </p:sp>
+        <p:sp>
+          <p:nvSpPr>
+            <p:cNvPr id="161" name="사각형: 둥근 모서리 160">
+              <a:extLst>
+                <a:ext uri="{FF2B5EF4-FFF2-40B4-BE49-F238E27FC236}">
+                  <a16:creationId xmlns:a16="http://schemas.microsoft.com/office/drawing/2014/main" id="{065FB8D7-D038-4D41-BAA8-2FD500679AA8}"/>
+                </a:ext>
+              </a:extLst>
+            </p:cNvPr>
+            <p:cNvSpPr/>
+            <p:nvPr/>
+          </p:nvSpPr>
+          <p:spPr>
+            <a:xfrm>
+              <a:off x="5026725" y="3543226"/>
+              <a:ext cx="1335105" cy="684708"/>
+            </a:xfrm>
+            <a:prstGeom prst="roundRect">
+              <a:avLst>
+                <a:gd name="adj" fmla="val 9318"/>
+              </a:avLst>
+            </a:prstGeom>
+            <a:ln>
+              <a:solidFill>
+                <a:schemeClr val="bg1">
+                  <a:lumMod val="75000"/>
+                </a:schemeClr>
+              </a:solidFill>
+            </a:ln>
+          </p:spPr>
+          <p:style>
+            <a:lnRef idx="2">
+              <a:schemeClr val="dk1"/>
+            </a:lnRef>
+            <a:fillRef idx="1">
+              <a:schemeClr val="lt1"/>
+            </a:fillRef>
+            <a:effectRef idx="0">
+              <a:schemeClr val="dk1"/>
+            </a:effectRef>
+            <a:fontRef idx="minor">
+              <a:schemeClr val="dk1"/>
+            </a:fontRef>
+          </p:style>
+          <p:txBody>
+            <a:bodyPr rtlCol="0" anchor="ctr"/>
+            <a:lstStyle/>
+            <a:p>
+              <a:pPr algn="ctr"/>
+              <a:r>
+                <a:rPr lang="en-US" altLang="ko-KR" sz="1400"/>
+                <a:t>kube-proxy</a:t>
+              </a:r>
+            </a:p>
+            <a:p>
+              <a:pPr algn="ctr"/>
+              <a:r>
+                <a:rPr lang="en-US" altLang="ko-KR" sz="1400"/>
+                <a:t>/ Pod, Daemonset</a:t>
+              </a:r>
+              <a:endParaRPr lang="ko-KR" altLang="en-US" sz="1400"/>
+            </a:p>
+          </p:txBody>
+        </p:sp>
+        <p:cxnSp>
+          <p:nvCxnSpPr>
+            <p:cNvPr id="162" name="직선 화살표 연결선 161">
+              <a:extLst>
+                <a:ext uri="{FF2B5EF4-FFF2-40B4-BE49-F238E27FC236}">
+                  <a16:creationId xmlns:a16="http://schemas.microsoft.com/office/drawing/2014/main" id="{F9543192-75B7-4522-BB67-8631A89D8494}"/>
+                </a:ext>
+              </a:extLst>
+            </p:cNvPr>
+            <p:cNvCxnSpPr>
+              <a:cxnSpLocks/>
+              <a:stCxn id="128" idx="1"/>
+              <a:endCxn id="127" idx="3"/>
+            </p:cNvCxnSpPr>
+            <p:nvPr/>
+          </p:nvCxnSpPr>
+          <p:spPr>
+            <a:xfrm flipH="1">
+              <a:off x="6270341" y="2007096"/>
+              <a:ext cx="472752" cy="7455"/>
+            </a:xfrm>
+            <a:prstGeom prst="straightConnector1">
+              <a:avLst/>
+            </a:prstGeom>
+            <a:ln w="28575">
+              <a:solidFill>
+                <a:schemeClr val="bg1">
+                  <a:lumMod val="75000"/>
+                </a:schemeClr>
+              </a:solidFill>
+              <a:headEnd type="arrow" w="med" len="med"/>
+              <a:tailEnd type="none" w="med" len="med"/>
+            </a:ln>
+          </p:spPr>
+          <p:style>
+            <a:lnRef idx="1">
+              <a:schemeClr val="accent1"/>
+            </a:lnRef>
+            <a:fillRef idx="0">
+              <a:schemeClr val="accent1"/>
+            </a:fillRef>
+            <a:effectRef idx="0">
+              <a:schemeClr val="accent1"/>
+            </a:effectRef>
+            <a:fontRef idx="minor">
+              <a:schemeClr val="tx1"/>
+            </a:fontRef>
+          </p:style>
+        </p:cxnSp>
+        <p:cxnSp>
+          <p:nvCxnSpPr>
+            <p:cNvPr id="163" name="직선 화살표 연결선 162">
+              <a:extLst>
+                <a:ext uri="{FF2B5EF4-FFF2-40B4-BE49-F238E27FC236}">
+                  <a16:creationId xmlns:a16="http://schemas.microsoft.com/office/drawing/2014/main" id="{33B991B5-9AE0-404E-8C41-6CEE485E4D8C}"/>
+                </a:ext>
+              </a:extLst>
+            </p:cNvPr>
+            <p:cNvCxnSpPr>
+              <a:cxnSpLocks/>
+              <a:stCxn id="159" idx="0"/>
+              <a:endCxn id="128" idx="2"/>
+            </p:cNvCxnSpPr>
+            <p:nvPr/>
+          </p:nvCxnSpPr>
+          <p:spPr>
+            <a:xfrm flipV="1">
+              <a:off x="5694279" y="2259124"/>
+              <a:ext cx="1624878" cy="384634"/>
+            </a:xfrm>
+            <a:prstGeom prst="straightConnector1">
+              <a:avLst/>
+            </a:prstGeom>
+            <a:ln w="28575">
+              <a:solidFill>
+                <a:schemeClr val="bg1">
+                  <a:lumMod val="75000"/>
+                </a:schemeClr>
+              </a:solidFill>
+              <a:headEnd type="arrow" w="med" len="med"/>
+              <a:tailEnd type="none" w="med" len="med"/>
+            </a:ln>
+          </p:spPr>
+          <p:style>
+            <a:lnRef idx="1">
+              <a:schemeClr val="accent1"/>
+            </a:lnRef>
+            <a:fillRef idx="0">
+              <a:schemeClr val="accent1"/>
+            </a:fillRef>
+            <a:effectRef idx="0">
+              <a:schemeClr val="accent1"/>
+            </a:effectRef>
+            <a:fontRef idx="minor">
+              <a:schemeClr val="tx1"/>
+            </a:fontRef>
+          </p:style>
+        </p:cxnSp>
+        <p:cxnSp>
+          <p:nvCxnSpPr>
+            <p:cNvPr id="164" name="직선 화살표 연결선 163">
+              <a:extLst>
+                <a:ext uri="{FF2B5EF4-FFF2-40B4-BE49-F238E27FC236}">
+                  <a16:creationId xmlns:a16="http://schemas.microsoft.com/office/drawing/2014/main" id="{46040654-ABB9-4C05-8C32-F8B17D80EDB2}"/>
+                </a:ext>
+              </a:extLst>
+            </p:cNvPr>
+            <p:cNvCxnSpPr>
+              <a:cxnSpLocks/>
+              <a:stCxn id="167" idx="0"/>
+              <a:endCxn id="128" idx="2"/>
+            </p:cNvCxnSpPr>
+            <p:nvPr/>
+          </p:nvCxnSpPr>
+          <p:spPr>
+            <a:xfrm flipV="1">
+              <a:off x="7220097" y="2259124"/>
+              <a:ext cx="99060" cy="591231"/>
+            </a:xfrm>
+            <a:prstGeom prst="straightConnector1">
+              <a:avLst/>
+            </a:prstGeom>
+            <a:ln w="28575">
+              <a:solidFill>
+                <a:schemeClr val="bg1">
+                  <a:lumMod val="75000"/>
+                </a:schemeClr>
+              </a:solidFill>
+              <a:headEnd type="arrow" w="med" len="med"/>
+              <a:tailEnd type="none" w="med" len="med"/>
+            </a:ln>
+          </p:spPr>
+          <p:style>
+            <a:lnRef idx="1">
+              <a:schemeClr val="accent1"/>
+            </a:lnRef>
+            <a:fillRef idx="0">
+              <a:schemeClr val="accent1"/>
+            </a:fillRef>
+            <a:effectRef idx="0">
+              <a:schemeClr val="accent1"/>
+            </a:effectRef>
+            <a:fontRef idx="minor">
+              <a:schemeClr val="tx1"/>
+            </a:fontRef>
+          </p:style>
+        </p:cxnSp>
+      </p:grpSp>
+      <p:sp>
+        <p:nvSpPr>
+          <p:cNvPr id="2" name="제목 1">
+            <a:extLst>
+              <a:ext uri="{FF2B5EF4-FFF2-40B4-BE49-F238E27FC236}">
+                <a16:creationId xmlns:a16="http://schemas.microsoft.com/office/drawing/2014/main" id="{8738443D-5E72-49E2-86AC-581D61C41C39}"/>
+              </a:ext>
+            </a:extLst>
+          </p:cNvPr>
+          <p:cNvSpPr>
+            <a:spLocks noGrp="1"/>
+          </p:cNvSpPr>
+          <p:nvPr>
+            <p:ph type="title"/>
+          </p:nvPr>
+        </p:nvSpPr>
+        <p:spPr>
+          <a:xfrm>
+            <a:off x="457200" y="-596602"/>
+            <a:ext cx="8229600" cy="857250"/>
+          </a:xfrm>
+        </p:spPr>
+        <p:txBody>
+          <a:bodyPr>
+            <a:normAutofit/>
+          </a:bodyPr>
+          <a:lstStyle/>
+          <a:p>
+            <a:r>
+              <a:rPr lang="en-US" altLang="ko-KR"/>
+              <a:t>Kubernetes</a:t>
+            </a:r>
+            <a:r>
+              <a:rPr lang="ko-KR" altLang="en-US"/>
+              <a:t> </a:t>
+            </a:r>
+            <a:r>
+              <a:rPr lang="en-US" altLang="ko-KR"/>
+              <a:t>Architecture</a:t>
+            </a:r>
+            <a:endParaRPr lang="ko-KR" altLang="en-US" dirty="0"/>
+          </a:p>
+        </p:txBody>
+      </p:sp>
+      <p:sp>
+        <p:nvSpPr>
+          <p:cNvPr id="187" name="사각형: 둥근 모서리 186">
+            <a:extLst>
+              <a:ext uri="{FF2B5EF4-FFF2-40B4-BE49-F238E27FC236}">
+                <a16:creationId xmlns:a16="http://schemas.microsoft.com/office/drawing/2014/main" id="{D43BDF87-ED09-4D76-8B36-4A704A6BB2D3}"/>
+              </a:ext>
+            </a:extLst>
+          </p:cNvPr>
+          <p:cNvSpPr/>
+          <p:nvPr/>
+        </p:nvSpPr>
+        <p:spPr>
+          <a:xfrm>
+            <a:off x="2305895" y="339502"/>
+            <a:ext cx="1349252" cy="504056"/>
+          </a:xfrm>
+          <a:prstGeom prst="roundRect">
+            <a:avLst>
+              <a:gd name="adj" fmla="val 9318"/>
+            </a:avLst>
+          </a:prstGeom>
+        </p:spPr>
+        <p:style>
+          <a:lnRef idx="2">
+            <a:schemeClr val="dk1"/>
+          </a:lnRef>
+          <a:fillRef idx="1">
+            <a:schemeClr val="lt1"/>
+          </a:fillRef>
+          <a:effectRef idx="0">
+            <a:schemeClr val="dk1"/>
+          </a:effectRef>
+          <a:fontRef idx="minor">
+            <a:schemeClr val="dk1"/>
+          </a:fontRef>
+        </p:style>
+        <p:txBody>
+          <a:bodyPr rtlCol="0" anchor="ctr"/>
+          <a:lstStyle/>
+          <a:p>
+            <a:pPr algn="ctr"/>
+            <a:r>
+              <a:rPr lang="en-US" altLang="ko-KR" sz="1400"/>
+              <a:t>Client / App</a:t>
+            </a:r>
+            <a:endParaRPr lang="ko-KR" altLang="en-US" sz="1400"/>
+          </a:p>
+        </p:txBody>
+      </p:sp>
+      <p:grpSp>
+        <p:nvGrpSpPr>
+          <p:cNvPr id="52" name="그룹 51">
+            <a:extLst>
+              <a:ext uri="{FF2B5EF4-FFF2-40B4-BE49-F238E27FC236}">
+                <a16:creationId xmlns:a16="http://schemas.microsoft.com/office/drawing/2014/main" id="{4E4A5B8F-A562-4B1C-BF55-BDFAFA03DCF2}"/>
+              </a:ext>
+            </a:extLst>
+          </p:cNvPr>
+          <p:cNvGrpSpPr/>
+          <p:nvPr/>
+        </p:nvGrpSpPr>
+        <p:grpSpPr>
+          <a:xfrm>
+            <a:off x="4572000" y="993811"/>
+            <a:ext cx="3623078" cy="3312368"/>
+            <a:chOff x="4716016" y="1635646"/>
+            <a:chExt cx="3623078" cy="3312368"/>
+          </a:xfrm>
+        </p:grpSpPr>
+        <p:sp>
+          <p:nvSpPr>
+            <p:cNvPr id="129" name="사각형: 둥근 모서리 128">
+              <a:extLst>
+                <a:ext uri="{FF2B5EF4-FFF2-40B4-BE49-F238E27FC236}">
+                  <a16:creationId xmlns:a16="http://schemas.microsoft.com/office/drawing/2014/main" id="{BB6B9ED2-D599-4A88-86E3-A9088BC7F397}"/>
+                </a:ext>
+              </a:extLst>
+            </p:cNvPr>
+            <p:cNvSpPr/>
+            <p:nvPr/>
+          </p:nvSpPr>
+          <p:spPr>
+            <a:xfrm>
+              <a:off x="4716016" y="1635646"/>
+              <a:ext cx="3623078" cy="3312368"/>
+            </a:xfrm>
+            <a:prstGeom prst="roundRect">
+              <a:avLst>
+                <a:gd name="adj" fmla="val 3439"/>
+              </a:avLst>
+            </a:prstGeom>
+          </p:spPr>
+          <p:style>
+            <a:lnRef idx="2">
+              <a:schemeClr val="dk1"/>
+            </a:lnRef>
+            <a:fillRef idx="1">
+              <a:schemeClr val="lt1"/>
+            </a:fillRef>
+            <a:effectRef idx="0">
+              <a:schemeClr val="dk1"/>
+            </a:effectRef>
+            <a:fontRef idx="minor">
+              <a:schemeClr val="dk1"/>
+            </a:fontRef>
+          </p:style>
+          <p:txBody>
+            <a:bodyPr rtlCol="0" anchor="b"/>
+            <a:lstStyle/>
+            <a:p>
+              <a:pPr algn="ctr"/>
+              <a:r>
+                <a:rPr lang="en-US" altLang="ko-KR" sz="1600" b="1"/>
+                <a:t>Worker Node</a:t>
+              </a:r>
+              <a:endParaRPr lang="ko-KR" altLang="en-US" sz="1600" b="1"/>
+            </a:p>
+          </p:txBody>
+        </p:sp>
+        <p:sp>
+          <p:nvSpPr>
+            <p:cNvPr id="130" name="사각형: 둥근 모서리 129">
+              <a:extLst>
+                <a:ext uri="{FF2B5EF4-FFF2-40B4-BE49-F238E27FC236}">
+                  <a16:creationId xmlns:a16="http://schemas.microsoft.com/office/drawing/2014/main" id="{5DF005E9-D3E1-45ED-B5EB-E75AA3F3F5EC}"/>
+                </a:ext>
+              </a:extLst>
+            </p:cNvPr>
+            <p:cNvSpPr/>
+            <p:nvPr/>
+          </p:nvSpPr>
+          <p:spPr>
+            <a:xfrm>
+              <a:off x="5118213" y="1762523"/>
+              <a:ext cx="1152128" cy="504056"/>
+            </a:xfrm>
+            <a:prstGeom prst="roundRect">
+              <a:avLst>
+                <a:gd name="adj" fmla="val 9318"/>
+              </a:avLst>
+            </a:prstGeom>
+          </p:spPr>
+          <p:style>
+            <a:lnRef idx="2">
+              <a:schemeClr val="dk1"/>
+            </a:lnRef>
+            <a:fillRef idx="1">
+              <a:schemeClr val="lt1"/>
+            </a:fillRef>
+            <a:effectRef idx="0">
+              <a:schemeClr val="dk1"/>
+            </a:effectRef>
+            <a:fontRef idx="minor">
+              <a:schemeClr val="dk1"/>
+            </a:fontRef>
+          </p:style>
+          <p:txBody>
+            <a:bodyPr rtlCol="0" anchor="ctr"/>
+            <a:lstStyle/>
+            <a:p>
+              <a:pPr algn="ctr"/>
+              <a:r>
+                <a:rPr lang="en-US" altLang="ko-KR" sz="1400"/>
+                <a:t>kubelet</a:t>
+              </a:r>
+              <a:endParaRPr lang="ko-KR" altLang="en-US" sz="1400"/>
+            </a:p>
+          </p:txBody>
+        </p:sp>
+        <p:sp>
+          <p:nvSpPr>
+            <p:cNvPr id="132" name="사각형: 둥근 모서리 131">
+              <a:extLst>
+                <a:ext uri="{FF2B5EF4-FFF2-40B4-BE49-F238E27FC236}">
+                  <a16:creationId xmlns:a16="http://schemas.microsoft.com/office/drawing/2014/main" id="{17F64EAD-53C4-4171-A39A-EC2A9EF8218C}"/>
+                </a:ext>
+              </a:extLst>
+            </p:cNvPr>
+            <p:cNvSpPr/>
+            <p:nvPr/>
+          </p:nvSpPr>
+          <p:spPr>
+            <a:xfrm>
+              <a:off x="6743093" y="1755068"/>
+              <a:ext cx="1152128" cy="504056"/>
+            </a:xfrm>
+            <a:prstGeom prst="roundRect">
+              <a:avLst>
+                <a:gd name="adj" fmla="val 9318"/>
+              </a:avLst>
+            </a:prstGeom>
+          </p:spPr>
+          <p:style>
+            <a:lnRef idx="2">
+              <a:schemeClr val="dk1"/>
+            </a:lnRef>
+            <a:fillRef idx="1">
+              <a:schemeClr val="lt1"/>
+            </a:fillRef>
+            <a:effectRef idx="0">
+              <a:schemeClr val="dk1"/>
+            </a:effectRef>
+            <a:fontRef idx="minor">
+              <a:schemeClr val="dk1"/>
+            </a:fontRef>
+          </p:style>
+          <p:txBody>
+            <a:bodyPr rtlCol="0" anchor="ctr"/>
+            <a:lstStyle/>
+            <a:p>
+              <a:pPr algn="ctr"/>
+              <a:r>
+                <a:rPr lang="en-US" altLang="ko-KR" sz="1400"/>
+                <a:t>CNI Plugin</a:t>
+              </a:r>
+              <a:endParaRPr lang="ko-KR" altLang="en-US" sz="1400"/>
+            </a:p>
+          </p:txBody>
+        </p:sp>
+        <p:sp>
+          <p:nvSpPr>
+            <p:cNvPr id="134" name="사각형: 둥근 모서리 133">
+              <a:extLst>
+                <a:ext uri="{FF2B5EF4-FFF2-40B4-BE49-F238E27FC236}">
+                  <a16:creationId xmlns:a16="http://schemas.microsoft.com/office/drawing/2014/main" id="{B1D169B2-1615-44D9-9C3E-E4A2554171ED}"/>
+                </a:ext>
+              </a:extLst>
+            </p:cNvPr>
+            <p:cNvSpPr/>
+            <p:nvPr/>
+          </p:nvSpPr>
+          <p:spPr>
+            <a:xfrm>
+              <a:off x="4848784" y="2499741"/>
+              <a:ext cx="3380220" cy="2078351"/>
+            </a:xfrm>
+            <a:prstGeom prst="roundRect">
+              <a:avLst>
+                <a:gd name="adj" fmla="val 4573"/>
+              </a:avLst>
+            </a:prstGeom>
+          </p:spPr>
+          <p:style>
+            <a:lnRef idx="2">
+              <a:schemeClr val="dk1"/>
+            </a:lnRef>
+            <a:fillRef idx="1">
+              <a:schemeClr val="lt1"/>
+            </a:fillRef>
+            <a:effectRef idx="0">
+              <a:schemeClr val="dk1"/>
+            </a:effectRef>
+            <a:fontRef idx="minor">
+              <a:schemeClr val="dk1"/>
+            </a:fontRef>
+          </p:style>
+          <p:txBody>
+            <a:bodyPr rtlCol="0" anchor="b"/>
+            <a:lstStyle/>
+            <a:p>
+              <a:pPr algn="ctr"/>
+              <a:r>
+                <a:rPr lang="en-US" altLang="ko-KR" sz="1400" b="1"/>
+                <a:t>Docker</a:t>
+              </a:r>
+              <a:endParaRPr lang="ko-KR" altLang="en-US" sz="1400" b="1"/>
+            </a:p>
+          </p:txBody>
+        </p:sp>
+        <p:grpSp>
+          <p:nvGrpSpPr>
+            <p:cNvPr id="23" name="그룹 22">
+              <a:extLst>
+                <a:ext uri="{FF2B5EF4-FFF2-40B4-BE49-F238E27FC236}">
+                  <a16:creationId xmlns:a16="http://schemas.microsoft.com/office/drawing/2014/main" id="{AB216718-B341-43D2-B2FE-320ECFF1FCA7}"/>
+                </a:ext>
+              </a:extLst>
+            </p:cNvPr>
+            <p:cNvGrpSpPr/>
+            <p:nvPr/>
+          </p:nvGrpSpPr>
+          <p:grpSpPr>
+            <a:xfrm>
+              <a:off x="6650767" y="2712820"/>
+              <a:ext cx="1321468" cy="546583"/>
+              <a:chOff x="6444208" y="3253038"/>
+              <a:chExt cx="1321468" cy="546583"/>
+            </a:xfrm>
+          </p:grpSpPr>
+          <p:sp>
+            <p:nvSpPr>
+              <p:cNvPr id="135" name="사각형: 둥근 모서리 134">
+                <a:extLst>
+                  <a:ext uri="{FF2B5EF4-FFF2-40B4-BE49-F238E27FC236}">
+                    <a16:creationId xmlns:a16="http://schemas.microsoft.com/office/drawing/2014/main" id="{CC10A9C3-8170-4AF9-89FD-E5FA316E86B4}"/>
+                  </a:ext>
+                </a:extLst>
+              </p:cNvPr>
+              <p:cNvSpPr/>
+              <p:nvPr/>
+            </p:nvSpPr>
+            <p:spPr>
+              <a:xfrm>
+                <a:off x="6627016" y="3253038"/>
+                <a:ext cx="1138660" cy="409048"/>
+              </a:xfrm>
+              <a:prstGeom prst="roundRect">
+                <a:avLst>
+                  <a:gd name="adj" fmla="val 9318"/>
+                </a:avLst>
+              </a:prstGeom>
+              <a:ln>
+                <a:solidFill>
+                  <a:srgbClr val="C00000"/>
+                </a:solidFill>
+              </a:ln>
+            </p:spPr>
+            <p:style>
+              <a:lnRef idx="2">
+                <a:schemeClr val="dk1"/>
+              </a:lnRef>
+              <a:fillRef idx="1">
+                <a:schemeClr val="lt1"/>
+              </a:fillRef>
+              <a:effectRef idx="0">
+                <a:schemeClr val="dk1"/>
+              </a:effectRef>
+              <a:fontRef idx="minor">
+                <a:schemeClr val="dk1"/>
+              </a:fontRef>
+            </p:style>
+            <p:txBody>
+              <a:bodyPr rtlCol="0" anchor="ctr"/>
+              <a:lstStyle/>
+              <a:p>
+                <a:pPr algn="ctr"/>
+                <a:r>
+                  <a:rPr lang="en-US" altLang="ko-KR" sz="1400"/>
+                  <a:t>Pod</a:t>
+                </a:r>
+                <a:endParaRPr lang="ko-KR" altLang="en-US" sz="1400"/>
+              </a:p>
+            </p:txBody>
+          </p:sp>
+          <p:sp>
+            <p:nvSpPr>
+              <p:cNvPr id="136" name="사각형: 둥근 모서리 135">
+                <a:extLst>
+                  <a:ext uri="{FF2B5EF4-FFF2-40B4-BE49-F238E27FC236}">
+                    <a16:creationId xmlns:a16="http://schemas.microsoft.com/office/drawing/2014/main" id="{57D34A4B-FB39-43CA-93DD-DD0A4912F211}"/>
+                  </a:ext>
+                </a:extLst>
+              </p:cNvPr>
+              <p:cNvSpPr/>
+              <p:nvPr/>
+            </p:nvSpPr>
+            <p:spPr>
+              <a:xfrm>
+                <a:off x="6536534" y="3321084"/>
+                <a:ext cx="1138660" cy="409048"/>
+              </a:xfrm>
+              <a:prstGeom prst="roundRect">
+                <a:avLst>
+                  <a:gd name="adj" fmla="val 9318"/>
+                </a:avLst>
+              </a:prstGeom>
+              <a:ln>
+                <a:solidFill>
+                  <a:srgbClr val="C00000"/>
+                </a:solidFill>
+              </a:ln>
+            </p:spPr>
+            <p:style>
+              <a:lnRef idx="2">
+                <a:schemeClr val="dk1"/>
+              </a:lnRef>
+              <a:fillRef idx="1">
+                <a:schemeClr val="lt1"/>
+              </a:fillRef>
+              <a:effectRef idx="0">
+                <a:schemeClr val="dk1"/>
+              </a:effectRef>
+              <a:fontRef idx="minor">
+                <a:schemeClr val="dk1"/>
+              </a:fontRef>
+            </p:style>
+            <p:txBody>
+              <a:bodyPr rtlCol="0" anchor="ctr"/>
+              <a:lstStyle/>
+              <a:p>
+                <a:pPr algn="ctr"/>
+                <a:r>
+                  <a:rPr lang="en-US" altLang="ko-KR" sz="1400"/>
+                  <a:t>Pod</a:t>
+                </a:r>
+                <a:endParaRPr lang="ko-KR" altLang="en-US" sz="1400"/>
+              </a:p>
+            </p:txBody>
+          </p:sp>
+          <p:sp>
+            <p:nvSpPr>
+              <p:cNvPr id="137" name="사각형: 둥근 모서리 136">
+                <a:extLst>
+                  <a:ext uri="{FF2B5EF4-FFF2-40B4-BE49-F238E27FC236}">
+                    <a16:creationId xmlns:a16="http://schemas.microsoft.com/office/drawing/2014/main" id="{D3591797-570B-40C1-A8D1-1AACFCF55681}"/>
+                  </a:ext>
+                </a:extLst>
+              </p:cNvPr>
+              <p:cNvSpPr/>
+              <p:nvPr/>
+            </p:nvSpPr>
+            <p:spPr>
+              <a:xfrm>
+                <a:off x="6444208" y="3390573"/>
+                <a:ext cx="1138660" cy="409048"/>
+              </a:xfrm>
+              <a:prstGeom prst="roundRect">
+                <a:avLst>
+                  <a:gd name="adj" fmla="val 9318"/>
+                </a:avLst>
+              </a:prstGeom>
+              <a:ln>
+                <a:solidFill>
+                  <a:srgbClr val="C00000"/>
+                </a:solidFill>
+              </a:ln>
+            </p:spPr>
+            <p:style>
+              <a:lnRef idx="2">
+                <a:schemeClr val="dk1"/>
+              </a:lnRef>
+              <a:fillRef idx="1">
+                <a:schemeClr val="lt1"/>
+              </a:fillRef>
+              <a:effectRef idx="0">
+                <a:schemeClr val="dk1"/>
+              </a:effectRef>
+              <a:fontRef idx="minor">
+                <a:schemeClr val="dk1"/>
+              </a:fontRef>
+            </p:style>
+            <p:txBody>
+              <a:bodyPr rtlCol="0" anchor="ctr"/>
+              <a:lstStyle/>
+              <a:p>
+                <a:pPr algn="ctr"/>
+                <a:r>
+                  <a:rPr lang="en-US" altLang="ko-KR" sz="1400"/>
+                  <a:t>App</a:t>
+                </a:r>
+                <a:endParaRPr lang="ko-KR" altLang="en-US" sz="1400"/>
+              </a:p>
+            </p:txBody>
+          </p:sp>
+        </p:grpSp>
+        <p:sp>
+          <p:nvSpPr>
+            <p:cNvPr id="43" name="사각형: 둥근 모서리 42">
+              <a:extLst>
+                <a:ext uri="{FF2B5EF4-FFF2-40B4-BE49-F238E27FC236}">
+                  <a16:creationId xmlns:a16="http://schemas.microsoft.com/office/drawing/2014/main" id="{80FBD8F3-06CB-48FF-AC35-232D2836ACD4}"/>
+                </a:ext>
+              </a:extLst>
+            </p:cNvPr>
+            <p:cNvSpPr/>
+            <p:nvPr/>
+          </p:nvSpPr>
+          <p:spPr>
+            <a:xfrm>
+              <a:off x="4974529" y="2643758"/>
+              <a:ext cx="1439500" cy="684708"/>
+            </a:xfrm>
+            <a:prstGeom prst="roundRect">
+              <a:avLst>
+                <a:gd name="adj" fmla="val 9318"/>
+              </a:avLst>
+            </a:prstGeom>
+            <a:ln>
+              <a:solidFill>
+                <a:srgbClr val="C00000"/>
+              </a:solidFill>
+            </a:ln>
+          </p:spPr>
+          <p:style>
+            <a:lnRef idx="2">
+              <a:schemeClr val="dk1"/>
+            </a:lnRef>
+            <a:fillRef idx="1">
+              <a:schemeClr val="lt1"/>
+            </a:fillRef>
+            <a:effectRef idx="0">
+              <a:schemeClr val="dk1"/>
+            </a:effectRef>
+            <a:fontRef idx="minor">
+              <a:schemeClr val="dk1"/>
+            </a:fontRef>
+          </p:style>
+          <p:txBody>
+            <a:bodyPr rtlCol="0" anchor="ctr"/>
+            <a:lstStyle/>
+            <a:p>
+              <a:pPr algn="ctr"/>
+              <a:r>
+                <a:rPr lang="en-US" altLang="ko-KR" sz="1400"/>
+                <a:t>coredns</a:t>
+              </a:r>
+            </a:p>
+            <a:p>
+              <a:pPr algn="ctr"/>
+              <a:r>
+                <a:rPr lang="en-US" altLang="ko-KR" sz="1400"/>
+                <a:t>/ Deployments</a:t>
+              </a:r>
+              <a:endParaRPr lang="ko-KR" altLang="en-US" sz="1400"/>
+            </a:p>
+          </p:txBody>
+        </p:sp>
+        <p:sp>
+          <p:nvSpPr>
+            <p:cNvPr id="131" name="사각형: 둥근 모서리 130">
+              <a:extLst>
+                <a:ext uri="{FF2B5EF4-FFF2-40B4-BE49-F238E27FC236}">
+                  <a16:creationId xmlns:a16="http://schemas.microsoft.com/office/drawing/2014/main" id="{C27FF568-AC8E-4CB2-B5DB-05BEDA882374}"/>
+                </a:ext>
+              </a:extLst>
+            </p:cNvPr>
+            <p:cNvSpPr/>
+            <p:nvPr/>
+          </p:nvSpPr>
+          <p:spPr>
+            <a:xfrm>
+              <a:off x="6619982" y="3543226"/>
+              <a:ext cx="1383040" cy="684708"/>
+            </a:xfrm>
+            <a:prstGeom prst="roundRect">
+              <a:avLst>
+                <a:gd name="adj" fmla="val 9318"/>
+              </a:avLst>
+            </a:prstGeom>
+            <a:ln>
+              <a:solidFill>
+                <a:schemeClr val="tx2"/>
+              </a:solidFill>
+            </a:ln>
+          </p:spPr>
+          <p:style>
+            <a:lnRef idx="2">
+              <a:schemeClr val="dk1"/>
+            </a:lnRef>
+            <a:fillRef idx="1">
+              <a:schemeClr val="lt1"/>
+            </a:fillRef>
+            <a:effectRef idx="0">
+              <a:schemeClr val="dk1"/>
+            </a:effectRef>
+            <a:fontRef idx="minor">
+              <a:schemeClr val="dk1"/>
+            </a:fontRef>
+          </p:style>
+          <p:txBody>
+            <a:bodyPr rtlCol="0" anchor="ctr"/>
+            <a:lstStyle/>
+            <a:p>
+              <a:pPr algn="ctr"/>
+              <a:r>
+                <a:rPr lang="en-US" altLang="ko-KR" sz="1400"/>
+                <a:t>Net Daemon</a:t>
+              </a:r>
+            </a:p>
+            <a:p>
+              <a:pPr algn="ctr"/>
+              <a:r>
+                <a:rPr lang="en-US" altLang="ko-KR" sz="1400"/>
+                <a:t>/ Daemonset</a:t>
+              </a:r>
+              <a:endParaRPr lang="ko-KR" altLang="en-US" sz="1400"/>
+            </a:p>
+          </p:txBody>
+        </p:sp>
+        <p:sp>
+          <p:nvSpPr>
+            <p:cNvPr id="66" name="사각형: 둥근 모서리 65">
+              <a:extLst>
+                <a:ext uri="{FF2B5EF4-FFF2-40B4-BE49-F238E27FC236}">
+                  <a16:creationId xmlns:a16="http://schemas.microsoft.com/office/drawing/2014/main" id="{1664C2A9-001D-4CD3-86DC-A6EE2CD08B45}"/>
+                </a:ext>
+              </a:extLst>
+            </p:cNvPr>
+            <p:cNvSpPr/>
+            <p:nvPr/>
+          </p:nvSpPr>
+          <p:spPr>
+            <a:xfrm>
+              <a:off x="4974528" y="3543226"/>
+              <a:ext cx="1439500" cy="684708"/>
+            </a:xfrm>
+            <a:prstGeom prst="roundRect">
+              <a:avLst>
+                <a:gd name="adj" fmla="val 9318"/>
+              </a:avLst>
+            </a:prstGeom>
+            <a:ln>
+              <a:solidFill>
+                <a:schemeClr val="tx2"/>
+              </a:solidFill>
+            </a:ln>
+          </p:spPr>
+          <p:style>
+            <a:lnRef idx="2">
+              <a:schemeClr val="dk1"/>
+            </a:lnRef>
+            <a:fillRef idx="1">
+              <a:schemeClr val="lt1"/>
+            </a:fillRef>
+            <a:effectRef idx="0">
+              <a:schemeClr val="dk1"/>
+            </a:effectRef>
+            <a:fontRef idx="minor">
+              <a:schemeClr val="dk1"/>
+            </a:fontRef>
+          </p:style>
+          <p:txBody>
+            <a:bodyPr rtlCol="0" anchor="ctr"/>
+            <a:lstStyle/>
+            <a:p>
+              <a:pPr algn="ctr"/>
+              <a:r>
+                <a:rPr lang="en-US" altLang="ko-KR" sz="1400"/>
+                <a:t>kube-proxy</a:t>
+              </a:r>
+            </a:p>
+            <a:p>
+              <a:pPr algn="ctr"/>
+              <a:r>
+                <a:rPr lang="en-US" altLang="ko-KR" sz="1400"/>
+                <a:t>/ Daemonset</a:t>
+              </a:r>
+              <a:endParaRPr lang="ko-KR" altLang="en-US" sz="1400"/>
+            </a:p>
+          </p:txBody>
+        </p:sp>
+        <p:cxnSp>
+          <p:nvCxnSpPr>
+            <p:cNvPr id="67" name="직선 화살표 연결선 66">
+              <a:extLst>
+                <a:ext uri="{FF2B5EF4-FFF2-40B4-BE49-F238E27FC236}">
+                  <a16:creationId xmlns:a16="http://schemas.microsoft.com/office/drawing/2014/main" id="{4E22D0A8-71F8-4695-A9FA-1839FB4F8425}"/>
+                </a:ext>
+              </a:extLst>
+            </p:cNvPr>
+            <p:cNvCxnSpPr>
+              <a:cxnSpLocks/>
+              <a:stCxn id="132" idx="1"/>
+              <a:endCxn id="130" idx="3"/>
+            </p:cNvCxnSpPr>
+            <p:nvPr/>
+          </p:nvCxnSpPr>
+          <p:spPr>
+            <a:xfrm flipH="1">
+              <a:off x="6270341" y="2007096"/>
+              <a:ext cx="472752" cy="7455"/>
+            </a:xfrm>
+            <a:prstGeom prst="straightConnector1">
+              <a:avLst/>
+            </a:prstGeom>
+            <a:ln w="28575">
+              <a:solidFill>
+                <a:schemeClr val="tx1"/>
+              </a:solidFill>
+              <a:headEnd type="arrow" w="med" len="med"/>
+              <a:tailEnd type="none" w="med" len="med"/>
+            </a:ln>
+          </p:spPr>
+          <p:style>
+            <a:lnRef idx="1">
+              <a:schemeClr val="accent1"/>
+            </a:lnRef>
+            <a:fillRef idx="0">
+              <a:schemeClr val="accent1"/>
+            </a:fillRef>
+            <a:effectRef idx="0">
+              <a:schemeClr val="accent1"/>
+            </a:effectRef>
+            <a:fontRef idx="minor">
+              <a:schemeClr val="tx1"/>
+            </a:fontRef>
+          </p:style>
+        </p:cxnSp>
+        <p:cxnSp>
+          <p:nvCxnSpPr>
+            <p:cNvPr id="70" name="직선 화살표 연결선 69">
+              <a:extLst>
+                <a:ext uri="{FF2B5EF4-FFF2-40B4-BE49-F238E27FC236}">
+                  <a16:creationId xmlns:a16="http://schemas.microsoft.com/office/drawing/2014/main" id="{3A08FD6C-9735-4A44-B9BA-34403986F042}"/>
+                </a:ext>
+              </a:extLst>
+            </p:cNvPr>
+            <p:cNvCxnSpPr>
+              <a:cxnSpLocks/>
+              <a:stCxn id="43" idx="0"/>
+              <a:endCxn id="132" idx="2"/>
+            </p:cNvCxnSpPr>
+            <p:nvPr/>
+          </p:nvCxnSpPr>
+          <p:spPr>
+            <a:xfrm flipV="1">
+              <a:off x="5694279" y="2259124"/>
+              <a:ext cx="1624878" cy="384634"/>
+            </a:xfrm>
+            <a:prstGeom prst="straightConnector1">
+              <a:avLst/>
+            </a:prstGeom>
+            <a:ln w="28575">
+              <a:solidFill>
+                <a:schemeClr val="tx1"/>
+              </a:solidFill>
+              <a:headEnd type="arrow" w="med" len="med"/>
+              <a:tailEnd type="none" w="med" len="med"/>
+            </a:ln>
+          </p:spPr>
+          <p:style>
+            <a:lnRef idx="1">
+              <a:schemeClr val="accent1"/>
+            </a:lnRef>
+            <a:fillRef idx="0">
+              <a:schemeClr val="accent1"/>
+            </a:fillRef>
+            <a:effectRef idx="0">
+              <a:schemeClr val="accent1"/>
+            </a:effectRef>
+            <a:fontRef idx="minor">
+              <a:schemeClr val="tx1"/>
+            </a:fontRef>
+          </p:style>
+        </p:cxnSp>
+        <p:cxnSp>
+          <p:nvCxnSpPr>
+            <p:cNvPr id="74" name="직선 화살표 연결선 73">
+              <a:extLst>
+                <a:ext uri="{FF2B5EF4-FFF2-40B4-BE49-F238E27FC236}">
+                  <a16:creationId xmlns:a16="http://schemas.microsoft.com/office/drawing/2014/main" id="{A06CC2EC-5C76-4BE2-9978-99D3A0E6A483}"/>
+                </a:ext>
+              </a:extLst>
+            </p:cNvPr>
+            <p:cNvCxnSpPr>
+              <a:cxnSpLocks/>
+              <a:stCxn id="137" idx="0"/>
+              <a:endCxn id="132" idx="2"/>
+            </p:cNvCxnSpPr>
+            <p:nvPr/>
+          </p:nvCxnSpPr>
+          <p:spPr>
+            <a:xfrm flipV="1">
+              <a:off x="7220097" y="2259124"/>
+              <a:ext cx="99060" cy="591231"/>
+            </a:xfrm>
+            <a:prstGeom prst="straightConnector1">
+              <a:avLst/>
+            </a:prstGeom>
+            <a:ln w="28575">
+              <a:solidFill>
+                <a:schemeClr val="tx1"/>
+              </a:solidFill>
+              <a:headEnd type="arrow" w="med" len="med"/>
+              <a:tailEnd type="none" w="med" len="med"/>
+            </a:ln>
+          </p:spPr>
+          <p:style>
+            <a:lnRef idx="1">
+              <a:schemeClr val="accent1"/>
+            </a:lnRef>
+            <a:fillRef idx="0">
+              <a:schemeClr val="accent1"/>
+            </a:fillRef>
+            <a:effectRef idx="0">
+              <a:schemeClr val="accent1"/>
+            </a:effectRef>
+            <a:fontRef idx="minor">
+              <a:schemeClr val="tx1"/>
+            </a:fontRef>
+          </p:style>
+        </p:cxnSp>
+      </p:grpSp>
+      <p:sp>
+        <p:nvSpPr>
+          <p:cNvPr id="219" name="사각형: 둥근 모서리 218">
+            <a:extLst>
+              <a:ext uri="{FF2B5EF4-FFF2-40B4-BE49-F238E27FC236}">
+                <a16:creationId xmlns:a16="http://schemas.microsoft.com/office/drawing/2014/main" id="{35EBA406-9E87-44F2-BFE0-1FA5A3489FDE}"/>
+              </a:ext>
+            </a:extLst>
+          </p:cNvPr>
+          <p:cNvSpPr/>
+          <p:nvPr/>
+        </p:nvSpPr>
+        <p:spPr>
+          <a:xfrm>
+            <a:off x="4439032" y="4520684"/>
+            <a:ext cx="414595" cy="166000"/>
+          </a:xfrm>
+          <a:prstGeom prst="roundRect">
+            <a:avLst>
+              <a:gd name="adj" fmla="val 9318"/>
+            </a:avLst>
+          </a:prstGeom>
+          <a:ln>
+            <a:solidFill>
+              <a:schemeClr val="tx2"/>
+            </a:solidFill>
+          </a:ln>
+        </p:spPr>
+        <p:style>
+          <a:lnRef idx="2">
+            <a:schemeClr val="dk1"/>
+          </a:lnRef>
+          <a:fillRef idx="1">
+            <a:schemeClr val="lt1"/>
+          </a:fillRef>
+          <a:effectRef idx="0">
+            <a:schemeClr val="dk1"/>
+          </a:effectRef>
+          <a:fontRef idx="minor">
+            <a:schemeClr val="dk1"/>
+          </a:fontRef>
+        </p:style>
+        <p:txBody>
+          <a:bodyPr rtlCol="0" anchor="ctr"/>
+          <a:lstStyle/>
+          <a:p>
+            <a:pPr algn="ctr"/>
+            <a:endParaRPr lang="ko-KR" altLang="en-US" sz="1400"/>
+          </a:p>
+        </p:txBody>
+      </p:sp>
+      <p:sp>
+        <p:nvSpPr>
+          <p:cNvPr id="88" name="TextBox 87">
+            <a:extLst>
+              <a:ext uri="{FF2B5EF4-FFF2-40B4-BE49-F238E27FC236}">
+                <a16:creationId xmlns:a16="http://schemas.microsoft.com/office/drawing/2014/main" id="{AEDD766D-7755-4943-BAA4-D106843FEDC1}"/>
+              </a:ext>
+            </a:extLst>
+          </p:cNvPr>
+          <p:cNvSpPr txBox="1"/>
+          <p:nvPr/>
+        </p:nvSpPr>
+        <p:spPr>
+          <a:xfrm>
+            <a:off x="4861624" y="4352786"/>
+            <a:ext cx="1500604" cy="523220"/>
+          </a:xfrm>
+          <a:prstGeom prst="rect">
+            <a:avLst/>
+          </a:prstGeom>
+          <a:noFill/>
+        </p:spPr>
+        <p:txBody>
+          <a:bodyPr wrap="none" rtlCol="0" anchor="ctr">
+            <a:spAutoFit/>
+          </a:bodyPr>
+          <a:lstStyle/>
+          <a:p>
+            <a:pPr algn="ctr"/>
+            <a:r>
+              <a:rPr lang="en-US" altLang="ko-KR" sz="1400"/>
+              <a:t>Host Network </a:t>
+            </a:r>
+          </a:p>
+          <a:p>
+            <a:pPr algn="ctr"/>
+            <a:r>
+              <a:rPr lang="en-US" altLang="ko-KR" sz="1400"/>
+              <a:t>Namespace Pod</a:t>
+            </a:r>
+            <a:endParaRPr lang="ko-KR" altLang="en-US" sz="1400"/>
+          </a:p>
+        </p:txBody>
+      </p:sp>
+      <p:sp>
+        <p:nvSpPr>
+          <p:cNvPr id="220" name="사각형: 둥근 모서리 219">
+            <a:extLst>
+              <a:ext uri="{FF2B5EF4-FFF2-40B4-BE49-F238E27FC236}">
+                <a16:creationId xmlns:a16="http://schemas.microsoft.com/office/drawing/2014/main" id="{61B31512-1918-46E7-A8F0-D6F06E24125B}"/>
+              </a:ext>
+            </a:extLst>
+          </p:cNvPr>
+          <p:cNvSpPr/>
+          <p:nvPr/>
+        </p:nvSpPr>
+        <p:spPr>
+          <a:xfrm>
+            <a:off x="6395578" y="4520684"/>
+            <a:ext cx="414595" cy="166000"/>
+          </a:xfrm>
+          <a:prstGeom prst="roundRect">
+            <a:avLst>
+              <a:gd name="adj" fmla="val 9318"/>
+            </a:avLst>
+          </a:prstGeom>
+          <a:ln>
+            <a:solidFill>
+              <a:srgbClr val="C00000"/>
+            </a:solidFill>
+          </a:ln>
+        </p:spPr>
+        <p:style>
+          <a:lnRef idx="2">
+            <a:schemeClr val="dk1"/>
+          </a:lnRef>
+          <a:fillRef idx="1">
+            <a:schemeClr val="lt1"/>
+          </a:fillRef>
+          <a:effectRef idx="0">
+            <a:schemeClr val="dk1"/>
+          </a:effectRef>
+          <a:fontRef idx="minor">
+            <a:schemeClr val="dk1"/>
+          </a:fontRef>
+        </p:style>
+        <p:txBody>
+          <a:bodyPr rtlCol="0" anchor="ctr"/>
+          <a:lstStyle/>
+          <a:p>
+            <a:pPr algn="ctr"/>
+            <a:endParaRPr lang="ko-KR" altLang="en-US" sz="1400"/>
+          </a:p>
+        </p:txBody>
+      </p:sp>
+      <p:sp>
+        <p:nvSpPr>
+          <p:cNvPr id="221" name="TextBox 220">
+            <a:extLst>
+              <a:ext uri="{FF2B5EF4-FFF2-40B4-BE49-F238E27FC236}">
+                <a16:creationId xmlns:a16="http://schemas.microsoft.com/office/drawing/2014/main" id="{DB673738-939F-4D77-B07E-148C3869B454}"/>
+              </a:ext>
+            </a:extLst>
+          </p:cNvPr>
+          <p:cNvSpPr txBox="1"/>
+          <p:nvPr/>
+        </p:nvSpPr>
+        <p:spPr>
+          <a:xfrm>
+            <a:off x="6814085" y="4352786"/>
+            <a:ext cx="1790363" cy="523220"/>
+          </a:xfrm>
+          <a:prstGeom prst="rect">
+            <a:avLst/>
+          </a:prstGeom>
+          <a:noFill/>
+        </p:spPr>
+        <p:txBody>
+          <a:bodyPr wrap="none" rtlCol="0" anchor="ctr">
+            <a:spAutoFit/>
+          </a:bodyPr>
+          <a:lstStyle/>
+          <a:p>
+            <a:pPr algn="ctr"/>
+            <a:r>
+              <a:rPr lang="en-US" altLang="ko-KR" sz="1400"/>
+              <a:t>Container Network </a:t>
+            </a:r>
+          </a:p>
+          <a:p>
+            <a:pPr algn="ctr"/>
+            <a:r>
+              <a:rPr lang="en-US" altLang="ko-KR" sz="1400"/>
+              <a:t>Namespace Pod</a:t>
+            </a:r>
+            <a:endParaRPr lang="ko-KR" altLang="en-US" sz="1400"/>
+          </a:p>
+        </p:txBody>
+      </p:sp>
+      <p:cxnSp>
+        <p:nvCxnSpPr>
+          <p:cNvPr id="121" name="직선 화살표 연결선 120">
+            <a:extLst>
+              <a:ext uri="{FF2B5EF4-FFF2-40B4-BE49-F238E27FC236}">
+                <a16:creationId xmlns:a16="http://schemas.microsoft.com/office/drawing/2014/main" id="{46EB0E74-9EC0-4BEE-BDBB-1336404C7A67}"/>
+              </a:ext>
+            </a:extLst>
+          </p:cNvPr>
+          <p:cNvCxnSpPr>
+            <a:cxnSpLocks/>
+            <a:endCxn id="130" idx="2"/>
+          </p:cNvCxnSpPr>
+          <p:nvPr/>
+        </p:nvCxnSpPr>
+        <p:spPr>
+          <a:xfrm flipV="1">
+            <a:off x="5550261" y="1624744"/>
+            <a:ext cx="0" cy="243650"/>
+          </a:xfrm>
+          <a:prstGeom prst="straightConnector1">
+            <a:avLst/>
+          </a:prstGeom>
+          <a:ln w="28575">
+            <a:solidFill>
+              <a:schemeClr val="tx1"/>
+            </a:solidFill>
+            <a:headEnd type="arrow" w="med" len="med"/>
+            <a:tailEnd type="none" w="med" len="med"/>
+          </a:ln>
+        </p:spPr>
+        <p:style>
+          <a:lnRef idx="1">
+            <a:schemeClr val="accent1"/>
+          </a:lnRef>
+          <a:fillRef idx="0">
+            <a:schemeClr val="accent1"/>
+          </a:fillRef>
+          <a:effectRef idx="0">
+            <a:schemeClr val="accent1"/>
+          </a:effectRef>
+          <a:fontRef idx="minor">
+            <a:schemeClr val="tx1"/>
+          </a:fontRef>
+        </p:style>
+      </p:cxnSp>
+      <p:grpSp>
+        <p:nvGrpSpPr>
+          <p:cNvPr id="145" name="그룹 144">
+            <a:extLst>
+              <a:ext uri="{FF2B5EF4-FFF2-40B4-BE49-F238E27FC236}">
+                <a16:creationId xmlns:a16="http://schemas.microsoft.com/office/drawing/2014/main" id="{F1009EFB-AAE0-4C02-B59F-A5F37A1B5B64}"/>
+              </a:ext>
+            </a:extLst>
+          </p:cNvPr>
+          <p:cNvGrpSpPr/>
+          <p:nvPr/>
+        </p:nvGrpSpPr>
+        <p:grpSpPr>
+          <a:xfrm>
+            <a:off x="586474" y="1004508"/>
+            <a:ext cx="3406912" cy="3687486"/>
+            <a:chOff x="356491" y="1232857"/>
+            <a:chExt cx="3406912" cy="3687486"/>
+          </a:xfrm>
+        </p:grpSpPr>
+        <p:sp>
+          <p:nvSpPr>
+            <p:cNvPr id="151" name="사각형: 둥근 모서리 150">
+              <a:extLst>
+                <a:ext uri="{FF2B5EF4-FFF2-40B4-BE49-F238E27FC236}">
+                  <a16:creationId xmlns:a16="http://schemas.microsoft.com/office/drawing/2014/main" id="{D59D5C1B-C5FF-4321-A2F0-9C8E5DFCA6F2}"/>
+                </a:ext>
+              </a:extLst>
+            </p:cNvPr>
+            <p:cNvSpPr/>
+            <p:nvPr/>
+          </p:nvSpPr>
+          <p:spPr>
+            <a:xfrm>
+              <a:off x="356491" y="1232857"/>
+              <a:ext cx="3406912" cy="3687486"/>
+            </a:xfrm>
+            <a:prstGeom prst="roundRect">
+              <a:avLst>
+                <a:gd name="adj" fmla="val 4530"/>
+              </a:avLst>
+            </a:prstGeom>
+            <a:ln>
+              <a:solidFill>
+                <a:schemeClr val="bg1">
+                  <a:lumMod val="65000"/>
+                </a:schemeClr>
+              </a:solidFill>
+            </a:ln>
+          </p:spPr>
+          <p:style>
+            <a:lnRef idx="2">
+              <a:schemeClr val="dk1"/>
+            </a:lnRef>
+            <a:fillRef idx="1">
+              <a:schemeClr val="lt1"/>
+            </a:fillRef>
+            <a:effectRef idx="0">
+              <a:schemeClr val="dk1"/>
+            </a:effectRef>
+            <a:fontRef idx="minor">
+              <a:schemeClr val="dk1"/>
+            </a:fontRef>
+          </p:style>
+          <p:txBody>
+            <a:bodyPr rtlCol="0" anchor="b"/>
+            <a:lstStyle/>
+            <a:p>
+              <a:pPr algn="ctr"/>
+              <a:r>
+                <a:rPr lang="en-US" altLang="ko-KR" sz="1600" b="1"/>
+                <a:t>Master Node</a:t>
+              </a:r>
+              <a:endParaRPr lang="ko-KR" altLang="en-US" sz="1600" b="1"/>
+            </a:p>
+          </p:txBody>
+        </p:sp>
+        <p:sp>
+          <p:nvSpPr>
+            <p:cNvPr id="152" name="사각형: 둥근 모서리 151">
+              <a:extLst>
+                <a:ext uri="{FF2B5EF4-FFF2-40B4-BE49-F238E27FC236}">
+                  <a16:creationId xmlns:a16="http://schemas.microsoft.com/office/drawing/2014/main" id="{FAD97292-E585-4E92-B5E0-B1709C678E57}"/>
+                </a:ext>
+              </a:extLst>
+            </p:cNvPr>
+            <p:cNvSpPr/>
+            <p:nvPr/>
+          </p:nvSpPr>
+          <p:spPr>
+            <a:xfrm>
+              <a:off x="512262" y="1343929"/>
+              <a:ext cx="3103042" cy="3176288"/>
+            </a:xfrm>
+            <a:prstGeom prst="roundRect">
+              <a:avLst>
+                <a:gd name="adj" fmla="val 3766"/>
+              </a:avLst>
+            </a:prstGeom>
+            <a:ln>
+              <a:solidFill>
+                <a:schemeClr val="bg1">
+                  <a:lumMod val="65000"/>
+                </a:schemeClr>
+              </a:solidFill>
+            </a:ln>
+          </p:spPr>
+          <p:style>
+            <a:lnRef idx="2">
+              <a:schemeClr val="dk1"/>
+            </a:lnRef>
+            <a:fillRef idx="1">
+              <a:schemeClr val="lt1"/>
+            </a:fillRef>
+            <a:effectRef idx="0">
+              <a:schemeClr val="dk1"/>
+            </a:effectRef>
+            <a:fontRef idx="minor">
+              <a:schemeClr val="dk1"/>
+            </a:fontRef>
+          </p:style>
+          <p:txBody>
+            <a:bodyPr rtlCol="0" anchor="b"/>
+            <a:lstStyle/>
+            <a:p>
+              <a:pPr algn="ctr"/>
+              <a:r>
+                <a:rPr lang="en-US" altLang="ko-KR" sz="1400" b="1"/>
+                <a:t>Docker</a:t>
+              </a:r>
+              <a:endParaRPr lang="ko-KR" altLang="en-US" sz="1400" b="1"/>
+            </a:p>
+          </p:txBody>
+        </p:sp>
+        <p:sp>
+          <p:nvSpPr>
+            <p:cNvPr id="153" name="사각형: 둥근 모서리 152">
+              <a:extLst>
+                <a:ext uri="{FF2B5EF4-FFF2-40B4-BE49-F238E27FC236}">
+                  <a16:creationId xmlns:a16="http://schemas.microsoft.com/office/drawing/2014/main" id="{047DBEB4-F8E1-4D4C-A4D9-A6F3A597C34C}"/>
+                </a:ext>
+              </a:extLst>
+            </p:cNvPr>
+            <p:cNvSpPr/>
+            <p:nvPr/>
+          </p:nvSpPr>
+          <p:spPr>
+            <a:xfrm>
+              <a:off x="2172912" y="1470004"/>
+              <a:ext cx="1301347" cy="797287"/>
+            </a:xfrm>
+            <a:prstGeom prst="roundRect">
+              <a:avLst>
+                <a:gd name="adj" fmla="val 9318"/>
+              </a:avLst>
+            </a:prstGeom>
+            <a:ln>
+              <a:solidFill>
+                <a:schemeClr val="bg1">
+                  <a:lumMod val="65000"/>
+                </a:schemeClr>
+              </a:solidFill>
+            </a:ln>
+          </p:spPr>
+          <p:style>
+            <a:lnRef idx="2">
+              <a:schemeClr val="dk1"/>
+            </a:lnRef>
+            <a:fillRef idx="1">
+              <a:schemeClr val="lt1"/>
+            </a:fillRef>
+            <a:effectRef idx="0">
+              <a:schemeClr val="dk1"/>
+            </a:effectRef>
+            <a:fontRef idx="minor">
+              <a:schemeClr val="dk1"/>
+            </a:fontRef>
+          </p:style>
+          <p:txBody>
+            <a:bodyPr rtlCol="0" anchor="ctr"/>
+            <a:lstStyle/>
+            <a:p>
+              <a:pPr algn="ctr"/>
+              <a:r>
+                <a:rPr lang="en-US" altLang="ko-KR" sz="1400"/>
+                <a:t>kube-apiserver</a:t>
+              </a:r>
+            </a:p>
+          </p:txBody>
+        </p:sp>
+        <p:sp>
+          <p:nvSpPr>
+            <p:cNvPr id="154" name="사각형: 둥근 모서리 153">
+              <a:extLst>
+                <a:ext uri="{FF2B5EF4-FFF2-40B4-BE49-F238E27FC236}">
+                  <a16:creationId xmlns:a16="http://schemas.microsoft.com/office/drawing/2014/main" id="{557F1B1D-4ED1-4316-A61D-4B118952A4C9}"/>
+                </a:ext>
+              </a:extLst>
+            </p:cNvPr>
+            <p:cNvSpPr/>
+            <p:nvPr/>
+          </p:nvSpPr>
+          <p:spPr>
+            <a:xfrm>
+              <a:off x="661431" y="2494816"/>
+              <a:ext cx="1301347" cy="797287"/>
+            </a:xfrm>
+            <a:prstGeom prst="roundRect">
+              <a:avLst>
+                <a:gd name="adj" fmla="val 9318"/>
+              </a:avLst>
+            </a:prstGeom>
+            <a:ln>
+              <a:solidFill>
+                <a:schemeClr val="bg1">
+                  <a:lumMod val="65000"/>
+                </a:schemeClr>
+              </a:solidFill>
+            </a:ln>
+          </p:spPr>
+          <p:style>
+            <a:lnRef idx="2">
+              <a:schemeClr val="dk1"/>
+            </a:lnRef>
+            <a:fillRef idx="1">
+              <a:schemeClr val="lt1"/>
+            </a:fillRef>
+            <a:effectRef idx="0">
+              <a:schemeClr val="dk1"/>
+            </a:effectRef>
+            <a:fontRef idx="minor">
+              <a:schemeClr val="dk1"/>
+            </a:fontRef>
+          </p:style>
+          <p:txBody>
+            <a:bodyPr rtlCol="0" anchor="ctr"/>
+            <a:lstStyle/>
+            <a:p>
+              <a:pPr algn="ctr"/>
+              <a:r>
+                <a:rPr lang="en-US" altLang="ko-KR" sz="1400"/>
+                <a:t>kube-controller-manager</a:t>
+              </a:r>
+            </a:p>
+          </p:txBody>
+        </p:sp>
+        <p:sp>
+          <p:nvSpPr>
+            <p:cNvPr id="155" name="사각형: 둥근 모서리 154">
+              <a:extLst>
+                <a:ext uri="{FF2B5EF4-FFF2-40B4-BE49-F238E27FC236}">
+                  <a16:creationId xmlns:a16="http://schemas.microsoft.com/office/drawing/2014/main" id="{03670732-E6B2-485D-8CC9-557A45FDFF29}"/>
+                </a:ext>
+              </a:extLst>
+            </p:cNvPr>
+            <p:cNvSpPr/>
+            <p:nvPr/>
+          </p:nvSpPr>
+          <p:spPr>
+            <a:xfrm>
+              <a:off x="2172912" y="2494816"/>
+              <a:ext cx="1301347" cy="797287"/>
+            </a:xfrm>
+            <a:prstGeom prst="roundRect">
+              <a:avLst>
+                <a:gd name="adj" fmla="val 9318"/>
+              </a:avLst>
+            </a:prstGeom>
+            <a:ln>
+              <a:solidFill>
+                <a:schemeClr val="bg1">
+                  <a:lumMod val="65000"/>
+                </a:schemeClr>
+              </a:solidFill>
+            </a:ln>
+          </p:spPr>
+          <p:style>
+            <a:lnRef idx="2">
+              <a:schemeClr val="dk1"/>
+            </a:lnRef>
+            <a:fillRef idx="1">
+              <a:schemeClr val="lt1"/>
+            </a:fillRef>
+            <a:effectRef idx="0">
+              <a:schemeClr val="dk1"/>
+            </a:effectRef>
+            <a:fontRef idx="minor">
+              <a:schemeClr val="dk1"/>
+            </a:fontRef>
+          </p:style>
+          <p:txBody>
+            <a:bodyPr rtlCol="0" anchor="ctr"/>
+            <a:lstStyle/>
+            <a:p>
+              <a:pPr algn="ctr"/>
+              <a:r>
+                <a:rPr lang="en-US" altLang="ko-KR" sz="1400"/>
+                <a:t>kube-scheduler</a:t>
+              </a:r>
+            </a:p>
+          </p:txBody>
+        </p:sp>
+        <p:sp>
+          <p:nvSpPr>
+            <p:cNvPr id="156" name="사각형: 둥근 모서리 155">
+              <a:extLst>
+                <a:ext uri="{FF2B5EF4-FFF2-40B4-BE49-F238E27FC236}">
+                  <a16:creationId xmlns:a16="http://schemas.microsoft.com/office/drawing/2014/main" id="{312CB05C-D9AD-4B4D-8A01-AFFF15A1F793}"/>
+                </a:ext>
+              </a:extLst>
+            </p:cNvPr>
+            <p:cNvSpPr/>
+            <p:nvPr/>
+          </p:nvSpPr>
+          <p:spPr>
+            <a:xfrm>
+              <a:off x="661431" y="1470004"/>
+              <a:ext cx="1301347" cy="797287"/>
+            </a:xfrm>
+            <a:prstGeom prst="roundRect">
+              <a:avLst>
+                <a:gd name="adj" fmla="val 9318"/>
+              </a:avLst>
+            </a:prstGeom>
+            <a:ln>
+              <a:solidFill>
+                <a:schemeClr val="bg1">
+                  <a:lumMod val="65000"/>
+                </a:schemeClr>
+              </a:solidFill>
+            </a:ln>
+          </p:spPr>
+          <p:style>
+            <a:lnRef idx="2">
+              <a:schemeClr val="dk1"/>
+            </a:lnRef>
+            <a:fillRef idx="1">
+              <a:schemeClr val="lt1"/>
+            </a:fillRef>
+            <a:effectRef idx="0">
+              <a:schemeClr val="dk1"/>
+            </a:effectRef>
+            <a:fontRef idx="minor">
+              <a:schemeClr val="dk1"/>
+            </a:fontRef>
+          </p:style>
+          <p:txBody>
+            <a:bodyPr rtlCol="0" anchor="ctr"/>
+            <a:lstStyle/>
+            <a:p>
+              <a:pPr algn="ctr"/>
+              <a:r>
+                <a:rPr lang="en-US" altLang="ko-KR" sz="1400"/>
+                <a:t>etcd</a:t>
+              </a:r>
+            </a:p>
+          </p:txBody>
+        </p:sp>
+        <p:cxnSp>
+          <p:nvCxnSpPr>
+            <p:cNvPr id="157" name="직선 화살표 연결선 156">
+              <a:extLst>
+                <a:ext uri="{FF2B5EF4-FFF2-40B4-BE49-F238E27FC236}">
+                  <a16:creationId xmlns:a16="http://schemas.microsoft.com/office/drawing/2014/main" id="{EC4399DF-606F-44E7-A5DA-B51F6C8551A5}"/>
+                </a:ext>
+              </a:extLst>
+            </p:cNvPr>
+            <p:cNvCxnSpPr>
+              <a:cxnSpLocks/>
+              <a:stCxn id="153" idx="1"/>
+              <a:endCxn id="156" idx="3"/>
+            </p:cNvCxnSpPr>
+            <p:nvPr/>
+          </p:nvCxnSpPr>
+          <p:spPr>
+            <a:xfrm flipH="1">
+              <a:off x="1962778" y="1868648"/>
+              <a:ext cx="210134" cy="0"/>
+            </a:xfrm>
+            <a:prstGeom prst="straightConnector1">
+              <a:avLst/>
+            </a:prstGeom>
+            <a:ln w="28575">
+              <a:solidFill>
+                <a:schemeClr val="bg1">
+                  <a:lumMod val="65000"/>
+                </a:schemeClr>
+              </a:solidFill>
+              <a:headEnd type="arrow" w="med" len="med"/>
+              <a:tailEnd type="arrow" w="med" len="med"/>
+            </a:ln>
+          </p:spPr>
+          <p:style>
+            <a:lnRef idx="1">
+              <a:schemeClr val="accent1"/>
+            </a:lnRef>
+            <a:fillRef idx="0">
+              <a:schemeClr val="accent1"/>
+            </a:fillRef>
+            <a:effectRef idx="0">
+              <a:schemeClr val="accent1"/>
+            </a:effectRef>
+            <a:fontRef idx="minor">
+              <a:schemeClr val="tx1"/>
+            </a:fontRef>
+          </p:style>
+        </p:cxnSp>
+        <p:cxnSp>
+          <p:nvCxnSpPr>
+            <p:cNvPr id="158" name="직선 화살표 연결선 157">
+              <a:extLst>
+                <a:ext uri="{FF2B5EF4-FFF2-40B4-BE49-F238E27FC236}">
+                  <a16:creationId xmlns:a16="http://schemas.microsoft.com/office/drawing/2014/main" id="{280E1F3F-FF2C-481D-A2D7-5955101B928E}"/>
+                </a:ext>
+              </a:extLst>
+            </p:cNvPr>
+            <p:cNvCxnSpPr>
+              <a:cxnSpLocks/>
+              <a:stCxn id="153" idx="2"/>
+              <a:endCxn id="154" idx="0"/>
+            </p:cNvCxnSpPr>
+            <p:nvPr/>
+          </p:nvCxnSpPr>
+          <p:spPr>
+            <a:xfrm flipH="1">
+              <a:off x="1312105" y="2267291"/>
+              <a:ext cx="1511481" cy="227525"/>
+            </a:xfrm>
+            <a:prstGeom prst="straightConnector1">
+              <a:avLst/>
+            </a:prstGeom>
+            <a:ln w="28575">
+              <a:solidFill>
+                <a:schemeClr val="bg1">
+                  <a:lumMod val="65000"/>
+                </a:schemeClr>
+              </a:solidFill>
+              <a:headEnd type="arrow" w="med" len="med"/>
+              <a:tailEnd type="arrow" w="med" len="med"/>
+            </a:ln>
+          </p:spPr>
+          <p:style>
+            <a:lnRef idx="1">
+              <a:schemeClr val="accent1"/>
+            </a:lnRef>
+            <a:fillRef idx="0">
+              <a:schemeClr val="accent1"/>
+            </a:fillRef>
+            <a:effectRef idx="0">
+              <a:schemeClr val="accent1"/>
+            </a:effectRef>
+            <a:fontRef idx="minor">
+              <a:schemeClr val="tx1"/>
+            </a:fontRef>
+          </p:style>
+        </p:cxnSp>
+        <p:cxnSp>
+          <p:nvCxnSpPr>
+            <p:cNvPr id="190" name="직선 화살표 연결선 189">
+              <a:extLst>
+                <a:ext uri="{FF2B5EF4-FFF2-40B4-BE49-F238E27FC236}">
+                  <a16:creationId xmlns:a16="http://schemas.microsoft.com/office/drawing/2014/main" id="{CE690424-E7DF-4404-97F3-23CB596C5A76}"/>
+                </a:ext>
+              </a:extLst>
+            </p:cNvPr>
+            <p:cNvCxnSpPr>
+              <a:cxnSpLocks/>
+              <a:stCxn id="153" idx="2"/>
+              <a:endCxn id="155" idx="0"/>
+            </p:cNvCxnSpPr>
+            <p:nvPr/>
+          </p:nvCxnSpPr>
+          <p:spPr>
+            <a:xfrm>
+              <a:off x="2823586" y="2267291"/>
+              <a:ext cx="0" cy="227525"/>
+            </a:xfrm>
+            <a:prstGeom prst="straightConnector1">
+              <a:avLst/>
+            </a:prstGeom>
+            <a:ln w="28575">
+              <a:solidFill>
+                <a:schemeClr val="bg1">
+                  <a:lumMod val="65000"/>
+                </a:schemeClr>
+              </a:solidFill>
+              <a:headEnd type="arrow" w="med" len="med"/>
+              <a:tailEnd type="arrow" w="med" len="med"/>
+            </a:ln>
+          </p:spPr>
+          <p:style>
+            <a:lnRef idx="1">
+              <a:schemeClr val="accent1"/>
+            </a:lnRef>
+            <a:fillRef idx="0">
+              <a:schemeClr val="accent1"/>
+            </a:fillRef>
+            <a:effectRef idx="0">
+              <a:schemeClr val="accent1"/>
+            </a:effectRef>
+            <a:fontRef idx="minor">
+              <a:schemeClr val="tx1"/>
+            </a:fontRef>
+          </p:style>
+        </p:cxnSp>
+        <p:sp>
+          <p:nvSpPr>
+            <p:cNvPr id="193" name="사각형: 둥근 모서리 192">
+              <a:extLst>
+                <a:ext uri="{FF2B5EF4-FFF2-40B4-BE49-F238E27FC236}">
+                  <a16:creationId xmlns:a16="http://schemas.microsoft.com/office/drawing/2014/main" id="{E0213431-F7BE-4894-9F49-288A66E5114F}"/>
+                </a:ext>
+              </a:extLst>
+            </p:cNvPr>
+            <p:cNvSpPr/>
+            <p:nvPr/>
+          </p:nvSpPr>
+          <p:spPr>
+            <a:xfrm>
+              <a:off x="661431" y="3513623"/>
+              <a:ext cx="1301346" cy="684708"/>
+            </a:xfrm>
+            <a:prstGeom prst="roundRect">
+              <a:avLst>
+                <a:gd name="adj" fmla="val 9318"/>
+              </a:avLst>
+            </a:prstGeom>
+            <a:ln>
+              <a:solidFill>
+                <a:schemeClr val="bg1">
+                  <a:lumMod val="65000"/>
+                </a:schemeClr>
+              </a:solidFill>
+            </a:ln>
+          </p:spPr>
+          <p:style>
+            <a:lnRef idx="2">
+              <a:schemeClr val="dk1"/>
+            </a:lnRef>
+            <a:fillRef idx="1">
+              <a:schemeClr val="lt1"/>
+            </a:fillRef>
+            <a:effectRef idx="0">
+              <a:schemeClr val="dk1"/>
+            </a:effectRef>
+            <a:fontRef idx="minor">
+              <a:schemeClr val="dk1"/>
+            </a:fontRef>
+          </p:style>
+          <p:txBody>
+            <a:bodyPr rtlCol="0" anchor="ctr"/>
+            <a:lstStyle/>
+            <a:p>
+              <a:pPr algn="ctr"/>
+              <a:r>
+                <a:rPr lang="en-US" altLang="ko-KR" sz="1400"/>
+                <a:t>kube-proxy</a:t>
+              </a:r>
+            </a:p>
+            <a:p>
+              <a:pPr algn="ctr"/>
+              <a:r>
+                <a:rPr lang="en-US" altLang="ko-KR" sz="1400"/>
+                <a:t>/ Daemonset</a:t>
+              </a:r>
+              <a:endParaRPr lang="ko-KR" altLang="en-US" sz="1400"/>
+            </a:p>
+          </p:txBody>
+        </p:sp>
+        <p:sp>
+          <p:nvSpPr>
+            <p:cNvPr id="195" name="사각형: 둥근 모서리 194">
+              <a:extLst>
+                <a:ext uri="{FF2B5EF4-FFF2-40B4-BE49-F238E27FC236}">
+                  <a16:creationId xmlns:a16="http://schemas.microsoft.com/office/drawing/2014/main" id="{9169C4C8-CD9A-4F39-BB08-F2BA0D42605E}"/>
+                </a:ext>
+              </a:extLst>
+            </p:cNvPr>
+            <p:cNvSpPr/>
+            <p:nvPr/>
+          </p:nvSpPr>
+          <p:spPr>
+            <a:xfrm>
+              <a:off x="2170335" y="3513623"/>
+              <a:ext cx="1301346" cy="684708"/>
+            </a:xfrm>
+            <a:prstGeom prst="roundRect">
+              <a:avLst>
+                <a:gd name="adj" fmla="val 9318"/>
+              </a:avLst>
+            </a:prstGeom>
+            <a:ln>
+              <a:solidFill>
+                <a:schemeClr val="bg1">
+                  <a:lumMod val="65000"/>
+                </a:schemeClr>
+              </a:solidFill>
+            </a:ln>
+          </p:spPr>
+          <p:style>
+            <a:lnRef idx="2">
+              <a:schemeClr val="dk1"/>
+            </a:lnRef>
+            <a:fillRef idx="1">
+              <a:schemeClr val="lt1"/>
+            </a:fillRef>
+            <a:effectRef idx="0">
+              <a:schemeClr val="dk1"/>
+            </a:effectRef>
+            <a:fontRef idx="minor">
+              <a:schemeClr val="dk1"/>
+            </a:fontRef>
+          </p:style>
+          <p:txBody>
+            <a:bodyPr rtlCol="0" anchor="ctr"/>
+            <a:lstStyle/>
+            <a:p>
+              <a:pPr algn="ctr"/>
+              <a:r>
+                <a:rPr lang="en-US" altLang="ko-KR" sz="1400"/>
+                <a:t>Net Daemon</a:t>
+              </a:r>
+            </a:p>
+            <a:p>
+              <a:pPr algn="ctr"/>
+              <a:r>
+                <a:rPr lang="en-US" altLang="ko-KR" sz="1400"/>
+                <a:t>/ Daemonset</a:t>
+              </a:r>
+              <a:endParaRPr lang="ko-KR" altLang="en-US" sz="1400"/>
+            </a:p>
+          </p:txBody>
+        </p:sp>
+        <p:cxnSp>
+          <p:nvCxnSpPr>
+            <p:cNvPr id="199" name="직선 화살표 연결선 198">
+              <a:extLst>
+                <a:ext uri="{FF2B5EF4-FFF2-40B4-BE49-F238E27FC236}">
+                  <a16:creationId xmlns:a16="http://schemas.microsoft.com/office/drawing/2014/main" id="{01036BA9-43F9-4A6E-A811-0C1F33BAB461}"/>
+                </a:ext>
+              </a:extLst>
+            </p:cNvPr>
+            <p:cNvCxnSpPr>
+              <a:cxnSpLocks/>
+              <a:stCxn id="153" idx="2"/>
+              <a:endCxn id="193" idx="0"/>
+            </p:cNvCxnSpPr>
+            <p:nvPr/>
+          </p:nvCxnSpPr>
+          <p:spPr>
+            <a:xfrm flipH="1">
+              <a:off x="1312104" y="2267291"/>
+              <a:ext cx="1511482" cy="1246332"/>
+            </a:xfrm>
+            <a:prstGeom prst="straightConnector1">
+              <a:avLst/>
+            </a:prstGeom>
+            <a:ln w="28575">
+              <a:solidFill>
+                <a:schemeClr val="bg1">
+                  <a:lumMod val="65000"/>
+                </a:schemeClr>
+              </a:solidFill>
+              <a:headEnd type="arrow" w="med" len="med"/>
+              <a:tailEnd type="arrow" w="med" len="med"/>
+            </a:ln>
+          </p:spPr>
+          <p:style>
+            <a:lnRef idx="1">
+              <a:schemeClr val="accent1"/>
+            </a:lnRef>
+            <a:fillRef idx="0">
+              <a:schemeClr val="accent1"/>
+            </a:fillRef>
+            <a:effectRef idx="0">
+              <a:schemeClr val="accent1"/>
+            </a:effectRef>
+            <a:fontRef idx="minor">
+              <a:schemeClr val="tx1"/>
+            </a:fontRef>
+          </p:style>
+        </p:cxnSp>
+        <p:cxnSp>
+          <p:nvCxnSpPr>
+            <p:cNvPr id="218" name="직선 화살표 연결선 217">
+              <a:extLst>
+                <a:ext uri="{FF2B5EF4-FFF2-40B4-BE49-F238E27FC236}">
+                  <a16:creationId xmlns:a16="http://schemas.microsoft.com/office/drawing/2014/main" id="{38465AAF-C7D5-4F4F-B9F5-B1F5BACF73FC}"/>
+                </a:ext>
+              </a:extLst>
+            </p:cNvPr>
+            <p:cNvCxnSpPr>
+              <a:cxnSpLocks/>
+              <a:stCxn id="153" idx="2"/>
+              <a:endCxn id="195" idx="0"/>
+            </p:cNvCxnSpPr>
+            <p:nvPr/>
+          </p:nvCxnSpPr>
+          <p:spPr>
+            <a:xfrm flipH="1">
+              <a:off x="2821008" y="2267291"/>
+              <a:ext cx="2578" cy="1246332"/>
+            </a:xfrm>
+            <a:prstGeom prst="straightConnector1">
+              <a:avLst/>
+            </a:prstGeom>
+            <a:ln w="28575">
+              <a:solidFill>
+                <a:schemeClr val="bg1">
+                  <a:lumMod val="65000"/>
+                </a:schemeClr>
+              </a:solidFill>
+              <a:headEnd type="arrow" w="med" len="med"/>
+              <a:tailEnd type="arrow" w="med" len="med"/>
+            </a:ln>
+          </p:spPr>
+          <p:style>
+            <a:lnRef idx="1">
+              <a:schemeClr val="accent1"/>
+            </a:lnRef>
+            <a:fillRef idx="0">
+              <a:schemeClr val="accent1"/>
+            </a:fillRef>
+            <a:effectRef idx="0">
+              <a:schemeClr val="accent1"/>
+            </a:effectRef>
+            <a:fontRef idx="minor">
+              <a:schemeClr val="tx1"/>
+            </a:fontRef>
+          </p:style>
+        </p:cxnSp>
+      </p:grpSp>
+      <p:grpSp>
+        <p:nvGrpSpPr>
+          <p:cNvPr id="11" name="그룹 10">
+            <a:extLst>
+              <a:ext uri="{FF2B5EF4-FFF2-40B4-BE49-F238E27FC236}">
+                <a16:creationId xmlns:a16="http://schemas.microsoft.com/office/drawing/2014/main" id="{DBB179D2-311C-49DA-8EB1-D6C439EEC7E1}"/>
+              </a:ext>
+            </a:extLst>
+          </p:cNvPr>
+          <p:cNvGrpSpPr/>
+          <p:nvPr/>
+        </p:nvGrpSpPr>
+        <p:grpSpPr>
+          <a:xfrm>
+            <a:off x="514891" y="1088841"/>
+            <a:ext cx="3406912" cy="3687486"/>
+            <a:chOff x="356491" y="1232857"/>
+            <a:chExt cx="3406912" cy="3687486"/>
+          </a:xfrm>
+        </p:grpSpPr>
+        <p:sp>
+          <p:nvSpPr>
+            <p:cNvPr id="146" name="사각형: 둥근 모서리 145">
+              <a:extLst>
+                <a:ext uri="{FF2B5EF4-FFF2-40B4-BE49-F238E27FC236}">
+                  <a16:creationId xmlns:a16="http://schemas.microsoft.com/office/drawing/2014/main" id="{3CCE5901-E432-42EB-8238-7D84B1F93973}"/>
+                </a:ext>
+              </a:extLst>
+            </p:cNvPr>
+            <p:cNvSpPr/>
+            <p:nvPr/>
+          </p:nvSpPr>
+          <p:spPr>
+            <a:xfrm>
+              <a:off x="356491" y="1232857"/>
+              <a:ext cx="3406912" cy="3687486"/>
+            </a:xfrm>
+            <a:prstGeom prst="roundRect">
+              <a:avLst>
+                <a:gd name="adj" fmla="val 4530"/>
+              </a:avLst>
+            </a:prstGeom>
+          </p:spPr>
+          <p:style>
+            <a:lnRef idx="2">
+              <a:schemeClr val="dk1"/>
+            </a:lnRef>
+            <a:fillRef idx="1">
+              <a:schemeClr val="lt1"/>
+            </a:fillRef>
+            <a:effectRef idx="0">
+              <a:schemeClr val="dk1"/>
+            </a:effectRef>
+            <a:fontRef idx="minor">
+              <a:schemeClr val="dk1"/>
+            </a:fontRef>
+          </p:style>
+          <p:txBody>
+            <a:bodyPr rtlCol="0" anchor="b"/>
+            <a:lstStyle/>
+            <a:p>
+              <a:pPr algn="ctr"/>
+              <a:r>
+                <a:rPr lang="en-US" altLang="ko-KR" sz="1600" b="1"/>
+                <a:t>Master Node</a:t>
+              </a:r>
+              <a:endParaRPr lang="ko-KR" altLang="en-US" sz="1600" b="1"/>
+            </a:p>
+          </p:txBody>
+        </p:sp>
+        <p:sp>
+          <p:nvSpPr>
+            <p:cNvPr id="55" name="사각형: 둥근 모서리 54">
+              <a:extLst>
+                <a:ext uri="{FF2B5EF4-FFF2-40B4-BE49-F238E27FC236}">
+                  <a16:creationId xmlns:a16="http://schemas.microsoft.com/office/drawing/2014/main" id="{8B10F7D7-F0D8-452E-88F1-235F2E237C92}"/>
+                </a:ext>
+              </a:extLst>
+            </p:cNvPr>
+            <p:cNvSpPr/>
+            <p:nvPr/>
+          </p:nvSpPr>
+          <p:spPr>
+            <a:xfrm>
+              <a:off x="512262" y="1343929"/>
+              <a:ext cx="3103042" cy="3176288"/>
+            </a:xfrm>
+            <a:prstGeom prst="roundRect">
+              <a:avLst>
+                <a:gd name="adj" fmla="val 3766"/>
+              </a:avLst>
+            </a:prstGeom>
+          </p:spPr>
+          <p:style>
+            <a:lnRef idx="2">
+              <a:schemeClr val="dk1"/>
+            </a:lnRef>
+            <a:fillRef idx="1">
+              <a:schemeClr val="lt1"/>
+            </a:fillRef>
+            <a:effectRef idx="0">
+              <a:schemeClr val="dk1"/>
+            </a:effectRef>
+            <a:fontRef idx="minor">
+              <a:schemeClr val="dk1"/>
+            </a:fontRef>
+          </p:style>
+          <p:txBody>
+            <a:bodyPr rtlCol="0" anchor="b"/>
+            <a:lstStyle/>
+            <a:p>
+              <a:pPr algn="ctr"/>
+              <a:r>
+                <a:rPr lang="en-US" altLang="ko-KR" sz="1400" b="1"/>
+                <a:t>Docker</a:t>
+              </a:r>
+              <a:endParaRPr lang="ko-KR" altLang="en-US" sz="1400" b="1"/>
+            </a:p>
+          </p:txBody>
+        </p:sp>
+        <p:sp>
+          <p:nvSpPr>
+            <p:cNvPr id="147" name="사각형: 둥근 모서리 146">
+              <a:extLst>
+                <a:ext uri="{FF2B5EF4-FFF2-40B4-BE49-F238E27FC236}">
+                  <a16:creationId xmlns:a16="http://schemas.microsoft.com/office/drawing/2014/main" id="{00013933-E862-414D-87BC-A9240A85B7BC}"/>
+                </a:ext>
+              </a:extLst>
+            </p:cNvPr>
+            <p:cNvSpPr/>
+            <p:nvPr/>
+          </p:nvSpPr>
+          <p:spPr>
+            <a:xfrm>
+              <a:off x="2172912" y="1470004"/>
+              <a:ext cx="1301347" cy="797287"/>
+            </a:xfrm>
+            <a:prstGeom prst="roundRect">
+              <a:avLst>
+                <a:gd name="adj" fmla="val 9318"/>
+              </a:avLst>
+            </a:prstGeom>
+            <a:ln>
+              <a:solidFill>
+                <a:schemeClr val="tx2"/>
+              </a:solidFill>
+            </a:ln>
+          </p:spPr>
+          <p:style>
+            <a:lnRef idx="2">
+              <a:schemeClr val="dk1"/>
+            </a:lnRef>
+            <a:fillRef idx="1">
+              <a:schemeClr val="lt1"/>
+            </a:fillRef>
+            <a:effectRef idx="0">
+              <a:schemeClr val="dk1"/>
+            </a:effectRef>
+            <a:fontRef idx="minor">
+              <a:schemeClr val="dk1"/>
+            </a:fontRef>
+          </p:style>
+          <p:txBody>
+            <a:bodyPr rtlCol="0" anchor="ctr"/>
+            <a:lstStyle/>
+            <a:p>
+              <a:pPr algn="ctr"/>
+              <a:r>
+                <a:rPr lang="en-US" altLang="ko-KR" sz="1400"/>
+                <a:t>kube-apiserver</a:t>
+              </a:r>
+            </a:p>
+          </p:txBody>
+        </p:sp>
+        <p:sp>
+          <p:nvSpPr>
+            <p:cNvPr id="148" name="사각형: 둥근 모서리 147">
+              <a:extLst>
+                <a:ext uri="{FF2B5EF4-FFF2-40B4-BE49-F238E27FC236}">
+                  <a16:creationId xmlns:a16="http://schemas.microsoft.com/office/drawing/2014/main" id="{1ED72F89-9F1D-4BC3-A2C1-4D2E5250C3BE}"/>
+                </a:ext>
+              </a:extLst>
+            </p:cNvPr>
+            <p:cNvSpPr/>
+            <p:nvPr/>
+          </p:nvSpPr>
+          <p:spPr>
+            <a:xfrm>
+              <a:off x="661431" y="2494816"/>
+              <a:ext cx="1301347" cy="797287"/>
+            </a:xfrm>
+            <a:prstGeom prst="roundRect">
+              <a:avLst>
+                <a:gd name="adj" fmla="val 9318"/>
+              </a:avLst>
+            </a:prstGeom>
+            <a:ln>
+              <a:solidFill>
+                <a:schemeClr val="tx2"/>
+              </a:solidFill>
+            </a:ln>
+          </p:spPr>
+          <p:style>
+            <a:lnRef idx="2">
+              <a:schemeClr val="dk1"/>
+            </a:lnRef>
+            <a:fillRef idx="1">
+              <a:schemeClr val="lt1"/>
+            </a:fillRef>
+            <a:effectRef idx="0">
+              <a:schemeClr val="dk1"/>
+            </a:effectRef>
+            <a:fontRef idx="minor">
+              <a:schemeClr val="dk1"/>
+            </a:fontRef>
+          </p:style>
+          <p:txBody>
+            <a:bodyPr rtlCol="0" anchor="ctr"/>
+            <a:lstStyle/>
+            <a:p>
+              <a:pPr algn="ctr"/>
+              <a:r>
+                <a:rPr lang="en-US" altLang="ko-KR" sz="1400"/>
+                <a:t>kube-controller-manager</a:t>
+              </a:r>
+            </a:p>
+          </p:txBody>
+        </p:sp>
+        <p:sp>
+          <p:nvSpPr>
+            <p:cNvPr id="149" name="사각형: 둥근 모서리 148">
+              <a:extLst>
+                <a:ext uri="{FF2B5EF4-FFF2-40B4-BE49-F238E27FC236}">
+                  <a16:creationId xmlns:a16="http://schemas.microsoft.com/office/drawing/2014/main" id="{77589AC1-FBE4-4F8E-9A04-8ABCB5BE718E}"/>
+                </a:ext>
+              </a:extLst>
+            </p:cNvPr>
+            <p:cNvSpPr/>
+            <p:nvPr/>
+          </p:nvSpPr>
+          <p:spPr>
+            <a:xfrm>
+              <a:off x="2172912" y="2494816"/>
+              <a:ext cx="1301347" cy="797287"/>
+            </a:xfrm>
+            <a:prstGeom prst="roundRect">
+              <a:avLst>
+                <a:gd name="adj" fmla="val 9318"/>
+              </a:avLst>
+            </a:prstGeom>
+            <a:ln>
+              <a:solidFill>
+                <a:schemeClr val="tx2"/>
+              </a:solidFill>
+            </a:ln>
+          </p:spPr>
+          <p:style>
+            <a:lnRef idx="2">
+              <a:schemeClr val="dk1"/>
+            </a:lnRef>
+            <a:fillRef idx="1">
+              <a:schemeClr val="lt1"/>
+            </a:fillRef>
+            <a:effectRef idx="0">
+              <a:schemeClr val="dk1"/>
+            </a:effectRef>
+            <a:fontRef idx="minor">
+              <a:schemeClr val="dk1"/>
+            </a:fontRef>
+          </p:style>
+          <p:txBody>
+            <a:bodyPr rtlCol="0" anchor="ctr"/>
+            <a:lstStyle/>
+            <a:p>
+              <a:pPr algn="ctr"/>
+              <a:r>
+                <a:rPr lang="en-US" altLang="ko-KR" sz="1400"/>
+                <a:t>kube-scheduler</a:t>
+              </a:r>
+            </a:p>
+          </p:txBody>
+        </p:sp>
+        <p:sp>
+          <p:nvSpPr>
+            <p:cNvPr id="150" name="사각형: 둥근 모서리 149">
+              <a:extLst>
+                <a:ext uri="{FF2B5EF4-FFF2-40B4-BE49-F238E27FC236}">
+                  <a16:creationId xmlns:a16="http://schemas.microsoft.com/office/drawing/2014/main" id="{7CAFE4B9-786C-4D0F-B62D-CF3A87A962A7}"/>
+                </a:ext>
+              </a:extLst>
+            </p:cNvPr>
+            <p:cNvSpPr/>
+            <p:nvPr/>
+          </p:nvSpPr>
+          <p:spPr>
+            <a:xfrm>
+              <a:off x="661431" y="1470004"/>
+              <a:ext cx="1301347" cy="797287"/>
+            </a:xfrm>
+            <a:prstGeom prst="roundRect">
+              <a:avLst>
+                <a:gd name="adj" fmla="val 9318"/>
+              </a:avLst>
+            </a:prstGeom>
+            <a:ln>
+              <a:solidFill>
+                <a:schemeClr val="tx2"/>
+              </a:solidFill>
+            </a:ln>
+          </p:spPr>
+          <p:style>
+            <a:lnRef idx="2">
+              <a:schemeClr val="dk1"/>
+            </a:lnRef>
+            <a:fillRef idx="1">
+              <a:schemeClr val="lt1"/>
+            </a:fillRef>
+            <a:effectRef idx="0">
+              <a:schemeClr val="dk1"/>
+            </a:effectRef>
+            <a:fontRef idx="minor">
+              <a:schemeClr val="dk1"/>
+            </a:fontRef>
+          </p:style>
+          <p:txBody>
+            <a:bodyPr rtlCol="0" anchor="ctr"/>
+            <a:lstStyle/>
+            <a:p>
+              <a:pPr algn="ctr"/>
+              <a:r>
+                <a:rPr lang="en-US" altLang="ko-KR" sz="1400"/>
+                <a:t>etcd</a:t>
+              </a:r>
+            </a:p>
+          </p:txBody>
+        </p:sp>
+        <p:cxnSp>
+          <p:nvCxnSpPr>
+            <p:cNvPr id="56" name="직선 화살표 연결선 55">
+              <a:extLst>
+                <a:ext uri="{FF2B5EF4-FFF2-40B4-BE49-F238E27FC236}">
+                  <a16:creationId xmlns:a16="http://schemas.microsoft.com/office/drawing/2014/main" id="{2E587004-24ED-4622-97DF-6EC5E46F982F}"/>
+                </a:ext>
+              </a:extLst>
+            </p:cNvPr>
+            <p:cNvCxnSpPr>
+              <a:cxnSpLocks/>
+              <a:stCxn id="147" idx="1"/>
+              <a:endCxn id="150" idx="3"/>
+            </p:cNvCxnSpPr>
+            <p:nvPr/>
+          </p:nvCxnSpPr>
+          <p:spPr>
+            <a:xfrm flipH="1">
+              <a:off x="1962778" y="1868648"/>
+              <a:ext cx="210134" cy="0"/>
+            </a:xfrm>
+            <a:prstGeom prst="straightConnector1">
+              <a:avLst/>
+            </a:prstGeom>
+            <a:ln w="28575">
+              <a:solidFill>
+                <a:schemeClr val="tx1"/>
+              </a:solidFill>
+              <a:headEnd type="arrow" w="med" len="med"/>
+              <a:tailEnd type="arrow" w="med" len="med"/>
+            </a:ln>
+          </p:spPr>
+          <p:style>
+            <a:lnRef idx="1">
+              <a:schemeClr val="accent1"/>
+            </a:lnRef>
+            <a:fillRef idx="0">
+              <a:schemeClr val="accent1"/>
+            </a:fillRef>
+            <a:effectRef idx="0">
+              <a:schemeClr val="accent1"/>
+            </a:effectRef>
+            <a:fontRef idx="minor">
+              <a:schemeClr val="tx1"/>
+            </a:fontRef>
+          </p:style>
+        </p:cxnSp>
+        <p:cxnSp>
+          <p:nvCxnSpPr>
+            <p:cNvPr id="59" name="직선 화살표 연결선 58">
+              <a:extLst>
+                <a:ext uri="{FF2B5EF4-FFF2-40B4-BE49-F238E27FC236}">
+                  <a16:creationId xmlns:a16="http://schemas.microsoft.com/office/drawing/2014/main" id="{9C174054-04E0-4470-A2CD-72D8C1FCD866}"/>
+                </a:ext>
+              </a:extLst>
+            </p:cNvPr>
+            <p:cNvCxnSpPr>
+              <a:cxnSpLocks/>
+              <a:stCxn id="147" idx="2"/>
+              <a:endCxn id="148" idx="0"/>
+            </p:cNvCxnSpPr>
+            <p:nvPr/>
+          </p:nvCxnSpPr>
+          <p:spPr>
+            <a:xfrm flipH="1">
+              <a:off x="1312105" y="2267291"/>
+              <a:ext cx="1511481" cy="227525"/>
+            </a:xfrm>
+            <a:prstGeom prst="straightConnector1">
+              <a:avLst/>
+            </a:prstGeom>
+            <a:ln w="28575">
+              <a:solidFill>
+                <a:schemeClr val="tx1"/>
+              </a:solidFill>
+              <a:headEnd type="arrow" w="med" len="med"/>
+              <a:tailEnd type="arrow" w="med" len="med"/>
+            </a:ln>
+          </p:spPr>
+          <p:style>
+            <a:lnRef idx="1">
+              <a:schemeClr val="accent1"/>
+            </a:lnRef>
+            <a:fillRef idx="0">
+              <a:schemeClr val="accent1"/>
+            </a:fillRef>
+            <a:effectRef idx="0">
+              <a:schemeClr val="accent1"/>
+            </a:effectRef>
+            <a:fontRef idx="minor">
+              <a:schemeClr val="tx1"/>
+            </a:fontRef>
+          </p:style>
+        </p:cxnSp>
+        <p:cxnSp>
+          <p:nvCxnSpPr>
+            <p:cNvPr id="62" name="직선 화살표 연결선 61">
+              <a:extLst>
+                <a:ext uri="{FF2B5EF4-FFF2-40B4-BE49-F238E27FC236}">
+                  <a16:creationId xmlns:a16="http://schemas.microsoft.com/office/drawing/2014/main" id="{B517A563-1ACC-4D2C-AB30-47F90B9DDED6}"/>
+                </a:ext>
+              </a:extLst>
+            </p:cNvPr>
+            <p:cNvCxnSpPr>
+              <a:cxnSpLocks/>
+              <a:stCxn id="147" idx="2"/>
+              <a:endCxn id="149" idx="0"/>
+            </p:cNvCxnSpPr>
+            <p:nvPr/>
+          </p:nvCxnSpPr>
+          <p:spPr>
+            <a:xfrm>
+              <a:off x="2823586" y="2267291"/>
+              <a:ext cx="0" cy="227525"/>
+            </a:xfrm>
+            <a:prstGeom prst="straightConnector1">
+              <a:avLst/>
+            </a:prstGeom>
+            <a:ln w="28575">
+              <a:solidFill>
+                <a:schemeClr val="tx1"/>
+              </a:solidFill>
+              <a:headEnd type="arrow" w="med" len="med"/>
+              <a:tailEnd type="arrow" w="med" len="med"/>
+            </a:ln>
+          </p:spPr>
+          <p:style>
+            <a:lnRef idx="1">
+              <a:schemeClr val="accent1"/>
+            </a:lnRef>
+            <a:fillRef idx="0">
+              <a:schemeClr val="accent1"/>
+            </a:fillRef>
+            <a:effectRef idx="0">
+              <a:schemeClr val="accent1"/>
+            </a:effectRef>
+            <a:fontRef idx="minor">
+              <a:schemeClr val="tx1"/>
+            </a:fontRef>
+          </p:style>
+        </p:cxnSp>
+        <p:sp>
+          <p:nvSpPr>
+            <p:cNvPr id="141" name="사각형: 둥근 모서리 140">
+              <a:extLst>
+                <a:ext uri="{FF2B5EF4-FFF2-40B4-BE49-F238E27FC236}">
+                  <a16:creationId xmlns:a16="http://schemas.microsoft.com/office/drawing/2014/main" id="{722812A6-7364-496E-9037-741E01B5DEE9}"/>
+                </a:ext>
+              </a:extLst>
+            </p:cNvPr>
+            <p:cNvSpPr/>
+            <p:nvPr/>
+          </p:nvSpPr>
+          <p:spPr>
+            <a:xfrm>
+              <a:off x="661431" y="3513623"/>
+              <a:ext cx="1301346" cy="684708"/>
+            </a:xfrm>
+            <a:prstGeom prst="roundRect">
+              <a:avLst>
+                <a:gd name="adj" fmla="val 9318"/>
+              </a:avLst>
+            </a:prstGeom>
+            <a:ln>
+              <a:solidFill>
+                <a:schemeClr val="tx2"/>
+              </a:solidFill>
+            </a:ln>
+          </p:spPr>
+          <p:style>
+            <a:lnRef idx="2">
+              <a:schemeClr val="dk1"/>
+            </a:lnRef>
+            <a:fillRef idx="1">
+              <a:schemeClr val="lt1"/>
+            </a:fillRef>
+            <a:effectRef idx="0">
+              <a:schemeClr val="dk1"/>
+            </a:effectRef>
+            <a:fontRef idx="minor">
+              <a:schemeClr val="dk1"/>
+            </a:fontRef>
+          </p:style>
+          <p:txBody>
+            <a:bodyPr rtlCol="0" anchor="ctr"/>
+            <a:lstStyle/>
+            <a:p>
+              <a:pPr algn="ctr"/>
+              <a:r>
+                <a:rPr lang="en-US" altLang="ko-KR" sz="1400"/>
+                <a:t>kube-proxy</a:t>
+              </a:r>
+            </a:p>
+            <a:p>
+              <a:pPr algn="ctr"/>
+              <a:r>
+                <a:rPr lang="en-US" altLang="ko-KR" sz="1400"/>
+                <a:t>/ Daemonset</a:t>
+              </a:r>
+              <a:endParaRPr lang="ko-KR" altLang="en-US" sz="1400"/>
+            </a:p>
+          </p:txBody>
+        </p:sp>
+        <p:sp>
+          <p:nvSpPr>
+            <p:cNvPr id="142" name="사각형: 둥근 모서리 141">
+              <a:extLst>
+                <a:ext uri="{FF2B5EF4-FFF2-40B4-BE49-F238E27FC236}">
+                  <a16:creationId xmlns:a16="http://schemas.microsoft.com/office/drawing/2014/main" id="{982E2508-7C33-46FF-8B01-881C221A01CA}"/>
+                </a:ext>
+              </a:extLst>
+            </p:cNvPr>
+            <p:cNvSpPr/>
+            <p:nvPr/>
+          </p:nvSpPr>
+          <p:spPr>
+            <a:xfrm>
+              <a:off x="2170335" y="3513623"/>
+              <a:ext cx="1301346" cy="684708"/>
+            </a:xfrm>
+            <a:prstGeom prst="roundRect">
+              <a:avLst>
+                <a:gd name="adj" fmla="val 9318"/>
+              </a:avLst>
+            </a:prstGeom>
+            <a:ln>
+              <a:solidFill>
+                <a:schemeClr val="tx2"/>
+              </a:solidFill>
+            </a:ln>
+          </p:spPr>
+          <p:style>
+            <a:lnRef idx="2">
+              <a:schemeClr val="dk1"/>
+            </a:lnRef>
+            <a:fillRef idx="1">
+              <a:schemeClr val="lt1"/>
+            </a:fillRef>
+            <a:effectRef idx="0">
+              <a:schemeClr val="dk1"/>
+            </a:effectRef>
+            <a:fontRef idx="minor">
+              <a:schemeClr val="dk1"/>
+            </a:fontRef>
+          </p:style>
+          <p:txBody>
+            <a:bodyPr rtlCol="0" anchor="ctr"/>
+            <a:lstStyle/>
+            <a:p>
+              <a:pPr algn="ctr"/>
+              <a:r>
+                <a:rPr lang="en-US" altLang="ko-KR" sz="1400"/>
+                <a:t>Net Daemon</a:t>
+              </a:r>
+            </a:p>
+            <a:p>
+              <a:pPr algn="ctr"/>
+              <a:r>
+                <a:rPr lang="en-US" altLang="ko-KR" sz="1400"/>
+                <a:t>/ Daemonset</a:t>
+              </a:r>
+              <a:endParaRPr lang="ko-KR" altLang="en-US" sz="1400"/>
+            </a:p>
+          </p:txBody>
+        </p:sp>
+        <p:cxnSp>
+          <p:nvCxnSpPr>
+            <p:cNvPr id="143" name="직선 화살표 연결선 142">
+              <a:extLst>
+                <a:ext uri="{FF2B5EF4-FFF2-40B4-BE49-F238E27FC236}">
+                  <a16:creationId xmlns:a16="http://schemas.microsoft.com/office/drawing/2014/main" id="{13944809-AAA9-4E79-AAB8-9220A08EBFED}"/>
+                </a:ext>
+              </a:extLst>
+            </p:cNvPr>
+            <p:cNvCxnSpPr>
+              <a:cxnSpLocks/>
+              <a:stCxn id="147" idx="2"/>
+              <a:endCxn id="141" idx="0"/>
+            </p:cNvCxnSpPr>
+            <p:nvPr/>
+          </p:nvCxnSpPr>
+          <p:spPr>
+            <a:xfrm flipH="1">
+              <a:off x="1312104" y="2267291"/>
+              <a:ext cx="1511482" cy="1246332"/>
+            </a:xfrm>
+            <a:prstGeom prst="straightConnector1">
+              <a:avLst/>
+            </a:prstGeom>
+            <a:ln w="28575">
+              <a:solidFill>
+                <a:schemeClr val="tx1"/>
+              </a:solidFill>
+              <a:headEnd type="arrow" w="med" len="med"/>
+              <a:tailEnd type="arrow" w="med" len="med"/>
+            </a:ln>
+          </p:spPr>
+          <p:style>
+            <a:lnRef idx="1">
+              <a:schemeClr val="accent1"/>
+            </a:lnRef>
+            <a:fillRef idx="0">
+              <a:schemeClr val="accent1"/>
+            </a:fillRef>
+            <a:effectRef idx="0">
+              <a:schemeClr val="accent1"/>
+            </a:effectRef>
+            <a:fontRef idx="minor">
+              <a:schemeClr val="tx1"/>
+            </a:fontRef>
+          </p:style>
+        </p:cxnSp>
+      </p:grpSp>
+      <p:cxnSp>
+        <p:nvCxnSpPr>
+          <p:cNvPr id="87" name="직선 화살표 연결선 86">
+            <a:extLst>
+              <a:ext uri="{FF2B5EF4-FFF2-40B4-BE49-F238E27FC236}">
+                <a16:creationId xmlns:a16="http://schemas.microsoft.com/office/drawing/2014/main" id="{07663973-7795-4530-BA73-DA4A88C6F12D}"/>
+              </a:ext>
+            </a:extLst>
+          </p:cNvPr>
+          <p:cNvCxnSpPr>
+            <a:cxnSpLocks/>
+            <a:stCxn id="147" idx="0"/>
+            <a:endCxn id="187" idx="2"/>
+          </p:cNvCxnSpPr>
+          <p:nvPr/>
+        </p:nvCxnSpPr>
+        <p:spPr>
+          <a:xfrm flipH="1" flipV="1">
+            <a:off x="2980521" y="843558"/>
+            <a:ext cx="1465" cy="482430"/>
+          </a:xfrm>
+          <a:prstGeom prst="straightConnector1">
+            <a:avLst/>
+          </a:prstGeom>
+          <a:ln w="28575">
+            <a:solidFill>
+              <a:schemeClr val="tx1"/>
+            </a:solidFill>
+            <a:headEnd type="arrow" w="med" len="med"/>
+            <a:tailEnd type="none" w="med" len="med"/>
+          </a:ln>
+        </p:spPr>
+        <p:style>
+          <a:lnRef idx="1">
+            <a:schemeClr val="accent1"/>
+          </a:lnRef>
+          <a:fillRef idx="0">
+            <a:schemeClr val="accent1"/>
+          </a:fillRef>
+          <a:effectRef idx="0">
+            <a:schemeClr val="accent1"/>
+          </a:effectRef>
+          <a:fontRef idx="minor">
+            <a:schemeClr val="tx1"/>
+          </a:fontRef>
+        </p:style>
+      </p:cxnSp>
+      <p:cxnSp>
+        <p:nvCxnSpPr>
+          <p:cNvPr id="112" name="직선 화살표 연결선 111">
+            <a:extLst>
+              <a:ext uri="{FF2B5EF4-FFF2-40B4-BE49-F238E27FC236}">
+                <a16:creationId xmlns:a16="http://schemas.microsoft.com/office/drawing/2014/main" id="{68F5ED63-D484-48CE-A2FE-32F7D6B5F56D}"/>
+              </a:ext>
+            </a:extLst>
+          </p:cNvPr>
+          <p:cNvCxnSpPr>
+            <a:cxnSpLocks/>
+          </p:cNvCxnSpPr>
+          <p:nvPr/>
+        </p:nvCxnSpPr>
+        <p:spPr>
+          <a:xfrm flipH="1" flipV="1">
+            <a:off x="1459560" y="755672"/>
+            <a:ext cx="1" cy="584322"/>
+          </a:xfrm>
+          <a:prstGeom prst="straightConnector1">
+            <a:avLst/>
+          </a:prstGeom>
+          <a:ln w="28575">
+            <a:solidFill>
+              <a:schemeClr val="tx1"/>
+            </a:solidFill>
+            <a:headEnd type="arrow" w="med" len="med"/>
+            <a:tailEnd type="none" w="med" len="med"/>
+          </a:ln>
+        </p:spPr>
+        <p:style>
+          <a:lnRef idx="1">
+            <a:schemeClr val="accent1"/>
+          </a:lnRef>
+          <a:fillRef idx="0">
+            <a:schemeClr val="accent1"/>
+          </a:fillRef>
+          <a:effectRef idx="0">
+            <a:schemeClr val="accent1"/>
+          </a:effectRef>
+          <a:fontRef idx="minor">
+            <a:schemeClr val="tx1"/>
+          </a:fontRef>
+        </p:style>
+      </p:cxnSp>
+      <p:cxnSp>
+        <p:nvCxnSpPr>
+          <p:cNvPr id="113" name="직선 화살표 연결선 112">
+            <a:extLst>
+              <a:ext uri="{FF2B5EF4-FFF2-40B4-BE49-F238E27FC236}">
+                <a16:creationId xmlns:a16="http://schemas.microsoft.com/office/drawing/2014/main" id="{C9905B25-F683-49EB-98AC-69DAAAE80C27}"/>
+              </a:ext>
+            </a:extLst>
+          </p:cNvPr>
+          <p:cNvCxnSpPr>
+            <a:cxnSpLocks/>
+          </p:cNvCxnSpPr>
+          <p:nvPr/>
+        </p:nvCxnSpPr>
+        <p:spPr>
+          <a:xfrm flipV="1">
+            <a:off x="1559823" y="668804"/>
+            <a:ext cx="0" cy="404812"/>
+          </a:xfrm>
+          <a:prstGeom prst="straightConnector1">
+            <a:avLst/>
+          </a:prstGeom>
+          <a:ln w="28575">
+            <a:solidFill>
+              <a:schemeClr val="tx1"/>
+            </a:solidFill>
+            <a:headEnd type="none" w="med" len="med"/>
+            <a:tailEnd type="none" w="med" len="med"/>
+          </a:ln>
+        </p:spPr>
+        <p:style>
+          <a:lnRef idx="1">
+            <a:schemeClr val="accent1"/>
+          </a:lnRef>
+          <a:fillRef idx="0">
+            <a:schemeClr val="accent1"/>
+          </a:fillRef>
+          <a:effectRef idx="0">
+            <a:schemeClr val="accent1"/>
+          </a:effectRef>
+          <a:fontRef idx="minor">
+            <a:schemeClr val="tx1"/>
+          </a:fontRef>
+        </p:style>
+      </p:cxnSp>
+      <p:cxnSp>
+        <p:nvCxnSpPr>
+          <p:cNvPr id="114" name="직선 화살표 연결선 113">
+            <a:extLst>
+              <a:ext uri="{FF2B5EF4-FFF2-40B4-BE49-F238E27FC236}">
+                <a16:creationId xmlns:a16="http://schemas.microsoft.com/office/drawing/2014/main" id="{3DAFC3D9-DCB0-4B53-9CA4-D2728CF100A9}"/>
+              </a:ext>
+            </a:extLst>
+          </p:cNvPr>
+          <p:cNvCxnSpPr>
+            <a:cxnSpLocks/>
+          </p:cNvCxnSpPr>
+          <p:nvPr/>
+        </p:nvCxnSpPr>
+        <p:spPr>
+          <a:xfrm flipV="1">
+            <a:off x="1660086" y="546144"/>
+            <a:ext cx="0" cy="444993"/>
+          </a:xfrm>
+          <a:prstGeom prst="straightConnector1">
+            <a:avLst/>
+          </a:prstGeom>
+          <a:ln w="28575">
+            <a:solidFill>
+              <a:schemeClr val="tx1"/>
+            </a:solidFill>
+            <a:headEnd type="none" w="med" len="med"/>
+            <a:tailEnd type="none" w="med" len="med"/>
+          </a:ln>
+        </p:spPr>
+        <p:style>
+          <a:lnRef idx="1">
+            <a:schemeClr val="accent1"/>
+          </a:lnRef>
+          <a:fillRef idx="0">
+            <a:schemeClr val="accent1"/>
+          </a:fillRef>
+          <a:effectRef idx="0">
+            <a:schemeClr val="accent1"/>
+          </a:effectRef>
+          <a:fontRef idx="minor">
+            <a:schemeClr val="tx1"/>
+          </a:fontRef>
+        </p:style>
+      </p:cxnSp>
+      <p:cxnSp>
+        <p:nvCxnSpPr>
+          <p:cNvPr id="115" name="직선 화살표 연결선 114">
+            <a:extLst>
+              <a:ext uri="{FF2B5EF4-FFF2-40B4-BE49-F238E27FC236}">
+                <a16:creationId xmlns:a16="http://schemas.microsoft.com/office/drawing/2014/main" id="{CFF8BE38-1695-42E8-8682-B091C256AF3A}"/>
+              </a:ext>
+            </a:extLst>
+          </p:cNvPr>
+          <p:cNvCxnSpPr>
+            <a:cxnSpLocks/>
+          </p:cNvCxnSpPr>
+          <p:nvPr/>
+        </p:nvCxnSpPr>
+        <p:spPr>
+          <a:xfrm flipV="1">
+            <a:off x="1459560" y="555672"/>
+            <a:ext cx="200526" cy="211627"/>
+          </a:xfrm>
+          <a:prstGeom prst="straightConnector1">
+            <a:avLst/>
+          </a:prstGeom>
+          <a:ln w="28575">
+            <a:solidFill>
+              <a:schemeClr val="tx1"/>
+            </a:solidFill>
+            <a:headEnd type="none" w="med" len="med"/>
+            <a:tailEnd type="none" w="med" len="med"/>
+          </a:ln>
+        </p:spPr>
+        <p:style>
+          <a:lnRef idx="1">
+            <a:schemeClr val="accent1"/>
+          </a:lnRef>
+          <a:fillRef idx="0">
+            <a:schemeClr val="accent1"/>
+          </a:fillRef>
+          <a:effectRef idx="0">
+            <a:schemeClr val="accent1"/>
+          </a:effectRef>
+          <a:fontRef idx="minor">
+            <a:schemeClr val="tx1"/>
+          </a:fontRef>
+        </p:style>
+      </p:cxnSp>
+      <p:cxnSp>
+        <p:nvCxnSpPr>
+          <p:cNvPr id="77" name="직선 화살표 연결선 76">
+            <a:extLst>
+              <a:ext uri="{FF2B5EF4-FFF2-40B4-BE49-F238E27FC236}">
+                <a16:creationId xmlns:a16="http://schemas.microsoft.com/office/drawing/2014/main" id="{E3EA7983-AF2E-4FFA-A207-70D655ED89DE}"/>
+              </a:ext>
+            </a:extLst>
+          </p:cNvPr>
+          <p:cNvCxnSpPr>
+            <a:cxnSpLocks/>
+            <a:stCxn id="43" idx="1"/>
+            <a:endCxn id="147" idx="3"/>
+          </p:cNvCxnSpPr>
+          <p:nvPr/>
+        </p:nvCxnSpPr>
+        <p:spPr>
+          <a:xfrm flipH="1" flipV="1">
+            <a:off x="3632659" y="1724632"/>
+            <a:ext cx="1197854" cy="619645"/>
+          </a:xfrm>
+          <a:prstGeom prst="straightConnector1">
+            <a:avLst/>
+          </a:prstGeom>
+          <a:ln w="28575">
+            <a:solidFill>
+              <a:schemeClr val="tx1"/>
+            </a:solidFill>
+            <a:headEnd type="arrow" w="med" len="med"/>
+            <a:tailEnd type="arrow" w="med" len="med"/>
+          </a:ln>
+        </p:spPr>
+        <p:style>
+          <a:lnRef idx="1">
+            <a:schemeClr val="accent1"/>
+          </a:lnRef>
+          <a:fillRef idx="0">
+            <a:schemeClr val="accent1"/>
+          </a:fillRef>
+          <a:effectRef idx="0">
+            <a:schemeClr val="accent1"/>
+          </a:effectRef>
+          <a:fontRef idx="minor">
+            <a:schemeClr val="tx1"/>
+          </a:fontRef>
+        </p:style>
+      </p:cxnSp>
+      <p:cxnSp>
+        <p:nvCxnSpPr>
+          <p:cNvPr id="80" name="직선 화살표 연결선 79">
+            <a:extLst>
+              <a:ext uri="{FF2B5EF4-FFF2-40B4-BE49-F238E27FC236}">
+                <a16:creationId xmlns:a16="http://schemas.microsoft.com/office/drawing/2014/main" id="{A887F085-8F58-44D2-9613-4A76D46C0C43}"/>
+              </a:ext>
+            </a:extLst>
+          </p:cNvPr>
+          <p:cNvCxnSpPr>
+            <a:cxnSpLocks/>
+            <a:stCxn id="66" idx="1"/>
+            <a:endCxn id="147" idx="3"/>
+          </p:cNvCxnSpPr>
+          <p:nvPr/>
+        </p:nvCxnSpPr>
+        <p:spPr>
+          <a:xfrm flipH="1" flipV="1">
+            <a:off x="3632659" y="1724632"/>
+            <a:ext cx="1197853" cy="1519113"/>
+          </a:xfrm>
+          <a:prstGeom prst="straightConnector1">
+            <a:avLst/>
+          </a:prstGeom>
+          <a:ln w="28575">
+            <a:solidFill>
+              <a:schemeClr val="tx1"/>
+            </a:solidFill>
+            <a:headEnd type="arrow" w="med" len="med"/>
+            <a:tailEnd type="arrow" w="med" len="med"/>
+          </a:ln>
+        </p:spPr>
+        <p:style>
+          <a:lnRef idx="1">
+            <a:schemeClr val="accent1"/>
+          </a:lnRef>
+          <a:fillRef idx="0">
+            <a:schemeClr val="accent1"/>
+          </a:fillRef>
+          <a:effectRef idx="0">
+            <a:schemeClr val="accent1"/>
+          </a:effectRef>
+          <a:fontRef idx="minor">
+            <a:schemeClr val="tx1"/>
+          </a:fontRef>
+        </p:style>
+      </p:cxnSp>
+      <p:cxnSp>
+        <p:nvCxnSpPr>
+          <p:cNvPr id="83" name="직선 화살표 연결선 82">
+            <a:extLst>
+              <a:ext uri="{FF2B5EF4-FFF2-40B4-BE49-F238E27FC236}">
+                <a16:creationId xmlns:a16="http://schemas.microsoft.com/office/drawing/2014/main" id="{FC0D954E-3249-40F2-8DC0-682A1AEA39A9}"/>
+              </a:ext>
+            </a:extLst>
+          </p:cNvPr>
+          <p:cNvCxnSpPr>
+            <a:cxnSpLocks/>
+            <a:stCxn id="130" idx="1"/>
+            <a:endCxn id="147" idx="3"/>
+          </p:cNvCxnSpPr>
+          <p:nvPr/>
+        </p:nvCxnSpPr>
+        <p:spPr>
+          <a:xfrm flipH="1">
+            <a:off x="3632659" y="1372716"/>
+            <a:ext cx="1341538" cy="351916"/>
+          </a:xfrm>
+          <a:prstGeom prst="straightConnector1">
+            <a:avLst/>
+          </a:prstGeom>
+          <a:ln w="28575">
+            <a:solidFill>
+              <a:schemeClr val="tx1"/>
+            </a:solidFill>
+            <a:headEnd type="arrow" w="med" len="med"/>
+            <a:tailEnd type="arrow" w="med" len="med"/>
+          </a:ln>
+        </p:spPr>
+        <p:style>
+          <a:lnRef idx="1">
+            <a:schemeClr val="accent1"/>
+          </a:lnRef>
+          <a:fillRef idx="0">
+            <a:schemeClr val="accent1"/>
+          </a:fillRef>
+          <a:effectRef idx="0">
+            <a:schemeClr val="accent1"/>
+          </a:effectRef>
+          <a:fontRef idx="minor">
+            <a:schemeClr val="tx1"/>
+          </a:fontRef>
+        </p:style>
+      </p:cxnSp>
+    </p:spTree>
+    <p:extLst>
+      <p:ext uri="{BB962C8B-B14F-4D97-AF65-F5344CB8AC3E}">
+        <p14:creationId xmlns:p14="http://schemas.microsoft.com/office/powerpoint/2010/main" val="2969780233"/>
+      </p:ext>
+    </p:extLst>
+  </p:cSld>
+  <p:clrMapOvr>
+    <a:masterClrMapping/>
+  </p:clrMapOvr>
+</p:sld>
+</file>
+
+<file path=ppt/slides/slide2.xml><?xml version="1.0" encoding="utf-8"?>
 <p:sld xmlns:a="http://schemas.openxmlformats.org/drawingml/2006/main" xmlns:r="http://schemas.openxmlformats.org/officeDocument/2006/relationships" xmlns:p="http://schemas.openxmlformats.org/presentationml/2006/main">
   <p:cSld>
     <p:spTree>
@@ -9616,10 +16396,56 @@
           </a:p>
         </p:txBody>
       </p:sp>
+      <p:cxnSp>
+        <p:nvCxnSpPr>
+          <p:cNvPr id="121" name="직선 화살표 연결선 120">
+            <a:extLst>
+              <a:ext uri="{FF2B5EF4-FFF2-40B4-BE49-F238E27FC236}">
+                <a16:creationId xmlns:a16="http://schemas.microsoft.com/office/drawing/2014/main" id="{46EB0E74-9EC0-4BEE-BDBB-1336404C7A67}"/>
+              </a:ext>
+            </a:extLst>
+          </p:cNvPr>
+          <p:cNvCxnSpPr>
+            <a:cxnSpLocks/>
+            <a:endCxn id="130" idx="2"/>
+          </p:cNvCxnSpPr>
+          <p:nvPr/>
+        </p:nvCxnSpPr>
+        <p:spPr>
+          <a:xfrm flipV="1">
+            <a:off x="5694277" y="1768760"/>
+            <a:ext cx="0" cy="243650"/>
+          </a:xfrm>
+          <a:prstGeom prst="straightConnector1">
+            <a:avLst/>
+          </a:prstGeom>
+          <a:ln w="28575">
+            <a:solidFill>
+              <a:schemeClr val="tx1"/>
+            </a:solidFill>
+            <a:headEnd type="arrow" w="med" len="med"/>
+            <a:tailEnd type="none" w="med" len="med"/>
+          </a:ln>
+        </p:spPr>
+        <p:style>
+          <a:lnRef idx="1">
+            <a:schemeClr val="accent1"/>
+          </a:lnRef>
+          <a:fillRef idx="0">
+            <a:schemeClr val="accent1"/>
+          </a:fillRef>
+          <a:effectRef idx="0">
+            <a:schemeClr val="accent1"/>
+          </a:effectRef>
+          <a:fontRef idx="minor">
+            <a:schemeClr val="tx1"/>
+          </a:fontRef>
+        </p:style>
+      </p:cxnSp>
     </p:spTree>
     <p:extLst>
       <p:ext uri="{BB962C8B-B14F-4D97-AF65-F5344CB8AC3E}">
-        <p14:creationId xmlns:p14="http://schemas.microsoft.com/office/powerpoint/2010/main" val="2969780233"/>
+        <p14:creationId xmlns:p14="http://schemas.microsoft.com/office/powerpoint/2010/main" val="3628621092"/>
       </p:ext>
     </p:extLst>
   </p:cSld>
@@ -9629,7 +16455,7 @@
 </p:sld>
 </file>
 
-<file path=ppt/slides/slide2.xml><?xml version="1.0" encoding="utf-8"?>
+<file path=ppt/slides/slide3.xml><?xml version="1.0" encoding="utf-8"?>
 <p:sld xmlns:a="http://schemas.openxmlformats.org/drawingml/2006/main" xmlns:r="http://schemas.openxmlformats.org/officeDocument/2006/relationships" xmlns:p="http://schemas.openxmlformats.org/presentationml/2006/main">
   <p:cSld>
     <p:spTree>

--- a/images/theory_analysis/Kubernetes_Architecture/Kubernetes_Architecture.pptx
+++ b/images/theory_analysis/Kubernetes_Architecture/Kubernetes_Architecture.pptx
@@ -5,12 +5,14 @@
     <p:sldMasterId id="2147483648" r:id="rId1"/>
   </p:sldMasterIdLst>
   <p:notesMasterIdLst>
-    <p:notesMasterId r:id="rId5"/>
+    <p:notesMasterId r:id="rId7"/>
   </p:notesMasterIdLst>
   <p:sldIdLst>
     <p:sldId id="425" r:id="rId2"/>
-    <p:sldId id="426" r:id="rId3"/>
-    <p:sldId id="424" r:id="rId4"/>
+    <p:sldId id="428" r:id="rId3"/>
+    <p:sldId id="427" r:id="rId4"/>
+    <p:sldId id="426" r:id="rId5"/>
+    <p:sldId id="424" r:id="rId6"/>
   </p:sldIdLst>
   <p:sldSz cx="9144000" cy="5143500" type="screen16x9"/>
   <p:notesSz cx="6858000" cy="9144000"/>
@@ -215,7 +217,7 @@
           <a:p>
             <a:fld id="{6CD5550B-26C4-49A9-A5BA-636EF7BE6CE9}" type="datetimeFigureOut">
               <a:rPr lang="ko-KR" altLang="en-US" smtClean="0"/>
-              <a:t>2019-05-07</a:t>
+              <a:t>2019-11-01</a:t>
             </a:fld>
             <a:endParaRPr lang="ko-KR" altLang="en-US"/>
           </a:p>
@@ -631,7 +633,7 @@
           <a:p>
             <a:fld id="{BA5DFA43-8D57-47FB-BC46-057616015C3B}" type="slidenum">
               <a:rPr lang="ko-KR" altLang="en-US" smtClean="0"/>
-              <a:t>2</a:t>
+              <a:t>3</a:t>
             </a:fld>
             <a:endParaRPr lang="ko-KR" altLang="en-US"/>
           </a:p>
@@ -640,7 +642,7 @@
     </p:spTree>
     <p:extLst>
       <p:ext uri="{BB962C8B-B14F-4D97-AF65-F5344CB8AC3E}">
-        <p14:creationId xmlns:p14="http://schemas.microsoft.com/office/powerpoint/2010/main" val="2653558153"/>
+        <p14:creationId xmlns:p14="http://schemas.microsoft.com/office/powerpoint/2010/main" val="2308264316"/>
       </p:ext>
     </p:extLst>
   </p:cSld>
@@ -715,7 +717,91 @@
           <a:p>
             <a:fld id="{BA5DFA43-8D57-47FB-BC46-057616015C3B}" type="slidenum">
               <a:rPr lang="ko-KR" altLang="en-US" smtClean="0"/>
-              <a:t>3</a:t>
+              <a:t>4</a:t>
+            </a:fld>
+            <a:endParaRPr lang="ko-KR" altLang="en-US"/>
+          </a:p>
+        </p:txBody>
+      </p:sp>
+    </p:spTree>
+    <p:extLst>
+      <p:ext uri="{BB962C8B-B14F-4D97-AF65-F5344CB8AC3E}">
+        <p14:creationId xmlns:p14="http://schemas.microsoft.com/office/powerpoint/2010/main" val="2653558153"/>
+      </p:ext>
+    </p:extLst>
+  </p:cSld>
+  <p:clrMapOvr>
+    <a:masterClrMapping/>
+  </p:clrMapOvr>
+</p:notes>
+</file>
+
+<file path=ppt/notesSlides/notesSlide4.xml><?xml version="1.0" encoding="utf-8"?>
+<p:notes xmlns:a="http://schemas.openxmlformats.org/drawingml/2006/main" xmlns:r="http://schemas.openxmlformats.org/officeDocument/2006/relationships" xmlns:p="http://schemas.openxmlformats.org/presentationml/2006/main">
+  <p:cSld>
+    <p:spTree>
+      <p:nvGrpSpPr>
+        <p:cNvPr id="1" name=""/>
+        <p:cNvGrpSpPr/>
+        <p:nvPr/>
+      </p:nvGrpSpPr>
+      <p:grpSpPr>
+        <a:xfrm>
+          <a:off x="0" y="0"/>
+          <a:ext cx="0" cy="0"/>
+          <a:chOff x="0" y="0"/>
+          <a:chExt cx="0" cy="0"/>
+        </a:xfrm>
+      </p:grpSpPr>
+      <p:sp>
+        <p:nvSpPr>
+          <p:cNvPr id="2" name="슬라이드 이미지 개체 틀 1"/>
+          <p:cNvSpPr>
+            <a:spLocks noGrp="1" noRot="1" noChangeAspect="1"/>
+          </p:cNvSpPr>
+          <p:nvPr>
+            <p:ph type="sldImg"/>
+          </p:nvPr>
+        </p:nvSpPr>
+        <p:spPr/>
+      </p:sp>
+      <p:sp>
+        <p:nvSpPr>
+          <p:cNvPr id="3" name="슬라이드 노트 개체 틀 2"/>
+          <p:cNvSpPr>
+            <a:spLocks noGrp="1"/>
+          </p:cNvSpPr>
+          <p:nvPr>
+            <p:ph type="body" idx="1"/>
+          </p:nvPr>
+        </p:nvSpPr>
+        <p:spPr/>
+        <p:txBody>
+          <a:bodyPr/>
+          <a:lstStyle/>
+          <a:p>
+            <a:endParaRPr lang="ko-KR" altLang="en-US"/>
+          </a:p>
+        </p:txBody>
+      </p:sp>
+      <p:sp>
+        <p:nvSpPr>
+          <p:cNvPr id="4" name="슬라이드 번호 개체 틀 3"/>
+          <p:cNvSpPr>
+            <a:spLocks noGrp="1"/>
+          </p:cNvSpPr>
+          <p:nvPr>
+            <p:ph type="sldNum" sz="quarter" idx="10"/>
+          </p:nvPr>
+        </p:nvSpPr>
+        <p:spPr/>
+        <p:txBody>
+          <a:bodyPr/>
+          <a:lstStyle/>
+          <a:p>
+            <a:fld id="{BA5DFA43-8D57-47FB-BC46-057616015C3B}" type="slidenum">
+              <a:rPr lang="ko-KR" altLang="en-US" smtClean="0"/>
+              <a:t>5</a:t>
             </a:fld>
             <a:endParaRPr lang="ko-KR" altLang="en-US"/>
           </a:p>
@@ -913,7 +999,7 @@
           <a:p>
             <a:fld id="{FB30EDBD-1C2D-4C1E-B459-B60219FAB484}" type="datetimeFigureOut">
               <a:rPr lang="ko-KR" altLang="en-US" smtClean="0"/>
-              <a:t>2019-05-07</a:t>
+              <a:t>2019-11-01</a:t>
             </a:fld>
             <a:endParaRPr lang="ko-KR" altLang="en-US"/>
           </a:p>
@@ -1076,7 +1162,7 @@
           <a:p>
             <a:fld id="{FB30EDBD-1C2D-4C1E-B459-B60219FAB484}" type="datetimeFigureOut">
               <a:rPr lang="ko-KR" altLang="en-US" smtClean="0"/>
-              <a:t>2019-05-07</a:t>
+              <a:t>2019-11-01</a:t>
             </a:fld>
             <a:endParaRPr lang="ko-KR" altLang="en-US"/>
           </a:p>
@@ -1249,7 +1335,7 @@
           <a:p>
             <a:fld id="{FB30EDBD-1C2D-4C1E-B459-B60219FAB484}" type="datetimeFigureOut">
               <a:rPr lang="ko-KR" altLang="en-US" smtClean="0"/>
-              <a:t>2019-05-07</a:t>
+              <a:t>2019-11-01</a:t>
             </a:fld>
             <a:endParaRPr lang="ko-KR" altLang="en-US"/>
           </a:p>
@@ -1412,7 +1498,7 @@
           <a:p>
             <a:fld id="{FB30EDBD-1C2D-4C1E-B459-B60219FAB484}" type="datetimeFigureOut">
               <a:rPr lang="ko-KR" altLang="en-US" smtClean="0"/>
-              <a:t>2019-05-07</a:t>
+              <a:t>2019-11-01</a:t>
             </a:fld>
             <a:endParaRPr lang="ko-KR" altLang="en-US"/>
           </a:p>
@@ -1652,7 +1738,7 @@
           <a:p>
             <a:fld id="{FB30EDBD-1C2D-4C1E-B459-B60219FAB484}" type="datetimeFigureOut">
               <a:rPr lang="ko-KR" altLang="en-US" smtClean="0"/>
-              <a:t>2019-05-07</a:t>
+              <a:t>2019-11-01</a:t>
             </a:fld>
             <a:endParaRPr lang="ko-KR" altLang="en-US"/>
           </a:p>
@@ -1932,7 +2018,7 @@
           <a:p>
             <a:fld id="{FB30EDBD-1C2D-4C1E-B459-B60219FAB484}" type="datetimeFigureOut">
               <a:rPr lang="ko-KR" altLang="en-US" smtClean="0"/>
-              <a:t>2019-05-07</a:t>
+              <a:t>2019-11-01</a:t>
             </a:fld>
             <a:endParaRPr lang="ko-KR" altLang="en-US"/>
           </a:p>
@@ -2346,7 +2432,7 @@
           <a:p>
             <a:fld id="{FB30EDBD-1C2D-4C1E-B459-B60219FAB484}" type="datetimeFigureOut">
               <a:rPr lang="ko-KR" altLang="en-US" smtClean="0"/>
-              <a:t>2019-05-07</a:t>
+              <a:t>2019-11-01</a:t>
             </a:fld>
             <a:endParaRPr lang="ko-KR" altLang="en-US"/>
           </a:p>
@@ -2458,7 +2544,7 @@
           <a:p>
             <a:fld id="{FB30EDBD-1C2D-4C1E-B459-B60219FAB484}" type="datetimeFigureOut">
               <a:rPr lang="ko-KR" altLang="en-US" smtClean="0"/>
-              <a:t>2019-05-07</a:t>
+              <a:t>2019-11-01</a:t>
             </a:fld>
             <a:endParaRPr lang="ko-KR" altLang="en-US"/>
           </a:p>
@@ -2548,7 +2634,7 @@
           <a:p>
             <a:fld id="{FB30EDBD-1C2D-4C1E-B459-B60219FAB484}" type="datetimeFigureOut">
               <a:rPr lang="ko-KR" altLang="en-US" smtClean="0"/>
-              <a:t>2019-05-07</a:t>
+              <a:t>2019-11-01</a:t>
             </a:fld>
             <a:endParaRPr lang="ko-KR" altLang="en-US"/>
           </a:p>
@@ -2818,7 +2904,7 @@
           <a:p>
             <a:fld id="{FB30EDBD-1C2D-4C1E-B459-B60219FAB484}" type="datetimeFigureOut">
               <a:rPr lang="ko-KR" altLang="en-US" smtClean="0"/>
-              <a:t>2019-05-07</a:t>
+              <a:t>2019-11-01</a:t>
             </a:fld>
             <a:endParaRPr lang="ko-KR" altLang="en-US"/>
           </a:p>
@@ -3065,7 +3151,7 @@
           <a:p>
             <a:fld id="{FB30EDBD-1C2D-4C1E-B459-B60219FAB484}" type="datetimeFigureOut">
               <a:rPr lang="ko-KR" altLang="en-US" smtClean="0"/>
-              <a:t>2019-05-07</a:t>
+              <a:t>2019-11-01</a:t>
             </a:fld>
             <a:endParaRPr lang="ko-KR" altLang="en-US"/>
           </a:p>
@@ -3271,7 +3357,7 @@
           <a:p>
             <a:fld id="{FB30EDBD-1C2D-4C1E-B459-B60219FAB484}" type="datetimeFigureOut">
               <a:rPr lang="ko-KR" altLang="en-US" smtClean="0"/>
-              <a:t>2019-05-07</a:t>
+              <a:t>2019-11-01</a:t>
             </a:fld>
             <a:endParaRPr lang="ko-KR" altLang="en-US"/>
           </a:p>
@@ -3625,6 +3711,6943 @@
 </file>
 
 <file path=ppt/slides/slide1.xml><?xml version="1.0" encoding="utf-8"?>
+<p:sld xmlns:a="http://schemas.openxmlformats.org/drawingml/2006/main" xmlns:r="http://schemas.openxmlformats.org/officeDocument/2006/relationships" xmlns:p="http://schemas.openxmlformats.org/presentationml/2006/main">
+  <p:cSld>
+    <p:spTree>
+      <p:nvGrpSpPr>
+        <p:cNvPr id="1" name=""/>
+        <p:cNvGrpSpPr/>
+        <p:nvPr/>
+      </p:nvGrpSpPr>
+      <p:grpSpPr>
+        <a:xfrm>
+          <a:off x="0" y="0"/>
+          <a:ext cx="0" cy="0"/>
+          <a:chOff x="0" y="0"/>
+          <a:chExt cx="0" cy="0"/>
+        </a:xfrm>
+      </p:grpSpPr>
+      <p:grpSp>
+        <p:nvGrpSpPr>
+          <p:cNvPr id="222" name="그룹 221">
+            <a:extLst>
+              <a:ext uri="{FF2B5EF4-FFF2-40B4-BE49-F238E27FC236}">
+                <a16:creationId xmlns:a16="http://schemas.microsoft.com/office/drawing/2014/main" id="{3ABF5266-FEC2-426C-BB36-C84CEBB17E73}"/>
+              </a:ext>
+            </a:extLst>
+          </p:cNvPr>
+          <p:cNvGrpSpPr/>
+          <p:nvPr/>
+        </p:nvGrpSpPr>
+        <p:grpSpPr>
+          <a:xfrm>
+            <a:off x="829709" y="513664"/>
+            <a:ext cx="3406912" cy="3905716"/>
+            <a:chOff x="356491" y="1232857"/>
+            <a:chExt cx="3406912" cy="3687486"/>
+          </a:xfrm>
+        </p:grpSpPr>
+        <p:sp>
+          <p:nvSpPr>
+            <p:cNvPr id="223" name="사각형: 둥근 모서리 222">
+              <a:extLst>
+                <a:ext uri="{FF2B5EF4-FFF2-40B4-BE49-F238E27FC236}">
+                  <a16:creationId xmlns:a16="http://schemas.microsoft.com/office/drawing/2014/main" id="{2B48F313-DD96-45A3-B561-F784982C3F7C}"/>
+                </a:ext>
+              </a:extLst>
+            </p:cNvPr>
+            <p:cNvSpPr/>
+            <p:nvPr/>
+          </p:nvSpPr>
+          <p:spPr>
+            <a:xfrm>
+              <a:off x="356491" y="1232857"/>
+              <a:ext cx="3406912" cy="3687486"/>
+            </a:xfrm>
+            <a:prstGeom prst="roundRect">
+              <a:avLst>
+                <a:gd name="adj" fmla="val 4530"/>
+              </a:avLst>
+            </a:prstGeom>
+            <a:ln>
+              <a:solidFill>
+                <a:schemeClr val="bg1">
+                  <a:lumMod val="65000"/>
+                </a:schemeClr>
+              </a:solidFill>
+            </a:ln>
+          </p:spPr>
+          <p:style>
+            <a:lnRef idx="2">
+              <a:schemeClr val="dk1"/>
+            </a:lnRef>
+            <a:fillRef idx="1">
+              <a:schemeClr val="lt1"/>
+            </a:fillRef>
+            <a:effectRef idx="0">
+              <a:schemeClr val="dk1"/>
+            </a:effectRef>
+            <a:fontRef idx="minor">
+              <a:schemeClr val="dk1"/>
+            </a:fontRef>
+          </p:style>
+          <p:txBody>
+            <a:bodyPr rtlCol="0" anchor="b"/>
+            <a:lstStyle/>
+            <a:p>
+              <a:pPr algn="ctr"/>
+              <a:r>
+                <a:rPr lang="en-US" altLang="ko-KR" sz="1600" b="1"/>
+                <a:t>Master Node</a:t>
+              </a:r>
+              <a:endParaRPr lang="ko-KR" altLang="en-US" sz="1600" b="1"/>
+            </a:p>
+          </p:txBody>
+        </p:sp>
+        <p:sp>
+          <p:nvSpPr>
+            <p:cNvPr id="224" name="사각형: 둥근 모서리 223">
+              <a:extLst>
+                <a:ext uri="{FF2B5EF4-FFF2-40B4-BE49-F238E27FC236}">
+                  <a16:creationId xmlns:a16="http://schemas.microsoft.com/office/drawing/2014/main" id="{33782B9C-519C-43D1-8EA9-ACA8D3DE1B56}"/>
+                </a:ext>
+              </a:extLst>
+            </p:cNvPr>
+            <p:cNvSpPr/>
+            <p:nvPr/>
+          </p:nvSpPr>
+          <p:spPr>
+            <a:xfrm>
+              <a:off x="512262" y="1343929"/>
+              <a:ext cx="3103042" cy="3176288"/>
+            </a:xfrm>
+            <a:prstGeom prst="roundRect">
+              <a:avLst>
+                <a:gd name="adj" fmla="val 3766"/>
+              </a:avLst>
+            </a:prstGeom>
+            <a:ln>
+              <a:solidFill>
+                <a:schemeClr val="bg1">
+                  <a:lumMod val="65000"/>
+                </a:schemeClr>
+              </a:solidFill>
+            </a:ln>
+          </p:spPr>
+          <p:style>
+            <a:lnRef idx="2">
+              <a:schemeClr val="dk1"/>
+            </a:lnRef>
+            <a:fillRef idx="1">
+              <a:schemeClr val="lt1"/>
+            </a:fillRef>
+            <a:effectRef idx="0">
+              <a:schemeClr val="dk1"/>
+            </a:effectRef>
+            <a:fontRef idx="minor">
+              <a:schemeClr val="dk1"/>
+            </a:fontRef>
+          </p:style>
+          <p:txBody>
+            <a:bodyPr rtlCol="0" anchor="b"/>
+            <a:lstStyle/>
+            <a:p>
+              <a:pPr algn="ctr"/>
+              <a:r>
+                <a:rPr lang="en-US" altLang="ko-KR" sz="1400" b="1"/>
+                <a:t>Docker</a:t>
+              </a:r>
+              <a:endParaRPr lang="ko-KR" altLang="en-US" sz="1400" b="1"/>
+            </a:p>
+          </p:txBody>
+        </p:sp>
+        <p:sp>
+          <p:nvSpPr>
+            <p:cNvPr id="225" name="사각형: 둥근 모서리 224">
+              <a:extLst>
+                <a:ext uri="{FF2B5EF4-FFF2-40B4-BE49-F238E27FC236}">
+                  <a16:creationId xmlns:a16="http://schemas.microsoft.com/office/drawing/2014/main" id="{E9AD8CE5-9182-46BF-B297-724BF44C01C8}"/>
+                </a:ext>
+              </a:extLst>
+            </p:cNvPr>
+            <p:cNvSpPr/>
+            <p:nvPr/>
+          </p:nvSpPr>
+          <p:spPr>
+            <a:xfrm>
+              <a:off x="2172912" y="1470004"/>
+              <a:ext cx="1301347" cy="797287"/>
+            </a:xfrm>
+            <a:prstGeom prst="roundRect">
+              <a:avLst>
+                <a:gd name="adj" fmla="val 9318"/>
+              </a:avLst>
+            </a:prstGeom>
+            <a:ln>
+              <a:solidFill>
+                <a:schemeClr val="bg1">
+                  <a:lumMod val="65000"/>
+                </a:schemeClr>
+              </a:solidFill>
+            </a:ln>
+          </p:spPr>
+          <p:style>
+            <a:lnRef idx="2">
+              <a:schemeClr val="dk1"/>
+            </a:lnRef>
+            <a:fillRef idx="1">
+              <a:schemeClr val="lt1"/>
+            </a:fillRef>
+            <a:effectRef idx="0">
+              <a:schemeClr val="dk1"/>
+            </a:effectRef>
+            <a:fontRef idx="minor">
+              <a:schemeClr val="dk1"/>
+            </a:fontRef>
+          </p:style>
+          <p:txBody>
+            <a:bodyPr rtlCol="0" anchor="ctr"/>
+            <a:lstStyle/>
+            <a:p>
+              <a:pPr algn="ctr"/>
+              <a:r>
+                <a:rPr lang="en-US" altLang="ko-KR" sz="1400"/>
+                <a:t>kube-apiserver</a:t>
+              </a:r>
+            </a:p>
+          </p:txBody>
+        </p:sp>
+        <p:sp>
+          <p:nvSpPr>
+            <p:cNvPr id="226" name="사각형: 둥근 모서리 225">
+              <a:extLst>
+                <a:ext uri="{FF2B5EF4-FFF2-40B4-BE49-F238E27FC236}">
+                  <a16:creationId xmlns:a16="http://schemas.microsoft.com/office/drawing/2014/main" id="{6B3A5DA2-BEA7-4F91-A1A8-AC2A015809C4}"/>
+                </a:ext>
+              </a:extLst>
+            </p:cNvPr>
+            <p:cNvSpPr/>
+            <p:nvPr/>
+          </p:nvSpPr>
+          <p:spPr>
+            <a:xfrm>
+              <a:off x="661431" y="2494816"/>
+              <a:ext cx="1301347" cy="797287"/>
+            </a:xfrm>
+            <a:prstGeom prst="roundRect">
+              <a:avLst>
+                <a:gd name="adj" fmla="val 9318"/>
+              </a:avLst>
+            </a:prstGeom>
+            <a:ln>
+              <a:solidFill>
+                <a:schemeClr val="bg1">
+                  <a:lumMod val="65000"/>
+                </a:schemeClr>
+              </a:solidFill>
+            </a:ln>
+          </p:spPr>
+          <p:style>
+            <a:lnRef idx="2">
+              <a:schemeClr val="dk1"/>
+            </a:lnRef>
+            <a:fillRef idx="1">
+              <a:schemeClr val="lt1"/>
+            </a:fillRef>
+            <a:effectRef idx="0">
+              <a:schemeClr val="dk1"/>
+            </a:effectRef>
+            <a:fontRef idx="minor">
+              <a:schemeClr val="dk1"/>
+            </a:fontRef>
+          </p:style>
+          <p:txBody>
+            <a:bodyPr rtlCol="0" anchor="ctr"/>
+            <a:lstStyle/>
+            <a:p>
+              <a:pPr algn="ctr"/>
+              <a:r>
+                <a:rPr lang="en-US" altLang="ko-KR" sz="1400"/>
+                <a:t>kube-controller-manager</a:t>
+              </a:r>
+            </a:p>
+          </p:txBody>
+        </p:sp>
+        <p:sp>
+          <p:nvSpPr>
+            <p:cNvPr id="227" name="사각형: 둥근 모서리 226">
+              <a:extLst>
+                <a:ext uri="{FF2B5EF4-FFF2-40B4-BE49-F238E27FC236}">
+                  <a16:creationId xmlns:a16="http://schemas.microsoft.com/office/drawing/2014/main" id="{46DF4D7E-63C9-4B8E-A33B-DB3AE3A96520}"/>
+                </a:ext>
+              </a:extLst>
+            </p:cNvPr>
+            <p:cNvSpPr/>
+            <p:nvPr/>
+          </p:nvSpPr>
+          <p:spPr>
+            <a:xfrm>
+              <a:off x="2172912" y="2494816"/>
+              <a:ext cx="1301347" cy="797287"/>
+            </a:xfrm>
+            <a:prstGeom prst="roundRect">
+              <a:avLst>
+                <a:gd name="adj" fmla="val 9318"/>
+              </a:avLst>
+            </a:prstGeom>
+            <a:ln>
+              <a:solidFill>
+                <a:schemeClr val="bg1">
+                  <a:lumMod val="65000"/>
+                </a:schemeClr>
+              </a:solidFill>
+            </a:ln>
+          </p:spPr>
+          <p:style>
+            <a:lnRef idx="2">
+              <a:schemeClr val="dk1"/>
+            </a:lnRef>
+            <a:fillRef idx="1">
+              <a:schemeClr val="lt1"/>
+            </a:fillRef>
+            <a:effectRef idx="0">
+              <a:schemeClr val="dk1"/>
+            </a:effectRef>
+            <a:fontRef idx="minor">
+              <a:schemeClr val="dk1"/>
+            </a:fontRef>
+          </p:style>
+          <p:txBody>
+            <a:bodyPr rtlCol="0" anchor="ctr"/>
+            <a:lstStyle/>
+            <a:p>
+              <a:pPr algn="ctr"/>
+              <a:r>
+                <a:rPr lang="en-US" altLang="ko-KR" sz="1400"/>
+                <a:t>kube-scheduler</a:t>
+              </a:r>
+            </a:p>
+          </p:txBody>
+        </p:sp>
+        <p:sp>
+          <p:nvSpPr>
+            <p:cNvPr id="228" name="사각형: 둥근 모서리 227">
+              <a:extLst>
+                <a:ext uri="{FF2B5EF4-FFF2-40B4-BE49-F238E27FC236}">
+                  <a16:creationId xmlns:a16="http://schemas.microsoft.com/office/drawing/2014/main" id="{A24A3EE0-E515-4199-8010-B75D09A7BEF0}"/>
+                </a:ext>
+              </a:extLst>
+            </p:cNvPr>
+            <p:cNvSpPr/>
+            <p:nvPr/>
+          </p:nvSpPr>
+          <p:spPr>
+            <a:xfrm>
+              <a:off x="661431" y="1470004"/>
+              <a:ext cx="1301347" cy="797287"/>
+            </a:xfrm>
+            <a:prstGeom prst="roundRect">
+              <a:avLst>
+                <a:gd name="adj" fmla="val 9318"/>
+              </a:avLst>
+            </a:prstGeom>
+            <a:ln>
+              <a:solidFill>
+                <a:schemeClr val="bg1">
+                  <a:lumMod val="65000"/>
+                </a:schemeClr>
+              </a:solidFill>
+            </a:ln>
+          </p:spPr>
+          <p:style>
+            <a:lnRef idx="2">
+              <a:schemeClr val="dk1"/>
+            </a:lnRef>
+            <a:fillRef idx="1">
+              <a:schemeClr val="lt1"/>
+            </a:fillRef>
+            <a:effectRef idx="0">
+              <a:schemeClr val="dk1"/>
+            </a:effectRef>
+            <a:fontRef idx="minor">
+              <a:schemeClr val="dk1"/>
+            </a:fontRef>
+          </p:style>
+          <p:txBody>
+            <a:bodyPr rtlCol="0" anchor="ctr"/>
+            <a:lstStyle/>
+            <a:p>
+              <a:pPr algn="ctr"/>
+              <a:r>
+                <a:rPr lang="en-US" altLang="ko-KR" sz="1400"/>
+                <a:t>etcd</a:t>
+              </a:r>
+            </a:p>
+          </p:txBody>
+        </p:sp>
+        <p:cxnSp>
+          <p:nvCxnSpPr>
+            <p:cNvPr id="229" name="직선 화살표 연결선 228">
+              <a:extLst>
+                <a:ext uri="{FF2B5EF4-FFF2-40B4-BE49-F238E27FC236}">
+                  <a16:creationId xmlns:a16="http://schemas.microsoft.com/office/drawing/2014/main" id="{DFA9B0F6-86EF-4BAD-AE76-A2EA95946ACA}"/>
+                </a:ext>
+              </a:extLst>
+            </p:cNvPr>
+            <p:cNvCxnSpPr>
+              <a:cxnSpLocks/>
+              <a:stCxn id="225" idx="1"/>
+              <a:endCxn id="228" idx="3"/>
+            </p:cNvCxnSpPr>
+            <p:nvPr/>
+          </p:nvCxnSpPr>
+          <p:spPr>
+            <a:xfrm flipH="1">
+              <a:off x="1962778" y="1868648"/>
+              <a:ext cx="210134" cy="0"/>
+            </a:xfrm>
+            <a:prstGeom prst="straightConnector1">
+              <a:avLst/>
+            </a:prstGeom>
+            <a:ln w="28575">
+              <a:solidFill>
+                <a:schemeClr val="bg1">
+                  <a:lumMod val="65000"/>
+                </a:schemeClr>
+              </a:solidFill>
+              <a:headEnd type="arrow" w="med" len="med"/>
+              <a:tailEnd type="arrow" w="med" len="med"/>
+            </a:ln>
+          </p:spPr>
+          <p:style>
+            <a:lnRef idx="1">
+              <a:schemeClr val="accent1"/>
+            </a:lnRef>
+            <a:fillRef idx="0">
+              <a:schemeClr val="accent1"/>
+            </a:fillRef>
+            <a:effectRef idx="0">
+              <a:schemeClr val="accent1"/>
+            </a:effectRef>
+            <a:fontRef idx="minor">
+              <a:schemeClr val="tx1"/>
+            </a:fontRef>
+          </p:style>
+        </p:cxnSp>
+        <p:cxnSp>
+          <p:nvCxnSpPr>
+            <p:cNvPr id="230" name="직선 화살표 연결선 229">
+              <a:extLst>
+                <a:ext uri="{FF2B5EF4-FFF2-40B4-BE49-F238E27FC236}">
+                  <a16:creationId xmlns:a16="http://schemas.microsoft.com/office/drawing/2014/main" id="{C5AA20BD-0448-4F7F-A334-AB8FEF24008D}"/>
+                </a:ext>
+              </a:extLst>
+            </p:cNvPr>
+            <p:cNvCxnSpPr>
+              <a:cxnSpLocks/>
+              <a:stCxn id="225" idx="2"/>
+              <a:endCxn id="226" idx="0"/>
+            </p:cNvCxnSpPr>
+            <p:nvPr/>
+          </p:nvCxnSpPr>
+          <p:spPr>
+            <a:xfrm flipH="1">
+              <a:off x="1312105" y="2267291"/>
+              <a:ext cx="1511481" cy="227525"/>
+            </a:xfrm>
+            <a:prstGeom prst="straightConnector1">
+              <a:avLst/>
+            </a:prstGeom>
+            <a:ln w="28575">
+              <a:solidFill>
+                <a:schemeClr val="bg1">
+                  <a:lumMod val="65000"/>
+                </a:schemeClr>
+              </a:solidFill>
+              <a:headEnd type="arrow" w="med" len="med"/>
+              <a:tailEnd type="arrow" w="med" len="med"/>
+            </a:ln>
+          </p:spPr>
+          <p:style>
+            <a:lnRef idx="1">
+              <a:schemeClr val="accent1"/>
+            </a:lnRef>
+            <a:fillRef idx="0">
+              <a:schemeClr val="accent1"/>
+            </a:fillRef>
+            <a:effectRef idx="0">
+              <a:schemeClr val="accent1"/>
+            </a:effectRef>
+            <a:fontRef idx="minor">
+              <a:schemeClr val="tx1"/>
+            </a:fontRef>
+          </p:style>
+        </p:cxnSp>
+        <p:cxnSp>
+          <p:nvCxnSpPr>
+            <p:cNvPr id="231" name="직선 화살표 연결선 230">
+              <a:extLst>
+                <a:ext uri="{FF2B5EF4-FFF2-40B4-BE49-F238E27FC236}">
+                  <a16:creationId xmlns:a16="http://schemas.microsoft.com/office/drawing/2014/main" id="{C6B4F1C0-E30B-42D3-8221-227A8CAA999E}"/>
+                </a:ext>
+              </a:extLst>
+            </p:cNvPr>
+            <p:cNvCxnSpPr>
+              <a:cxnSpLocks/>
+              <a:stCxn id="225" idx="2"/>
+              <a:endCxn id="227" idx="0"/>
+            </p:cNvCxnSpPr>
+            <p:nvPr/>
+          </p:nvCxnSpPr>
+          <p:spPr>
+            <a:xfrm>
+              <a:off x="2823586" y="2267291"/>
+              <a:ext cx="0" cy="227525"/>
+            </a:xfrm>
+            <a:prstGeom prst="straightConnector1">
+              <a:avLst/>
+            </a:prstGeom>
+            <a:ln w="28575">
+              <a:solidFill>
+                <a:schemeClr val="bg1">
+                  <a:lumMod val="65000"/>
+                </a:schemeClr>
+              </a:solidFill>
+              <a:headEnd type="arrow" w="med" len="med"/>
+              <a:tailEnd type="arrow" w="med" len="med"/>
+            </a:ln>
+          </p:spPr>
+          <p:style>
+            <a:lnRef idx="1">
+              <a:schemeClr val="accent1"/>
+            </a:lnRef>
+            <a:fillRef idx="0">
+              <a:schemeClr val="accent1"/>
+            </a:fillRef>
+            <a:effectRef idx="0">
+              <a:schemeClr val="accent1"/>
+            </a:effectRef>
+            <a:fontRef idx="minor">
+              <a:schemeClr val="tx1"/>
+            </a:fontRef>
+          </p:style>
+        </p:cxnSp>
+        <p:sp>
+          <p:nvSpPr>
+            <p:cNvPr id="232" name="사각형: 둥근 모서리 231">
+              <a:extLst>
+                <a:ext uri="{FF2B5EF4-FFF2-40B4-BE49-F238E27FC236}">
+                  <a16:creationId xmlns:a16="http://schemas.microsoft.com/office/drawing/2014/main" id="{F28CB064-84EA-4DC5-9386-874609B8DE1B}"/>
+                </a:ext>
+              </a:extLst>
+            </p:cNvPr>
+            <p:cNvSpPr/>
+            <p:nvPr/>
+          </p:nvSpPr>
+          <p:spPr>
+            <a:xfrm>
+              <a:off x="661431" y="3513623"/>
+              <a:ext cx="1301346" cy="684708"/>
+            </a:xfrm>
+            <a:prstGeom prst="roundRect">
+              <a:avLst>
+                <a:gd name="adj" fmla="val 9318"/>
+              </a:avLst>
+            </a:prstGeom>
+            <a:ln>
+              <a:solidFill>
+                <a:schemeClr val="bg1">
+                  <a:lumMod val="65000"/>
+                </a:schemeClr>
+              </a:solidFill>
+            </a:ln>
+          </p:spPr>
+          <p:style>
+            <a:lnRef idx="2">
+              <a:schemeClr val="dk1"/>
+            </a:lnRef>
+            <a:fillRef idx="1">
+              <a:schemeClr val="lt1"/>
+            </a:fillRef>
+            <a:effectRef idx="0">
+              <a:schemeClr val="dk1"/>
+            </a:effectRef>
+            <a:fontRef idx="minor">
+              <a:schemeClr val="dk1"/>
+            </a:fontRef>
+          </p:style>
+          <p:txBody>
+            <a:bodyPr rtlCol="0" anchor="ctr"/>
+            <a:lstStyle/>
+            <a:p>
+              <a:pPr algn="ctr"/>
+              <a:r>
+                <a:rPr lang="en-US" altLang="ko-KR" sz="1400"/>
+                <a:t>kube-proxy</a:t>
+              </a:r>
+            </a:p>
+            <a:p>
+              <a:pPr algn="ctr"/>
+              <a:r>
+                <a:rPr lang="en-US" altLang="ko-KR" sz="1400"/>
+                <a:t>/ Daemonset</a:t>
+              </a:r>
+              <a:endParaRPr lang="ko-KR" altLang="en-US" sz="1400"/>
+            </a:p>
+          </p:txBody>
+        </p:sp>
+        <p:sp>
+          <p:nvSpPr>
+            <p:cNvPr id="233" name="사각형: 둥근 모서리 232">
+              <a:extLst>
+                <a:ext uri="{FF2B5EF4-FFF2-40B4-BE49-F238E27FC236}">
+                  <a16:creationId xmlns:a16="http://schemas.microsoft.com/office/drawing/2014/main" id="{6B29E1AF-E429-43C2-8E1F-1022CBE95290}"/>
+                </a:ext>
+              </a:extLst>
+            </p:cNvPr>
+            <p:cNvSpPr/>
+            <p:nvPr/>
+          </p:nvSpPr>
+          <p:spPr>
+            <a:xfrm>
+              <a:off x="2170335" y="3513623"/>
+              <a:ext cx="1301346" cy="684708"/>
+            </a:xfrm>
+            <a:prstGeom prst="roundRect">
+              <a:avLst>
+                <a:gd name="adj" fmla="val 9318"/>
+              </a:avLst>
+            </a:prstGeom>
+            <a:ln>
+              <a:solidFill>
+                <a:schemeClr val="bg1">
+                  <a:lumMod val="65000"/>
+                </a:schemeClr>
+              </a:solidFill>
+            </a:ln>
+          </p:spPr>
+          <p:style>
+            <a:lnRef idx="2">
+              <a:schemeClr val="dk1"/>
+            </a:lnRef>
+            <a:fillRef idx="1">
+              <a:schemeClr val="lt1"/>
+            </a:fillRef>
+            <a:effectRef idx="0">
+              <a:schemeClr val="dk1"/>
+            </a:effectRef>
+            <a:fontRef idx="minor">
+              <a:schemeClr val="dk1"/>
+            </a:fontRef>
+          </p:style>
+          <p:txBody>
+            <a:bodyPr rtlCol="0" anchor="ctr"/>
+            <a:lstStyle/>
+            <a:p>
+              <a:pPr algn="ctr"/>
+              <a:r>
+                <a:rPr lang="en-US" altLang="ko-KR" sz="1400"/>
+                <a:t>Net Daemon</a:t>
+              </a:r>
+            </a:p>
+            <a:p>
+              <a:pPr algn="ctr"/>
+              <a:r>
+                <a:rPr lang="en-US" altLang="ko-KR" sz="1400"/>
+                <a:t>/ Daemonset</a:t>
+              </a:r>
+              <a:endParaRPr lang="ko-KR" altLang="en-US" sz="1400"/>
+            </a:p>
+          </p:txBody>
+        </p:sp>
+        <p:cxnSp>
+          <p:nvCxnSpPr>
+            <p:cNvPr id="234" name="직선 화살표 연결선 233">
+              <a:extLst>
+                <a:ext uri="{FF2B5EF4-FFF2-40B4-BE49-F238E27FC236}">
+                  <a16:creationId xmlns:a16="http://schemas.microsoft.com/office/drawing/2014/main" id="{CBF41A9D-5ED0-40B2-80B3-1A6868B6289B}"/>
+                </a:ext>
+              </a:extLst>
+            </p:cNvPr>
+            <p:cNvCxnSpPr>
+              <a:cxnSpLocks/>
+              <a:stCxn id="225" idx="2"/>
+              <a:endCxn id="232" idx="0"/>
+            </p:cNvCxnSpPr>
+            <p:nvPr/>
+          </p:nvCxnSpPr>
+          <p:spPr>
+            <a:xfrm flipH="1">
+              <a:off x="1312104" y="2267291"/>
+              <a:ext cx="1511482" cy="1246332"/>
+            </a:xfrm>
+            <a:prstGeom prst="straightConnector1">
+              <a:avLst/>
+            </a:prstGeom>
+            <a:ln w="28575">
+              <a:solidFill>
+                <a:schemeClr val="bg1">
+                  <a:lumMod val="65000"/>
+                </a:schemeClr>
+              </a:solidFill>
+              <a:headEnd type="arrow" w="med" len="med"/>
+              <a:tailEnd type="arrow" w="med" len="med"/>
+            </a:ln>
+          </p:spPr>
+          <p:style>
+            <a:lnRef idx="1">
+              <a:schemeClr val="accent1"/>
+            </a:lnRef>
+            <a:fillRef idx="0">
+              <a:schemeClr val="accent1"/>
+            </a:fillRef>
+            <a:effectRef idx="0">
+              <a:schemeClr val="accent1"/>
+            </a:effectRef>
+            <a:fontRef idx="minor">
+              <a:schemeClr val="tx1"/>
+            </a:fontRef>
+          </p:style>
+        </p:cxnSp>
+        <p:cxnSp>
+          <p:nvCxnSpPr>
+            <p:cNvPr id="235" name="직선 화살표 연결선 234">
+              <a:extLst>
+                <a:ext uri="{FF2B5EF4-FFF2-40B4-BE49-F238E27FC236}">
+                  <a16:creationId xmlns:a16="http://schemas.microsoft.com/office/drawing/2014/main" id="{CD836159-2E1C-409D-AEF7-61B6DEB42ADA}"/>
+                </a:ext>
+              </a:extLst>
+            </p:cNvPr>
+            <p:cNvCxnSpPr>
+              <a:cxnSpLocks/>
+              <a:stCxn id="225" idx="2"/>
+              <a:endCxn id="233" idx="0"/>
+            </p:cNvCxnSpPr>
+            <p:nvPr/>
+          </p:nvCxnSpPr>
+          <p:spPr>
+            <a:xfrm flipH="1">
+              <a:off x="2821008" y="2267291"/>
+              <a:ext cx="2578" cy="1246332"/>
+            </a:xfrm>
+            <a:prstGeom prst="straightConnector1">
+              <a:avLst/>
+            </a:prstGeom>
+            <a:ln w="28575">
+              <a:solidFill>
+                <a:schemeClr val="bg1">
+                  <a:lumMod val="65000"/>
+                </a:schemeClr>
+              </a:solidFill>
+              <a:headEnd type="arrow" w="med" len="med"/>
+              <a:tailEnd type="arrow" w="med" len="med"/>
+            </a:ln>
+          </p:spPr>
+          <p:style>
+            <a:lnRef idx="1">
+              <a:schemeClr val="accent1"/>
+            </a:lnRef>
+            <a:fillRef idx="0">
+              <a:schemeClr val="accent1"/>
+            </a:fillRef>
+            <a:effectRef idx="0">
+              <a:schemeClr val="accent1"/>
+            </a:effectRef>
+            <a:fontRef idx="minor">
+              <a:schemeClr val="tx1"/>
+            </a:fontRef>
+          </p:style>
+        </p:cxnSp>
+      </p:grpSp>
+      <p:grpSp>
+        <p:nvGrpSpPr>
+          <p:cNvPr id="203" name="그룹 202">
+            <a:extLst>
+              <a:ext uri="{FF2B5EF4-FFF2-40B4-BE49-F238E27FC236}">
+                <a16:creationId xmlns:a16="http://schemas.microsoft.com/office/drawing/2014/main" id="{14FD72AE-F990-47AF-A70A-A15D16871D29}"/>
+              </a:ext>
+            </a:extLst>
+          </p:cNvPr>
+          <p:cNvGrpSpPr/>
+          <p:nvPr/>
+        </p:nvGrpSpPr>
+        <p:grpSpPr>
+          <a:xfrm>
+            <a:off x="5000294" y="555526"/>
+            <a:ext cx="3623078" cy="3312368"/>
+            <a:chOff x="4716016" y="1635646"/>
+            <a:chExt cx="3623078" cy="3312368"/>
+          </a:xfrm>
+        </p:grpSpPr>
+        <p:sp>
+          <p:nvSpPr>
+            <p:cNvPr id="204" name="사각형: 둥근 모서리 203">
+              <a:extLst>
+                <a:ext uri="{FF2B5EF4-FFF2-40B4-BE49-F238E27FC236}">
+                  <a16:creationId xmlns:a16="http://schemas.microsoft.com/office/drawing/2014/main" id="{8A001A10-23E9-4750-8048-2F7BB66EF9B0}"/>
+                </a:ext>
+              </a:extLst>
+            </p:cNvPr>
+            <p:cNvSpPr/>
+            <p:nvPr/>
+          </p:nvSpPr>
+          <p:spPr>
+            <a:xfrm>
+              <a:off x="4716016" y="1635646"/>
+              <a:ext cx="3623078" cy="3312368"/>
+            </a:xfrm>
+            <a:prstGeom prst="roundRect">
+              <a:avLst>
+                <a:gd name="adj" fmla="val 3439"/>
+              </a:avLst>
+            </a:prstGeom>
+            <a:ln>
+              <a:solidFill>
+                <a:schemeClr val="bg1">
+                  <a:lumMod val="75000"/>
+                </a:schemeClr>
+              </a:solidFill>
+            </a:ln>
+          </p:spPr>
+          <p:style>
+            <a:lnRef idx="2">
+              <a:schemeClr val="dk1"/>
+            </a:lnRef>
+            <a:fillRef idx="1">
+              <a:schemeClr val="lt1"/>
+            </a:fillRef>
+            <a:effectRef idx="0">
+              <a:schemeClr val="dk1"/>
+            </a:effectRef>
+            <a:fontRef idx="minor">
+              <a:schemeClr val="dk1"/>
+            </a:fontRef>
+          </p:style>
+          <p:txBody>
+            <a:bodyPr rtlCol="0" anchor="b"/>
+            <a:lstStyle/>
+            <a:p>
+              <a:pPr algn="ctr"/>
+              <a:r>
+                <a:rPr lang="en-US" altLang="ko-KR" sz="1600" b="1"/>
+                <a:t>Worker Node</a:t>
+              </a:r>
+              <a:endParaRPr lang="ko-KR" altLang="en-US" sz="1600" b="1"/>
+            </a:p>
+          </p:txBody>
+        </p:sp>
+        <p:sp>
+          <p:nvSpPr>
+            <p:cNvPr id="205" name="사각형: 둥근 모서리 204">
+              <a:extLst>
+                <a:ext uri="{FF2B5EF4-FFF2-40B4-BE49-F238E27FC236}">
+                  <a16:creationId xmlns:a16="http://schemas.microsoft.com/office/drawing/2014/main" id="{DE21EF05-BCA7-47A3-BC74-68EEAE37A0FA}"/>
+                </a:ext>
+              </a:extLst>
+            </p:cNvPr>
+            <p:cNvSpPr/>
+            <p:nvPr/>
+          </p:nvSpPr>
+          <p:spPr>
+            <a:xfrm>
+              <a:off x="5118213" y="1762523"/>
+              <a:ext cx="1152128" cy="504056"/>
+            </a:xfrm>
+            <a:prstGeom prst="roundRect">
+              <a:avLst>
+                <a:gd name="adj" fmla="val 9318"/>
+              </a:avLst>
+            </a:prstGeom>
+            <a:ln>
+              <a:solidFill>
+                <a:schemeClr val="bg1">
+                  <a:lumMod val="75000"/>
+                </a:schemeClr>
+              </a:solidFill>
+            </a:ln>
+          </p:spPr>
+          <p:style>
+            <a:lnRef idx="2">
+              <a:schemeClr val="dk1"/>
+            </a:lnRef>
+            <a:fillRef idx="1">
+              <a:schemeClr val="lt1"/>
+            </a:fillRef>
+            <a:effectRef idx="0">
+              <a:schemeClr val="dk1"/>
+            </a:effectRef>
+            <a:fontRef idx="minor">
+              <a:schemeClr val="dk1"/>
+            </a:fontRef>
+          </p:style>
+          <p:txBody>
+            <a:bodyPr rtlCol="0" anchor="ctr"/>
+            <a:lstStyle/>
+            <a:p>
+              <a:pPr algn="ctr"/>
+              <a:r>
+                <a:rPr lang="en-US" altLang="ko-KR" sz="1400"/>
+                <a:t>kubelet</a:t>
+              </a:r>
+              <a:endParaRPr lang="ko-KR" altLang="en-US" sz="1400"/>
+            </a:p>
+          </p:txBody>
+        </p:sp>
+        <p:sp>
+          <p:nvSpPr>
+            <p:cNvPr id="206" name="사각형: 둥근 모서리 205">
+              <a:extLst>
+                <a:ext uri="{FF2B5EF4-FFF2-40B4-BE49-F238E27FC236}">
+                  <a16:creationId xmlns:a16="http://schemas.microsoft.com/office/drawing/2014/main" id="{51943266-AD1F-4F08-A7F1-BB415F676695}"/>
+                </a:ext>
+              </a:extLst>
+            </p:cNvPr>
+            <p:cNvSpPr/>
+            <p:nvPr/>
+          </p:nvSpPr>
+          <p:spPr>
+            <a:xfrm>
+              <a:off x="6743093" y="1755068"/>
+              <a:ext cx="1152128" cy="504056"/>
+            </a:xfrm>
+            <a:prstGeom prst="roundRect">
+              <a:avLst>
+                <a:gd name="adj" fmla="val 9318"/>
+              </a:avLst>
+            </a:prstGeom>
+            <a:ln>
+              <a:solidFill>
+                <a:schemeClr val="bg1">
+                  <a:lumMod val="75000"/>
+                </a:schemeClr>
+              </a:solidFill>
+            </a:ln>
+          </p:spPr>
+          <p:style>
+            <a:lnRef idx="2">
+              <a:schemeClr val="dk1"/>
+            </a:lnRef>
+            <a:fillRef idx="1">
+              <a:schemeClr val="lt1"/>
+            </a:fillRef>
+            <a:effectRef idx="0">
+              <a:schemeClr val="dk1"/>
+            </a:effectRef>
+            <a:fontRef idx="minor">
+              <a:schemeClr val="dk1"/>
+            </a:fontRef>
+          </p:style>
+          <p:txBody>
+            <a:bodyPr rtlCol="0" anchor="ctr"/>
+            <a:lstStyle/>
+            <a:p>
+              <a:pPr algn="ctr"/>
+              <a:r>
+                <a:rPr lang="en-US" altLang="ko-KR" sz="1400"/>
+                <a:t>CNI Plugin</a:t>
+              </a:r>
+              <a:endParaRPr lang="ko-KR" altLang="en-US" sz="1400"/>
+            </a:p>
+          </p:txBody>
+        </p:sp>
+        <p:sp>
+          <p:nvSpPr>
+            <p:cNvPr id="207" name="사각형: 둥근 모서리 206">
+              <a:extLst>
+                <a:ext uri="{FF2B5EF4-FFF2-40B4-BE49-F238E27FC236}">
+                  <a16:creationId xmlns:a16="http://schemas.microsoft.com/office/drawing/2014/main" id="{BA19E836-A714-4C0A-BB57-E08B61DC9DD1}"/>
+                </a:ext>
+              </a:extLst>
+            </p:cNvPr>
+            <p:cNvSpPr/>
+            <p:nvPr/>
+          </p:nvSpPr>
+          <p:spPr>
+            <a:xfrm>
+              <a:off x="4882710" y="2499741"/>
+              <a:ext cx="3312368" cy="2078351"/>
+            </a:xfrm>
+            <a:prstGeom prst="roundRect">
+              <a:avLst>
+                <a:gd name="adj" fmla="val 4573"/>
+              </a:avLst>
+            </a:prstGeom>
+            <a:ln>
+              <a:solidFill>
+                <a:schemeClr val="bg1">
+                  <a:lumMod val="75000"/>
+                </a:schemeClr>
+              </a:solidFill>
+            </a:ln>
+          </p:spPr>
+          <p:style>
+            <a:lnRef idx="2">
+              <a:schemeClr val="dk1"/>
+            </a:lnRef>
+            <a:fillRef idx="1">
+              <a:schemeClr val="lt1"/>
+            </a:fillRef>
+            <a:effectRef idx="0">
+              <a:schemeClr val="dk1"/>
+            </a:effectRef>
+            <a:fontRef idx="minor">
+              <a:schemeClr val="dk1"/>
+            </a:fontRef>
+          </p:style>
+          <p:txBody>
+            <a:bodyPr rtlCol="0" anchor="b"/>
+            <a:lstStyle/>
+            <a:p>
+              <a:pPr algn="ctr"/>
+              <a:r>
+                <a:rPr lang="en-US" altLang="ko-KR" sz="1400" b="1"/>
+                <a:t>Docker</a:t>
+              </a:r>
+              <a:endParaRPr lang="ko-KR" altLang="en-US" sz="1400" b="1"/>
+            </a:p>
+          </p:txBody>
+        </p:sp>
+        <p:grpSp>
+          <p:nvGrpSpPr>
+            <p:cNvPr id="208" name="그룹 207">
+              <a:extLst>
+                <a:ext uri="{FF2B5EF4-FFF2-40B4-BE49-F238E27FC236}">
+                  <a16:creationId xmlns:a16="http://schemas.microsoft.com/office/drawing/2014/main" id="{5EC6334B-ABB4-46D2-B966-CE3BB0943CDC}"/>
+                </a:ext>
+              </a:extLst>
+            </p:cNvPr>
+            <p:cNvGrpSpPr/>
+            <p:nvPr/>
+          </p:nvGrpSpPr>
+          <p:grpSpPr>
+            <a:xfrm>
+              <a:off x="6650767" y="2712820"/>
+              <a:ext cx="1321468" cy="546583"/>
+              <a:chOff x="6444208" y="3253038"/>
+              <a:chExt cx="1321468" cy="546583"/>
+            </a:xfrm>
+          </p:grpSpPr>
+          <p:sp>
+            <p:nvSpPr>
+              <p:cNvPr id="215" name="사각형: 둥근 모서리 214">
+                <a:extLst>
+                  <a:ext uri="{FF2B5EF4-FFF2-40B4-BE49-F238E27FC236}">
+                    <a16:creationId xmlns:a16="http://schemas.microsoft.com/office/drawing/2014/main" id="{43C901C7-41E8-4B45-B15F-48B8DAD1B167}"/>
+                  </a:ext>
+                </a:extLst>
+              </p:cNvPr>
+              <p:cNvSpPr/>
+              <p:nvPr/>
+            </p:nvSpPr>
+            <p:spPr>
+              <a:xfrm>
+                <a:off x="6627016" y="3253038"/>
+                <a:ext cx="1138660" cy="409048"/>
+              </a:xfrm>
+              <a:prstGeom prst="roundRect">
+                <a:avLst>
+                  <a:gd name="adj" fmla="val 9318"/>
+                </a:avLst>
+              </a:prstGeom>
+              <a:ln>
+                <a:solidFill>
+                  <a:schemeClr val="bg1">
+                    <a:lumMod val="75000"/>
+                  </a:schemeClr>
+                </a:solidFill>
+              </a:ln>
+            </p:spPr>
+            <p:style>
+              <a:lnRef idx="2">
+                <a:schemeClr val="dk1"/>
+              </a:lnRef>
+              <a:fillRef idx="1">
+                <a:schemeClr val="lt1"/>
+              </a:fillRef>
+              <a:effectRef idx="0">
+                <a:schemeClr val="dk1"/>
+              </a:effectRef>
+              <a:fontRef idx="minor">
+                <a:schemeClr val="dk1"/>
+              </a:fontRef>
+            </p:style>
+            <p:txBody>
+              <a:bodyPr rtlCol="0" anchor="ctr"/>
+              <a:lstStyle/>
+              <a:p>
+                <a:pPr algn="ctr"/>
+                <a:r>
+                  <a:rPr lang="en-US" altLang="ko-KR" sz="1400"/>
+                  <a:t>Pod</a:t>
+                </a:r>
+                <a:endParaRPr lang="ko-KR" altLang="en-US" sz="1400"/>
+              </a:p>
+            </p:txBody>
+          </p:sp>
+          <p:sp>
+            <p:nvSpPr>
+              <p:cNvPr id="216" name="사각형: 둥근 모서리 215">
+                <a:extLst>
+                  <a:ext uri="{FF2B5EF4-FFF2-40B4-BE49-F238E27FC236}">
+                    <a16:creationId xmlns:a16="http://schemas.microsoft.com/office/drawing/2014/main" id="{D5507AA2-3A86-4447-A88A-AAC5671037AA}"/>
+                  </a:ext>
+                </a:extLst>
+              </p:cNvPr>
+              <p:cNvSpPr/>
+              <p:nvPr/>
+            </p:nvSpPr>
+            <p:spPr>
+              <a:xfrm>
+                <a:off x="6536534" y="3321084"/>
+                <a:ext cx="1138660" cy="409048"/>
+              </a:xfrm>
+              <a:prstGeom prst="roundRect">
+                <a:avLst>
+                  <a:gd name="adj" fmla="val 9318"/>
+                </a:avLst>
+              </a:prstGeom>
+              <a:ln>
+                <a:solidFill>
+                  <a:schemeClr val="bg1">
+                    <a:lumMod val="75000"/>
+                  </a:schemeClr>
+                </a:solidFill>
+              </a:ln>
+            </p:spPr>
+            <p:style>
+              <a:lnRef idx="2">
+                <a:schemeClr val="dk1"/>
+              </a:lnRef>
+              <a:fillRef idx="1">
+                <a:schemeClr val="lt1"/>
+              </a:fillRef>
+              <a:effectRef idx="0">
+                <a:schemeClr val="dk1"/>
+              </a:effectRef>
+              <a:fontRef idx="minor">
+                <a:schemeClr val="dk1"/>
+              </a:fontRef>
+            </p:style>
+            <p:txBody>
+              <a:bodyPr rtlCol="0" anchor="ctr"/>
+              <a:lstStyle/>
+              <a:p>
+                <a:pPr algn="ctr"/>
+                <a:r>
+                  <a:rPr lang="en-US" altLang="ko-KR" sz="1400"/>
+                  <a:t>Pod</a:t>
+                </a:r>
+                <a:endParaRPr lang="ko-KR" altLang="en-US" sz="1400"/>
+              </a:p>
+            </p:txBody>
+          </p:sp>
+          <p:sp>
+            <p:nvSpPr>
+              <p:cNvPr id="217" name="사각형: 둥근 모서리 216">
+                <a:extLst>
+                  <a:ext uri="{FF2B5EF4-FFF2-40B4-BE49-F238E27FC236}">
+                    <a16:creationId xmlns:a16="http://schemas.microsoft.com/office/drawing/2014/main" id="{71412BB8-8040-44D0-9898-142B469D1536}"/>
+                  </a:ext>
+                </a:extLst>
+              </p:cNvPr>
+              <p:cNvSpPr/>
+              <p:nvPr/>
+            </p:nvSpPr>
+            <p:spPr>
+              <a:xfrm>
+                <a:off x="6444208" y="3390573"/>
+                <a:ext cx="1138660" cy="409048"/>
+              </a:xfrm>
+              <a:prstGeom prst="roundRect">
+                <a:avLst>
+                  <a:gd name="adj" fmla="val 9318"/>
+                </a:avLst>
+              </a:prstGeom>
+              <a:ln>
+                <a:solidFill>
+                  <a:schemeClr val="bg1">
+                    <a:lumMod val="75000"/>
+                  </a:schemeClr>
+                </a:solidFill>
+              </a:ln>
+            </p:spPr>
+            <p:style>
+              <a:lnRef idx="2">
+                <a:schemeClr val="dk1"/>
+              </a:lnRef>
+              <a:fillRef idx="1">
+                <a:schemeClr val="lt1"/>
+              </a:fillRef>
+              <a:effectRef idx="0">
+                <a:schemeClr val="dk1"/>
+              </a:effectRef>
+              <a:fontRef idx="minor">
+                <a:schemeClr val="dk1"/>
+              </a:fontRef>
+            </p:style>
+            <p:txBody>
+              <a:bodyPr rtlCol="0" anchor="ctr"/>
+              <a:lstStyle/>
+              <a:p>
+                <a:pPr algn="ctr"/>
+                <a:r>
+                  <a:rPr lang="en-US" altLang="ko-KR" sz="1400"/>
+                  <a:t>App / Pod</a:t>
+                </a:r>
+                <a:endParaRPr lang="ko-KR" altLang="en-US" sz="1400"/>
+              </a:p>
+            </p:txBody>
+          </p:sp>
+        </p:grpSp>
+        <p:sp>
+          <p:nvSpPr>
+            <p:cNvPr id="209" name="사각형: 둥근 모서리 208">
+              <a:extLst>
+                <a:ext uri="{FF2B5EF4-FFF2-40B4-BE49-F238E27FC236}">
+                  <a16:creationId xmlns:a16="http://schemas.microsoft.com/office/drawing/2014/main" id="{37D60D38-3218-4C11-B447-52CBC3568943}"/>
+                </a:ext>
+              </a:extLst>
+            </p:cNvPr>
+            <p:cNvSpPr/>
+            <p:nvPr/>
+          </p:nvSpPr>
+          <p:spPr>
+            <a:xfrm>
+              <a:off x="5026726" y="2643758"/>
+              <a:ext cx="1335105" cy="684708"/>
+            </a:xfrm>
+            <a:prstGeom prst="roundRect">
+              <a:avLst>
+                <a:gd name="adj" fmla="val 9318"/>
+              </a:avLst>
+            </a:prstGeom>
+            <a:ln>
+              <a:solidFill>
+                <a:schemeClr val="bg1">
+                  <a:lumMod val="75000"/>
+                </a:schemeClr>
+              </a:solidFill>
+            </a:ln>
+          </p:spPr>
+          <p:style>
+            <a:lnRef idx="2">
+              <a:schemeClr val="dk1"/>
+            </a:lnRef>
+            <a:fillRef idx="1">
+              <a:schemeClr val="lt1"/>
+            </a:fillRef>
+            <a:effectRef idx="0">
+              <a:schemeClr val="dk1"/>
+            </a:effectRef>
+            <a:fontRef idx="minor">
+              <a:schemeClr val="dk1"/>
+            </a:fontRef>
+          </p:style>
+          <p:txBody>
+            <a:bodyPr rtlCol="0" anchor="ctr"/>
+            <a:lstStyle/>
+            <a:p>
+              <a:pPr algn="ctr"/>
+              <a:r>
+                <a:rPr lang="en-US" altLang="ko-KR" sz="1400"/>
+                <a:t>coredns</a:t>
+              </a:r>
+            </a:p>
+            <a:p>
+              <a:pPr algn="ctr"/>
+              <a:r>
+                <a:rPr lang="en-US" altLang="ko-KR" sz="1400"/>
+                <a:t>/ Pod, Deployments</a:t>
+              </a:r>
+              <a:endParaRPr lang="ko-KR" altLang="en-US" sz="1400"/>
+            </a:p>
+          </p:txBody>
+        </p:sp>
+        <p:sp>
+          <p:nvSpPr>
+            <p:cNvPr id="210" name="사각형: 둥근 모서리 209">
+              <a:extLst>
+                <a:ext uri="{FF2B5EF4-FFF2-40B4-BE49-F238E27FC236}">
+                  <a16:creationId xmlns:a16="http://schemas.microsoft.com/office/drawing/2014/main" id="{4BDDCA4C-EA42-4E00-8A86-536E605445C8}"/>
+                </a:ext>
+              </a:extLst>
+            </p:cNvPr>
+            <p:cNvSpPr/>
+            <p:nvPr/>
+          </p:nvSpPr>
+          <p:spPr>
+            <a:xfrm>
+              <a:off x="6643949" y="3543226"/>
+              <a:ext cx="1335105" cy="684708"/>
+            </a:xfrm>
+            <a:prstGeom prst="roundRect">
+              <a:avLst>
+                <a:gd name="adj" fmla="val 9318"/>
+              </a:avLst>
+            </a:prstGeom>
+            <a:ln>
+              <a:solidFill>
+                <a:schemeClr val="bg1">
+                  <a:lumMod val="75000"/>
+                </a:schemeClr>
+              </a:solidFill>
+            </a:ln>
+          </p:spPr>
+          <p:style>
+            <a:lnRef idx="2">
+              <a:schemeClr val="dk1"/>
+            </a:lnRef>
+            <a:fillRef idx="1">
+              <a:schemeClr val="lt1"/>
+            </a:fillRef>
+            <a:effectRef idx="0">
+              <a:schemeClr val="dk1"/>
+            </a:effectRef>
+            <a:fontRef idx="minor">
+              <a:schemeClr val="dk1"/>
+            </a:fontRef>
+          </p:style>
+          <p:txBody>
+            <a:bodyPr rtlCol="0" anchor="ctr"/>
+            <a:lstStyle/>
+            <a:p>
+              <a:pPr algn="ctr"/>
+              <a:r>
+                <a:rPr lang="en-US" altLang="ko-KR" sz="1400"/>
+                <a:t>Net Daemon</a:t>
+              </a:r>
+            </a:p>
+            <a:p>
+              <a:pPr algn="ctr"/>
+              <a:r>
+                <a:rPr lang="en-US" altLang="ko-KR" sz="1400"/>
+                <a:t>/ Pod, Daemonset</a:t>
+              </a:r>
+              <a:endParaRPr lang="ko-KR" altLang="en-US" sz="1400"/>
+            </a:p>
+          </p:txBody>
+        </p:sp>
+        <p:sp>
+          <p:nvSpPr>
+            <p:cNvPr id="211" name="사각형: 둥근 모서리 210">
+              <a:extLst>
+                <a:ext uri="{FF2B5EF4-FFF2-40B4-BE49-F238E27FC236}">
+                  <a16:creationId xmlns:a16="http://schemas.microsoft.com/office/drawing/2014/main" id="{7EADB006-312D-445B-ABDC-3B21B9CAC24D}"/>
+                </a:ext>
+              </a:extLst>
+            </p:cNvPr>
+            <p:cNvSpPr/>
+            <p:nvPr/>
+          </p:nvSpPr>
+          <p:spPr>
+            <a:xfrm>
+              <a:off x="5026725" y="3543226"/>
+              <a:ext cx="1335105" cy="684708"/>
+            </a:xfrm>
+            <a:prstGeom prst="roundRect">
+              <a:avLst>
+                <a:gd name="adj" fmla="val 9318"/>
+              </a:avLst>
+            </a:prstGeom>
+            <a:ln>
+              <a:solidFill>
+                <a:schemeClr val="bg1">
+                  <a:lumMod val="75000"/>
+                </a:schemeClr>
+              </a:solidFill>
+            </a:ln>
+          </p:spPr>
+          <p:style>
+            <a:lnRef idx="2">
+              <a:schemeClr val="dk1"/>
+            </a:lnRef>
+            <a:fillRef idx="1">
+              <a:schemeClr val="lt1"/>
+            </a:fillRef>
+            <a:effectRef idx="0">
+              <a:schemeClr val="dk1"/>
+            </a:effectRef>
+            <a:fontRef idx="minor">
+              <a:schemeClr val="dk1"/>
+            </a:fontRef>
+          </p:style>
+          <p:txBody>
+            <a:bodyPr rtlCol="0" anchor="ctr"/>
+            <a:lstStyle/>
+            <a:p>
+              <a:pPr algn="ctr"/>
+              <a:r>
+                <a:rPr lang="en-US" altLang="ko-KR" sz="1400"/>
+                <a:t>kube-proxy</a:t>
+              </a:r>
+            </a:p>
+            <a:p>
+              <a:pPr algn="ctr"/>
+              <a:r>
+                <a:rPr lang="en-US" altLang="ko-KR" sz="1400"/>
+                <a:t>/ Pod, Daemonset</a:t>
+              </a:r>
+              <a:endParaRPr lang="ko-KR" altLang="en-US" sz="1400"/>
+            </a:p>
+          </p:txBody>
+        </p:sp>
+        <p:cxnSp>
+          <p:nvCxnSpPr>
+            <p:cNvPr id="212" name="직선 화살표 연결선 211">
+              <a:extLst>
+                <a:ext uri="{FF2B5EF4-FFF2-40B4-BE49-F238E27FC236}">
+                  <a16:creationId xmlns:a16="http://schemas.microsoft.com/office/drawing/2014/main" id="{BD05516D-4308-4E2F-B127-1717D1D3281D}"/>
+                </a:ext>
+              </a:extLst>
+            </p:cNvPr>
+            <p:cNvCxnSpPr>
+              <a:cxnSpLocks/>
+              <a:stCxn id="206" idx="1"/>
+              <a:endCxn id="205" idx="3"/>
+            </p:cNvCxnSpPr>
+            <p:nvPr/>
+          </p:nvCxnSpPr>
+          <p:spPr>
+            <a:xfrm flipH="1">
+              <a:off x="6270341" y="2007096"/>
+              <a:ext cx="472752" cy="7455"/>
+            </a:xfrm>
+            <a:prstGeom prst="straightConnector1">
+              <a:avLst/>
+            </a:prstGeom>
+            <a:ln w="28575">
+              <a:solidFill>
+                <a:schemeClr val="bg1">
+                  <a:lumMod val="75000"/>
+                </a:schemeClr>
+              </a:solidFill>
+              <a:headEnd type="arrow" w="med" len="med"/>
+              <a:tailEnd type="none" w="med" len="med"/>
+            </a:ln>
+          </p:spPr>
+          <p:style>
+            <a:lnRef idx="1">
+              <a:schemeClr val="accent1"/>
+            </a:lnRef>
+            <a:fillRef idx="0">
+              <a:schemeClr val="accent1"/>
+            </a:fillRef>
+            <a:effectRef idx="0">
+              <a:schemeClr val="accent1"/>
+            </a:effectRef>
+            <a:fontRef idx="minor">
+              <a:schemeClr val="tx1"/>
+            </a:fontRef>
+          </p:style>
+        </p:cxnSp>
+        <p:cxnSp>
+          <p:nvCxnSpPr>
+            <p:cNvPr id="213" name="직선 화살표 연결선 212">
+              <a:extLst>
+                <a:ext uri="{FF2B5EF4-FFF2-40B4-BE49-F238E27FC236}">
+                  <a16:creationId xmlns:a16="http://schemas.microsoft.com/office/drawing/2014/main" id="{3525CD13-638A-4CCF-B5CB-C94609712536}"/>
+                </a:ext>
+              </a:extLst>
+            </p:cNvPr>
+            <p:cNvCxnSpPr>
+              <a:cxnSpLocks/>
+              <a:stCxn id="209" idx="0"/>
+              <a:endCxn id="206" idx="2"/>
+            </p:cNvCxnSpPr>
+            <p:nvPr/>
+          </p:nvCxnSpPr>
+          <p:spPr>
+            <a:xfrm flipV="1">
+              <a:off x="5694279" y="2259124"/>
+              <a:ext cx="1624878" cy="384634"/>
+            </a:xfrm>
+            <a:prstGeom prst="straightConnector1">
+              <a:avLst/>
+            </a:prstGeom>
+            <a:ln w="28575">
+              <a:solidFill>
+                <a:schemeClr val="bg1">
+                  <a:lumMod val="75000"/>
+                </a:schemeClr>
+              </a:solidFill>
+              <a:headEnd type="arrow" w="med" len="med"/>
+              <a:tailEnd type="none" w="med" len="med"/>
+            </a:ln>
+          </p:spPr>
+          <p:style>
+            <a:lnRef idx="1">
+              <a:schemeClr val="accent1"/>
+            </a:lnRef>
+            <a:fillRef idx="0">
+              <a:schemeClr val="accent1"/>
+            </a:fillRef>
+            <a:effectRef idx="0">
+              <a:schemeClr val="accent1"/>
+            </a:effectRef>
+            <a:fontRef idx="minor">
+              <a:schemeClr val="tx1"/>
+            </a:fontRef>
+          </p:style>
+        </p:cxnSp>
+        <p:cxnSp>
+          <p:nvCxnSpPr>
+            <p:cNvPr id="214" name="직선 화살표 연결선 213">
+              <a:extLst>
+                <a:ext uri="{FF2B5EF4-FFF2-40B4-BE49-F238E27FC236}">
+                  <a16:creationId xmlns:a16="http://schemas.microsoft.com/office/drawing/2014/main" id="{3BBA4138-4693-43DC-88D8-CBC147078906}"/>
+                </a:ext>
+              </a:extLst>
+            </p:cNvPr>
+            <p:cNvCxnSpPr>
+              <a:cxnSpLocks/>
+              <a:stCxn id="217" idx="0"/>
+              <a:endCxn id="206" idx="2"/>
+            </p:cNvCxnSpPr>
+            <p:nvPr/>
+          </p:nvCxnSpPr>
+          <p:spPr>
+            <a:xfrm flipV="1">
+              <a:off x="7220097" y="2259124"/>
+              <a:ext cx="99060" cy="591231"/>
+            </a:xfrm>
+            <a:prstGeom prst="straightConnector1">
+              <a:avLst/>
+            </a:prstGeom>
+            <a:ln w="28575">
+              <a:solidFill>
+                <a:schemeClr val="bg1">
+                  <a:lumMod val="75000"/>
+                </a:schemeClr>
+              </a:solidFill>
+              <a:headEnd type="arrow" w="med" len="med"/>
+              <a:tailEnd type="none" w="med" len="med"/>
+            </a:ln>
+          </p:spPr>
+          <p:style>
+            <a:lnRef idx="1">
+              <a:schemeClr val="accent1"/>
+            </a:lnRef>
+            <a:fillRef idx="0">
+              <a:schemeClr val="accent1"/>
+            </a:fillRef>
+            <a:effectRef idx="0">
+              <a:schemeClr val="accent1"/>
+            </a:effectRef>
+            <a:fontRef idx="minor">
+              <a:schemeClr val="tx1"/>
+            </a:fontRef>
+          </p:style>
+        </p:cxnSp>
+      </p:grpSp>
+      <p:grpSp>
+        <p:nvGrpSpPr>
+          <p:cNvPr id="183" name="그룹 182">
+            <a:extLst>
+              <a:ext uri="{FF2B5EF4-FFF2-40B4-BE49-F238E27FC236}">
+                <a16:creationId xmlns:a16="http://schemas.microsoft.com/office/drawing/2014/main" id="{B8B3EC6D-83F5-4450-9942-AFF1578196FE}"/>
+              </a:ext>
+            </a:extLst>
+          </p:cNvPr>
+          <p:cNvGrpSpPr/>
+          <p:nvPr/>
+        </p:nvGrpSpPr>
+        <p:grpSpPr>
+          <a:xfrm>
+            <a:off x="4942097" y="613723"/>
+            <a:ext cx="3623078" cy="3312368"/>
+            <a:chOff x="4716016" y="1635646"/>
+            <a:chExt cx="3623078" cy="3312368"/>
+          </a:xfrm>
+        </p:grpSpPr>
+        <p:sp>
+          <p:nvSpPr>
+            <p:cNvPr id="184" name="사각형: 둥근 모서리 183">
+              <a:extLst>
+                <a:ext uri="{FF2B5EF4-FFF2-40B4-BE49-F238E27FC236}">
+                  <a16:creationId xmlns:a16="http://schemas.microsoft.com/office/drawing/2014/main" id="{AF4D5D27-CF0C-4E3E-B2AA-4419E8EAA308}"/>
+                </a:ext>
+              </a:extLst>
+            </p:cNvPr>
+            <p:cNvSpPr/>
+            <p:nvPr/>
+          </p:nvSpPr>
+          <p:spPr>
+            <a:xfrm>
+              <a:off x="4716016" y="1635646"/>
+              <a:ext cx="3623078" cy="3312368"/>
+            </a:xfrm>
+            <a:prstGeom prst="roundRect">
+              <a:avLst>
+                <a:gd name="adj" fmla="val 3439"/>
+              </a:avLst>
+            </a:prstGeom>
+            <a:ln>
+              <a:solidFill>
+                <a:schemeClr val="bg1">
+                  <a:lumMod val="75000"/>
+                </a:schemeClr>
+              </a:solidFill>
+            </a:ln>
+          </p:spPr>
+          <p:style>
+            <a:lnRef idx="2">
+              <a:schemeClr val="dk1"/>
+            </a:lnRef>
+            <a:fillRef idx="1">
+              <a:schemeClr val="lt1"/>
+            </a:fillRef>
+            <a:effectRef idx="0">
+              <a:schemeClr val="dk1"/>
+            </a:effectRef>
+            <a:fontRef idx="minor">
+              <a:schemeClr val="dk1"/>
+            </a:fontRef>
+          </p:style>
+          <p:txBody>
+            <a:bodyPr rtlCol="0" anchor="b"/>
+            <a:lstStyle/>
+            <a:p>
+              <a:pPr algn="ctr"/>
+              <a:r>
+                <a:rPr lang="en-US" altLang="ko-KR" sz="1600" b="1"/>
+                <a:t>Worker Node</a:t>
+              </a:r>
+              <a:endParaRPr lang="ko-KR" altLang="en-US" sz="1600" b="1"/>
+            </a:p>
+          </p:txBody>
+        </p:sp>
+        <p:sp>
+          <p:nvSpPr>
+            <p:cNvPr id="185" name="사각형: 둥근 모서리 184">
+              <a:extLst>
+                <a:ext uri="{FF2B5EF4-FFF2-40B4-BE49-F238E27FC236}">
+                  <a16:creationId xmlns:a16="http://schemas.microsoft.com/office/drawing/2014/main" id="{07641B98-9497-44B8-96F6-E68C4719AAC3}"/>
+                </a:ext>
+              </a:extLst>
+            </p:cNvPr>
+            <p:cNvSpPr/>
+            <p:nvPr/>
+          </p:nvSpPr>
+          <p:spPr>
+            <a:xfrm>
+              <a:off x="5118213" y="1762523"/>
+              <a:ext cx="1152128" cy="504056"/>
+            </a:xfrm>
+            <a:prstGeom prst="roundRect">
+              <a:avLst>
+                <a:gd name="adj" fmla="val 9318"/>
+              </a:avLst>
+            </a:prstGeom>
+            <a:ln>
+              <a:solidFill>
+                <a:schemeClr val="bg1">
+                  <a:lumMod val="75000"/>
+                </a:schemeClr>
+              </a:solidFill>
+            </a:ln>
+          </p:spPr>
+          <p:style>
+            <a:lnRef idx="2">
+              <a:schemeClr val="dk1"/>
+            </a:lnRef>
+            <a:fillRef idx="1">
+              <a:schemeClr val="lt1"/>
+            </a:fillRef>
+            <a:effectRef idx="0">
+              <a:schemeClr val="dk1"/>
+            </a:effectRef>
+            <a:fontRef idx="minor">
+              <a:schemeClr val="dk1"/>
+            </a:fontRef>
+          </p:style>
+          <p:txBody>
+            <a:bodyPr rtlCol="0" anchor="ctr"/>
+            <a:lstStyle/>
+            <a:p>
+              <a:pPr algn="ctr"/>
+              <a:r>
+                <a:rPr lang="en-US" altLang="ko-KR" sz="1400"/>
+                <a:t>kubelet</a:t>
+              </a:r>
+              <a:endParaRPr lang="ko-KR" altLang="en-US" sz="1400"/>
+            </a:p>
+          </p:txBody>
+        </p:sp>
+        <p:sp>
+          <p:nvSpPr>
+            <p:cNvPr id="186" name="사각형: 둥근 모서리 185">
+              <a:extLst>
+                <a:ext uri="{FF2B5EF4-FFF2-40B4-BE49-F238E27FC236}">
+                  <a16:creationId xmlns:a16="http://schemas.microsoft.com/office/drawing/2014/main" id="{B19FDDAE-C2F4-44D4-9B0F-B156BE97C4BB}"/>
+                </a:ext>
+              </a:extLst>
+            </p:cNvPr>
+            <p:cNvSpPr/>
+            <p:nvPr/>
+          </p:nvSpPr>
+          <p:spPr>
+            <a:xfrm>
+              <a:off x="6743093" y="1755068"/>
+              <a:ext cx="1152128" cy="504056"/>
+            </a:xfrm>
+            <a:prstGeom prst="roundRect">
+              <a:avLst>
+                <a:gd name="adj" fmla="val 9318"/>
+              </a:avLst>
+            </a:prstGeom>
+            <a:ln>
+              <a:solidFill>
+                <a:schemeClr val="bg1">
+                  <a:lumMod val="75000"/>
+                </a:schemeClr>
+              </a:solidFill>
+            </a:ln>
+          </p:spPr>
+          <p:style>
+            <a:lnRef idx="2">
+              <a:schemeClr val="dk1"/>
+            </a:lnRef>
+            <a:fillRef idx="1">
+              <a:schemeClr val="lt1"/>
+            </a:fillRef>
+            <a:effectRef idx="0">
+              <a:schemeClr val="dk1"/>
+            </a:effectRef>
+            <a:fontRef idx="minor">
+              <a:schemeClr val="dk1"/>
+            </a:fontRef>
+          </p:style>
+          <p:txBody>
+            <a:bodyPr rtlCol="0" anchor="ctr"/>
+            <a:lstStyle/>
+            <a:p>
+              <a:pPr algn="ctr"/>
+              <a:r>
+                <a:rPr lang="en-US" altLang="ko-KR" sz="1400"/>
+                <a:t>CNI Plugin</a:t>
+              </a:r>
+              <a:endParaRPr lang="ko-KR" altLang="en-US" sz="1400"/>
+            </a:p>
+          </p:txBody>
+        </p:sp>
+        <p:sp>
+          <p:nvSpPr>
+            <p:cNvPr id="188" name="사각형: 둥근 모서리 187">
+              <a:extLst>
+                <a:ext uri="{FF2B5EF4-FFF2-40B4-BE49-F238E27FC236}">
+                  <a16:creationId xmlns:a16="http://schemas.microsoft.com/office/drawing/2014/main" id="{2384CC64-9AFA-475D-AE37-068F749650DD}"/>
+                </a:ext>
+              </a:extLst>
+            </p:cNvPr>
+            <p:cNvSpPr/>
+            <p:nvPr/>
+          </p:nvSpPr>
+          <p:spPr>
+            <a:xfrm>
+              <a:off x="4882710" y="2499741"/>
+              <a:ext cx="3312368" cy="2078351"/>
+            </a:xfrm>
+            <a:prstGeom prst="roundRect">
+              <a:avLst>
+                <a:gd name="adj" fmla="val 4573"/>
+              </a:avLst>
+            </a:prstGeom>
+            <a:ln>
+              <a:solidFill>
+                <a:schemeClr val="bg1">
+                  <a:lumMod val="75000"/>
+                </a:schemeClr>
+              </a:solidFill>
+            </a:ln>
+          </p:spPr>
+          <p:style>
+            <a:lnRef idx="2">
+              <a:schemeClr val="dk1"/>
+            </a:lnRef>
+            <a:fillRef idx="1">
+              <a:schemeClr val="lt1"/>
+            </a:fillRef>
+            <a:effectRef idx="0">
+              <a:schemeClr val="dk1"/>
+            </a:effectRef>
+            <a:fontRef idx="minor">
+              <a:schemeClr val="dk1"/>
+            </a:fontRef>
+          </p:style>
+          <p:txBody>
+            <a:bodyPr rtlCol="0" anchor="b"/>
+            <a:lstStyle/>
+            <a:p>
+              <a:pPr algn="ctr"/>
+              <a:r>
+                <a:rPr lang="en-US" altLang="ko-KR" sz="1400" b="1"/>
+                <a:t>Docker</a:t>
+              </a:r>
+              <a:endParaRPr lang="ko-KR" altLang="en-US" sz="1400" b="1"/>
+            </a:p>
+          </p:txBody>
+        </p:sp>
+        <p:grpSp>
+          <p:nvGrpSpPr>
+            <p:cNvPr id="189" name="그룹 188">
+              <a:extLst>
+                <a:ext uri="{FF2B5EF4-FFF2-40B4-BE49-F238E27FC236}">
+                  <a16:creationId xmlns:a16="http://schemas.microsoft.com/office/drawing/2014/main" id="{1144ACF2-6862-4D58-8109-8249B2A05368}"/>
+                </a:ext>
+              </a:extLst>
+            </p:cNvPr>
+            <p:cNvGrpSpPr/>
+            <p:nvPr/>
+          </p:nvGrpSpPr>
+          <p:grpSpPr>
+            <a:xfrm>
+              <a:off x="6650767" y="2712820"/>
+              <a:ext cx="1321468" cy="546583"/>
+              <a:chOff x="6444208" y="3253038"/>
+              <a:chExt cx="1321468" cy="546583"/>
+            </a:xfrm>
+          </p:grpSpPr>
+          <p:sp>
+            <p:nvSpPr>
+              <p:cNvPr id="200" name="사각형: 둥근 모서리 199">
+                <a:extLst>
+                  <a:ext uri="{FF2B5EF4-FFF2-40B4-BE49-F238E27FC236}">
+                    <a16:creationId xmlns:a16="http://schemas.microsoft.com/office/drawing/2014/main" id="{1157D4FF-CF9D-4C0D-BFA5-E55CC83373D9}"/>
+                  </a:ext>
+                </a:extLst>
+              </p:cNvPr>
+              <p:cNvSpPr/>
+              <p:nvPr/>
+            </p:nvSpPr>
+            <p:spPr>
+              <a:xfrm>
+                <a:off x="6627016" y="3253038"/>
+                <a:ext cx="1138660" cy="409048"/>
+              </a:xfrm>
+              <a:prstGeom prst="roundRect">
+                <a:avLst>
+                  <a:gd name="adj" fmla="val 9318"/>
+                </a:avLst>
+              </a:prstGeom>
+              <a:ln>
+                <a:solidFill>
+                  <a:schemeClr val="bg1">
+                    <a:lumMod val="75000"/>
+                  </a:schemeClr>
+                </a:solidFill>
+              </a:ln>
+            </p:spPr>
+            <p:style>
+              <a:lnRef idx="2">
+                <a:schemeClr val="dk1"/>
+              </a:lnRef>
+              <a:fillRef idx="1">
+                <a:schemeClr val="lt1"/>
+              </a:fillRef>
+              <a:effectRef idx="0">
+                <a:schemeClr val="dk1"/>
+              </a:effectRef>
+              <a:fontRef idx="minor">
+                <a:schemeClr val="dk1"/>
+              </a:fontRef>
+            </p:style>
+            <p:txBody>
+              <a:bodyPr rtlCol="0" anchor="ctr"/>
+              <a:lstStyle/>
+              <a:p>
+                <a:pPr algn="ctr"/>
+                <a:r>
+                  <a:rPr lang="en-US" altLang="ko-KR" sz="1400"/>
+                  <a:t>Pod</a:t>
+                </a:r>
+                <a:endParaRPr lang="ko-KR" altLang="en-US" sz="1400"/>
+              </a:p>
+            </p:txBody>
+          </p:sp>
+          <p:sp>
+            <p:nvSpPr>
+              <p:cNvPr id="201" name="사각형: 둥근 모서리 200">
+                <a:extLst>
+                  <a:ext uri="{FF2B5EF4-FFF2-40B4-BE49-F238E27FC236}">
+                    <a16:creationId xmlns:a16="http://schemas.microsoft.com/office/drawing/2014/main" id="{E75F50E8-0BB6-4A79-BC4E-A61CE4DC4BCC}"/>
+                  </a:ext>
+                </a:extLst>
+              </p:cNvPr>
+              <p:cNvSpPr/>
+              <p:nvPr/>
+            </p:nvSpPr>
+            <p:spPr>
+              <a:xfrm>
+                <a:off x="6536534" y="3321084"/>
+                <a:ext cx="1138660" cy="409048"/>
+              </a:xfrm>
+              <a:prstGeom prst="roundRect">
+                <a:avLst>
+                  <a:gd name="adj" fmla="val 9318"/>
+                </a:avLst>
+              </a:prstGeom>
+              <a:ln>
+                <a:solidFill>
+                  <a:schemeClr val="bg1">
+                    <a:lumMod val="75000"/>
+                  </a:schemeClr>
+                </a:solidFill>
+              </a:ln>
+            </p:spPr>
+            <p:style>
+              <a:lnRef idx="2">
+                <a:schemeClr val="dk1"/>
+              </a:lnRef>
+              <a:fillRef idx="1">
+                <a:schemeClr val="lt1"/>
+              </a:fillRef>
+              <a:effectRef idx="0">
+                <a:schemeClr val="dk1"/>
+              </a:effectRef>
+              <a:fontRef idx="minor">
+                <a:schemeClr val="dk1"/>
+              </a:fontRef>
+            </p:style>
+            <p:txBody>
+              <a:bodyPr rtlCol="0" anchor="ctr"/>
+              <a:lstStyle/>
+              <a:p>
+                <a:pPr algn="ctr"/>
+                <a:r>
+                  <a:rPr lang="en-US" altLang="ko-KR" sz="1400"/>
+                  <a:t>Pod</a:t>
+                </a:r>
+                <a:endParaRPr lang="ko-KR" altLang="en-US" sz="1400"/>
+              </a:p>
+            </p:txBody>
+          </p:sp>
+          <p:sp>
+            <p:nvSpPr>
+              <p:cNvPr id="202" name="사각형: 둥근 모서리 201">
+                <a:extLst>
+                  <a:ext uri="{FF2B5EF4-FFF2-40B4-BE49-F238E27FC236}">
+                    <a16:creationId xmlns:a16="http://schemas.microsoft.com/office/drawing/2014/main" id="{5106D78C-2126-43B0-AF51-47EFB63EB771}"/>
+                  </a:ext>
+                </a:extLst>
+              </p:cNvPr>
+              <p:cNvSpPr/>
+              <p:nvPr/>
+            </p:nvSpPr>
+            <p:spPr>
+              <a:xfrm>
+                <a:off x="6444208" y="3390573"/>
+                <a:ext cx="1138660" cy="409048"/>
+              </a:xfrm>
+              <a:prstGeom prst="roundRect">
+                <a:avLst>
+                  <a:gd name="adj" fmla="val 9318"/>
+                </a:avLst>
+              </a:prstGeom>
+              <a:ln>
+                <a:solidFill>
+                  <a:schemeClr val="bg1">
+                    <a:lumMod val="75000"/>
+                  </a:schemeClr>
+                </a:solidFill>
+              </a:ln>
+            </p:spPr>
+            <p:style>
+              <a:lnRef idx="2">
+                <a:schemeClr val="dk1"/>
+              </a:lnRef>
+              <a:fillRef idx="1">
+                <a:schemeClr val="lt1"/>
+              </a:fillRef>
+              <a:effectRef idx="0">
+                <a:schemeClr val="dk1"/>
+              </a:effectRef>
+              <a:fontRef idx="minor">
+                <a:schemeClr val="dk1"/>
+              </a:fontRef>
+            </p:style>
+            <p:txBody>
+              <a:bodyPr rtlCol="0" anchor="ctr"/>
+              <a:lstStyle/>
+              <a:p>
+                <a:pPr algn="ctr"/>
+                <a:r>
+                  <a:rPr lang="en-US" altLang="ko-KR" sz="1400"/>
+                  <a:t>App / Pod</a:t>
+                </a:r>
+                <a:endParaRPr lang="ko-KR" altLang="en-US" sz="1400"/>
+              </a:p>
+            </p:txBody>
+          </p:sp>
+        </p:grpSp>
+        <p:sp>
+          <p:nvSpPr>
+            <p:cNvPr id="191" name="사각형: 둥근 모서리 190">
+              <a:extLst>
+                <a:ext uri="{FF2B5EF4-FFF2-40B4-BE49-F238E27FC236}">
+                  <a16:creationId xmlns:a16="http://schemas.microsoft.com/office/drawing/2014/main" id="{476061D1-7321-4D8E-95FD-956AB7087DC6}"/>
+                </a:ext>
+              </a:extLst>
+            </p:cNvPr>
+            <p:cNvSpPr/>
+            <p:nvPr/>
+          </p:nvSpPr>
+          <p:spPr>
+            <a:xfrm>
+              <a:off x="5026726" y="2643758"/>
+              <a:ext cx="1335105" cy="684708"/>
+            </a:xfrm>
+            <a:prstGeom prst="roundRect">
+              <a:avLst>
+                <a:gd name="adj" fmla="val 9318"/>
+              </a:avLst>
+            </a:prstGeom>
+            <a:ln>
+              <a:solidFill>
+                <a:schemeClr val="bg1">
+                  <a:lumMod val="75000"/>
+                </a:schemeClr>
+              </a:solidFill>
+            </a:ln>
+          </p:spPr>
+          <p:style>
+            <a:lnRef idx="2">
+              <a:schemeClr val="dk1"/>
+            </a:lnRef>
+            <a:fillRef idx="1">
+              <a:schemeClr val="lt1"/>
+            </a:fillRef>
+            <a:effectRef idx="0">
+              <a:schemeClr val="dk1"/>
+            </a:effectRef>
+            <a:fontRef idx="minor">
+              <a:schemeClr val="dk1"/>
+            </a:fontRef>
+          </p:style>
+          <p:txBody>
+            <a:bodyPr rtlCol="0" anchor="ctr"/>
+            <a:lstStyle/>
+            <a:p>
+              <a:pPr algn="ctr"/>
+              <a:r>
+                <a:rPr lang="en-US" altLang="ko-KR" sz="1400"/>
+                <a:t>coredns</a:t>
+              </a:r>
+            </a:p>
+            <a:p>
+              <a:pPr algn="ctr"/>
+              <a:r>
+                <a:rPr lang="en-US" altLang="ko-KR" sz="1400"/>
+                <a:t>/ Pod, Deployments</a:t>
+              </a:r>
+              <a:endParaRPr lang="ko-KR" altLang="en-US" sz="1400"/>
+            </a:p>
+          </p:txBody>
+        </p:sp>
+        <p:sp>
+          <p:nvSpPr>
+            <p:cNvPr id="192" name="사각형: 둥근 모서리 191">
+              <a:extLst>
+                <a:ext uri="{FF2B5EF4-FFF2-40B4-BE49-F238E27FC236}">
+                  <a16:creationId xmlns:a16="http://schemas.microsoft.com/office/drawing/2014/main" id="{963AA08D-3172-4449-99C5-7601E7AE99CA}"/>
+                </a:ext>
+              </a:extLst>
+            </p:cNvPr>
+            <p:cNvSpPr/>
+            <p:nvPr/>
+          </p:nvSpPr>
+          <p:spPr>
+            <a:xfrm>
+              <a:off x="6643949" y="3543226"/>
+              <a:ext cx="1335105" cy="684708"/>
+            </a:xfrm>
+            <a:prstGeom prst="roundRect">
+              <a:avLst>
+                <a:gd name="adj" fmla="val 9318"/>
+              </a:avLst>
+            </a:prstGeom>
+            <a:ln>
+              <a:solidFill>
+                <a:schemeClr val="bg1">
+                  <a:lumMod val="75000"/>
+                </a:schemeClr>
+              </a:solidFill>
+            </a:ln>
+          </p:spPr>
+          <p:style>
+            <a:lnRef idx="2">
+              <a:schemeClr val="dk1"/>
+            </a:lnRef>
+            <a:fillRef idx="1">
+              <a:schemeClr val="lt1"/>
+            </a:fillRef>
+            <a:effectRef idx="0">
+              <a:schemeClr val="dk1"/>
+            </a:effectRef>
+            <a:fontRef idx="minor">
+              <a:schemeClr val="dk1"/>
+            </a:fontRef>
+          </p:style>
+          <p:txBody>
+            <a:bodyPr rtlCol="0" anchor="ctr"/>
+            <a:lstStyle/>
+            <a:p>
+              <a:pPr algn="ctr"/>
+              <a:r>
+                <a:rPr lang="en-US" altLang="ko-KR" sz="1400"/>
+                <a:t>Net Daemon</a:t>
+              </a:r>
+            </a:p>
+            <a:p>
+              <a:pPr algn="ctr"/>
+              <a:r>
+                <a:rPr lang="en-US" altLang="ko-KR" sz="1400"/>
+                <a:t>/ Pod, Daemonset</a:t>
+              </a:r>
+              <a:endParaRPr lang="ko-KR" altLang="en-US" sz="1400"/>
+            </a:p>
+          </p:txBody>
+        </p:sp>
+        <p:sp>
+          <p:nvSpPr>
+            <p:cNvPr id="194" name="사각형: 둥근 모서리 193">
+              <a:extLst>
+                <a:ext uri="{FF2B5EF4-FFF2-40B4-BE49-F238E27FC236}">
+                  <a16:creationId xmlns:a16="http://schemas.microsoft.com/office/drawing/2014/main" id="{6BEFF294-4D10-41CA-BE45-17AC2A975D65}"/>
+                </a:ext>
+              </a:extLst>
+            </p:cNvPr>
+            <p:cNvSpPr/>
+            <p:nvPr/>
+          </p:nvSpPr>
+          <p:spPr>
+            <a:xfrm>
+              <a:off x="5026725" y="3543226"/>
+              <a:ext cx="1335105" cy="684708"/>
+            </a:xfrm>
+            <a:prstGeom prst="roundRect">
+              <a:avLst>
+                <a:gd name="adj" fmla="val 9318"/>
+              </a:avLst>
+            </a:prstGeom>
+            <a:ln>
+              <a:solidFill>
+                <a:schemeClr val="bg1">
+                  <a:lumMod val="75000"/>
+                </a:schemeClr>
+              </a:solidFill>
+            </a:ln>
+          </p:spPr>
+          <p:style>
+            <a:lnRef idx="2">
+              <a:schemeClr val="dk1"/>
+            </a:lnRef>
+            <a:fillRef idx="1">
+              <a:schemeClr val="lt1"/>
+            </a:fillRef>
+            <a:effectRef idx="0">
+              <a:schemeClr val="dk1"/>
+            </a:effectRef>
+            <a:fontRef idx="minor">
+              <a:schemeClr val="dk1"/>
+            </a:fontRef>
+          </p:style>
+          <p:txBody>
+            <a:bodyPr rtlCol="0" anchor="ctr"/>
+            <a:lstStyle/>
+            <a:p>
+              <a:pPr algn="ctr"/>
+              <a:r>
+                <a:rPr lang="en-US" altLang="ko-KR" sz="1400"/>
+                <a:t>kube-proxy</a:t>
+              </a:r>
+            </a:p>
+            <a:p>
+              <a:pPr algn="ctr"/>
+              <a:r>
+                <a:rPr lang="en-US" altLang="ko-KR" sz="1400"/>
+                <a:t>/ Pod, Daemonset</a:t>
+              </a:r>
+              <a:endParaRPr lang="ko-KR" altLang="en-US" sz="1400"/>
+            </a:p>
+          </p:txBody>
+        </p:sp>
+        <p:cxnSp>
+          <p:nvCxnSpPr>
+            <p:cNvPr id="196" name="직선 화살표 연결선 195">
+              <a:extLst>
+                <a:ext uri="{FF2B5EF4-FFF2-40B4-BE49-F238E27FC236}">
+                  <a16:creationId xmlns:a16="http://schemas.microsoft.com/office/drawing/2014/main" id="{F0C29AC9-28A8-4119-9F85-86F01E78412E}"/>
+                </a:ext>
+              </a:extLst>
+            </p:cNvPr>
+            <p:cNvCxnSpPr>
+              <a:cxnSpLocks/>
+              <a:stCxn id="186" idx="1"/>
+              <a:endCxn id="185" idx="3"/>
+            </p:cNvCxnSpPr>
+            <p:nvPr/>
+          </p:nvCxnSpPr>
+          <p:spPr>
+            <a:xfrm flipH="1">
+              <a:off x="6270341" y="2007096"/>
+              <a:ext cx="472752" cy="7455"/>
+            </a:xfrm>
+            <a:prstGeom prst="straightConnector1">
+              <a:avLst/>
+            </a:prstGeom>
+            <a:ln w="28575">
+              <a:solidFill>
+                <a:schemeClr val="bg1">
+                  <a:lumMod val="75000"/>
+                </a:schemeClr>
+              </a:solidFill>
+              <a:headEnd type="arrow" w="med" len="med"/>
+              <a:tailEnd type="none" w="med" len="med"/>
+            </a:ln>
+          </p:spPr>
+          <p:style>
+            <a:lnRef idx="1">
+              <a:schemeClr val="accent1"/>
+            </a:lnRef>
+            <a:fillRef idx="0">
+              <a:schemeClr val="accent1"/>
+            </a:fillRef>
+            <a:effectRef idx="0">
+              <a:schemeClr val="accent1"/>
+            </a:effectRef>
+            <a:fontRef idx="minor">
+              <a:schemeClr val="tx1"/>
+            </a:fontRef>
+          </p:style>
+        </p:cxnSp>
+        <p:cxnSp>
+          <p:nvCxnSpPr>
+            <p:cNvPr id="197" name="직선 화살표 연결선 196">
+              <a:extLst>
+                <a:ext uri="{FF2B5EF4-FFF2-40B4-BE49-F238E27FC236}">
+                  <a16:creationId xmlns:a16="http://schemas.microsoft.com/office/drawing/2014/main" id="{004494EC-B654-4642-8449-C061BC5B0F91}"/>
+                </a:ext>
+              </a:extLst>
+            </p:cNvPr>
+            <p:cNvCxnSpPr>
+              <a:cxnSpLocks/>
+              <a:stCxn id="191" idx="0"/>
+              <a:endCxn id="186" idx="2"/>
+            </p:cNvCxnSpPr>
+            <p:nvPr/>
+          </p:nvCxnSpPr>
+          <p:spPr>
+            <a:xfrm flipV="1">
+              <a:off x="5694279" y="2259124"/>
+              <a:ext cx="1624878" cy="384634"/>
+            </a:xfrm>
+            <a:prstGeom prst="straightConnector1">
+              <a:avLst/>
+            </a:prstGeom>
+            <a:ln w="28575">
+              <a:solidFill>
+                <a:schemeClr val="bg1">
+                  <a:lumMod val="75000"/>
+                </a:schemeClr>
+              </a:solidFill>
+              <a:headEnd type="arrow" w="med" len="med"/>
+              <a:tailEnd type="none" w="med" len="med"/>
+            </a:ln>
+          </p:spPr>
+          <p:style>
+            <a:lnRef idx="1">
+              <a:schemeClr val="accent1"/>
+            </a:lnRef>
+            <a:fillRef idx="0">
+              <a:schemeClr val="accent1"/>
+            </a:fillRef>
+            <a:effectRef idx="0">
+              <a:schemeClr val="accent1"/>
+            </a:effectRef>
+            <a:fontRef idx="minor">
+              <a:schemeClr val="tx1"/>
+            </a:fontRef>
+          </p:style>
+        </p:cxnSp>
+        <p:cxnSp>
+          <p:nvCxnSpPr>
+            <p:cNvPr id="198" name="직선 화살표 연결선 197">
+              <a:extLst>
+                <a:ext uri="{FF2B5EF4-FFF2-40B4-BE49-F238E27FC236}">
+                  <a16:creationId xmlns:a16="http://schemas.microsoft.com/office/drawing/2014/main" id="{7A1041A8-C13F-4A99-9E4E-90618162336D}"/>
+                </a:ext>
+              </a:extLst>
+            </p:cNvPr>
+            <p:cNvCxnSpPr>
+              <a:cxnSpLocks/>
+              <a:stCxn id="202" idx="0"/>
+              <a:endCxn id="186" idx="2"/>
+            </p:cNvCxnSpPr>
+            <p:nvPr/>
+          </p:nvCxnSpPr>
+          <p:spPr>
+            <a:xfrm flipV="1">
+              <a:off x="7220097" y="2259124"/>
+              <a:ext cx="99060" cy="591231"/>
+            </a:xfrm>
+            <a:prstGeom prst="straightConnector1">
+              <a:avLst/>
+            </a:prstGeom>
+            <a:ln w="28575">
+              <a:solidFill>
+                <a:schemeClr val="bg1">
+                  <a:lumMod val="75000"/>
+                </a:schemeClr>
+              </a:solidFill>
+              <a:headEnd type="arrow" w="med" len="med"/>
+              <a:tailEnd type="none" w="med" len="med"/>
+            </a:ln>
+          </p:spPr>
+          <p:style>
+            <a:lnRef idx="1">
+              <a:schemeClr val="accent1"/>
+            </a:lnRef>
+            <a:fillRef idx="0">
+              <a:schemeClr val="accent1"/>
+            </a:fillRef>
+            <a:effectRef idx="0">
+              <a:schemeClr val="accent1"/>
+            </a:effectRef>
+            <a:fontRef idx="minor">
+              <a:schemeClr val="tx1"/>
+            </a:fontRef>
+          </p:style>
+        </p:cxnSp>
+      </p:grpSp>
+      <p:grpSp>
+        <p:nvGrpSpPr>
+          <p:cNvPr id="168" name="그룹 167">
+            <a:extLst>
+              <a:ext uri="{FF2B5EF4-FFF2-40B4-BE49-F238E27FC236}">
+                <a16:creationId xmlns:a16="http://schemas.microsoft.com/office/drawing/2014/main" id="{2D1DE3C2-899F-44F3-A59D-E31CB2F4352B}"/>
+              </a:ext>
+            </a:extLst>
+          </p:cNvPr>
+          <p:cNvGrpSpPr/>
+          <p:nvPr/>
+        </p:nvGrpSpPr>
+        <p:grpSpPr>
+          <a:xfrm>
+            <a:off x="4877255" y="677793"/>
+            <a:ext cx="3623078" cy="3312368"/>
+            <a:chOff x="4716016" y="1635646"/>
+            <a:chExt cx="3623078" cy="3312368"/>
+          </a:xfrm>
+        </p:grpSpPr>
+        <p:sp>
+          <p:nvSpPr>
+            <p:cNvPr id="169" name="사각형: 둥근 모서리 168">
+              <a:extLst>
+                <a:ext uri="{FF2B5EF4-FFF2-40B4-BE49-F238E27FC236}">
+                  <a16:creationId xmlns:a16="http://schemas.microsoft.com/office/drawing/2014/main" id="{3CBFC952-83BC-490E-8010-660FDBDF02B2}"/>
+                </a:ext>
+              </a:extLst>
+            </p:cNvPr>
+            <p:cNvSpPr/>
+            <p:nvPr/>
+          </p:nvSpPr>
+          <p:spPr>
+            <a:xfrm>
+              <a:off x="4716016" y="1635646"/>
+              <a:ext cx="3623078" cy="3312368"/>
+            </a:xfrm>
+            <a:prstGeom prst="roundRect">
+              <a:avLst>
+                <a:gd name="adj" fmla="val 3439"/>
+              </a:avLst>
+            </a:prstGeom>
+            <a:ln>
+              <a:solidFill>
+                <a:schemeClr val="bg1">
+                  <a:lumMod val="75000"/>
+                </a:schemeClr>
+              </a:solidFill>
+            </a:ln>
+          </p:spPr>
+          <p:style>
+            <a:lnRef idx="2">
+              <a:schemeClr val="dk1"/>
+            </a:lnRef>
+            <a:fillRef idx="1">
+              <a:schemeClr val="lt1"/>
+            </a:fillRef>
+            <a:effectRef idx="0">
+              <a:schemeClr val="dk1"/>
+            </a:effectRef>
+            <a:fontRef idx="minor">
+              <a:schemeClr val="dk1"/>
+            </a:fontRef>
+          </p:style>
+          <p:txBody>
+            <a:bodyPr rtlCol="0" anchor="b"/>
+            <a:lstStyle/>
+            <a:p>
+              <a:pPr algn="ctr"/>
+              <a:r>
+                <a:rPr lang="en-US" altLang="ko-KR" sz="1600" b="1"/>
+                <a:t>Worker Node</a:t>
+              </a:r>
+              <a:endParaRPr lang="ko-KR" altLang="en-US" sz="1600" b="1"/>
+            </a:p>
+          </p:txBody>
+        </p:sp>
+        <p:sp>
+          <p:nvSpPr>
+            <p:cNvPr id="170" name="사각형: 둥근 모서리 169">
+              <a:extLst>
+                <a:ext uri="{FF2B5EF4-FFF2-40B4-BE49-F238E27FC236}">
+                  <a16:creationId xmlns:a16="http://schemas.microsoft.com/office/drawing/2014/main" id="{2D994C30-6357-4162-B237-25E572F4B735}"/>
+                </a:ext>
+              </a:extLst>
+            </p:cNvPr>
+            <p:cNvSpPr/>
+            <p:nvPr/>
+          </p:nvSpPr>
+          <p:spPr>
+            <a:xfrm>
+              <a:off x="5118213" y="1762523"/>
+              <a:ext cx="1152128" cy="504056"/>
+            </a:xfrm>
+            <a:prstGeom prst="roundRect">
+              <a:avLst>
+                <a:gd name="adj" fmla="val 9318"/>
+              </a:avLst>
+            </a:prstGeom>
+            <a:ln>
+              <a:solidFill>
+                <a:schemeClr val="bg1">
+                  <a:lumMod val="75000"/>
+                </a:schemeClr>
+              </a:solidFill>
+            </a:ln>
+          </p:spPr>
+          <p:style>
+            <a:lnRef idx="2">
+              <a:schemeClr val="dk1"/>
+            </a:lnRef>
+            <a:fillRef idx="1">
+              <a:schemeClr val="lt1"/>
+            </a:fillRef>
+            <a:effectRef idx="0">
+              <a:schemeClr val="dk1"/>
+            </a:effectRef>
+            <a:fontRef idx="minor">
+              <a:schemeClr val="dk1"/>
+            </a:fontRef>
+          </p:style>
+          <p:txBody>
+            <a:bodyPr rtlCol="0" anchor="ctr"/>
+            <a:lstStyle/>
+            <a:p>
+              <a:pPr algn="ctr"/>
+              <a:r>
+                <a:rPr lang="en-US" altLang="ko-KR" sz="1400"/>
+                <a:t>kubelet</a:t>
+              </a:r>
+              <a:endParaRPr lang="ko-KR" altLang="en-US" sz="1400"/>
+            </a:p>
+          </p:txBody>
+        </p:sp>
+        <p:sp>
+          <p:nvSpPr>
+            <p:cNvPr id="171" name="사각형: 둥근 모서리 170">
+              <a:extLst>
+                <a:ext uri="{FF2B5EF4-FFF2-40B4-BE49-F238E27FC236}">
+                  <a16:creationId xmlns:a16="http://schemas.microsoft.com/office/drawing/2014/main" id="{FAD8821B-1D98-4076-8B5C-CE93990FAE28}"/>
+                </a:ext>
+              </a:extLst>
+            </p:cNvPr>
+            <p:cNvSpPr/>
+            <p:nvPr/>
+          </p:nvSpPr>
+          <p:spPr>
+            <a:xfrm>
+              <a:off x="6743093" y="1755068"/>
+              <a:ext cx="1152128" cy="504056"/>
+            </a:xfrm>
+            <a:prstGeom prst="roundRect">
+              <a:avLst>
+                <a:gd name="adj" fmla="val 9318"/>
+              </a:avLst>
+            </a:prstGeom>
+            <a:ln>
+              <a:solidFill>
+                <a:schemeClr val="bg1">
+                  <a:lumMod val="75000"/>
+                </a:schemeClr>
+              </a:solidFill>
+            </a:ln>
+          </p:spPr>
+          <p:style>
+            <a:lnRef idx="2">
+              <a:schemeClr val="dk1"/>
+            </a:lnRef>
+            <a:fillRef idx="1">
+              <a:schemeClr val="lt1"/>
+            </a:fillRef>
+            <a:effectRef idx="0">
+              <a:schemeClr val="dk1"/>
+            </a:effectRef>
+            <a:fontRef idx="minor">
+              <a:schemeClr val="dk1"/>
+            </a:fontRef>
+          </p:style>
+          <p:txBody>
+            <a:bodyPr rtlCol="0" anchor="ctr"/>
+            <a:lstStyle/>
+            <a:p>
+              <a:pPr algn="ctr"/>
+              <a:r>
+                <a:rPr lang="en-US" altLang="ko-KR" sz="1400"/>
+                <a:t>CNI Plugin</a:t>
+              </a:r>
+              <a:endParaRPr lang="ko-KR" altLang="en-US" sz="1400"/>
+            </a:p>
+          </p:txBody>
+        </p:sp>
+        <p:sp>
+          <p:nvSpPr>
+            <p:cNvPr id="172" name="사각형: 둥근 모서리 171">
+              <a:extLst>
+                <a:ext uri="{FF2B5EF4-FFF2-40B4-BE49-F238E27FC236}">
+                  <a16:creationId xmlns:a16="http://schemas.microsoft.com/office/drawing/2014/main" id="{8551F654-1CA7-431E-BB01-6D6EFC5BAE9E}"/>
+                </a:ext>
+              </a:extLst>
+            </p:cNvPr>
+            <p:cNvSpPr/>
+            <p:nvPr/>
+          </p:nvSpPr>
+          <p:spPr>
+            <a:xfrm>
+              <a:off x="4882710" y="2499741"/>
+              <a:ext cx="3312368" cy="2078351"/>
+            </a:xfrm>
+            <a:prstGeom prst="roundRect">
+              <a:avLst>
+                <a:gd name="adj" fmla="val 4573"/>
+              </a:avLst>
+            </a:prstGeom>
+            <a:ln>
+              <a:solidFill>
+                <a:schemeClr val="bg1">
+                  <a:lumMod val="75000"/>
+                </a:schemeClr>
+              </a:solidFill>
+            </a:ln>
+          </p:spPr>
+          <p:style>
+            <a:lnRef idx="2">
+              <a:schemeClr val="dk1"/>
+            </a:lnRef>
+            <a:fillRef idx="1">
+              <a:schemeClr val="lt1"/>
+            </a:fillRef>
+            <a:effectRef idx="0">
+              <a:schemeClr val="dk1"/>
+            </a:effectRef>
+            <a:fontRef idx="minor">
+              <a:schemeClr val="dk1"/>
+            </a:fontRef>
+          </p:style>
+          <p:txBody>
+            <a:bodyPr rtlCol="0" anchor="b"/>
+            <a:lstStyle/>
+            <a:p>
+              <a:pPr algn="ctr"/>
+              <a:r>
+                <a:rPr lang="en-US" altLang="ko-KR" sz="1400" b="1"/>
+                <a:t>Docker</a:t>
+              </a:r>
+              <a:endParaRPr lang="ko-KR" altLang="en-US" sz="1400" b="1"/>
+            </a:p>
+          </p:txBody>
+        </p:sp>
+        <p:grpSp>
+          <p:nvGrpSpPr>
+            <p:cNvPr id="173" name="그룹 172">
+              <a:extLst>
+                <a:ext uri="{FF2B5EF4-FFF2-40B4-BE49-F238E27FC236}">
+                  <a16:creationId xmlns:a16="http://schemas.microsoft.com/office/drawing/2014/main" id="{707D959E-65AB-49A6-A35E-DACB169FCDA3}"/>
+                </a:ext>
+              </a:extLst>
+            </p:cNvPr>
+            <p:cNvGrpSpPr/>
+            <p:nvPr/>
+          </p:nvGrpSpPr>
+          <p:grpSpPr>
+            <a:xfrm>
+              <a:off x="6650767" y="2712820"/>
+              <a:ext cx="1321468" cy="546583"/>
+              <a:chOff x="6444208" y="3253038"/>
+              <a:chExt cx="1321468" cy="546583"/>
+            </a:xfrm>
+          </p:grpSpPr>
+          <p:sp>
+            <p:nvSpPr>
+              <p:cNvPr id="180" name="사각형: 둥근 모서리 179">
+                <a:extLst>
+                  <a:ext uri="{FF2B5EF4-FFF2-40B4-BE49-F238E27FC236}">
+                    <a16:creationId xmlns:a16="http://schemas.microsoft.com/office/drawing/2014/main" id="{5368601C-EBAD-4A8D-892B-D83EF3F7927D}"/>
+                  </a:ext>
+                </a:extLst>
+              </p:cNvPr>
+              <p:cNvSpPr/>
+              <p:nvPr/>
+            </p:nvSpPr>
+            <p:spPr>
+              <a:xfrm>
+                <a:off x="6627016" y="3253038"/>
+                <a:ext cx="1138660" cy="409048"/>
+              </a:xfrm>
+              <a:prstGeom prst="roundRect">
+                <a:avLst>
+                  <a:gd name="adj" fmla="val 9318"/>
+                </a:avLst>
+              </a:prstGeom>
+              <a:ln>
+                <a:solidFill>
+                  <a:schemeClr val="bg1">
+                    <a:lumMod val="75000"/>
+                  </a:schemeClr>
+                </a:solidFill>
+              </a:ln>
+            </p:spPr>
+            <p:style>
+              <a:lnRef idx="2">
+                <a:schemeClr val="dk1"/>
+              </a:lnRef>
+              <a:fillRef idx="1">
+                <a:schemeClr val="lt1"/>
+              </a:fillRef>
+              <a:effectRef idx="0">
+                <a:schemeClr val="dk1"/>
+              </a:effectRef>
+              <a:fontRef idx="minor">
+                <a:schemeClr val="dk1"/>
+              </a:fontRef>
+            </p:style>
+            <p:txBody>
+              <a:bodyPr rtlCol="0" anchor="ctr"/>
+              <a:lstStyle/>
+              <a:p>
+                <a:pPr algn="ctr"/>
+                <a:r>
+                  <a:rPr lang="en-US" altLang="ko-KR" sz="1400"/>
+                  <a:t>Pod</a:t>
+                </a:r>
+                <a:endParaRPr lang="ko-KR" altLang="en-US" sz="1400"/>
+              </a:p>
+            </p:txBody>
+          </p:sp>
+          <p:sp>
+            <p:nvSpPr>
+              <p:cNvPr id="181" name="사각형: 둥근 모서리 180">
+                <a:extLst>
+                  <a:ext uri="{FF2B5EF4-FFF2-40B4-BE49-F238E27FC236}">
+                    <a16:creationId xmlns:a16="http://schemas.microsoft.com/office/drawing/2014/main" id="{E274E87E-6B64-4458-BD47-14C8D0AEB52E}"/>
+                  </a:ext>
+                </a:extLst>
+              </p:cNvPr>
+              <p:cNvSpPr/>
+              <p:nvPr/>
+            </p:nvSpPr>
+            <p:spPr>
+              <a:xfrm>
+                <a:off x="6536534" y="3321084"/>
+                <a:ext cx="1138660" cy="409048"/>
+              </a:xfrm>
+              <a:prstGeom prst="roundRect">
+                <a:avLst>
+                  <a:gd name="adj" fmla="val 9318"/>
+                </a:avLst>
+              </a:prstGeom>
+              <a:ln>
+                <a:solidFill>
+                  <a:schemeClr val="bg1">
+                    <a:lumMod val="75000"/>
+                  </a:schemeClr>
+                </a:solidFill>
+              </a:ln>
+            </p:spPr>
+            <p:style>
+              <a:lnRef idx="2">
+                <a:schemeClr val="dk1"/>
+              </a:lnRef>
+              <a:fillRef idx="1">
+                <a:schemeClr val="lt1"/>
+              </a:fillRef>
+              <a:effectRef idx="0">
+                <a:schemeClr val="dk1"/>
+              </a:effectRef>
+              <a:fontRef idx="minor">
+                <a:schemeClr val="dk1"/>
+              </a:fontRef>
+            </p:style>
+            <p:txBody>
+              <a:bodyPr rtlCol="0" anchor="ctr"/>
+              <a:lstStyle/>
+              <a:p>
+                <a:pPr algn="ctr"/>
+                <a:r>
+                  <a:rPr lang="en-US" altLang="ko-KR" sz="1400"/>
+                  <a:t>Pod</a:t>
+                </a:r>
+                <a:endParaRPr lang="ko-KR" altLang="en-US" sz="1400"/>
+              </a:p>
+            </p:txBody>
+          </p:sp>
+          <p:sp>
+            <p:nvSpPr>
+              <p:cNvPr id="182" name="사각형: 둥근 모서리 181">
+                <a:extLst>
+                  <a:ext uri="{FF2B5EF4-FFF2-40B4-BE49-F238E27FC236}">
+                    <a16:creationId xmlns:a16="http://schemas.microsoft.com/office/drawing/2014/main" id="{1B92C205-BFF4-44EA-9498-CEC64034B215}"/>
+                  </a:ext>
+                </a:extLst>
+              </p:cNvPr>
+              <p:cNvSpPr/>
+              <p:nvPr/>
+            </p:nvSpPr>
+            <p:spPr>
+              <a:xfrm>
+                <a:off x="6444208" y="3390573"/>
+                <a:ext cx="1138660" cy="409048"/>
+              </a:xfrm>
+              <a:prstGeom prst="roundRect">
+                <a:avLst>
+                  <a:gd name="adj" fmla="val 9318"/>
+                </a:avLst>
+              </a:prstGeom>
+              <a:ln>
+                <a:solidFill>
+                  <a:schemeClr val="bg1">
+                    <a:lumMod val="75000"/>
+                  </a:schemeClr>
+                </a:solidFill>
+              </a:ln>
+            </p:spPr>
+            <p:style>
+              <a:lnRef idx="2">
+                <a:schemeClr val="dk1"/>
+              </a:lnRef>
+              <a:fillRef idx="1">
+                <a:schemeClr val="lt1"/>
+              </a:fillRef>
+              <a:effectRef idx="0">
+                <a:schemeClr val="dk1"/>
+              </a:effectRef>
+              <a:fontRef idx="minor">
+                <a:schemeClr val="dk1"/>
+              </a:fontRef>
+            </p:style>
+            <p:txBody>
+              <a:bodyPr rtlCol="0" anchor="ctr"/>
+              <a:lstStyle/>
+              <a:p>
+                <a:pPr algn="ctr"/>
+                <a:r>
+                  <a:rPr lang="en-US" altLang="ko-KR" sz="1400"/>
+                  <a:t>App / Pod</a:t>
+                </a:r>
+                <a:endParaRPr lang="ko-KR" altLang="en-US" sz="1400"/>
+              </a:p>
+            </p:txBody>
+          </p:sp>
+        </p:grpSp>
+        <p:sp>
+          <p:nvSpPr>
+            <p:cNvPr id="174" name="사각형: 둥근 모서리 173">
+              <a:extLst>
+                <a:ext uri="{FF2B5EF4-FFF2-40B4-BE49-F238E27FC236}">
+                  <a16:creationId xmlns:a16="http://schemas.microsoft.com/office/drawing/2014/main" id="{5B5ECCCC-B7D7-4B40-8B09-8178BA3DD18C}"/>
+                </a:ext>
+              </a:extLst>
+            </p:cNvPr>
+            <p:cNvSpPr/>
+            <p:nvPr/>
+          </p:nvSpPr>
+          <p:spPr>
+            <a:xfrm>
+              <a:off x="5026726" y="2643758"/>
+              <a:ext cx="1335105" cy="684708"/>
+            </a:xfrm>
+            <a:prstGeom prst="roundRect">
+              <a:avLst>
+                <a:gd name="adj" fmla="val 9318"/>
+              </a:avLst>
+            </a:prstGeom>
+            <a:ln>
+              <a:solidFill>
+                <a:schemeClr val="bg1">
+                  <a:lumMod val="75000"/>
+                </a:schemeClr>
+              </a:solidFill>
+            </a:ln>
+          </p:spPr>
+          <p:style>
+            <a:lnRef idx="2">
+              <a:schemeClr val="dk1"/>
+            </a:lnRef>
+            <a:fillRef idx="1">
+              <a:schemeClr val="lt1"/>
+            </a:fillRef>
+            <a:effectRef idx="0">
+              <a:schemeClr val="dk1"/>
+            </a:effectRef>
+            <a:fontRef idx="minor">
+              <a:schemeClr val="dk1"/>
+            </a:fontRef>
+          </p:style>
+          <p:txBody>
+            <a:bodyPr rtlCol="0" anchor="ctr"/>
+            <a:lstStyle/>
+            <a:p>
+              <a:pPr algn="ctr"/>
+              <a:r>
+                <a:rPr lang="en-US" altLang="ko-KR" sz="1400"/>
+                <a:t>coredns</a:t>
+              </a:r>
+            </a:p>
+            <a:p>
+              <a:pPr algn="ctr"/>
+              <a:r>
+                <a:rPr lang="en-US" altLang="ko-KR" sz="1400"/>
+                <a:t>/ Pod, Deployments</a:t>
+              </a:r>
+              <a:endParaRPr lang="ko-KR" altLang="en-US" sz="1400"/>
+            </a:p>
+          </p:txBody>
+        </p:sp>
+        <p:sp>
+          <p:nvSpPr>
+            <p:cNvPr id="175" name="사각형: 둥근 모서리 174">
+              <a:extLst>
+                <a:ext uri="{FF2B5EF4-FFF2-40B4-BE49-F238E27FC236}">
+                  <a16:creationId xmlns:a16="http://schemas.microsoft.com/office/drawing/2014/main" id="{68CA54B4-E48E-45EF-9BFD-B86847C44D1C}"/>
+                </a:ext>
+              </a:extLst>
+            </p:cNvPr>
+            <p:cNvSpPr/>
+            <p:nvPr/>
+          </p:nvSpPr>
+          <p:spPr>
+            <a:xfrm>
+              <a:off x="6643949" y="3543226"/>
+              <a:ext cx="1335105" cy="684708"/>
+            </a:xfrm>
+            <a:prstGeom prst="roundRect">
+              <a:avLst>
+                <a:gd name="adj" fmla="val 9318"/>
+              </a:avLst>
+            </a:prstGeom>
+            <a:ln>
+              <a:solidFill>
+                <a:schemeClr val="bg1">
+                  <a:lumMod val="75000"/>
+                </a:schemeClr>
+              </a:solidFill>
+            </a:ln>
+          </p:spPr>
+          <p:style>
+            <a:lnRef idx="2">
+              <a:schemeClr val="dk1"/>
+            </a:lnRef>
+            <a:fillRef idx="1">
+              <a:schemeClr val="lt1"/>
+            </a:fillRef>
+            <a:effectRef idx="0">
+              <a:schemeClr val="dk1"/>
+            </a:effectRef>
+            <a:fontRef idx="minor">
+              <a:schemeClr val="dk1"/>
+            </a:fontRef>
+          </p:style>
+          <p:txBody>
+            <a:bodyPr rtlCol="0" anchor="ctr"/>
+            <a:lstStyle/>
+            <a:p>
+              <a:pPr algn="ctr"/>
+              <a:r>
+                <a:rPr lang="en-US" altLang="ko-KR" sz="1400"/>
+                <a:t>Net Daemon</a:t>
+              </a:r>
+            </a:p>
+            <a:p>
+              <a:pPr algn="ctr"/>
+              <a:r>
+                <a:rPr lang="en-US" altLang="ko-KR" sz="1400"/>
+                <a:t>/ Pod, Daemonset</a:t>
+              </a:r>
+              <a:endParaRPr lang="ko-KR" altLang="en-US" sz="1400"/>
+            </a:p>
+          </p:txBody>
+        </p:sp>
+        <p:sp>
+          <p:nvSpPr>
+            <p:cNvPr id="176" name="사각형: 둥근 모서리 175">
+              <a:extLst>
+                <a:ext uri="{FF2B5EF4-FFF2-40B4-BE49-F238E27FC236}">
+                  <a16:creationId xmlns:a16="http://schemas.microsoft.com/office/drawing/2014/main" id="{77DA76F9-FF97-4D13-AB2E-AFEE40A71C58}"/>
+                </a:ext>
+              </a:extLst>
+            </p:cNvPr>
+            <p:cNvSpPr/>
+            <p:nvPr/>
+          </p:nvSpPr>
+          <p:spPr>
+            <a:xfrm>
+              <a:off x="5026725" y="3543226"/>
+              <a:ext cx="1335105" cy="684708"/>
+            </a:xfrm>
+            <a:prstGeom prst="roundRect">
+              <a:avLst>
+                <a:gd name="adj" fmla="val 9318"/>
+              </a:avLst>
+            </a:prstGeom>
+            <a:ln>
+              <a:solidFill>
+                <a:schemeClr val="bg1">
+                  <a:lumMod val="75000"/>
+                </a:schemeClr>
+              </a:solidFill>
+            </a:ln>
+          </p:spPr>
+          <p:style>
+            <a:lnRef idx="2">
+              <a:schemeClr val="dk1"/>
+            </a:lnRef>
+            <a:fillRef idx="1">
+              <a:schemeClr val="lt1"/>
+            </a:fillRef>
+            <a:effectRef idx="0">
+              <a:schemeClr val="dk1"/>
+            </a:effectRef>
+            <a:fontRef idx="minor">
+              <a:schemeClr val="dk1"/>
+            </a:fontRef>
+          </p:style>
+          <p:txBody>
+            <a:bodyPr rtlCol="0" anchor="ctr"/>
+            <a:lstStyle/>
+            <a:p>
+              <a:pPr algn="ctr"/>
+              <a:r>
+                <a:rPr lang="en-US" altLang="ko-KR" sz="1400"/>
+                <a:t>kube-proxy</a:t>
+              </a:r>
+            </a:p>
+            <a:p>
+              <a:pPr algn="ctr"/>
+              <a:r>
+                <a:rPr lang="en-US" altLang="ko-KR" sz="1400"/>
+                <a:t>/ Pod, Daemonset</a:t>
+              </a:r>
+              <a:endParaRPr lang="ko-KR" altLang="en-US" sz="1400"/>
+            </a:p>
+          </p:txBody>
+        </p:sp>
+        <p:cxnSp>
+          <p:nvCxnSpPr>
+            <p:cNvPr id="177" name="직선 화살표 연결선 176">
+              <a:extLst>
+                <a:ext uri="{FF2B5EF4-FFF2-40B4-BE49-F238E27FC236}">
+                  <a16:creationId xmlns:a16="http://schemas.microsoft.com/office/drawing/2014/main" id="{337A9D07-191C-47B2-A724-08CD647F1885}"/>
+                </a:ext>
+              </a:extLst>
+            </p:cNvPr>
+            <p:cNvCxnSpPr>
+              <a:cxnSpLocks/>
+              <a:stCxn id="171" idx="1"/>
+              <a:endCxn id="170" idx="3"/>
+            </p:cNvCxnSpPr>
+            <p:nvPr/>
+          </p:nvCxnSpPr>
+          <p:spPr>
+            <a:xfrm flipH="1">
+              <a:off x="6270341" y="2007096"/>
+              <a:ext cx="472752" cy="7455"/>
+            </a:xfrm>
+            <a:prstGeom prst="straightConnector1">
+              <a:avLst/>
+            </a:prstGeom>
+            <a:ln w="28575">
+              <a:solidFill>
+                <a:schemeClr val="bg1">
+                  <a:lumMod val="75000"/>
+                </a:schemeClr>
+              </a:solidFill>
+              <a:headEnd type="arrow" w="med" len="med"/>
+              <a:tailEnd type="none" w="med" len="med"/>
+            </a:ln>
+          </p:spPr>
+          <p:style>
+            <a:lnRef idx="1">
+              <a:schemeClr val="accent1"/>
+            </a:lnRef>
+            <a:fillRef idx="0">
+              <a:schemeClr val="accent1"/>
+            </a:fillRef>
+            <a:effectRef idx="0">
+              <a:schemeClr val="accent1"/>
+            </a:effectRef>
+            <a:fontRef idx="minor">
+              <a:schemeClr val="tx1"/>
+            </a:fontRef>
+          </p:style>
+        </p:cxnSp>
+        <p:cxnSp>
+          <p:nvCxnSpPr>
+            <p:cNvPr id="178" name="직선 화살표 연결선 177">
+              <a:extLst>
+                <a:ext uri="{FF2B5EF4-FFF2-40B4-BE49-F238E27FC236}">
+                  <a16:creationId xmlns:a16="http://schemas.microsoft.com/office/drawing/2014/main" id="{894A820B-65D4-4D3C-AFF2-20B1596B54F5}"/>
+                </a:ext>
+              </a:extLst>
+            </p:cNvPr>
+            <p:cNvCxnSpPr>
+              <a:cxnSpLocks/>
+              <a:stCxn id="174" idx="0"/>
+              <a:endCxn id="171" idx="2"/>
+            </p:cNvCxnSpPr>
+            <p:nvPr/>
+          </p:nvCxnSpPr>
+          <p:spPr>
+            <a:xfrm flipV="1">
+              <a:off x="5694279" y="2259124"/>
+              <a:ext cx="1624878" cy="384634"/>
+            </a:xfrm>
+            <a:prstGeom prst="straightConnector1">
+              <a:avLst/>
+            </a:prstGeom>
+            <a:ln w="28575">
+              <a:solidFill>
+                <a:schemeClr val="bg1">
+                  <a:lumMod val="75000"/>
+                </a:schemeClr>
+              </a:solidFill>
+              <a:headEnd type="arrow" w="med" len="med"/>
+              <a:tailEnd type="none" w="med" len="med"/>
+            </a:ln>
+          </p:spPr>
+          <p:style>
+            <a:lnRef idx="1">
+              <a:schemeClr val="accent1"/>
+            </a:lnRef>
+            <a:fillRef idx="0">
+              <a:schemeClr val="accent1"/>
+            </a:fillRef>
+            <a:effectRef idx="0">
+              <a:schemeClr val="accent1"/>
+            </a:effectRef>
+            <a:fontRef idx="minor">
+              <a:schemeClr val="tx1"/>
+            </a:fontRef>
+          </p:style>
+        </p:cxnSp>
+        <p:cxnSp>
+          <p:nvCxnSpPr>
+            <p:cNvPr id="179" name="직선 화살표 연결선 178">
+              <a:extLst>
+                <a:ext uri="{FF2B5EF4-FFF2-40B4-BE49-F238E27FC236}">
+                  <a16:creationId xmlns:a16="http://schemas.microsoft.com/office/drawing/2014/main" id="{C3E10AC5-8007-40E3-8045-C1CEC1F55D5E}"/>
+                </a:ext>
+              </a:extLst>
+            </p:cNvPr>
+            <p:cNvCxnSpPr>
+              <a:cxnSpLocks/>
+              <a:stCxn id="182" idx="0"/>
+              <a:endCxn id="171" idx="2"/>
+            </p:cNvCxnSpPr>
+            <p:nvPr/>
+          </p:nvCxnSpPr>
+          <p:spPr>
+            <a:xfrm flipV="1">
+              <a:off x="7220097" y="2259124"/>
+              <a:ext cx="99060" cy="591231"/>
+            </a:xfrm>
+            <a:prstGeom prst="straightConnector1">
+              <a:avLst/>
+            </a:prstGeom>
+            <a:ln w="28575">
+              <a:solidFill>
+                <a:schemeClr val="bg1">
+                  <a:lumMod val="75000"/>
+                </a:schemeClr>
+              </a:solidFill>
+              <a:headEnd type="arrow" w="med" len="med"/>
+              <a:tailEnd type="none" w="med" len="med"/>
+            </a:ln>
+          </p:spPr>
+          <p:style>
+            <a:lnRef idx="1">
+              <a:schemeClr val="accent1"/>
+            </a:lnRef>
+            <a:fillRef idx="0">
+              <a:schemeClr val="accent1"/>
+            </a:fillRef>
+            <a:effectRef idx="0">
+              <a:schemeClr val="accent1"/>
+            </a:effectRef>
+            <a:fontRef idx="minor">
+              <a:schemeClr val="tx1"/>
+            </a:fontRef>
+          </p:style>
+        </p:cxnSp>
+      </p:grpSp>
+      <p:grpSp>
+        <p:nvGrpSpPr>
+          <p:cNvPr id="125" name="그룹 124">
+            <a:extLst>
+              <a:ext uri="{FF2B5EF4-FFF2-40B4-BE49-F238E27FC236}">
+                <a16:creationId xmlns:a16="http://schemas.microsoft.com/office/drawing/2014/main" id="{AD0A0EF4-3A2D-4AA2-B03E-8861FA2A5CA6}"/>
+              </a:ext>
+            </a:extLst>
+          </p:cNvPr>
+          <p:cNvGrpSpPr/>
+          <p:nvPr/>
+        </p:nvGrpSpPr>
+        <p:grpSpPr>
+          <a:xfrm>
+            <a:off x="4812685" y="742181"/>
+            <a:ext cx="3623078" cy="3312368"/>
+            <a:chOff x="4716016" y="1635646"/>
+            <a:chExt cx="3623078" cy="3312368"/>
+          </a:xfrm>
+        </p:grpSpPr>
+        <p:sp>
+          <p:nvSpPr>
+            <p:cNvPr id="126" name="사각형: 둥근 모서리 125">
+              <a:extLst>
+                <a:ext uri="{FF2B5EF4-FFF2-40B4-BE49-F238E27FC236}">
+                  <a16:creationId xmlns:a16="http://schemas.microsoft.com/office/drawing/2014/main" id="{70BD0955-81EB-4C27-988C-28730C114377}"/>
+                </a:ext>
+              </a:extLst>
+            </p:cNvPr>
+            <p:cNvSpPr/>
+            <p:nvPr/>
+          </p:nvSpPr>
+          <p:spPr>
+            <a:xfrm>
+              <a:off x="4716016" y="1635646"/>
+              <a:ext cx="3623078" cy="3312368"/>
+            </a:xfrm>
+            <a:prstGeom prst="roundRect">
+              <a:avLst>
+                <a:gd name="adj" fmla="val 3439"/>
+              </a:avLst>
+            </a:prstGeom>
+            <a:ln>
+              <a:solidFill>
+                <a:schemeClr val="bg1">
+                  <a:lumMod val="75000"/>
+                </a:schemeClr>
+              </a:solidFill>
+            </a:ln>
+          </p:spPr>
+          <p:style>
+            <a:lnRef idx="2">
+              <a:schemeClr val="dk1"/>
+            </a:lnRef>
+            <a:fillRef idx="1">
+              <a:schemeClr val="lt1"/>
+            </a:fillRef>
+            <a:effectRef idx="0">
+              <a:schemeClr val="dk1"/>
+            </a:effectRef>
+            <a:fontRef idx="minor">
+              <a:schemeClr val="dk1"/>
+            </a:fontRef>
+          </p:style>
+          <p:txBody>
+            <a:bodyPr rtlCol="0" anchor="b"/>
+            <a:lstStyle/>
+            <a:p>
+              <a:pPr algn="ctr"/>
+              <a:r>
+                <a:rPr lang="en-US" altLang="ko-KR" sz="1600" b="1"/>
+                <a:t>Worker Node</a:t>
+              </a:r>
+              <a:endParaRPr lang="ko-KR" altLang="en-US" sz="1600" b="1"/>
+            </a:p>
+          </p:txBody>
+        </p:sp>
+        <p:sp>
+          <p:nvSpPr>
+            <p:cNvPr id="127" name="사각형: 둥근 모서리 126">
+              <a:extLst>
+                <a:ext uri="{FF2B5EF4-FFF2-40B4-BE49-F238E27FC236}">
+                  <a16:creationId xmlns:a16="http://schemas.microsoft.com/office/drawing/2014/main" id="{6907BB93-19C6-4F54-9152-B26B5B513834}"/>
+                </a:ext>
+              </a:extLst>
+            </p:cNvPr>
+            <p:cNvSpPr/>
+            <p:nvPr/>
+          </p:nvSpPr>
+          <p:spPr>
+            <a:xfrm>
+              <a:off x="5118213" y="1762523"/>
+              <a:ext cx="1152128" cy="504056"/>
+            </a:xfrm>
+            <a:prstGeom prst="roundRect">
+              <a:avLst>
+                <a:gd name="adj" fmla="val 9318"/>
+              </a:avLst>
+            </a:prstGeom>
+            <a:ln>
+              <a:solidFill>
+                <a:schemeClr val="bg1">
+                  <a:lumMod val="75000"/>
+                </a:schemeClr>
+              </a:solidFill>
+            </a:ln>
+          </p:spPr>
+          <p:style>
+            <a:lnRef idx="2">
+              <a:schemeClr val="dk1"/>
+            </a:lnRef>
+            <a:fillRef idx="1">
+              <a:schemeClr val="lt1"/>
+            </a:fillRef>
+            <a:effectRef idx="0">
+              <a:schemeClr val="dk1"/>
+            </a:effectRef>
+            <a:fontRef idx="minor">
+              <a:schemeClr val="dk1"/>
+            </a:fontRef>
+          </p:style>
+          <p:txBody>
+            <a:bodyPr rtlCol="0" anchor="ctr"/>
+            <a:lstStyle/>
+            <a:p>
+              <a:pPr algn="ctr"/>
+              <a:r>
+                <a:rPr lang="en-US" altLang="ko-KR" sz="1400"/>
+                <a:t>kubelet</a:t>
+              </a:r>
+              <a:endParaRPr lang="ko-KR" altLang="en-US" sz="1400"/>
+            </a:p>
+          </p:txBody>
+        </p:sp>
+        <p:sp>
+          <p:nvSpPr>
+            <p:cNvPr id="128" name="사각형: 둥근 모서리 127">
+              <a:extLst>
+                <a:ext uri="{FF2B5EF4-FFF2-40B4-BE49-F238E27FC236}">
+                  <a16:creationId xmlns:a16="http://schemas.microsoft.com/office/drawing/2014/main" id="{74110420-5460-4C80-BF37-910E33719CDA}"/>
+                </a:ext>
+              </a:extLst>
+            </p:cNvPr>
+            <p:cNvSpPr/>
+            <p:nvPr/>
+          </p:nvSpPr>
+          <p:spPr>
+            <a:xfrm>
+              <a:off x="6743093" y="1755068"/>
+              <a:ext cx="1152128" cy="504056"/>
+            </a:xfrm>
+            <a:prstGeom prst="roundRect">
+              <a:avLst>
+                <a:gd name="adj" fmla="val 9318"/>
+              </a:avLst>
+            </a:prstGeom>
+            <a:ln>
+              <a:solidFill>
+                <a:schemeClr val="bg1">
+                  <a:lumMod val="75000"/>
+                </a:schemeClr>
+              </a:solidFill>
+            </a:ln>
+          </p:spPr>
+          <p:style>
+            <a:lnRef idx="2">
+              <a:schemeClr val="dk1"/>
+            </a:lnRef>
+            <a:fillRef idx="1">
+              <a:schemeClr val="lt1"/>
+            </a:fillRef>
+            <a:effectRef idx="0">
+              <a:schemeClr val="dk1"/>
+            </a:effectRef>
+            <a:fontRef idx="minor">
+              <a:schemeClr val="dk1"/>
+            </a:fontRef>
+          </p:style>
+          <p:txBody>
+            <a:bodyPr rtlCol="0" anchor="ctr"/>
+            <a:lstStyle/>
+            <a:p>
+              <a:pPr algn="ctr"/>
+              <a:r>
+                <a:rPr lang="en-US" altLang="ko-KR" sz="1400"/>
+                <a:t>CNI Plugin</a:t>
+              </a:r>
+              <a:endParaRPr lang="ko-KR" altLang="en-US" sz="1400"/>
+            </a:p>
+          </p:txBody>
+        </p:sp>
+        <p:sp>
+          <p:nvSpPr>
+            <p:cNvPr id="133" name="사각형: 둥근 모서리 132">
+              <a:extLst>
+                <a:ext uri="{FF2B5EF4-FFF2-40B4-BE49-F238E27FC236}">
+                  <a16:creationId xmlns:a16="http://schemas.microsoft.com/office/drawing/2014/main" id="{0F60AB63-6207-4033-ABBD-84BE226EE8E6}"/>
+                </a:ext>
+              </a:extLst>
+            </p:cNvPr>
+            <p:cNvSpPr/>
+            <p:nvPr/>
+          </p:nvSpPr>
+          <p:spPr>
+            <a:xfrm>
+              <a:off x="4882710" y="2499741"/>
+              <a:ext cx="3312368" cy="2078351"/>
+            </a:xfrm>
+            <a:prstGeom prst="roundRect">
+              <a:avLst>
+                <a:gd name="adj" fmla="val 4573"/>
+              </a:avLst>
+            </a:prstGeom>
+            <a:ln>
+              <a:solidFill>
+                <a:schemeClr val="bg1">
+                  <a:lumMod val="75000"/>
+                </a:schemeClr>
+              </a:solidFill>
+            </a:ln>
+          </p:spPr>
+          <p:style>
+            <a:lnRef idx="2">
+              <a:schemeClr val="dk1"/>
+            </a:lnRef>
+            <a:fillRef idx="1">
+              <a:schemeClr val="lt1"/>
+            </a:fillRef>
+            <a:effectRef idx="0">
+              <a:schemeClr val="dk1"/>
+            </a:effectRef>
+            <a:fontRef idx="minor">
+              <a:schemeClr val="dk1"/>
+            </a:fontRef>
+          </p:style>
+          <p:txBody>
+            <a:bodyPr rtlCol="0" anchor="b"/>
+            <a:lstStyle/>
+            <a:p>
+              <a:pPr algn="ctr"/>
+              <a:r>
+                <a:rPr lang="en-US" altLang="ko-KR" sz="1400" b="1"/>
+                <a:t>Docker</a:t>
+              </a:r>
+              <a:endParaRPr lang="ko-KR" altLang="en-US" sz="1400" b="1"/>
+            </a:p>
+          </p:txBody>
+        </p:sp>
+        <p:grpSp>
+          <p:nvGrpSpPr>
+            <p:cNvPr id="138" name="그룹 137">
+              <a:extLst>
+                <a:ext uri="{FF2B5EF4-FFF2-40B4-BE49-F238E27FC236}">
+                  <a16:creationId xmlns:a16="http://schemas.microsoft.com/office/drawing/2014/main" id="{42CFC863-0AE4-4B2F-B0B7-0EC14808BB31}"/>
+                </a:ext>
+              </a:extLst>
+            </p:cNvPr>
+            <p:cNvGrpSpPr/>
+            <p:nvPr/>
+          </p:nvGrpSpPr>
+          <p:grpSpPr>
+            <a:xfrm>
+              <a:off x="6650767" y="2712820"/>
+              <a:ext cx="1321468" cy="546583"/>
+              <a:chOff x="6444208" y="3253038"/>
+              <a:chExt cx="1321468" cy="546583"/>
+            </a:xfrm>
+          </p:grpSpPr>
+          <p:sp>
+            <p:nvSpPr>
+              <p:cNvPr id="165" name="사각형: 둥근 모서리 164">
+                <a:extLst>
+                  <a:ext uri="{FF2B5EF4-FFF2-40B4-BE49-F238E27FC236}">
+                    <a16:creationId xmlns:a16="http://schemas.microsoft.com/office/drawing/2014/main" id="{92EBD31B-A7A3-4E52-A3C1-405A31944915}"/>
+                  </a:ext>
+                </a:extLst>
+              </p:cNvPr>
+              <p:cNvSpPr/>
+              <p:nvPr/>
+            </p:nvSpPr>
+            <p:spPr>
+              <a:xfrm>
+                <a:off x="6627016" y="3253038"/>
+                <a:ext cx="1138660" cy="409048"/>
+              </a:xfrm>
+              <a:prstGeom prst="roundRect">
+                <a:avLst>
+                  <a:gd name="adj" fmla="val 9318"/>
+                </a:avLst>
+              </a:prstGeom>
+              <a:ln>
+                <a:solidFill>
+                  <a:schemeClr val="bg1">
+                    <a:lumMod val="75000"/>
+                  </a:schemeClr>
+                </a:solidFill>
+              </a:ln>
+            </p:spPr>
+            <p:style>
+              <a:lnRef idx="2">
+                <a:schemeClr val="dk1"/>
+              </a:lnRef>
+              <a:fillRef idx="1">
+                <a:schemeClr val="lt1"/>
+              </a:fillRef>
+              <a:effectRef idx="0">
+                <a:schemeClr val="dk1"/>
+              </a:effectRef>
+              <a:fontRef idx="minor">
+                <a:schemeClr val="dk1"/>
+              </a:fontRef>
+            </p:style>
+            <p:txBody>
+              <a:bodyPr rtlCol="0" anchor="ctr"/>
+              <a:lstStyle/>
+              <a:p>
+                <a:pPr algn="ctr"/>
+                <a:r>
+                  <a:rPr lang="en-US" altLang="ko-KR" sz="1400"/>
+                  <a:t>Pod</a:t>
+                </a:r>
+                <a:endParaRPr lang="ko-KR" altLang="en-US" sz="1400"/>
+              </a:p>
+            </p:txBody>
+          </p:sp>
+          <p:sp>
+            <p:nvSpPr>
+              <p:cNvPr id="166" name="사각형: 둥근 모서리 165">
+                <a:extLst>
+                  <a:ext uri="{FF2B5EF4-FFF2-40B4-BE49-F238E27FC236}">
+                    <a16:creationId xmlns:a16="http://schemas.microsoft.com/office/drawing/2014/main" id="{B9AD7759-110A-49B5-BB10-FD1C9AEC856B}"/>
+                  </a:ext>
+                </a:extLst>
+              </p:cNvPr>
+              <p:cNvSpPr/>
+              <p:nvPr/>
+            </p:nvSpPr>
+            <p:spPr>
+              <a:xfrm>
+                <a:off x="6536534" y="3321084"/>
+                <a:ext cx="1138660" cy="409048"/>
+              </a:xfrm>
+              <a:prstGeom prst="roundRect">
+                <a:avLst>
+                  <a:gd name="adj" fmla="val 9318"/>
+                </a:avLst>
+              </a:prstGeom>
+              <a:ln>
+                <a:solidFill>
+                  <a:schemeClr val="bg1">
+                    <a:lumMod val="75000"/>
+                  </a:schemeClr>
+                </a:solidFill>
+              </a:ln>
+            </p:spPr>
+            <p:style>
+              <a:lnRef idx="2">
+                <a:schemeClr val="dk1"/>
+              </a:lnRef>
+              <a:fillRef idx="1">
+                <a:schemeClr val="lt1"/>
+              </a:fillRef>
+              <a:effectRef idx="0">
+                <a:schemeClr val="dk1"/>
+              </a:effectRef>
+              <a:fontRef idx="minor">
+                <a:schemeClr val="dk1"/>
+              </a:fontRef>
+            </p:style>
+            <p:txBody>
+              <a:bodyPr rtlCol="0" anchor="ctr"/>
+              <a:lstStyle/>
+              <a:p>
+                <a:pPr algn="ctr"/>
+                <a:r>
+                  <a:rPr lang="en-US" altLang="ko-KR" sz="1400"/>
+                  <a:t>Pod</a:t>
+                </a:r>
+                <a:endParaRPr lang="ko-KR" altLang="en-US" sz="1400"/>
+              </a:p>
+            </p:txBody>
+          </p:sp>
+          <p:sp>
+            <p:nvSpPr>
+              <p:cNvPr id="167" name="사각형: 둥근 모서리 166">
+                <a:extLst>
+                  <a:ext uri="{FF2B5EF4-FFF2-40B4-BE49-F238E27FC236}">
+                    <a16:creationId xmlns:a16="http://schemas.microsoft.com/office/drawing/2014/main" id="{A63B8F16-680D-4860-A5FB-46C37239204B}"/>
+                  </a:ext>
+                </a:extLst>
+              </p:cNvPr>
+              <p:cNvSpPr/>
+              <p:nvPr/>
+            </p:nvSpPr>
+            <p:spPr>
+              <a:xfrm>
+                <a:off x="6444208" y="3390573"/>
+                <a:ext cx="1138660" cy="409048"/>
+              </a:xfrm>
+              <a:prstGeom prst="roundRect">
+                <a:avLst>
+                  <a:gd name="adj" fmla="val 9318"/>
+                </a:avLst>
+              </a:prstGeom>
+              <a:ln>
+                <a:solidFill>
+                  <a:schemeClr val="bg1">
+                    <a:lumMod val="75000"/>
+                  </a:schemeClr>
+                </a:solidFill>
+              </a:ln>
+            </p:spPr>
+            <p:style>
+              <a:lnRef idx="2">
+                <a:schemeClr val="dk1"/>
+              </a:lnRef>
+              <a:fillRef idx="1">
+                <a:schemeClr val="lt1"/>
+              </a:fillRef>
+              <a:effectRef idx="0">
+                <a:schemeClr val="dk1"/>
+              </a:effectRef>
+              <a:fontRef idx="minor">
+                <a:schemeClr val="dk1"/>
+              </a:fontRef>
+            </p:style>
+            <p:txBody>
+              <a:bodyPr rtlCol="0" anchor="ctr"/>
+              <a:lstStyle/>
+              <a:p>
+                <a:pPr algn="ctr"/>
+                <a:r>
+                  <a:rPr lang="en-US" altLang="ko-KR" sz="1400"/>
+                  <a:t>App / Pod</a:t>
+                </a:r>
+                <a:endParaRPr lang="ko-KR" altLang="en-US" sz="1400"/>
+              </a:p>
+            </p:txBody>
+          </p:sp>
+        </p:grpSp>
+        <p:sp>
+          <p:nvSpPr>
+            <p:cNvPr id="159" name="사각형: 둥근 모서리 158">
+              <a:extLst>
+                <a:ext uri="{FF2B5EF4-FFF2-40B4-BE49-F238E27FC236}">
+                  <a16:creationId xmlns:a16="http://schemas.microsoft.com/office/drawing/2014/main" id="{BDB2BA91-CB7A-478B-9702-104777EE7EFC}"/>
+                </a:ext>
+              </a:extLst>
+            </p:cNvPr>
+            <p:cNvSpPr/>
+            <p:nvPr/>
+          </p:nvSpPr>
+          <p:spPr>
+            <a:xfrm>
+              <a:off x="5026726" y="2643758"/>
+              <a:ext cx="1335105" cy="684708"/>
+            </a:xfrm>
+            <a:prstGeom prst="roundRect">
+              <a:avLst>
+                <a:gd name="adj" fmla="val 9318"/>
+              </a:avLst>
+            </a:prstGeom>
+            <a:ln>
+              <a:solidFill>
+                <a:schemeClr val="bg1">
+                  <a:lumMod val="75000"/>
+                </a:schemeClr>
+              </a:solidFill>
+            </a:ln>
+          </p:spPr>
+          <p:style>
+            <a:lnRef idx="2">
+              <a:schemeClr val="dk1"/>
+            </a:lnRef>
+            <a:fillRef idx="1">
+              <a:schemeClr val="lt1"/>
+            </a:fillRef>
+            <a:effectRef idx="0">
+              <a:schemeClr val="dk1"/>
+            </a:effectRef>
+            <a:fontRef idx="minor">
+              <a:schemeClr val="dk1"/>
+            </a:fontRef>
+          </p:style>
+          <p:txBody>
+            <a:bodyPr rtlCol="0" anchor="ctr"/>
+            <a:lstStyle/>
+            <a:p>
+              <a:pPr algn="ctr"/>
+              <a:r>
+                <a:rPr lang="en-US" altLang="ko-KR" sz="1400"/>
+                <a:t>coredns</a:t>
+              </a:r>
+            </a:p>
+            <a:p>
+              <a:pPr algn="ctr"/>
+              <a:r>
+                <a:rPr lang="en-US" altLang="ko-KR" sz="1400"/>
+                <a:t>/ Pod, Deployments</a:t>
+              </a:r>
+              <a:endParaRPr lang="ko-KR" altLang="en-US" sz="1400"/>
+            </a:p>
+          </p:txBody>
+        </p:sp>
+        <p:sp>
+          <p:nvSpPr>
+            <p:cNvPr id="160" name="사각형: 둥근 모서리 159">
+              <a:extLst>
+                <a:ext uri="{FF2B5EF4-FFF2-40B4-BE49-F238E27FC236}">
+                  <a16:creationId xmlns:a16="http://schemas.microsoft.com/office/drawing/2014/main" id="{80BCF112-FDA9-434E-BBCF-9CEA81660A0E}"/>
+                </a:ext>
+              </a:extLst>
+            </p:cNvPr>
+            <p:cNvSpPr/>
+            <p:nvPr/>
+          </p:nvSpPr>
+          <p:spPr>
+            <a:xfrm>
+              <a:off x="6643949" y="3543226"/>
+              <a:ext cx="1335105" cy="684708"/>
+            </a:xfrm>
+            <a:prstGeom prst="roundRect">
+              <a:avLst>
+                <a:gd name="adj" fmla="val 9318"/>
+              </a:avLst>
+            </a:prstGeom>
+            <a:ln>
+              <a:solidFill>
+                <a:schemeClr val="bg1">
+                  <a:lumMod val="75000"/>
+                </a:schemeClr>
+              </a:solidFill>
+            </a:ln>
+          </p:spPr>
+          <p:style>
+            <a:lnRef idx="2">
+              <a:schemeClr val="dk1"/>
+            </a:lnRef>
+            <a:fillRef idx="1">
+              <a:schemeClr val="lt1"/>
+            </a:fillRef>
+            <a:effectRef idx="0">
+              <a:schemeClr val="dk1"/>
+            </a:effectRef>
+            <a:fontRef idx="minor">
+              <a:schemeClr val="dk1"/>
+            </a:fontRef>
+          </p:style>
+          <p:txBody>
+            <a:bodyPr rtlCol="0" anchor="ctr"/>
+            <a:lstStyle/>
+            <a:p>
+              <a:pPr algn="ctr"/>
+              <a:r>
+                <a:rPr lang="en-US" altLang="ko-KR" sz="1400"/>
+                <a:t>Net Daemon</a:t>
+              </a:r>
+            </a:p>
+            <a:p>
+              <a:pPr algn="ctr"/>
+              <a:r>
+                <a:rPr lang="en-US" altLang="ko-KR" sz="1400"/>
+                <a:t>/ Pod, Daemonset</a:t>
+              </a:r>
+              <a:endParaRPr lang="ko-KR" altLang="en-US" sz="1400"/>
+            </a:p>
+          </p:txBody>
+        </p:sp>
+        <p:sp>
+          <p:nvSpPr>
+            <p:cNvPr id="161" name="사각형: 둥근 모서리 160">
+              <a:extLst>
+                <a:ext uri="{FF2B5EF4-FFF2-40B4-BE49-F238E27FC236}">
+                  <a16:creationId xmlns:a16="http://schemas.microsoft.com/office/drawing/2014/main" id="{065FB8D7-D038-4D41-BAA8-2FD500679AA8}"/>
+                </a:ext>
+              </a:extLst>
+            </p:cNvPr>
+            <p:cNvSpPr/>
+            <p:nvPr/>
+          </p:nvSpPr>
+          <p:spPr>
+            <a:xfrm>
+              <a:off x="5026725" y="3543226"/>
+              <a:ext cx="1335105" cy="684708"/>
+            </a:xfrm>
+            <a:prstGeom prst="roundRect">
+              <a:avLst>
+                <a:gd name="adj" fmla="val 9318"/>
+              </a:avLst>
+            </a:prstGeom>
+            <a:ln>
+              <a:solidFill>
+                <a:schemeClr val="bg1">
+                  <a:lumMod val="75000"/>
+                </a:schemeClr>
+              </a:solidFill>
+            </a:ln>
+          </p:spPr>
+          <p:style>
+            <a:lnRef idx="2">
+              <a:schemeClr val="dk1"/>
+            </a:lnRef>
+            <a:fillRef idx="1">
+              <a:schemeClr val="lt1"/>
+            </a:fillRef>
+            <a:effectRef idx="0">
+              <a:schemeClr val="dk1"/>
+            </a:effectRef>
+            <a:fontRef idx="minor">
+              <a:schemeClr val="dk1"/>
+            </a:fontRef>
+          </p:style>
+          <p:txBody>
+            <a:bodyPr rtlCol="0" anchor="ctr"/>
+            <a:lstStyle/>
+            <a:p>
+              <a:pPr algn="ctr"/>
+              <a:r>
+                <a:rPr lang="en-US" altLang="ko-KR" sz="1400"/>
+                <a:t>kube-proxy</a:t>
+              </a:r>
+            </a:p>
+            <a:p>
+              <a:pPr algn="ctr"/>
+              <a:r>
+                <a:rPr lang="en-US" altLang="ko-KR" sz="1400"/>
+                <a:t>/ Pod, Daemonset</a:t>
+              </a:r>
+              <a:endParaRPr lang="ko-KR" altLang="en-US" sz="1400"/>
+            </a:p>
+          </p:txBody>
+        </p:sp>
+        <p:cxnSp>
+          <p:nvCxnSpPr>
+            <p:cNvPr id="162" name="직선 화살표 연결선 161">
+              <a:extLst>
+                <a:ext uri="{FF2B5EF4-FFF2-40B4-BE49-F238E27FC236}">
+                  <a16:creationId xmlns:a16="http://schemas.microsoft.com/office/drawing/2014/main" id="{F9543192-75B7-4522-BB67-8631A89D8494}"/>
+                </a:ext>
+              </a:extLst>
+            </p:cNvPr>
+            <p:cNvCxnSpPr>
+              <a:cxnSpLocks/>
+              <a:stCxn id="128" idx="1"/>
+              <a:endCxn id="127" idx="3"/>
+            </p:cNvCxnSpPr>
+            <p:nvPr/>
+          </p:nvCxnSpPr>
+          <p:spPr>
+            <a:xfrm flipH="1">
+              <a:off x="6270341" y="2007096"/>
+              <a:ext cx="472752" cy="7455"/>
+            </a:xfrm>
+            <a:prstGeom prst="straightConnector1">
+              <a:avLst/>
+            </a:prstGeom>
+            <a:ln w="28575">
+              <a:solidFill>
+                <a:schemeClr val="bg1">
+                  <a:lumMod val="75000"/>
+                </a:schemeClr>
+              </a:solidFill>
+              <a:headEnd type="arrow" w="med" len="med"/>
+              <a:tailEnd type="none" w="med" len="med"/>
+            </a:ln>
+          </p:spPr>
+          <p:style>
+            <a:lnRef idx="1">
+              <a:schemeClr val="accent1"/>
+            </a:lnRef>
+            <a:fillRef idx="0">
+              <a:schemeClr val="accent1"/>
+            </a:fillRef>
+            <a:effectRef idx="0">
+              <a:schemeClr val="accent1"/>
+            </a:effectRef>
+            <a:fontRef idx="minor">
+              <a:schemeClr val="tx1"/>
+            </a:fontRef>
+          </p:style>
+        </p:cxnSp>
+        <p:cxnSp>
+          <p:nvCxnSpPr>
+            <p:cNvPr id="163" name="직선 화살표 연결선 162">
+              <a:extLst>
+                <a:ext uri="{FF2B5EF4-FFF2-40B4-BE49-F238E27FC236}">
+                  <a16:creationId xmlns:a16="http://schemas.microsoft.com/office/drawing/2014/main" id="{33B991B5-9AE0-404E-8C41-6CEE485E4D8C}"/>
+                </a:ext>
+              </a:extLst>
+            </p:cNvPr>
+            <p:cNvCxnSpPr>
+              <a:cxnSpLocks/>
+              <a:stCxn id="159" idx="0"/>
+              <a:endCxn id="128" idx="2"/>
+            </p:cNvCxnSpPr>
+            <p:nvPr/>
+          </p:nvCxnSpPr>
+          <p:spPr>
+            <a:xfrm flipV="1">
+              <a:off x="5694279" y="2259124"/>
+              <a:ext cx="1624878" cy="384634"/>
+            </a:xfrm>
+            <a:prstGeom prst="straightConnector1">
+              <a:avLst/>
+            </a:prstGeom>
+            <a:ln w="28575">
+              <a:solidFill>
+                <a:schemeClr val="bg1">
+                  <a:lumMod val="75000"/>
+                </a:schemeClr>
+              </a:solidFill>
+              <a:headEnd type="arrow" w="med" len="med"/>
+              <a:tailEnd type="none" w="med" len="med"/>
+            </a:ln>
+          </p:spPr>
+          <p:style>
+            <a:lnRef idx="1">
+              <a:schemeClr val="accent1"/>
+            </a:lnRef>
+            <a:fillRef idx="0">
+              <a:schemeClr val="accent1"/>
+            </a:fillRef>
+            <a:effectRef idx="0">
+              <a:schemeClr val="accent1"/>
+            </a:effectRef>
+            <a:fontRef idx="minor">
+              <a:schemeClr val="tx1"/>
+            </a:fontRef>
+          </p:style>
+        </p:cxnSp>
+        <p:cxnSp>
+          <p:nvCxnSpPr>
+            <p:cNvPr id="164" name="직선 화살표 연결선 163">
+              <a:extLst>
+                <a:ext uri="{FF2B5EF4-FFF2-40B4-BE49-F238E27FC236}">
+                  <a16:creationId xmlns:a16="http://schemas.microsoft.com/office/drawing/2014/main" id="{46040654-ABB9-4C05-8C32-F8B17D80EDB2}"/>
+                </a:ext>
+              </a:extLst>
+            </p:cNvPr>
+            <p:cNvCxnSpPr>
+              <a:cxnSpLocks/>
+              <a:stCxn id="167" idx="0"/>
+              <a:endCxn id="128" idx="2"/>
+            </p:cNvCxnSpPr>
+            <p:nvPr/>
+          </p:nvCxnSpPr>
+          <p:spPr>
+            <a:xfrm flipV="1">
+              <a:off x="7220097" y="2259124"/>
+              <a:ext cx="99060" cy="591231"/>
+            </a:xfrm>
+            <a:prstGeom prst="straightConnector1">
+              <a:avLst/>
+            </a:prstGeom>
+            <a:ln w="28575">
+              <a:solidFill>
+                <a:schemeClr val="bg1">
+                  <a:lumMod val="75000"/>
+                </a:schemeClr>
+              </a:solidFill>
+              <a:headEnd type="arrow" w="med" len="med"/>
+              <a:tailEnd type="none" w="med" len="med"/>
+            </a:ln>
+          </p:spPr>
+          <p:style>
+            <a:lnRef idx="1">
+              <a:schemeClr val="accent1"/>
+            </a:lnRef>
+            <a:fillRef idx="0">
+              <a:schemeClr val="accent1"/>
+            </a:fillRef>
+            <a:effectRef idx="0">
+              <a:schemeClr val="accent1"/>
+            </a:effectRef>
+            <a:fontRef idx="minor">
+              <a:schemeClr val="tx1"/>
+            </a:fontRef>
+          </p:style>
+        </p:cxnSp>
+      </p:grpSp>
+      <p:sp>
+        <p:nvSpPr>
+          <p:cNvPr id="2" name="제목 1">
+            <a:extLst>
+              <a:ext uri="{FF2B5EF4-FFF2-40B4-BE49-F238E27FC236}">
+                <a16:creationId xmlns:a16="http://schemas.microsoft.com/office/drawing/2014/main" id="{8738443D-5E72-49E2-86AC-581D61C41C39}"/>
+              </a:ext>
+            </a:extLst>
+          </p:cNvPr>
+          <p:cNvSpPr>
+            <a:spLocks noGrp="1"/>
+          </p:cNvSpPr>
+          <p:nvPr>
+            <p:ph type="title"/>
+          </p:nvPr>
+        </p:nvSpPr>
+        <p:spPr>
+          <a:xfrm>
+            <a:off x="457200" y="-1028650"/>
+            <a:ext cx="8229600" cy="857250"/>
+          </a:xfrm>
+        </p:spPr>
+        <p:txBody>
+          <a:bodyPr>
+            <a:normAutofit/>
+          </a:bodyPr>
+          <a:lstStyle/>
+          <a:p>
+            <a:r>
+              <a:rPr lang="en-US" altLang="ko-KR"/>
+              <a:t>Kubernetes</a:t>
+            </a:r>
+            <a:r>
+              <a:rPr lang="ko-KR" altLang="en-US"/>
+              <a:t> </a:t>
+            </a:r>
+            <a:r>
+              <a:rPr lang="en-US" altLang="ko-KR"/>
+              <a:t>Architecture</a:t>
+            </a:r>
+            <a:endParaRPr lang="ko-KR" altLang="en-US" dirty="0"/>
+          </a:p>
+        </p:txBody>
+      </p:sp>
+      <p:sp>
+        <p:nvSpPr>
+          <p:cNvPr id="187" name="사각형: 둥근 모서리 186">
+            <a:extLst>
+              <a:ext uri="{FF2B5EF4-FFF2-40B4-BE49-F238E27FC236}">
+                <a16:creationId xmlns:a16="http://schemas.microsoft.com/office/drawing/2014/main" id="{D43BDF87-ED09-4D76-8B36-4A704A6BB2D3}"/>
+              </a:ext>
+            </a:extLst>
+          </p:cNvPr>
+          <p:cNvSpPr/>
+          <p:nvPr/>
+        </p:nvSpPr>
+        <p:spPr>
+          <a:xfrm>
+            <a:off x="1727504" y="51470"/>
+            <a:ext cx="1349252" cy="380768"/>
+          </a:xfrm>
+          <a:prstGeom prst="roundRect">
+            <a:avLst>
+              <a:gd name="adj" fmla="val 9318"/>
+            </a:avLst>
+          </a:prstGeom>
+        </p:spPr>
+        <p:style>
+          <a:lnRef idx="2">
+            <a:schemeClr val="dk1"/>
+          </a:lnRef>
+          <a:fillRef idx="1">
+            <a:schemeClr val="lt1"/>
+          </a:fillRef>
+          <a:effectRef idx="0">
+            <a:schemeClr val="dk1"/>
+          </a:effectRef>
+          <a:fontRef idx="minor">
+            <a:schemeClr val="dk1"/>
+          </a:fontRef>
+        </p:style>
+        <p:txBody>
+          <a:bodyPr rtlCol="0" anchor="ctr"/>
+          <a:lstStyle/>
+          <a:p>
+            <a:pPr algn="ctr"/>
+            <a:r>
+              <a:rPr lang="en-US" altLang="ko-KR" sz="1400"/>
+              <a:t>Client / App</a:t>
+            </a:r>
+            <a:endParaRPr lang="ko-KR" altLang="en-US" sz="1400"/>
+          </a:p>
+        </p:txBody>
+      </p:sp>
+      <p:grpSp>
+        <p:nvGrpSpPr>
+          <p:cNvPr id="52" name="그룹 51">
+            <a:extLst>
+              <a:ext uri="{FF2B5EF4-FFF2-40B4-BE49-F238E27FC236}">
+                <a16:creationId xmlns:a16="http://schemas.microsoft.com/office/drawing/2014/main" id="{4E4A5B8F-A562-4B1C-BF55-BDFAFA03DCF2}"/>
+              </a:ext>
+            </a:extLst>
+          </p:cNvPr>
+          <p:cNvGrpSpPr/>
+          <p:nvPr/>
+        </p:nvGrpSpPr>
+        <p:grpSpPr>
+          <a:xfrm>
+            <a:off x="4740677" y="814189"/>
+            <a:ext cx="3623078" cy="3312368"/>
+            <a:chOff x="4716016" y="1635646"/>
+            <a:chExt cx="3623078" cy="3312368"/>
+          </a:xfrm>
+        </p:grpSpPr>
+        <p:sp>
+          <p:nvSpPr>
+            <p:cNvPr id="129" name="사각형: 둥근 모서리 128">
+              <a:extLst>
+                <a:ext uri="{FF2B5EF4-FFF2-40B4-BE49-F238E27FC236}">
+                  <a16:creationId xmlns:a16="http://schemas.microsoft.com/office/drawing/2014/main" id="{BB6B9ED2-D599-4A88-86E3-A9088BC7F397}"/>
+                </a:ext>
+              </a:extLst>
+            </p:cNvPr>
+            <p:cNvSpPr/>
+            <p:nvPr/>
+          </p:nvSpPr>
+          <p:spPr>
+            <a:xfrm>
+              <a:off x="4716016" y="1635646"/>
+              <a:ext cx="3623078" cy="3312368"/>
+            </a:xfrm>
+            <a:prstGeom prst="roundRect">
+              <a:avLst>
+                <a:gd name="adj" fmla="val 3439"/>
+              </a:avLst>
+            </a:prstGeom>
+          </p:spPr>
+          <p:style>
+            <a:lnRef idx="2">
+              <a:schemeClr val="dk1"/>
+            </a:lnRef>
+            <a:fillRef idx="1">
+              <a:schemeClr val="lt1"/>
+            </a:fillRef>
+            <a:effectRef idx="0">
+              <a:schemeClr val="dk1"/>
+            </a:effectRef>
+            <a:fontRef idx="minor">
+              <a:schemeClr val="dk1"/>
+            </a:fontRef>
+          </p:style>
+          <p:txBody>
+            <a:bodyPr rtlCol="0" anchor="b"/>
+            <a:lstStyle/>
+            <a:p>
+              <a:pPr algn="ctr"/>
+              <a:r>
+                <a:rPr lang="en-US" altLang="ko-KR" sz="1600" b="1"/>
+                <a:t>Worker Node</a:t>
+              </a:r>
+              <a:endParaRPr lang="ko-KR" altLang="en-US" sz="1600" b="1"/>
+            </a:p>
+          </p:txBody>
+        </p:sp>
+        <p:sp>
+          <p:nvSpPr>
+            <p:cNvPr id="130" name="사각형: 둥근 모서리 129">
+              <a:extLst>
+                <a:ext uri="{FF2B5EF4-FFF2-40B4-BE49-F238E27FC236}">
+                  <a16:creationId xmlns:a16="http://schemas.microsoft.com/office/drawing/2014/main" id="{5DF005E9-D3E1-45ED-B5EB-E75AA3F3F5EC}"/>
+                </a:ext>
+              </a:extLst>
+            </p:cNvPr>
+            <p:cNvSpPr/>
+            <p:nvPr/>
+          </p:nvSpPr>
+          <p:spPr>
+            <a:xfrm>
+              <a:off x="5118213" y="1762523"/>
+              <a:ext cx="1152128" cy="504056"/>
+            </a:xfrm>
+            <a:prstGeom prst="roundRect">
+              <a:avLst>
+                <a:gd name="adj" fmla="val 9318"/>
+              </a:avLst>
+            </a:prstGeom>
+          </p:spPr>
+          <p:style>
+            <a:lnRef idx="2">
+              <a:schemeClr val="dk1"/>
+            </a:lnRef>
+            <a:fillRef idx="1">
+              <a:schemeClr val="lt1"/>
+            </a:fillRef>
+            <a:effectRef idx="0">
+              <a:schemeClr val="dk1"/>
+            </a:effectRef>
+            <a:fontRef idx="minor">
+              <a:schemeClr val="dk1"/>
+            </a:fontRef>
+          </p:style>
+          <p:txBody>
+            <a:bodyPr rtlCol="0" anchor="ctr"/>
+            <a:lstStyle/>
+            <a:p>
+              <a:pPr algn="ctr"/>
+              <a:r>
+                <a:rPr lang="en-US" altLang="ko-KR" sz="1400"/>
+                <a:t>kubelet</a:t>
+              </a:r>
+              <a:endParaRPr lang="ko-KR" altLang="en-US" sz="1400"/>
+            </a:p>
+          </p:txBody>
+        </p:sp>
+        <p:sp>
+          <p:nvSpPr>
+            <p:cNvPr id="132" name="사각형: 둥근 모서리 131">
+              <a:extLst>
+                <a:ext uri="{FF2B5EF4-FFF2-40B4-BE49-F238E27FC236}">
+                  <a16:creationId xmlns:a16="http://schemas.microsoft.com/office/drawing/2014/main" id="{17F64EAD-53C4-4171-A39A-EC2A9EF8218C}"/>
+                </a:ext>
+              </a:extLst>
+            </p:cNvPr>
+            <p:cNvSpPr/>
+            <p:nvPr/>
+          </p:nvSpPr>
+          <p:spPr>
+            <a:xfrm>
+              <a:off x="6743093" y="1763017"/>
+              <a:ext cx="1152128" cy="504056"/>
+            </a:xfrm>
+            <a:prstGeom prst="roundRect">
+              <a:avLst>
+                <a:gd name="adj" fmla="val 9318"/>
+              </a:avLst>
+            </a:prstGeom>
+          </p:spPr>
+          <p:style>
+            <a:lnRef idx="2">
+              <a:schemeClr val="dk1"/>
+            </a:lnRef>
+            <a:fillRef idx="1">
+              <a:schemeClr val="lt1"/>
+            </a:fillRef>
+            <a:effectRef idx="0">
+              <a:schemeClr val="dk1"/>
+            </a:effectRef>
+            <a:fontRef idx="minor">
+              <a:schemeClr val="dk1"/>
+            </a:fontRef>
+          </p:style>
+          <p:txBody>
+            <a:bodyPr rtlCol="0" anchor="ctr"/>
+            <a:lstStyle/>
+            <a:p>
+              <a:pPr algn="ctr"/>
+              <a:r>
+                <a:rPr lang="en-US" altLang="ko-KR" sz="1400"/>
+                <a:t>CNI Plugin</a:t>
+              </a:r>
+              <a:endParaRPr lang="ko-KR" altLang="en-US" sz="1400"/>
+            </a:p>
+          </p:txBody>
+        </p:sp>
+        <p:sp>
+          <p:nvSpPr>
+            <p:cNvPr id="134" name="사각형: 둥근 모서리 133">
+              <a:extLst>
+                <a:ext uri="{FF2B5EF4-FFF2-40B4-BE49-F238E27FC236}">
+                  <a16:creationId xmlns:a16="http://schemas.microsoft.com/office/drawing/2014/main" id="{B1D169B2-1615-44D9-9C3E-E4A2554171ED}"/>
+                </a:ext>
+              </a:extLst>
+            </p:cNvPr>
+            <p:cNvSpPr/>
+            <p:nvPr/>
+          </p:nvSpPr>
+          <p:spPr>
+            <a:xfrm>
+              <a:off x="4848784" y="2499741"/>
+              <a:ext cx="3380220" cy="2078351"/>
+            </a:xfrm>
+            <a:prstGeom prst="roundRect">
+              <a:avLst>
+                <a:gd name="adj" fmla="val 4573"/>
+              </a:avLst>
+            </a:prstGeom>
+          </p:spPr>
+          <p:style>
+            <a:lnRef idx="2">
+              <a:schemeClr val="dk1"/>
+            </a:lnRef>
+            <a:fillRef idx="1">
+              <a:schemeClr val="lt1"/>
+            </a:fillRef>
+            <a:effectRef idx="0">
+              <a:schemeClr val="dk1"/>
+            </a:effectRef>
+            <a:fontRef idx="minor">
+              <a:schemeClr val="dk1"/>
+            </a:fontRef>
+          </p:style>
+          <p:txBody>
+            <a:bodyPr rtlCol="0" anchor="b"/>
+            <a:lstStyle/>
+            <a:p>
+              <a:pPr algn="ctr"/>
+              <a:r>
+                <a:rPr lang="en-US" altLang="ko-KR" sz="1400" b="1"/>
+                <a:t>Container Runtime</a:t>
+              </a:r>
+              <a:endParaRPr lang="ko-KR" altLang="en-US" sz="1400" b="1"/>
+            </a:p>
+          </p:txBody>
+        </p:sp>
+        <p:grpSp>
+          <p:nvGrpSpPr>
+            <p:cNvPr id="23" name="그룹 22">
+              <a:extLst>
+                <a:ext uri="{FF2B5EF4-FFF2-40B4-BE49-F238E27FC236}">
+                  <a16:creationId xmlns:a16="http://schemas.microsoft.com/office/drawing/2014/main" id="{AB216718-B341-43D2-B2FE-320ECFF1FCA7}"/>
+                </a:ext>
+              </a:extLst>
+            </p:cNvPr>
+            <p:cNvGrpSpPr/>
+            <p:nvPr/>
+          </p:nvGrpSpPr>
+          <p:grpSpPr>
+            <a:xfrm>
+              <a:off x="6650767" y="2712820"/>
+              <a:ext cx="1321468" cy="546583"/>
+              <a:chOff x="6444208" y="3253038"/>
+              <a:chExt cx="1321468" cy="546583"/>
+            </a:xfrm>
+          </p:grpSpPr>
+          <p:sp>
+            <p:nvSpPr>
+              <p:cNvPr id="135" name="사각형: 둥근 모서리 134">
+                <a:extLst>
+                  <a:ext uri="{FF2B5EF4-FFF2-40B4-BE49-F238E27FC236}">
+                    <a16:creationId xmlns:a16="http://schemas.microsoft.com/office/drawing/2014/main" id="{CC10A9C3-8170-4AF9-89FD-E5FA316E86B4}"/>
+                  </a:ext>
+                </a:extLst>
+              </p:cNvPr>
+              <p:cNvSpPr/>
+              <p:nvPr/>
+            </p:nvSpPr>
+            <p:spPr>
+              <a:xfrm>
+                <a:off x="6627016" y="3253038"/>
+                <a:ext cx="1138660" cy="409048"/>
+              </a:xfrm>
+              <a:prstGeom prst="roundRect">
+                <a:avLst>
+                  <a:gd name="adj" fmla="val 9318"/>
+                </a:avLst>
+              </a:prstGeom>
+              <a:ln>
+                <a:solidFill>
+                  <a:srgbClr val="C00000"/>
+                </a:solidFill>
+              </a:ln>
+            </p:spPr>
+            <p:style>
+              <a:lnRef idx="2">
+                <a:schemeClr val="dk1"/>
+              </a:lnRef>
+              <a:fillRef idx="1">
+                <a:schemeClr val="lt1"/>
+              </a:fillRef>
+              <a:effectRef idx="0">
+                <a:schemeClr val="dk1"/>
+              </a:effectRef>
+              <a:fontRef idx="minor">
+                <a:schemeClr val="dk1"/>
+              </a:fontRef>
+            </p:style>
+            <p:txBody>
+              <a:bodyPr rtlCol="0" anchor="ctr"/>
+              <a:lstStyle/>
+              <a:p>
+                <a:pPr algn="ctr"/>
+                <a:r>
+                  <a:rPr lang="en-US" altLang="ko-KR" sz="1400"/>
+                  <a:t>Pod</a:t>
+                </a:r>
+                <a:endParaRPr lang="ko-KR" altLang="en-US" sz="1400"/>
+              </a:p>
+            </p:txBody>
+          </p:sp>
+          <p:sp>
+            <p:nvSpPr>
+              <p:cNvPr id="136" name="사각형: 둥근 모서리 135">
+                <a:extLst>
+                  <a:ext uri="{FF2B5EF4-FFF2-40B4-BE49-F238E27FC236}">
+                    <a16:creationId xmlns:a16="http://schemas.microsoft.com/office/drawing/2014/main" id="{57D34A4B-FB39-43CA-93DD-DD0A4912F211}"/>
+                  </a:ext>
+                </a:extLst>
+              </p:cNvPr>
+              <p:cNvSpPr/>
+              <p:nvPr/>
+            </p:nvSpPr>
+            <p:spPr>
+              <a:xfrm>
+                <a:off x="6536534" y="3321084"/>
+                <a:ext cx="1138660" cy="409048"/>
+              </a:xfrm>
+              <a:prstGeom prst="roundRect">
+                <a:avLst>
+                  <a:gd name="adj" fmla="val 9318"/>
+                </a:avLst>
+              </a:prstGeom>
+              <a:ln>
+                <a:solidFill>
+                  <a:srgbClr val="C00000"/>
+                </a:solidFill>
+              </a:ln>
+            </p:spPr>
+            <p:style>
+              <a:lnRef idx="2">
+                <a:schemeClr val="dk1"/>
+              </a:lnRef>
+              <a:fillRef idx="1">
+                <a:schemeClr val="lt1"/>
+              </a:fillRef>
+              <a:effectRef idx="0">
+                <a:schemeClr val="dk1"/>
+              </a:effectRef>
+              <a:fontRef idx="minor">
+                <a:schemeClr val="dk1"/>
+              </a:fontRef>
+            </p:style>
+            <p:txBody>
+              <a:bodyPr rtlCol="0" anchor="ctr"/>
+              <a:lstStyle/>
+              <a:p>
+                <a:pPr algn="ctr"/>
+                <a:r>
+                  <a:rPr lang="en-US" altLang="ko-KR" sz="1400"/>
+                  <a:t>Pod</a:t>
+                </a:r>
+                <a:endParaRPr lang="ko-KR" altLang="en-US" sz="1400"/>
+              </a:p>
+            </p:txBody>
+          </p:sp>
+          <p:sp>
+            <p:nvSpPr>
+              <p:cNvPr id="137" name="사각형: 둥근 모서리 136">
+                <a:extLst>
+                  <a:ext uri="{FF2B5EF4-FFF2-40B4-BE49-F238E27FC236}">
+                    <a16:creationId xmlns:a16="http://schemas.microsoft.com/office/drawing/2014/main" id="{D3591797-570B-40C1-A8D1-1AACFCF55681}"/>
+                  </a:ext>
+                </a:extLst>
+              </p:cNvPr>
+              <p:cNvSpPr/>
+              <p:nvPr/>
+            </p:nvSpPr>
+            <p:spPr>
+              <a:xfrm>
+                <a:off x="6444208" y="3390573"/>
+                <a:ext cx="1138660" cy="409048"/>
+              </a:xfrm>
+              <a:prstGeom prst="roundRect">
+                <a:avLst>
+                  <a:gd name="adj" fmla="val 9318"/>
+                </a:avLst>
+              </a:prstGeom>
+              <a:ln>
+                <a:solidFill>
+                  <a:srgbClr val="C00000"/>
+                </a:solidFill>
+              </a:ln>
+            </p:spPr>
+            <p:style>
+              <a:lnRef idx="2">
+                <a:schemeClr val="dk1"/>
+              </a:lnRef>
+              <a:fillRef idx="1">
+                <a:schemeClr val="lt1"/>
+              </a:fillRef>
+              <a:effectRef idx="0">
+                <a:schemeClr val="dk1"/>
+              </a:effectRef>
+              <a:fontRef idx="minor">
+                <a:schemeClr val="dk1"/>
+              </a:fontRef>
+            </p:style>
+            <p:txBody>
+              <a:bodyPr rtlCol="0" anchor="ctr"/>
+              <a:lstStyle/>
+              <a:p>
+                <a:pPr algn="ctr"/>
+                <a:r>
+                  <a:rPr lang="en-US" altLang="ko-KR" sz="1400"/>
+                  <a:t>App</a:t>
+                </a:r>
+                <a:endParaRPr lang="ko-KR" altLang="en-US" sz="1400"/>
+              </a:p>
+            </p:txBody>
+          </p:sp>
+        </p:grpSp>
+        <p:sp>
+          <p:nvSpPr>
+            <p:cNvPr id="43" name="사각형: 둥근 모서리 42">
+              <a:extLst>
+                <a:ext uri="{FF2B5EF4-FFF2-40B4-BE49-F238E27FC236}">
+                  <a16:creationId xmlns:a16="http://schemas.microsoft.com/office/drawing/2014/main" id="{80FBD8F3-06CB-48FF-AC35-232D2836ACD4}"/>
+                </a:ext>
+              </a:extLst>
+            </p:cNvPr>
+            <p:cNvSpPr/>
+            <p:nvPr/>
+          </p:nvSpPr>
+          <p:spPr>
+            <a:xfrm>
+              <a:off x="4974529" y="2643758"/>
+              <a:ext cx="1439500" cy="684708"/>
+            </a:xfrm>
+            <a:prstGeom prst="roundRect">
+              <a:avLst>
+                <a:gd name="adj" fmla="val 9318"/>
+              </a:avLst>
+            </a:prstGeom>
+            <a:ln>
+              <a:solidFill>
+                <a:srgbClr val="C00000"/>
+              </a:solidFill>
+            </a:ln>
+          </p:spPr>
+          <p:style>
+            <a:lnRef idx="2">
+              <a:schemeClr val="dk1"/>
+            </a:lnRef>
+            <a:fillRef idx="1">
+              <a:schemeClr val="lt1"/>
+            </a:fillRef>
+            <a:effectRef idx="0">
+              <a:schemeClr val="dk1"/>
+            </a:effectRef>
+            <a:fontRef idx="minor">
+              <a:schemeClr val="dk1"/>
+            </a:fontRef>
+          </p:style>
+          <p:txBody>
+            <a:bodyPr rtlCol="0" anchor="ctr"/>
+            <a:lstStyle/>
+            <a:p>
+              <a:pPr algn="ctr"/>
+              <a:r>
+                <a:rPr lang="en-US" altLang="ko-KR" sz="1400"/>
+                <a:t>coredns</a:t>
+              </a:r>
+            </a:p>
+            <a:p>
+              <a:pPr algn="ctr"/>
+              <a:r>
+                <a:rPr lang="en-US" altLang="ko-KR" sz="1400"/>
+                <a:t>/ Deployments</a:t>
+              </a:r>
+              <a:endParaRPr lang="ko-KR" altLang="en-US" sz="1400"/>
+            </a:p>
+          </p:txBody>
+        </p:sp>
+        <p:sp>
+          <p:nvSpPr>
+            <p:cNvPr id="131" name="사각형: 둥근 모서리 130">
+              <a:extLst>
+                <a:ext uri="{FF2B5EF4-FFF2-40B4-BE49-F238E27FC236}">
+                  <a16:creationId xmlns:a16="http://schemas.microsoft.com/office/drawing/2014/main" id="{C27FF568-AC8E-4CB2-B5DB-05BEDA882374}"/>
+                </a:ext>
+              </a:extLst>
+            </p:cNvPr>
+            <p:cNvSpPr/>
+            <p:nvPr/>
+          </p:nvSpPr>
+          <p:spPr>
+            <a:xfrm>
+              <a:off x="6619982" y="3543226"/>
+              <a:ext cx="1383040" cy="684708"/>
+            </a:xfrm>
+            <a:prstGeom prst="roundRect">
+              <a:avLst>
+                <a:gd name="adj" fmla="val 9318"/>
+              </a:avLst>
+            </a:prstGeom>
+            <a:ln>
+              <a:solidFill>
+                <a:schemeClr val="tx2"/>
+              </a:solidFill>
+            </a:ln>
+          </p:spPr>
+          <p:style>
+            <a:lnRef idx="2">
+              <a:schemeClr val="dk1"/>
+            </a:lnRef>
+            <a:fillRef idx="1">
+              <a:schemeClr val="lt1"/>
+            </a:fillRef>
+            <a:effectRef idx="0">
+              <a:schemeClr val="dk1"/>
+            </a:effectRef>
+            <a:fontRef idx="minor">
+              <a:schemeClr val="dk1"/>
+            </a:fontRef>
+          </p:style>
+          <p:txBody>
+            <a:bodyPr rtlCol="0" anchor="ctr"/>
+            <a:lstStyle/>
+            <a:p>
+              <a:pPr algn="ctr"/>
+              <a:r>
+                <a:rPr lang="en-US" altLang="ko-KR" sz="1400"/>
+                <a:t>Net Daemon</a:t>
+              </a:r>
+            </a:p>
+            <a:p>
+              <a:pPr algn="ctr"/>
+              <a:r>
+                <a:rPr lang="en-US" altLang="ko-KR" sz="1400"/>
+                <a:t>/ Daemonset</a:t>
+              </a:r>
+              <a:endParaRPr lang="ko-KR" altLang="en-US" sz="1400"/>
+            </a:p>
+          </p:txBody>
+        </p:sp>
+        <p:sp>
+          <p:nvSpPr>
+            <p:cNvPr id="66" name="사각형: 둥근 모서리 65">
+              <a:extLst>
+                <a:ext uri="{FF2B5EF4-FFF2-40B4-BE49-F238E27FC236}">
+                  <a16:creationId xmlns:a16="http://schemas.microsoft.com/office/drawing/2014/main" id="{1664C2A9-001D-4CD3-86DC-A6EE2CD08B45}"/>
+                </a:ext>
+              </a:extLst>
+            </p:cNvPr>
+            <p:cNvSpPr/>
+            <p:nvPr/>
+          </p:nvSpPr>
+          <p:spPr>
+            <a:xfrm>
+              <a:off x="4974528" y="3543226"/>
+              <a:ext cx="1439500" cy="684708"/>
+            </a:xfrm>
+            <a:prstGeom prst="roundRect">
+              <a:avLst>
+                <a:gd name="adj" fmla="val 9318"/>
+              </a:avLst>
+            </a:prstGeom>
+            <a:ln>
+              <a:solidFill>
+                <a:schemeClr val="tx2"/>
+              </a:solidFill>
+            </a:ln>
+          </p:spPr>
+          <p:style>
+            <a:lnRef idx="2">
+              <a:schemeClr val="dk1"/>
+            </a:lnRef>
+            <a:fillRef idx="1">
+              <a:schemeClr val="lt1"/>
+            </a:fillRef>
+            <a:effectRef idx="0">
+              <a:schemeClr val="dk1"/>
+            </a:effectRef>
+            <a:fontRef idx="minor">
+              <a:schemeClr val="dk1"/>
+            </a:fontRef>
+          </p:style>
+          <p:txBody>
+            <a:bodyPr rtlCol="0" anchor="ctr"/>
+            <a:lstStyle/>
+            <a:p>
+              <a:pPr algn="ctr"/>
+              <a:r>
+                <a:rPr lang="en-US" altLang="ko-KR" sz="1400"/>
+                <a:t>kube-proxy</a:t>
+              </a:r>
+            </a:p>
+            <a:p>
+              <a:pPr algn="ctr"/>
+              <a:r>
+                <a:rPr lang="en-US" altLang="ko-KR" sz="1400"/>
+                <a:t>/ Daemonset</a:t>
+              </a:r>
+              <a:endParaRPr lang="ko-KR" altLang="en-US" sz="1400"/>
+            </a:p>
+          </p:txBody>
+        </p:sp>
+        <p:cxnSp>
+          <p:nvCxnSpPr>
+            <p:cNvPr id="67" name="직선 화살표 연결선 66">
+              <a:extLst>
+                <a:ext uri="{FF2B5EF4-FFF2-40B4-BE49-F238E27FC236}">
+                  <a16:creationId xmlns:a16="http://schemas.microsoft.com/office/drawing/2014/main" id="{4E22D0A8-71F8-4695-A9FA-1839FB4F8425}"/>
+                </a:ext>
+              </a:extLst>
+            </p:cNvPr>
+            <p:cNvCxnSpPr>
+              <a:cxnSpLocks/>
+              <a:stCxn id="132" idx="1"/>
+              <a:endCxn id="130" idx="3"/>
+            </p:cNvCxnSpPr>
+            <p:nvPr/>
+          </p:nvCxnSpPr>
+          <p:spPr>
+            <a:xfrm flipH="1" flipV="1">
+              <a:off x="6270341" y="2014551"/>
+              <a:ext cx="472752" cy="494"/>
+            </a:xfrm>
+            <a:prstGeom prst="straightConnector1">
+              <a:avLst/>
+            </a:prstGeom>
+            <a:ln w="28575">
+              <a:solidFill>
+                <a:schemeClr val="tx1"/>
+              </a:solidFill>
+              <a:headEnd type="arrow" w="med" len="med"/>
+              <a:tailEnd type="none" w="med" len="med"/>
+            </a:ln>
+          </p:spPr>
+          <p:style>
+            <a:lnRef idx="1">
+              <a:schemeClr val="accent1"/>
+            </a:lnRef>
+            <a:fillRef idx="0">
+              <a:schemeClr val="accent1"/>
+            </a:fillRef>
+            <a:effectRef idx="0">
+              <a:schemeClr val="accent1"/>
+            </a:effectRef>
+            <a:fontRef idx="minor">
+              <a:schemeClr val="tx1"/>
+            </a:fontRef>
+          </p:style>
+        </p:cxnSp>
+        <p:cxnSp>
+          <p:nvCxnSpPr>
+            <p:cNvPr id="70" name="직선 화살표 연결선 69">
+              <a:extLst>
+                <a:ext uri="{FF2B5EF4-FFF2-40B4-BE49-F238E27FC236}">
+                  <a16:creationId xmlns:a16="http://schemas.microsoft.com/office/drawing/2014/main" id="{3A08FD6C-9735-4A44-B9BA-34403986F042}"/>
+                </a:ext>
+              </a:extLst>
+            </p:cNvPr>
+            <p:cNvCxnSpPr>
+              <a:cxnSpLocks/>
+              <a:stCxn id="43" idx="0"/>
+              <a:endCxn id="132" idx="2"/>
+            </p:cNvCxnSpPr>
+            <p:nvPr/>
+          </p:nvCxnSpPr>
+          <p:spPr>
+            <a:xfrm flipV="1">
+              <a:off x="5694279" y="2267073"/>
+              <a:ext cx="1624878" cy="376685"/>
+            </a:xfrm>
+            <a:prstGeom prst="straightConnector1">
+              <a:avLst/>
+            </a:prstGeom>
+            <a:ln w="28575">
+              <a:solidFill>
+                <a:schemeClr val="tx1"/>
+              </a:solidFill>
+              <a:headEnd type="arrow" w="med" len="med"/>
+              <a:tailEnd type="none" w="med" len="med"/>
+            </a:ln>
+          </p:spPr>
+          <p:style>
+            <a:lnRef idx="1">
+              <a:schemeClr val="accent1"/>
+            </a:lnRef>
+            <a:fillRef idx="0">
+              <a:schemeClr val="accent1"/>
+            </a:fillRef>
+            <a:effectRef idx="0">
+              <a:schemeClr val="accent1"/>
+            </a:effectRef>
+            <a:fontRef idx="minor">
+              <a:schemeClr val="tx1"/>
+            </a:fontRef>
+          </p:style>
+        </p:cxnSp>
+        <p:cxnSp>
+          <p:nvCxnSpPr>
+            <p:cNvPr id="74" name="직선 화살표 연결선 73">
+              <a:extLst>
+                <a:ext uri="{FF2B5EF4-FFF2-40B4-BE49-F238E27FC236}">
+                  <a16:creationId xmlns:a16="http://schemas.microsoft.com/office/drawing/2014/main" id="{A06CC2EC-5C76-4BE2-9978-99D3A0E6A483}"/>
+                </a:ext>
+              </a:extLst>
+            </p:cNvPr>
+            <p:cNvCxnSpPr>
+              <a:cxnSpLocks/>
+              <a:stCxn id="137" idx="0"/>
+              <a:endCxn id="132" idx="2"/>
+            </p:cNvCxnSpPr>
+            <p:nvPr/>
+          </p:nvCxnSpPr>
+          <p:spPr>
+            <a:xfrm flipV="1">
+              <a:off x="7220097" y="2267073"/>
+              <a:ext cx="99060" cy="583282"/>
+            </a:xfrm>
+            <a:prstGeom prst="straightConnector1">
+              <a:avLst/>
+            </a:prstGeom>
+            <a:ln w="28575">
+              <a:solidFill>
+                <a:schemeClr val="tx1"/>
+              </a:solidFill>
+              <a:headEnd type="arrow" w="med" len="med"/>
+              <a:tailEnd type="none" w="med" len="med"/>
+            </a:ln>
+          </p:spPr>
+          <p:style>
+            <a:lnRef idx="1">
+              <a:schemeClr val="accent1"/>
+            </a:lnRef>
+            <a:fillRef idx="0">
+              <a:schemeClr val="accent1"/>
+            </a:fillRef>
+            <a:effectRef idx="0">
+              <a:schemeClr val="accent1"/>
+            </a:effectRef>
+            <a:fontRef idx="minor">
+              <a:schemeClr val="tx1"/>
+            </a:fontRef>
+          </p:style>
+        </p:cxnSp>
+      </p:grpSp>
+      <p:sp>
+        <p:nvSpPr>
+          <p:cNvPr id="219" name="사각형: 둥근 모서리 218">
+            <a:extLst>
+              <a:ext uri="{FF2B5EF4-FFF2-40B4-BE49-F238E27FC236}">
+                <a16:creationId xmlns:a16="http://schemas.microsoft.com/office/drawing/2014/main" id="{35EBA406-9E87-44F2-BFE0-1FA5A3489FDE}"/>
+              </a:ext>
+            </a:extLst>
+          </p:cNvPr>
+          <p:cNvSpPr/>
+          <p:nvPr/>
+        </p:nvSpPr>
+        <p:spPr>
+          <a:xfrm>
+            <a:off x="4607709" y="4485078"/>
+            <a:ext cx="414595" cy="166000"/>
+          </a:xfrm>
+          <a:prstGeom prst="roundRect">
+            <a:avLst>
+              <a:gd name="adj" fmla="val 9318"/>
+            </a:avLst>
+          </a:prstGeom>
+          <a:ln>
+            <a:solidFill>
+              <a:schemeClr val="tx2"/>
+            </a:solidFill>
+          </a:ln>
+        </p:spPr>
+        <p:style>
+          <a:lnRef idx="2">
+            <a:schemeClr val="dk1"/>
+          </a:lnRef>
+          <a:fillRef idx="1">
+            <a:schemeClr val="lt1"/>
+          </a:fillRef>
+          <a:effectRef idx="0">
+            <a:schemeClr val="dk1"/>
+          </a:effectRef>
+          <a:fontRef idx="minor">
+            <a:schemeClr val="dk1"/>
+          </a:fontRef>
+        </p:style>
+        <p:txBody>
+          <a:bodyPr rtlCol="0" anchor="ctr"/>
+          <a:lstStyle/>
+          <a:p>
+            <a:pPr algn="ctr"/>
+            <a:endParaRPr lang="ko-KR" altLang="en-US" sz="1400"/>
+          </a:p>
+        </p:txBody>
+      </p:sp>
+      <p:sp>
+        <p:nvSpPr>
+          <p:cNvPr id="88" name="TextBox 87">
+            <a:extLst>
+              <a:ext uri="{FF2B5EF4-FFF2-40B4-BE49-F238E27FC236}">
+                <a16:creationId xmlns:a16="http://schemas.microsoft.com/office/drawing/2014/main" id="{AEDD766D-7755-4943-BAA4-D106843FEDC1}"/>
+              </a:ext>
+            </a:extLst>
+          </p:cNvPr>
+          <p:cNvSpPr txBox="1"/>
+          <p:nvPr/>
+        </p:nvSpPr>
+        <p:spPr>
+          <a:xfrm>
+            <a:off x="5030301" y="4317180"/>
+            <a:ext cx="1500604" cy="523220"/>
+          </a:xfrm>
+          <a:prstGeom prst="rect">
+            <a:avLst/>
+          </a:prstGeom>
+          <a:noFill/>
+        </p:spPr>
+        <p:txBody>
+          <a:bodyPr wrap="none" rtlCol="0" anchor="ctr">
+            <a:spAutoFit/>
+          </a:bodyPr>
+          <a:lstStyle/>
+          <a:p>
+            <a:pPr algn="ctr"/>
+            <a:r>
+              <a:rPr lang="en-US" altLang="ko-KR" sz="1400"/>
+              <a:t>Host Network </a:t>
+            </a:r>
+          </a:p>
+          <a:p>
+            <a:pPr algn="ctr"/>
+            <a:r>
+              <a:rPr lang="en-US" altLang="ko-KR" sz="1400"/>
+              <a:t>Namespace Pod</a:t>
+            </a:r>
+            <a:endParaRPr lang="ko-KR" altLang="en-US" sz="1400"/>
+          </a:p>
+        </p:txBody>
+      </p:sp>
+      <p:sp>
+        <p:nvSpPr>
+          <p:cNvPr id="220" name="사각형: 둥근 모서리 219">
+            <a:extLst>
+              <a:ext uri="{FF2B5EF4-FFF2-40B4-BE49-F238E27FC236}">
+                <a16:creationId xmlns:a16="http://schemas.microsoft.com/office/drawing/2014/main" id="{61B31512-1918-46E7-A8F0-D6F06E24125B}"/>
+              </a:ext>
+            </a:extLst>
+          </p:cNvPr>
+          <p:cNvSpPr/>
+          <p:nvPr/>
+        </p:nvSpPr>
+        <p:spPr>
+          <a:xfrm>
+            <a:off x="6564255" y="4485078"/>
+            <a:ext cx="414595" cy="166000"/>
+          </a:xfrm>
+          <a:prstGeom prst="roundRect">
+            <a:avLst>
+              <a:gd name="adj" fmla="val 9318"/>
+            </a:avLst>
+          </a:prstGeom>
+          <a:ln>
+            <a:solidFill>
+              <a:srgbClr val="C00000"/>
+            </a:solidFill>
+          </a:ln>
+        </p:spPr>
+        <p:style>
+          <a:lnRef idx="2">
+            <a:schemeClr val="dk1"/>
+          </a:lnRef>
+          <a:fillRef idx="1">
+            <a:schemeClr val="lt1"/>
+          </a:fillRef>
+          <a:effectRef idx="0">
+            <a:schemeClr val="dk1"/>
+          </a:effectRef>
+          <a:fontRef idx="minor">
+            <a:schemeClr val="dk1"/>
+          </a:fontRef>
+        </p:style>
+        <p:txBody>
+          <a:bodyPr rtlCol="0" anchor="ctr"/>
+          <a:lstStyle/>
+          <a:p>
+            <a:pPr algn="ctr"/>
+            <a:endParaRPr lang="ko-KR" altLang="en-US" sz="1400"/>
+          </a:p>
+        </p:txBody>
+      </p:sp>
+      <p:sp>
+        <p:nvSpPr>
+          <p:cNvPr id="221" name="TextBox 220">
+            <a:extLst>
+              <a:ext uri="{FF2B5EF4-FFF2-40B4-BE49-F238E27FC236}">
+                <a16:creationId xmlns:a16="http://schemas.microsoft.com/office/drawing/2014/main" id="{DB673738-939F-4D77-B07E-148C3869B454}"/>
+              </a:ext>
+            </a:extLst>
+          </p:cNvPr>
+          <p:cNvSpPr txBox="1"/>
+          <p:nvPr/>
+        </p:nvSpPr>
+        <p:spPr>
+          <a:xfrm>
+            <a:off x="6982762" y="4317180"/>
+            <a:ext cx="1790363" cy="523220"/>
+          </a:xfrm>
+          <a:prstGeom prst="rect">
+            <a:avLst/>
+          </a:prstGeom>
+          <a:noFill/>
+        </p:spPr>
+        <p:txBody>
+          <a:bodyPr wrap="none" rtlCol="0" anchor="ctr">
+            <a:spAutoFit/>
+          </a:bodyPr>
+          <a:lstStyle/>
+          <a:p>
+            <a:pPr algn="ctr"/>
+            <a:r>
+              <a:rPr lang="en-US" altLang="ko-KR" sz="1400"/>
+              <a:t>Container Network </a:t>
+            </a:r>
+          </a:p>
+          <a:p>
+            <a:pPr algn="ctr"/>
+            <a:r>
+              <a:rPr lang="en-US" altLang="ko-KR" sz="1400"/>
+              <a:t>Namespace Pod</a:t>
+            </a:r>
+            <a:endParaRPr lang="ko-KR" altLang="en-US" sz="1400"/>
+          </a:p>
+        </p:txBody>
+      </p:sp>
+      <p:cxnSp>
+        <p:nvCxnSpPr>
+          <p:cNvPr id="121" name="직선 화살표 연결선 120">
+            <a:extLst>
+              <a:ext uri="{FF2B5EF4-FFF2-40B4-BE49-F238E27FC236}">
+                <a16:creationId xmlns:a16="http://schemas.microsoft.com/office/drawing/2014/main" id="{46EB0E74-9EC0-4BEE-BDBB-1336404C7A67}"/>
+              </a:ext>
+            </a:extLst>
+          </p:cNvPr>
+          <p:cNvCxnSpPr>
+            <a:cxnSpLocks/>
+            <a:endCxn id="130" idx="2"/>
+          </p:cNvCxnSpPr>
+          <p:nvPr/>
+        </p:nvCxnSpPr>
+        <p:spPr>
+          <a:xfrm flipV="1">
+            <a:off x="5718938" y="1445122"/>
+            <a:ext cx="0" cy="243650"/>
+          </a:xfrm>
+          <a:prstGeom prst="straightConnector1">
+            <a:avLst/>
+          </a:prstGeom>
+          <a:ln w="28575">
+            <a:solidFill>
+              <a:schemeClr val="tx1"/>
+            </a:solidFill>
+            <a:headEnd type="arrow" w="med" len="med"/>
+            <a:tailEnd type="none" w="med" len="med"/>
+          </a:ln>
+        </p:spPr>
+        <p:style>
+          <a:lnRef idx="1">
+            <a:schemeClr val="accent1"/>
+          </a:lnRef>
+          <a:fillRef idx="0">
+            <a:schemeClr val="accent1"/>
+          </a:fillRef>
+          <a:effectRef idx="0">
+            <a:schemeClr val="accent1"/>
+          </a:effectRef>
+          <a:fontRef idx="minor">
+            <a:schemeClr val="tx1"/>
+          </a:fontRef>
+        </p:style>
+      </p:cxnSp>
+      <p:grpSp>
+        <p:nvGrpSpPr>
+          <p:cNvPr id="145" name="그룹 144">
+            <a:extLst>
+              <a:ext uri="{FF2B5EF4-FFF2-40B4-BE49-F238E27FC236}">
+                <a16:creationId xmlns:a16="http://schemas.microsoft.com/office/drawing/2014/main" id="{F1009EFB-AAE0-4C02-B59F-A5F37A1B5B64}"/>
+              </a:ext>
+            </a:extLst>
+          </p:cNvPr>
+          <p:cNvGrpSpPr/>
+          <p:nvPr/>
+        </p:nvGrpSpPr>
+        <p:grpSpPr>
+          <a:xfrm>
+            <a:off x="755151" y="593188"/>
+            <a:ext cx="3406912" cy="3986802"/>
+            <a:chOff x="356491" y="1232857"/>
+            <a:chExt cx="3406912" cy="3687486"/>
+          </a:xfrm>
+        </p:grpSpPr>
+        <p:sp>
+          <p:nvSpPr>
+            <p:cNvPr id="151" name="사각형: 둥근 모서리 150">
+              <a:extLst>
+                <a:ext uri="{FF2B5EF4-FFF2-40B4-BE49-F238E27FC236}">
+                  <a16:creationId xmlns:a16="http://schemas.microsoft.com/office/drawing/2014/main" id="{D59D5C1B-C5FF-4321-A2F0-9C8E5DFCA6F2}"/>
+                </a:ext>
+              </a:extLst>
+            </p:cNvPr>
+            <p:cNvSpPr/>
+            <p:nvPr/>
+          </p:nvSpPr>
+          <p:spPr>
+            <a:xfrm>
+              <a:off x="356491" y="1232857"/>
+              <a:ext cx="3406912" cy="3687486"/>
+            </a:xfrm>
+            <a:prstGeom prst="roundRect">
+              <a:avLst>
+                <a:gd name="adj" fmla="val 4530"/>
+              </a:avLst>
+            </a:prstGeom>
+            <a:ln>
+              <a:solidFill>
+                <a:schemeClr val="bg1">
+                  <a:lumMod val="65000"/>
+                </a:schemeClr>
+              </a:solidFill>
+            </a:ln>
+          </p:spPr>
+          <p:style>
+            <a:lnRef idx="2">
+              <a:schemeClr val="dk1"/>
+            </a:lnRef>
+            <a:fillRef idx="1">
+              <a:schemeClr val="lt1"/>
+            </a:fillRef>
+            <a:effectRef idx="0">
+              <a:schemeClr val="dk1"/>
+            </a:effectRef>
+            <a:fontRef idx="minor">
+              <a:schemeClr val="dk1"/>
+            </a:fontRef>
+          </p:style>
+          <p:txBody>
+            <a:bodyPr rtlCol="0" anchor="b"/>
+            <a:lstStyle/>
+            <a:p>
+              <a:pPr algn="ctr"/>
+              <a:r>
+                <a:rPr lang="en-US" altLang="ko-KR" sz="1600" b="1"/>
+                <a:t>Master Node</a:t>
+              </a:r>
+              <a:endParaRPr lang="ko-KR" altLang="en-US" sz="1600" b="1"/>
+            </a:p>
+          </p:txBody>
+        </p:sp>
+        <p:sp>
+          <p:nvSpPr>
+            <p:cNvPr id="152" name="사각형: 둥근 모서리 151">
+              <a:extLst>
+                <a:ext uri="{FF2B5EF4-FFF2-40B4-BE49-F238E27FC236}">
+                  <a16:creationId xmlns:a16="http://schemas.microsoft.com/office/drawing/2014/main" id="{FAD97292-E585-4E92-B5E0-B1709C678E57}"/>
+                </a:ext>
+              </a:extLst>
+            </p:cNvPr>
+            <p:cNvSpPr/>
+            <p:nvPr/>
+          </p:nvSpPr>
+          <p:spPr>
+            <a:xfrm>
+              <a:off x="512262" y="1343929"/>
+              <a:ext cx="3103042" cy="3176288"/>
+            </a:xfrm>
+            <a:prstGeom prst="roundRect">
+              <a:avLst>
+                <a:gd name="adj" fmla="val 3766"/>
+              </a:avLst>
+            </a:prstGeom>
+            <a:ln>
+              <a:solidFill>
+                <a:schemeClr val="bg1">
+                  <a:lumMod val="65000"/>
+                </a:schemeClr>
+              </a:solidFill>
+            </a:ln>
+          </p:spPr>
+          <p:style>
+            <a:lnRef idx="2">
+              <a:schemeClr val="dk1"/>
+            </a:lnRef>
+            <a:fillRef idx="1">
+              <a:schemeClr val="lt1"/>
+            </a:fillRef>
+            <a:effectRef idx="0">
+              <a:schemeClr val="dk1"/>
+            </a:effectRef>
+            <a:fontRef idx="minor">
+              <a:schemeClr val="dk1"/>
+            </a:fontRef>
+          </p:style>
+          <p:txBody>
+            <a:bodyPr rtlCol="0" anchor="b"/>
+            <a:lstStyle/>
+            <a:p>
+              <a:pPr algn="ctr"/>
+              <a:r>
+                <a:rPr lang="en-US" altLang="ko-KR" sz="1400" b="1"/>
+                <a:t>Docker</a:t>
+              </a:r>
+              <a:endParaRPr lang="ko-KR" altLang="en-US" sz="1400" b="1"/>
+            </a:p>
+          </p:txBody>
+        </p:sp>
+        <p:sp>
+          <p:nvSpPr>
+            <p:cNvPr id="153" name="사각형: 둥근 모서리 152">
+              <a:extLst>
+                <a:ext uri="{FF2B5EF4-FFF2-40B4-BE49-F238E27FC236}">
+                  <a16:creationId xmlns:a16="http://schemas.microsoft.com/office/drawing/2014/main" id="{047DBEB4-F8E1-4D4C-A4D9-A6F3A597C34C}"/>
+                </a:ext>
+              </a:extLst>
+            </p:cNvPr>
+            <p:cNvSpPr/>
+            <p:nvPr/>
+          </p:nvSpPr>
+          <p:spPr>
+            <a:xfrm>
+              <a:off x="2172912" y="1470004"/>
+              <a:ext cx="1301347" cy="797287"/>
+            </a:xfrm>
+            <a:prstGeom prst="roundRect">
+              <a:avLst>
+                <a:gd name="adj" fmla="val 9318"/>
+              </a:avLst>
+            </a:prstGeom>
+            <a:ln>
+              <a:solidFill>
+                <a:schemeClr val="bg1">
+                  <a:lumMod val="65000"/>
+                </a:schemeClr>
+              </a:solidFill>
+            </a:ln>
+          </p:spPr>
+          <p:style>
+            <a:lnRef idx="2">
+              <a:schemeClr val="dk1"/>
+            </a:lnRef>
+            <a:fillRef idx="1">
+              <a:schemeClr val="lt1"/>
+            </a:fillRef>
+            <a:effectRef idx="0">
+              <a:schemeClr val="dk1"/>
+            </a:effectRef>
+            <a:fontRef idx="minor">
+              <a:schemeClr val="dk1"/>
+            </a:fontRef>
+          </p:style>
+          <p:txBody>
+            <a:bodyPr rtlCol="0" anchor="ctr"/>
+            <a:lstStyle/>
+            <a:p>
+              <a:pPr algn="ctr"/>
+              <a:r>
+                <a:rPr lang="en-US" altLang="ko-KR" sz="1400"/>
+                <a:t>kube-apiserver</a:t>
+              </a:r>
+            </a:p>
+          </p:txBody>
+        </p:sp>
+        <p:sp>
+          <p:nvSpPr>
+            <p:cNvPr id="154" name="사각형: 둥근 모서리 153">
+              <a:extLst>
+                <a:ext uri="{FF2B5EF4-FFF2-40B4-BE49-F238E27FC236}">
+                  <a16:creationId xmlns:a16="http://schemas.microsoft.com/office/drawing/2014/main" id="{557F1B1D-4ED1-4316-A61D-4B118952A4C9}"/>
+                </a:ext>
+              </a:extLst>
+            </p:cNvPr>
+            <p:cNvSpPr/>
+            <p:nvPr/>
+          </p:nvSpPr>
+          <p:spPr>
+            <a:xfrm>
+              <a:off x="661431" y="2494816"/>
+              <a:ext cx="1301347" cy="797287"/>
+            </a:xfrm>
+            <a:prstGeom prst="roundRect">
+              <a:avLst>
+                <a:gd name="adj" fmla="val 9318"/>
+              </a:avLst>
+            </a:prstGeom>
+            <a:ln>
+              <a:solidFill>
+                <a:schemeClr val="bg1">
+                  <a:lumMod val="65000"/>
+                </a:schemeClr>
+              </a:solidFill>
+            </a:ln>
+          </p:spPr>
+          <p:style>
+            <a:lnRef idx="2">
+              <a:schemeClr val="dk1"/>
+            </a:lnRef>
+            <a:fillRef idx="1">
+              <a:schemeClr val="lt1"/>
+            </a:fillRef>
+            <a:effectRef idx="0">
+              <a:schemeClr val="dk1"/>
+            </a:effectRef>
+            <a:fontRef idx="minor">
+              <a:schemeClr val="dk1"/>
+            </a:fontRef>
+          </p:style>
+          <p:txBody>
+            <a:bodyPr rtlCol="0" anchor="ctr"/>
+            <a:lstStyle/>
+            <a:p>
+              <a:pPr algn="ctr"/>
+              <a:r>
+                <a:rPr lang="en-US" altLang="ko-KR" sz="1400"/>
+                <a:t>kube-controller-manager</a:t>
+              </a:r>
+            </a:p>
+          </p:txBody>
+        </p:sp>
+        <p:sp>
+          <p:nvSpPr>
+            <p:cNvPr id="155" name="사각형: 둥근 모서리 154">
+              <a:extLst>
+                <a:ext uri="{FF2B5EF4-FFF2-40B4-BE49-F238E27FC236}">
+                  <a16:creationId xmlns:a16="http://schemas.microsoft.com/office/drawing/2014/main" id="{03670732-E6B2-485D-8CC9-557A45FDFF29}"/>
+                </a:ext>
+              </a:extLst>
+            </p:cNvPr>
+            <p:cNvSpPr/>
+            <p:nvPr/>
+          </p:nvSpPr>
+          <p:spPr>
+            <a:xfrm>
+              <a:off x="2172912" y="2494816"/>
+              <a:ext cx="1301347" cy="797287"/>
+            </a:xfrm>
+            <a:prstGeom prst="roundRect">
+              <a:avLst>
+                <a:gd name="adj" fmla="val 9318"/>
+              </a:avLst>
+            </a:prstGeom>
+            <a:ln>
+              <a:solidFill>
+                <a:schemeClr val="bg1">
+                  <a:lumMod val="65000"/>
+                </a:schemeClr>
+              </a:solidFill>
+            </a:ln>
+          </p:spPr>
+          <p:style>
+            <a:lnRef idx="2">
+              <a:schemeClr val="dk1"/>
+            </a:lnRef>
+            <a:fillRef idx="1">
+              <a:schemeClr val="lt1"/>
+            </a:fillRef>
+            <a:effectRef idx="0">
+              <a:schemeClr val="dk1"/>
+            </a:effectRef>
+            <a:fontRef idx="minor">
+              <a:schemeClr val="dk1"/>
+            </a:fontRef>
+          </p:style>
+          <p:txBody>
+            <a:bodyPr rtlCol="0" anchor="ctr"/>
+            <a:lstStyle/>
+            <a:p>
+              <a:pPr algn="ctr"/>
+              <a:r>
+                <a:rPr lang="en-US" altLang="ko-KR" sz="1400"/>
+                <a:t>kube-scheduler</a:t>
+              </a:r>
+            </a:p>
+          </p:txBody>
+        </p:sp>
+        <p:sp>
+          <p:nvSpPr>
+            <p:cNvPr id="156" name="사각형: 둥근 모서리 155">
+              <a:extLst>
+                <a:ext uri="{FF2B5EF4-FFF2-40B4-BE49-F238E27FC236}">
+                  <a16:creationId xmlns:a16="http://schemas.microsoft.com/office/drawing/2014/main" id="{312CB05C-D9AD-4B4D-8A01-AFFF15A1F793}"/>
+                </a:ext>
+              </a:extLst>
+            </p:cNvPr>
+            <p:cNvSpPr/>
+            <p:nvPr/>
+          </p:nvSpPr>
+          <p:spPr>
+            <a:xfrm>
+              <a:off x="661431" y="1470004"/>
+              <a:ext cx="1301347" cy="797287"/>
+            </a:xfrm>
+            <a:prstGeom prst="roundRect">
+              <a:avLst>
+                <a:gd name="adj" fmla="val 9318"/>
+              </a:avLst>
+            </a:prstGeom>
+            <a:ln>
+              <a:solidFill>
+                <a:schemeClr val="bg1">
+                  <a:lumMod val="65000"/>
+                </a:schemeClr>
+              </a:solidFill>
+            </a:ln>
+          </p:spPr>
+          <p:style>
+            <a:lnRef idx="2">
+              <a:schemeClr val="dk1"/>
+            </a:lnRef>
+            <a:fillRef idx="1">
+              <a:schemeClr val="lt1"/>
+            </a:fillRef>
+            <a:effectRef idx="0">
+              <a:schemeClr val="dk1"/>
+            </a:effectRef>
+            <a:fontRef idx="minor">
+              <a:schemeClr val="dk1"/>
+            </a:fontRef>
+          </p:style>
+          <p:txBody>
+            <a:bodyPr rtlCol="0" anchor="ctr"/>
+            <a:lstStyle/>
+            <a:p>
+              <a:pPr algn="ctr"/>
+              <a:r>
+                <a:rPr lang="en-US" altLang="ko-KR" sz="1400"/>
+                <a:t>etcd</a:t>
+              </a:r>
+            </a:p>
+          </p:txBody>
+        </p:sp>
+        <p:cxnSp>
+          <p:nvCxnSpPr>
+            <p:cNvPr id="157" name="직선 화살표 연결선 156">
+              <a:extLst>
+                <a:ext uri="{FF2B5EF4-FFF2-40B4-BE49-F238E27FC236}">
+                  <a16:creationId xmlns:a16="http://schemas.microsoft.com/office/drawing/2014/main" id="{EC4399DF-606F-44E7-A5DA-B51F6C8551A5}"/>
+                </a:ext>
+              </a:extLst>
+            </p:cNvPr>
+            <p:cNvCxnSpPr>
+              <a:cxnSpLocks/>
+              <a:stCxn id="153" idx="1"/>
+              <a:endCxn id="156" idx="3"/>
+            </p:cNvCxnSpPr>
+            <p:nvPr/>
+          </p:nvCxnSpPr>
+          <p:spPr>
+            <a:xfrm flipH="1">
+              <a:off x="1962778" y="1868648"/>
+              <a:ext cx="210134" cy="0"/>
+            </a:xfrm>
+            <a:prstGeom prst="straightConnector1">
+              <a:avLst/>
+            </a:prstGeom>
+            <a:ln w="28575">
+              <a:solidFill>
+                <a:schemeClr val="bg1">
+                  <a:lumMod val="65000"/>
+                </a:schemeClr>
+              </a:solidFill>
+              <a:headEnd type="arrow" w="med" len="med"/>
+              <a:tailEnd type="arrow" w="med" len="med"/>
+            </a:ln>
+          </p:spPr>
+          <p:style>
+            <a:lnRef idx="1">
+              <a:schemeClr val="accent1"/>
+            </a:lnRef>
+            <a:fillRef idx="0">
+              <a:schemeClr val="accent1"/>
+            </a:fillRef>
+            <a:effectRef idx="0">
+              <a:schemeClr val="accent1"/>
+            </a:effectRef>
+            <a:fontRef idx="minor">
+              <a:schemeClr val="tx1"/>
+            </a:fontRef>
+          </p:style>
+        </p:cxnSp>
+        <p:cxnSp>
+          <p:nvCxnSpPr>
+            <p:cNvPr id="158" name="직선 화살표 연결선 157">
+              <a:extLst>
+                <a:ext uri="{FF2B5EF4-FFF2-40B4-BE49-F238E27FC236}">
+                  <a16:creationId xmlns:a16="http://schemas.microsoft.com/office/drawing/2014/main" id="{280E1F3F-FF2C-481D-A2D7-5955101B928E}"/>
+                </a:ext>
+              </a:extLst>
+            </p:cNvPr>
+            <p:cNvCxnSpPr>
+              <a:cxnSpLocks/>
+              <a:stCxn id="153" idx="2"/>
+              <a:endCxn id="154" idx="0"/>
+            </p:cNvCxnSpPr>
+            <p:nvPr/>
+          </p:nvCxnSpPr>
+          <p:spPr>
+            <a:xfrm flipH="1">
+              <a:off x="1312105" y="2267291"/>
+              <a:ext cx="1511481" cy="227525"/>
+            </a:xfrm>
+            <a:prstGeom prst="straightConnector1">
+              <a:avLst/>
+            </a:prstGeom>
+            <a:ln w="28575">
+              <a:solidFill>
+                <a:schemeClr val="bg1">
+                  <a:lumMod val="65000"/>
+                </a:schemeClr>
+              </a:solidFill>
+              <a:headEnd type="arrow" w="med" len="med"/>
+              <a:tailEnd type="arrow" w="med" len="med"/>
+            </a:ln>
+          </p:spPr>
+          <p:style>
+            <a:lnRef idx="1">
+              <a:schemeClr val="accent1"/>
+            </a:lnRef>
+            <a:fillRef idx="0">
+              <a:schemeClr val="accent1"/>
+            </a:fillRef>
+            <a:effectRef idx="0">
+              <a:schemeClr val="accent1"/>
+            </a:effectRef>
+            <a:fontRef idx="minor">
+              <a:schemeClr val="tx1"/>
+            </a:fontRef>
+          </p:style>
+        </p:cxnSp>
+        <p:cxnSp>
+          <p:nvCxnSpPr>
+            <p:cNvPr id="190" name="직선 화살표 연결선 189">
+              <a:extLst>
+                <a:ext uri="{FF2B5EF4-FFF2-40B4-BE49-F238E27FC236}">
+                  <a16:creationId xmlns:a16="http://schemas.microsoft.com/office/drawing/2014/main" id="{CE690424-E7DF-4404-97F3-23CB596C5A76}"/>
+                </a:ext>
+              </a:extLst>
+            </p:cNvPr>
+            <p:cNvCxnSpPr>
+              <a:cxnSpLocks/>
+              <a:stCxn id="153" idx="2"/>
+              <a:endCxn id="155" idx="0"/>
+            </p:cNvCxnSpPr>
+            <p:nvPr/>
+          </p:nvCxnSpPr>
+          <p:spPr>
+            <a:xfrm>
+              <a:off x="2823586" y="2267291"/>
+              <a:ext cx="0" cy="227525"/>
+            </a:xfrm>
+            <a:prstGeom prst="straightConnector1">
+              <a:avLst/>
+            </a:prstGeom>
+            <a:ln w="28575">
+              <a:solidFill>
+                <a:schemeClr val="bg1">
+                  <a:lumMod val="65000"/>
+                </a:schemeClr>
+              </a:solidFill>
+              <a:headEnd type="arrow" w="med" len="med"/>
+              <a:tailEnd type="arrow" w="med" len="med"/>
+            </a:ln>
+          </p:spPr>
+          <p:style>
+            <a:lnRef idx="1">
+              <a:schemeClr val="accent1"/>
+            </a:lnRef>
+            <a:fillRef idx="0">
+              <a:schemeClr val="accent1"/>
+            </a:fillRef>
+            <a:effectRef idx="0">
+              <a:schemeClr val="accent1"/>
+            </a:effectRef>
+            <a:fontRef idx="minor">
+              <a:schemeClr val="tx1"/>
+            </a:fontRef>
+          </p:style>
+        </p:cxnSp>
+        <p:sp>
+          <p:nvSpPr>
+            <p:cNvPr id="193" name="사각형: 둥근 모서리 192">
+              <a:extLst>
+                <a:ext uri="{FF2B5EF4-FFF2-40B4-BE49-F238E27FC236}">
+                  <a16:creationId xmlns:a16="http://schemas.microsoft.com/office/drawing/2014/main" id="{E0213431-F7BE-4894-9F49-288A66E5114F}"/>
+                </a:ext>
+              </a:extLst>
+            </p:cNvPr>
+            <p:cNvSpPr/>
+            <p:nvPr/>
+          </p:nvSpPr>
+          <p:spPr>
+            <a:xfrm>
+              <a:off x="661431" y="3513623"/>
+              <a:ext cx="1301346" cy="684708"/>
+            </a:xfrm>
+            <a:prstGeom prst="roundRect">
+              <a:avLst>
+                <a:gd name="adj" fmla="val 9318"/>
+              </a:avLst>
+            </a:prstGeom>
+            <a:ln>
+              <a:solidFill>
+                <a:schemeClr val="bg1">
+                  <a:lumMod val="65000"/>
+                </a:schemeClr>
+              </a:solidFill>
+            </a:ln>
+          </p:spPr>
+          <p:style>
+            <a:lnRef idx="2">
+              <a:schemeClr val="dk1"/>
+            </a:lnRef>
+            <a:fillRef idx="1">
+              <a:schemeClr val="lt1"/>
+            </a:fillRef>
+            <a:effectRef idx="0">
+              <a:schemeClr val="dk1"/>
+            </a:effectRef>
+            <a:fontRef idx="minor">
+              <a:schemeClr val="dk1"/>
+            </a:fontRef>
+          </p:style>
+          <p:txBody>
+            <a:bodyPr rtlCol="0" anchor="ctr"/>
+            <a:lstStyle/>
+            <a:p>
+              <a:pPr algn="ctr"/>
+              <a:r>
+                <a:rPr lang="en-US" altLang="ko-KR" sz="1400"/>
+                <a:t>kube-proxy</a:t>
+              </a:r>
+            </a:p>
+            <a:p>
+              <a:pPr algn="ctr"/>
+              <a:r>
+                <a:rPr lang="en-US" altLang="ko-KR" sz="1400"/>
+                <a:t>/ Daemonset</a:t>
+              </a:r>
+              <a:endParaRPr lang="ko-KR" altLang="en-US" sz="1400"/>
+            </a:p>
+          </p:txBody>
+        </p:sp>
+        <p:sp>
+          <p:nvSpPr>
+            <p:cNvPr id="195" name="사각형: 둥근 모서리 194">
+              <a:extLst>
+                <a:ext uri="{FF2B5EF4-FFF2-40B4-BE49-F238E27FC236}">
+                  <a16:creationId xmlns:a16="http://schemas.microsoft.com/office/drawing/2014/main" id="{9169C4C8-CD9A-4F39-BB08-F2BA0D42605E}"/>
+                </a:ext>
+              </a:extLst>
+            </p:cNvPr>
+            <p:cNvSpPr/>
+            <p:nvPr/>
+          </p:nvSpPr>
+          <p:spPr>
+            <a:xfrm>
+              <a:off x="2170335" y="3513623"/>
+              <a:ext cx="1301346" cy="684708"/>
+            </a:xfrm>
+            <a:prstGeom prst="roundRect">
+              <a:avLst>
+                <a:gd name="adj" fmla="val 9318"/>
+              </a:avLst>
+            </a:prstGeom>
+            <a:ln>
+              <a:solidFill>
+                <a:schemeClr val="bg1">
+                  <a:lumMod val="65000"/>
+                </a:schemeClr>
+              </a:solidFill>
+            </a:ln>
+          </p:spPr>
+          <p:style>
+            <a:lnRef idx="2">
+              <a:schemeClr val="dk1"/>
+            </a:lnRef>
+            <a:fillRef idx="1">
+              <a:schemeClr val="lt1"/>
+            </a:fillRef>
+            <a:effectRef idx="0">
+              <a:schemeClr val="dk1"/>
+            </a:effectRef>
+            <a:fontRef idx="minor">
+              <a:schemeClr val="dk1"/>
+            </a:fontRef>
+          </p:style>
+          <p:txBody>
+            <a:bodyPr rtlCol="0" anchor="ctr"/>
+            <a:lstStyle/>
+            <a:p>
+              <a:pPr algn="ctr"/>
+              <a:r>
+                <a:rPr lang="en-US" altLang="ko-KR" sz="1400"/>
+                <a:t>Net Daemon</a:t>
+              </a:r>
+            </a:p>
+            <a:p>
+              <a:pPr algn="ctr"/>
+              <a:r>
+                <a:rPr lang="en-US" altLang="ko-KR" sz="1400"/>
+                <a:t>/ Daemonset</a:t>
+              </a:r>
+              <a:endParaRPr lang="ko-KR" altLang="en-US" sz="1400"/>
+            </a:p>
+          </p:txBody>
+        </p:sp>
+        <p:cxnSp>
+          <p:nvCxnSpPr>
+            <p:cNvPr id="199" name="직선 화살표 연결선 198">
+              <a:extLst>
+                <a:ext uri="{FF2B5EF4-FFF2-40B4-BE49-F238E27FC236}">
+                  <a16:creationId xmlns:a16="http://schemas.microsoft.com/office/drawing/2014/main" id="{01036BA9-43F9-4A6E-A811-0C1F33BAB461}"/>
+                </a:ext>
+              </a:extLst>
+            </p:cNvPr>
+            <p:cNvCxnSpPr>
+              <a:cxnSpLocks/>
+              <a:stCxn id="153" idx="2"/>
+              <a:endCxn id="193" idx="0"/>
+            </p:cNvCxnSpPr>
+            <p:nvPr/>
+          </p:nvCxnSpPr>
+          <p:spPr>
+            <a:xfrm flipH="1">
+              <a:off x="1312104" y="2267291"/>
+              <a:ext cx="1511482" cy="1246332"/>
+            </a:xfrm>
+            <a:prstGeom prst="straightConnector1">
+              <a:avLst/>
+            </a:prstGeom>
+            <a:ln w="28575">
+              <a:solidFill>
+                <a:schemeClr val="bg1">
+                  <a:lumMod val="65000"/>
+                </a:schemeClr>
+              </a:solidFill>
+              <a:headEnd type="arrow" w="med" len="med"/>
+              <a:tailEnd type="arrow" w="med" len="med"/>
+            </a:ln>
+          </p:spPr>
+          <p:style>
+            <a:lnRef idx="1">
+              <a:schemeClr val="accent1"/>
+            </a:lnRef>
+            <a:fillRef idx="0">
+              <a:schemeClr val="accent1"/>
+            </a:fillRef>
+            <a:effectRef idx="0">
+              <a:schemeClr val="accent1"/>
+            </a:effectRef>
+            <a:fontRef idx="minor">
+              <a:schemeClr val="tx1"/>
+            </a:fontRef>
+          </p:style>
+        </p:cxnSp>
+        <p:cxnSp>
+          <p:nvCxnSpPr>
+            <p:cNvPr id="218" name="직선 화살표 연결선 217">
+              <a:extLst>
+                <a:ext uri="{FF2B5EF4-FFF2-40B4-BE49-F238E27FC236}">
+                  <a16:creationId xmlns:a16="http://schemas.microsoft.com/office/drawing/2014/main" id="{38465AAF-C7D5-4F4F-B9F5-B1F5BACF73FC}"/>
+                </a:ext>
+              </a:extLst>
+            </p:cNvPr>
+            <p:cNvCxnSpPr>
+              <a:cxnSpLocks/>
+              <a:stCxn id="153" idx="2"/>
+              <a:endCxn id="195" idx="0"/>
+            </p:cNvCxnSpPr>
+            <p:nvPr/>
+          </p:nvCxnSpPr>
+          <p:spPr>
+            <a:xfrm flipH="1">
+              <a:off x="2821008" y="2267291"/>
+              <a:ext cx="2578" cy="1246332"/>
+            </a:xfrm>
+            <a:prstGeom prst="straightConnector1">
+              <a:avLst/>
+            </a:prstGeom>
+            <a:ln w="28575">
+              <a:solidFill>
+                <a:schemeClr val="bg1">
+                  <a:lumMod val="65000"/>
+                </a:schemeClr>
+              </a:solidFill>
+              <a:headEnd type="arrow" w="med" len="med"/>
+              <a:tailEnd type="arrow" w="med" len="med"/>
+            </a:ln>
+          </p:spPr>
+          <p:style>
+            <a:lnRef idx="1">
+              <a:schemeClr val="accent1"/>
+            </a:lnRef>
+            <a:fillRef idx="0">
+              <a:schemeClr val="accent1"/>
+            </a:fillRef>
+            <a:effectRef idx="0">
+              <a:schemeClr val="accent1"/>
+            </a:effectRef>
+            <a:fontRef idx="minor">
+              <a:schemeClr val="tx1"/>
+            </a:fontRef>
+          </p:style>
+        </p:cxnSp>
+      </p:grpSp>
+      <p:sp>
+        <p:nvSpPr>
+          <p:cNvPr id="146" name="사각형: 둥근 모서리 145">
+            <a:extLst>
+              <a:ext uri="{FF2B5EF4-FFF2-40B4-BE49-F238E27FC236}">
+                <a16:creationId xmlns:a16="http://schemas.microsoft.com/office/drawing/2014/main" id="{3CCE5901-E432-42EB-8238-7D84B1F93973}"/>
+              </a:ext>
+            </a:extLst>
+          </p:cNvPr>
+          <p:cNvSpPr/>
+          <p:nvPr/>
+        </p:nvSpPr>
+        <p:spPr>
+          <a:xfrm>
+            <a:off x="683568" y="677520"/>
+            <a:ext cx="3406912" cy="4342692"/>
+          </a:xfrm>
+          <a:prstGeom prst="roundRect">
+            <a:avLst>
+              <a:gd name="adj" fmla="val 4530"/>
+            </a:avLst>
+          </a:prstGeom>
+        </p:spPr>
+        <p:style>
+          <a:lnRef idx="2">
+            <a:schemeClr val="dk1"/>
+          </a:lnRef>
+          <a:fillRef idx="1">
+            <a:schemeClr val="lt1"/>
+          </a:fillRef>
+          <a:effectRef idx="0">
+            <a:schemeClr val="dk1"/>
+          </a:effectRef>
+          <a:fontRef idx="minor">
+            <a:schemeClr val="dk1"/>
+          </a:fontRef>
+        </p:style>
+        <p:txBody>
+          <a:bodyPr rtlCol="0" anchor="b"/>
+          <a:lstStyle/>
+          <a:p>
+            <a:pPr algn="ctr"/>
+            <a:r>
+              <a:rPr lang="en-US" altLang="ko-KR" sz="1600" b="1"/>
+              <a:t>Master Node</a:t>
+            </a:r>
+            <a:endParaRPr lang="ko-KR" altLang="en-US" sz="1600" b="1"/>
+          </a:p>
+        </p:txBody>
+      </p:sp>
+      <p:sp>
+        <p:nvSpPr>
+          <p:cNvPr id="55" name="사각형: 둥근 모서리 54">
+            <a:extLst>
+              <a:ext uri="{FF2B5EF4-FFF2-40B4-BE49-F238E27FC236}">
+                <a16:creationId xmlns:a16="http://schemas.microsoft.com/office/drawing/2014/main" id="{8B10F7D7-F0D8-452E-88F1-235F2E237C92}"/>
+              </a:ext>
+            </a:extLst>
+          </p:cNvPr>
+          <p:cNvSpPr/>
+          <p:nvPr/>
+        </p:nvSpPr>
+        <p:spPr>
+          <a:xfrm>
+            <a:off x="839339" y="1458374"/>
+            <a:ext cx="3103042" cy="3176288"/>
+          </a:xfrm>
+          <a:prstGeom prst="roundRect">
+            <a:avLst>
+              <a:gd name="adj" fmla="val 3766"/>
+            </a:avLst>
+          </a:prstGeom>
+        </p:spPr>
+        <p:style>
+          <a:lnRef idx="2">
+            <a:schemeClr val="dk1"/>
+          </a:lnRef>
+          <a:fillRef idx="1">
+            <a:schemeClr val="lt1"/>
+          </a:fillRef>
+          <a:effectRef idx="0">
+            <a:schemeClr val="dk1"/>
+          </a:effectRef>
+          <a:fontRef idx="minor">
+            <a:schemeClr val="dk1"/>
+          </a:fontRef>
+        </p:style>
+        <p:txBody>
+          <a:bodyPr rtlCol="0" anchor="b"/>
+          <a:lstStyle/>
+          <a:p>
+            <a:pPr algn="ctr"/>
+            <a:r>
+              <a:rPr lang="en-US" altLang="ko-KR" sz="1400" b="1"/>
+              <a:t>Container Runtime</a:t>
+            </a:r>
+            <a:endParaRPr lang="ko-KR" altLang="en-US" sz="1400" b="1"/>
+          </a:p>
+        </p:txBody>
+      </p:sp>
+      <p:sp>
+        <p:nvSpPr>
+          <p:cNvPr id="147" name="사각형: 둥근 모서리 146">
+            <a:extLst>
+              <a:ext uri="{FF2B5EF4-FFF2-40B4-BE49-F238E27FC236}">
+                <a16:creationId xmlns:a16="http://schemas.microsoft.com/office/drawing/2014/main" id="{00013933-E862-414D-87BC-A9240A85B7BC}"/>
+              </a:ext>
+            </a:extLst>
+          </p:cNvPr>
+          <p:cNvSpPr/>
+          <p:nvPr/>
+        </p:nvSpPr>
+        <p:spPr>
+          <a:xfrm>
+            <a:off x="1752008" y="1584449"/>
+            <a:ext cx="1301347" cy="797287"/>
+          </a:xfrm>
+          <a:prstGeom prst="roundRect">
+            <a:avLst>
+              <a:gd name="adj" fmla="val 9318"/>
+            </a:avLst>
+          </a:prstGeom>
+          <a:ln>
+            <a:solidFill>
+              <a:schemeClr val="tx2"/>
+            </a:solidFill>
+          </a:ln>
+        </p:spPr>
+        <p:style>
+          <a:lnRef idx="2">
+            <a:schemeClr val="dk1"/>
+          </a:lnRef>
+          <a:fillRef idx="1">
+            <a:schemeClr val="lt1"/>
+          </a:fillRef>
+          <a:effectRef idx="0">
+            <a:schemeClr val="dk1"/>
+          </a:effectRef>
+          <a:fontRef idx="minor">
+            <a:schemeClr val="dk1"/>
+          </a:fontRef>
+        </p:style>
+        <p:txBody>
+          <a:bodyPr rtlCol="0" anchor="ctr"/>
+          <a:lstStyle/>
+          <a:p>
+            <a:pPr algn="ctr"/>
+            <a:r>
+              <a:rPr lang="en-US" altLang="ko-KR" sz="1400"/>
+              <a:t>kube-apiserver</a:t>
+            </a:r>
+          </a:p>
+        </p:txBody>
+      </p:sp>
+      <p:sp>
+        <p:nvSpPr>
+          <p:cNvPr id="148" name="사각형: 둥근 모서리 147">
+            <a:extLst>
+              <a:ext uri="{FF2B5EF4-FFF2-40B4-BE49-F238E27FC236}">
+                <a16:creationId xmlns:a16="http://schemas.microsoft.com/office/drawing/2014/main" id="{1ED72F89-9F1D-4BC3-A2C1-4D2E5250C3BE}"/>
+              </a:ext>
+            </a:extLst>
+          </p:cNvPr>
+          <p:cNvSpPr/>
+          <p:nvPr/>
+        </p:nvSpPr>
+        <p:spPr>
+          <a:xfrm>
+            <a:off x="988508" y="2609261"/>
+            <a:ext cx="1301347" cy="797287"/>
+          </a:xfrm>
+          <a:prstGeom prst="roundRect">
+            <a:avLst>
+              <a:gd name="adj" fmla="val 9318"/>
+            </a:avLst>
+          </a:prstGeom>
+          <a:ln>
+            <a:solidFill>
+              <a:schemeClr val="tx2"/>
+            </a:solidFill>
+          </a:ln>
+        </p:spPr>
+        <p:style>
+          <a:lnRef idx="2">
+            <a:schemeClr val="dk1"/>
+          </a:lnRef>
+          <a:fillRef idx="1">
+            <a:schemeClr val="lt1"/>
+          </a:fillRef>
+          <a:effectRef idx="0">
+            <a:schemeClr val="dk1"/>
+          </a:effectRef>
+          <a:fontRef idx="minor">
+            <a:schemeClr val="dk1"/>
+          </a:fontRef>
+        </p:style>
+        <p:txBody>
+          <a:bodyPr rtlCol="0" anchor="ctr"/>
+          <a:lstStyle/>
+          <a:p>
+            <a:pPr algn="ctr"/>
+            <a:r>
+              <a:rPr lang="en-US" altLang="ko-KR" sz="1400"/>
+              <a:t>kube-controller-manager</a:t>
+            </a:r>
+          </a:p>
+        </p:txBody>
+      </p:sp>
+      <p:sp>
+        <p:nvSpPr>
+          <p:cNvPr id="149" name="사각형: 둥근 모서리 148">
+            <a:extLst>
+              <a:ext uri="{FF2B5EF4-FFF2-40B4-BE49-F238E27FC236}">
+                <a16:creationId xmlns:a16="http://schemas.microsoft.com/office/drawing/2014/main" id="{77589AC1-FBE4-4F8E-9A04-8ABCB5BE718E}"/>
+              </a:ext>
+            </a:extLst>
+          </p:cNvPr>
+          <p:cNvSpPr/>
+          <p:nvPr/>
+        </p:nvSpPr>
+        <p:spPr>
+          <a:xfrm>
+            <a:off x="2499989" y="2609261"/>
+            <a:ext cx="1301347" cy="797287"/>
+          </a:xfrm>
+          <a:prstGeom prst="roundRect">
+            <a:avLst>
+              <a:gd name="adj" fmla="val 9318"/>
+            </a:avLst>
+          </a:prstGeom>
+          <a:ln>
+            <a:solidFill>
+              <a:schemeClr val="tx2"/>
+            </a:solidFill>
+          </a:ln>
+        </p:spPr>
+        <p:style>
+          <a:lnRef idx="2">
+            <a:schemeClr val="dk1"/>
+          </a:lnRef>
+          <a:fillRef idx="1">
+            <a:schemeClr val="lt1"/>
+          </a:fillRef>
+          <a:effectRef idx="0">
+            <a:schemeClr val="dk1"/>
+          </a:effectRef>
+          <a:fontRef idx="minor">
+            <a:schemeClr val="dk1"/>
+          </a:fontRef>
+        </p:style>
+        <p:txBody>
+          <a:bodyPr rtlCol="0" anchor="ctr"/>
+          <a:lstStyle/>
+          <a:p>
+            <a:pPr algn="ctr"/>
+            <a:r>
+              <a:rPr lang="en-US" altLang="ko-KR" sz="1400"/>
+              <a:t>kube-scheduler</a:t>
+            </a:r>
+          </a:p>
+        </p:txBody>
+      </p:sp>
+      <p:cxnSp>
+        <p:nvCxnSpPr>
+          <p:cNvPr id="56" name="직선 화살표 연결선 55">
+            <a:extLst>
+              <a:ext uri="{FF2B5EF4-FFF2-40B4-BE49-F238E27FC236}">
+                <a16:creationId xmlns:a16="http://schemas.microsoft.com/office/drawing/2014/main" id="{2E587004-24ED-4622-97DF-6EC5E46F982F}"/>
+              </a:ext>
+            </a:extLst>
+          </p:cNvPr>
+          <p:cNvCxnSpPr>
+            <a:cxnSpLocks/>
+            <a:stCxn id="147" idx="0"/>
+            <a:endCxn id="258" idx="2"/>
+          </p:cNvCxnSpPr>
+          <p:nvPr/>
+        </p:nvCxnSpPr>
+        <p:spPr>
+          <a:xfrm flipH="1" flipV="1">
+            <a:off x="1547664" y="1299322"/>
+            <a:ext cx="855018" cy="285127"/>
+          </a:xfrm>
+          <a:prstGeom prst="straightConnector1">
+            <a:avLst/>
+          </a:prstGeom>
+          <a:ln w="28575">
+            <a:solidFill>
+              <a:schemeClr val="tx1"/>
+            </a:solidFill>
+            <a:headEnd type="arrow" w="med" len="med"/>
+            <a:tailEnd type="arrow" w="med" len="med"/>
+          </a:ln>
+        </p:spPr>
+        <p:style>
+          <a:lnRef idx="1">
+            <a:schemeClr val="accent1"/>
+          </a:lnRef>
+          <a:fillRef idx="0">
+            <a:schemeClr val="accent1"/>
+          </a:fillRef>
+          <a:effectRef idx="0">
+            <a:schemeClr val="accent1"/>
+          </a:effectRef>
+          <a:fontRef idx="minor">
+            <a:schemeClr val="tx1"/>
+          </a:fontRef>
+        </p:style>
+      </p:cxnSp>
+      <p:sp>
+        <p:nvSpPr>
+          <p:cNvPr id="141" name="사각형: 둥근 모서리 140">
+            <a:extLst>
+              <a:ext uri="{FF2B5EF4-FFF2-40B4-BE49-F238E27FC236}">
+                <a16:creationId xmlns:a16="http://schemas.microsoft.com/office/drawing/2014/main" id="{722812A6-7364-496E-9037-741E01B5DEE9}"/>
+              </a:ext>
+            </a:extLst>
+          </p:cNvPr>
+          <p:cNvSpPr/>
+          <p:nvPr/>
+        </p:nvSpPr>
+        <p:spPr>
+          <a:xfrm>
+            <a:off x="988508" y="3628068"/>
+            <a:ext cx="1301346" cy="684708"/>
+          </a:xfrm>
+          <a:prstGeom prst="roundRect">
+            <a:avLst>
+              <a:gd name="adj" fmla="val 9318"/>
+            </a:avLst>
+          </a:prstGeom>
+          <a:ln>
+            <a:solidFill>
+              <a:schemeClr val="tx2"/>
+            </a:solidFill>
+          </a:ln>
+        </p:spPr>
+        <p:style>
+          <a:lnRef idx="2">
+            <a:schemeClr val="dk1"/>
+          </a:lnRef>
+          <a:fillRef idx="1">
+            <a:schemeClr val="lt1"/>
+          </a:fillRef>
+          <a:effectRef idx="0">
+            <a:schemeClr val="dk1"/>
+          </a:effectRef>
+          <a:fontRef idx="minor">
+            <a:schemeClr val="dk1"/>
+          </a:fontRef>
+        </p:style>
+        <p:txBody>
+          <a:bodyPr rtlCol="0" anchor="ctr"/>
+          <a:lstStyle/>
+          <a:p>
+            <a:pPr algn="ctr"/>
+            <a:r>
+              <a:rPr lang="en-US" altLang="ko-KR" sz="1400"/>
+              <a:t>kube-proxy</a:t>
+            </a:r>
+          </a:p>
+          <a:p>
+            <a:pPr algn="ctr"/>
+            <a:r>
+              <a:rPr lang="en-US" altLang="ko-KR" sz="1400"/>
+              <a:t>/ Daemonset</a:t>
+            </a:r>
+            <a:endParaRPr lang="ko-KR" altLang="en-US" sz="1400"/>
+          </a:p>
+        </p:txBody>
+      </p:sp>
+      <p:sp>
+        <p:nvSpPr>
+          <p:cNvPr id="142" name="사각형: 둥근 모서리 141">
+            <a:extLst>
+              <a:ext uri="{FF2B5EF4-FFF2-40B4-BE49-F238E27FC236}">
+                <a16:creationId xmlns:a16="http://schemas.microsoft.com/office/drawing/2014/main" id="{982E2508-7C33-46FF-8B01-881C221A01CA}"/>
+              </a:ext>
+            </a:extLst>
+          </p:cNvPr>
+          <p:cNvSpPr/>
+          <p:nvPr/>
+        </p:nvSpPr>
+        <p:spPr>
+          <a:xfrm>
+            <a:off x="2497412" y="3628068"/>
+            <a:ext cx="1301346" cy="684708"/>
+          </a:xfrm>
+          <a:prstGeom prst="roundRect">
+            <a:avLst>
+              <a:gd name="adj" fmla="val 9318"/>
+            </a:avLst>
+          </a:prstGeom>
+          <a:ln>
+            <a:solidFill>
+              <a:schemeClr val="tx2"/>
+            </a:solidFill>
+          </a:ln>
+        </p:spPr>
+        <p:style>
+          <a:lnRef idx="2">
+            <a:schemeClr val="dk1"/>
+          </a:lnRef>
+          <a:fillRef idx="1">
+            <a:schemeClr val="lt1"/>
+          </a:fillRef>
+          <a:effectRef idx="0">
+            <a:schemeClr val="dk1"/>
+          </a:effectRef>
+          <a:fontRef idx="minor">
+            <a:schemeClr val="dk1"/>
+          </a:fontRef>
+        </p:style>
+        <p:txBody>
+          <a:bodyPr rtlCol="0" anchor="ctr"/>
+          <a:lstStyle/>
+          <a:p>
+            <a:pPr algn="ctr"/>
+            <a:r>
+              <a:rPr lang="en-US" altLang="ko-KR" sz="1400"/>
+              <a:t>Net Daemon</a:t>
+            </a:r>
+          </a:p>
+          <a:p>
+            <a:pPr algn="ctr"/>
+            <a:r>
+              <a:rPr lang="en-US" altLang="ko-KR" sz="1400"/>
+              <a:t>/ Daemonset</a:t>
+            </a:r>
+            <a:endParaRPr lang="ko-KR" altLang="en-US" sz="1400"/>
+          </a:p>
+        </p:txBody>
+      </p:sp>
+      <p:cxnSp>
+        <p:nvCxnSpPr>
+          <p:cNvPr id="113" name="직선 화살표 연결선 112">
+            <a:extLst>
+              <a:ext uri="{FF2B5EF4-FFF2-40B4-BE49-F238E27FC236}">
+                <a16:creationId xmlns:a16="http://schemas.microsoft.com/office/drawing/2014/main" id="{C9905B25-F683-49EB-98AC-69DAAAE80C27}"/>
+              </a:ext>
+            </a:extLst>
+          </p:cNvPr>
+          <p:cNvCxnSpPr>
+            <a:cxnSpLocks/>
+          </p:cNvCxnSpPr>
+          <p:nvPr/>
+        </p:nvCxnSpPr>
+        <p:spPr>
+          <a:xfrm flipV="1">
+            <a:off x="1359895" y="257484"/>
+            <a:ext cx="0" cy="404812"/>
+          </a:xfrm>
+          <a:prstGeom prst="straightConnector1">
+            <a:avLst/>
+          </a:prstGeom>
+          <a:ln w="28575">
+            <a:solidFill>
+              <a:schemeClr val="tx1"/>
+            </a:solidFill>
+            <a:headEnd type="none" w="med" len="med"/>
+            <a:tailEnd type="none" w="med" len="med"/>
+          </a:ln>
+        </p:spPr>
+        <p:style>
+          <a:lnRef idx="1">
+            <a:schemeClr val="accent1"/>
+          </a:lnRef>
+          <a:fillRef idx="0">
+            <a:schemeClr val="accent1"/>
+          </a:fillRef>
+          <a:effectRef idx="0">
+            <a:schemeClr val="accent1"/>
+          </a:effectRef>
+          <a:fontRef idx="minor">
+            <a:schemeClr val="tx1"/>
+          </a:fontRef>
+        </p:style>
+      </p:cxnSp>
+      <p:cxnSp>
+        <p:nvCxnSpPr>
+          <p:cNvPr id="114" name="직선 화살표 연결선 113">
+            <a:extLst>
+              <a:ext uri="{FF2B5EF4-FFF2-40B4-BE49-F238E27FC236}">
+                <a16:creationId xmlns:a16="http://schemas.microsoft.com/office/drawing/2014/main" id="{3DAFC3D9-DCB0-4B53-9CA4-D2728CF100A9}"/>
+              </a:ext>
+            </a:extLst>
+          </p:cNvPr>
+          <p:cNvCxnSpPr>
+            <a:cxnSpLocks/>
+          </p:cNvCxnSpPr>
+          <p:nvPr/>
+        </p:nvCxnSpPr>
+        <p:spPr>
+          <a:xfrm flipV="1">
+            <a:off x="1460158" y="134824"/>
+            <a:ext cx="0" cy="444993"/>
+          </a:xfrm>
+          <a:prstGeom prst="straightConnector1">
+            <a:avLst/>
+          </a:prstGeom>
+          <a:ln w="28575">
+            <a:solidFill>
+              <a:schemeClr val="tx1"/>
+            </a:solidFill>
+            <a:headEnd type="none" w="med" len="med"/>
+            <a:tailEnd type="none" w="med" len="med"/>
+          </a:ln>
+        </p:spPr>
+        <p:style>
+          <a:lnRef idx="1">
+            <a:schemeClr val="accent1"/>
+          </a:lnRef>
+          <a:fillRef idx="0">
+            <a:schemeClr val="accent1"/>
+          </a:fillRef>
+          <a:effectRef idx="0">
+            <a:schemeClr val="accent1"/>
+          </a:effectRef>
+          <a:fontRef idx="minor">
+            <a:schemeClr val="tx1"/>
+          </a:fontRef>
+        </p:style>
+      </p:cxnSp>
+      <p:cxnSp>
+        <p:nvCxnSpPr>
+          <p:cNvPr id="115" name="직선 화살표 연결선 114">
+            <a:extLst>
+              <a:ext uri="{FF2B5EF4-FFF2-40B4-BE49-F238E27FC236}">
+                <a16:creationId xmlns:a16="http://schemas.microsoft.com/office/drawing/2014/main" id="{CFF8BE38-1695-42E8-8682-B091C256AF3A}"/>
+              </a:ext>
+            </a:extLst>
+          </p:cNvPr>
+          <p:cNvCxnSpPr>
+            <a:cxnSpLocks/>
+          </p:cNvCxnSpPr>
+          <p:nvPr/>
+        </p:nvCxnSpPr>
+        <p:spPr>
+          <a:xfrm flipV="1">
+            <a:off x="1259632" y="144352"/>
+            <a:ext cx="200526" cy="211627"/>
+          </a:xfrm>
+          <a:prstGeom prst="straightConnector1">
+            <a:avLst/>
+          </a:prstGeom>
+          <a:ln w="28575">
+            <a:solidFill>
+              <a:schemeClr val="tx1"/>
+            </a:solidFill>
+            <a:headEnd type="none" w="med" len="med"/>
+            <a:tailEnd type="none" w="med" len="med"/>
+          </a:ln>
+        </p:spPr>
+        <p:style>
+          <a:lnRef idx="1">
+            <a:schemeClr val="accent1"/>
+          </a:lnRef>
+          <a:fillRef idx="0">
+            <a:schemeClr val="accent1"/>
+          </a:fillRef>
+          <a:effectRef idx="0">
+            <a:schemeClr val="accent1"/>
+          </a:effectRef>
+          <a:fontRef idx="minor">
+            <a:schemeClr val="tx1"/>
+          </a:fontRef>
+        </p:style>
+      </p:cxnSp>
+      <p:cxnSp>
+        <p:nvCxnSpPr>
+          <p:cNvPr id="250" name="직선 화살표 연결선 249">
+            <a:extLst>
+              <a:ext uri="{FF2B5EF4-FFF2-40B4-BE49-F238E27FC236}">
+                <a16:creationId xmlns:a16="http://schemas.microsoft.com/office/drawing/2014/main" id="{E34A9D66-B212-4189-BC01-BBEEE8011CCA}"/>
+              </a:ext>
+            </a:extLst>
+          </p:cNvPr>
+          <p:cNvCxnSpPr>
+            <a:cxnSpLocks/>
+            <a:stCxn id="251" idx="2"/>
+            <a:endCxn id="147" idx="0"/>
+          </p:cNvCxnSpPr>
+          <p:nvPr/>
+        </p:nvCxnSpPr>
+        <p:spPr>
+          <a:xfrm flipH="1">
+            <a:off x="2402682" y="1299322"/>
+            <a:ext cx="849898" cy="285127"/>
+          </a:xfrm>
+          <a:prstGeom prst="straightConnector1">
+            <a:avLst/>
+          </a:prstGeom>
+          <a:ln w="28575">
+            <a:solidFill>
+              <a:schemeClr val="tx1"/>
+            </a:solidFill>
+            <a:headEnd type="arrow" w="med" len="med"/>
+            <a:tailEnd type="none" w="med" len="med"/>
+          </a:ln>
+        </p:spPr>
+        <p:style>
+          <a:lnRef idx="1">
+            <a:schemeClr val="accent1"/>
+          </a:lnRef>
+          <a:fillRef idx="0">
+            <a:schemeClr val="accent1"/>
+          </a:fillRef>
+          <a:effectRef idx="0">
+            <a:schemeClr val="accent1"/>
+          </a:effectRef>
+          <a:fontRef idx="minor">
+            <a:schemeClr val="tx1"/>
+          </a:fontRef>
+        </p:style>
+      </p:cxnSp>
+      <p:sp>
+        <p:nvSpPr>
+          <p:cNvPr id="251" name="사각형: 둥근 모서리 250">
+            <a:extLst>
+              <a:ext uri="{FF2B5EF4-FFF2-40B4-BE49-F238E27FC236}">
+                <a16:creationId xmlns:a16="http://schemas.microsoft.com/office/drawing/2014/main" id="{577AF797-B5DF-46B2-BDF0-27C4C9E1661C}"/>
+              </a:ext>
+            </a:extLst>
+          </p:cNvPr>
+          <p:cNvSpPr/>
+          <p:nvPr/>
+        </p:nvSpPr>
+        <p:spPr>
+          <a:xfrm>
+            <a:off x="2676516" y="795266"/>
+            <a:ext cx="1152128" cy="504056"/>
+          </a:xfrm>
+          <a:prstGeom prst="roundRect">
+            <a:avLst>
+              <a:gd name="adj" fmla="val 9318"/>
+            </a:avLst>
+          </a:prstGeom>
+        </p:spPr>
+        <p:style>
+          <a:lnRef idx="2">
+            <a:schemeClr val="dk1"/>
+          </a:lnRef>
+          <a:fillRef idx="1">
+            <a:schemeClr val="lt1"/>
+          </a:fillRef>
+          <a:effectRef idx="0">
+            <a:schemeClr val="dk1"/>
+          </a:effectRef>
+          <a:fontRef idx="minor">
+            <a:schemeClr val="dk1"/>
+          </a:fontRef>
+        </p:style>
+        <p:txBody>
+          <a:bodyPr rtlCol="0" anchor="ctr"/>
+          <a:lstStyle/>
+          <a:p>
+            <a:pPr algn="ctr"/>
+            <a:r>
+              <a:rPr lang="en-US" altLang="ko-KR" sz="1400"/>
+              <a:t>kubelet</a:t>
+            </a:r>
+            <a:endParaRPr lang="ko-KR" altLang="en-US" sz="1400"/>
+          </a:p>
+        </p:txBody>
+      </p:sp>
+      <p:cxnSp>
+        <p:nvCxnSpPr>
+          <p:cNvPr id="112" name="직선 화살표 연결선 111">
+            <a:extLst>
+              <a:ext uri="{FF2B5EF4-FFF2-40B4-BE49-F238E27FC236}">
+                <a16:creationId xmlns:a16="http://schemas.microsoft.com/office/drawing/2014/main" id="{68F5ED63-D484-48CE-A2FE-32F7D6B5F56D}"/>
+              </a:ext>
+            </a:extLst>
+          </p:cNvPr>
+          <p:cNvCxnSpPr>
+            <a:cxnSpLocks/>
+          </p:cNvCxnSpPr>
+          <p:nvPr/>
+        </p:nvCxnSpPr>
+        <p:spPr>
+          <a:xfrm flipV="1">
+            <a:off x="1259633" y="344352"/>
+            <a:ext cx="0" cy="466875"/>
+          </a:xfrm>
+          <a:prstGeom prst="straightConnector1">
+            <a:avLst/>
+          </a:prstGeom>
+          <a:ln w="28575">
+            <a:solidFill>
+              <a:schemeClr val="tx1"/>
+            </a:solidFill>
+            <a:headEnd type="arrow" w="med" len="med"/>
+            <a:tailEnd type="none" w="med" len="med"/>
+          </a:ln>
+        </p:spPr>
+        <p:style>
+          <a:lnRef idx="1">
+            <a:schemeClr val="accent1"/>
+          </a:lnRef>
+          <a:fillRef idx="0">
+            <a:schemeClr val="accent1"/>
+          </a:fillRef>
+          <a:effectRef idx="0">
+            <a:schemeClr val="accent1"/>
+          </a:effectRef>
+          <a:fontRef idx="minor">
+            <a:schemeClr val="tx1"/>
+          </a:fontRef>
+        </p:style>
+      </p:cxnSp>
+      <p:cxnSp>
+        <p:nvCxnSpPr>
+          <p:cNvPr id="87" name="직선 화살표 연결선 86">
+            <a:extLst>
+              <a:ext uri="{FF2B5EF4-FFF2-40B4-BE49-F238E27FC236}">
+                <a16:creationId xmlns:a16="http://schemas.microsoft.com/office/drawing/2014/main" id="{07663973-7795-4530-BA73-DA4A88C6F12D}"/>
+              </a:ext>
+            </a:extLst>
+          </p:cNvPr>
+          <p:cNvCxnSpPr>
+            <a:cxnSpLocks/>
+            <a:stCxn id="147" idx="0"/>
+            <a:endCxn id="187" idx="2"/>
+          </p:cNvCxnSpPr>
+          <p:nvPr/>
+        </p:nvCxnSpPr>
+        <p:spPr>
+          <a:xfrm flipH="1" flipV="1">
+            <a:off x="2402130" y="432238"/>
+            <a:ext cx="552" cy="1152211"/>
+          </a:xfrm>
+          <a:prstGeom prst="straightConnector1">
+            <a:avLst/>
+          </a:prstGeom>
+          <a:ln w="28575">
+            <a:solidFill>
+              <a:schemeClr val="tx1"/>
+            </a:solidFill>
+            <a:headEnd type="arrow" w="med" len="med"/>
+            <a:tailEnd type="none" w="med" len="med"/>
+          </a:ln>
+        </p:spPr>
+        <p:style>
+          <a:lnRef idx="1">
+            <a:schemeClr val="accent1"/>
+          </a:lnRef>
+          <a:fillRef idx="0">
+            <a:schemeClr val="accent1"/>
+          </a:fillRef>
+          <a:effectRef idx="0">
+            <a:schemeClr val="accent1"/>
+          </a:effectRef>
+          <a:fontRef idx="minor">
+            <a:schemeClr val="tx1"/>
+          </a:fontRef>
+        </p:style>
+      </p:cxnSp>
+      <p:sp>
+        <p:nvSpPr>
+          <p:cNvPr id="258" name="사각형: 둥근 모서리 257">
+            <a:extLst>
+              <a:ext uri="{FF2B5EF4-FFF2-40B4-BE49-F238E27FC236}">
+                <a16:creationId xmlns:a16="http://schemas.microsoft.com/office/drawing/2014/main" id="{76536549-688C-4A8B-A308-A7932EB9D67E}"/>
+              </a:ext>
+            </a:extLst>
+          </p:cNvPr>
+          <p:cNvSpPr/>
+          <p:nvPr/>
+        </p:nvSpPr>
+        <p:spPr>
+          <a:xfrm>
+            <a:off x="971600" y="795266"/>
+            <a:ext cx="1152128" cy="504056"/>
+          </a:xfrm>
+          <a:prstGeom prst="roundRect">
+            <a:avLst>
+              <a:gd name="adj" fmla="val 9318"/>
+            </a:avLst>
+          </a:prstGeom>
+        </p:spPr>
+        <p:style>
+          <a:lnRef idx="2">
+            <a:schemeClr val="dk1"/>
+          </a:lnRef>
+          <a:fillRef idx="1">
+            <a:schemeClr val="lt1"/>
+          </a:fillRef>
+          <a:effectRef idx="0">
+            <a:schemeClr val="dk1"/>
+          </a:effectRef>
+          <a:fontRef idx="minor">
+            <a:schemeClr val="dk1"/>
+          </a:fontRef>
+        </p:style>
+        <p:txBody>
+          <a:bodyPr rtlCol="0" anchor="ctr"/>
+          <a:lstStyle/>
+          <a:p>
+            <a:pPr algn="ctr"/>
+            <a:r>
+              <a:rPr lang="en-US" altLang="ko-KR" sz="1400"/>
+              <a:t>etcd</a:t>
+            </a:r>
+            <a:endParaRPr lang="ko-KR" altLang="en-US" sz="1400"/>
+          </a:p>
+        </p:txBody>
+      </p:sp>
+      <p:cxnSp>
+        <p:nvCxnSpPr>
+          <p:cNvPr id="260" name="직선 화살표 연결선 259">
+            <a:extLst>
+              <a:ext uri="{FF2B5EF4-FFF2-40B4-BE49-F238E27FC236}">
+                <a16:creationId xmlns:a16="http://schemas.microsoft.com/office/drawing/2014/main" id="{2F5D701C-3867-42E3-B006-4E952EFAA38A}"/>
+              </a:ext>
+            </a:extLst>
+          </p:cNvPr>
+          <p:cNvCxnSpPr>
+            <a:cxnSpLocks/>
+            <a:stCxn id="148" idx="0"/>
+            <a:endCxn id="147" idx="2"/>
+          </p:cNvCxnSpPr>
+          <p:nvPr/>
+        </p:nvCxnSpPr>
+        <p:spPr>
+          <a:xfrm flipV="1">
+            <a:off x="1639182" y="2381736"/>
+            <a:ext cx="763500" cy="227525"/>
+          </a:xfrm>
+          <a:prstGeom prst="straightConnector1">
+            <a:avLst/>
+          </a:prstGeom>
+          <a:ln w="28575">
+            <a:solidFill>
+              <a:schemeClr val="tx1"/>
+            </a:solidFill>
+            <a:headEnd type="arrow" w="med" len="med"/>
+            <a:tailEnd type="none" w="med" len="med"/>
+          </a:ln>
+        </p:spPr>
+        <p:style>
+          <a:lnRef idx="1">
+            <a:schemeClr val="accent1"/>
+          </a:lnRef>
+          <a:fillRef idx="0">
+            <a:schemeClr val="accent1"/>
+          </a:fillRef>
+          <a:effectRef idx="0">
+            <a:schemeClr val="accent1"/>
+          </a:effectRef>
+          <a:fontRef idx="minor">
+            <a:schemeClr val="tx1"/>
+          </a:fontRef>
+        </p:style>
+      </p:cxnSp>
+      <p:cxnSp>
+        <p:nvCxnSpPr>
+          <p:cNvPr id="261" name="직선 화살표 연결선 260">
+            <a:extLst>
+              <a:ext uri="{FF2B5EF4-FFF2-40B4-BE49-F238E27FC236}">
+                <a16:creationId xmlns:a16="http://schemas.microsoft.com/office/drawing/2014/main" id="{91F3A730-345A-42AD-8393-73397ABF7E43}"/>
+              </a:ext>
+            </a:extLst>
+          </p:cNvPr>
+          <p:cNvCxnSpPr>
+            <a:cxnSpLocks/>
+            <a:stCxn id="141" idx="0"/>
+            <a:endCxn id="147" idx="2"/>
+          </p:cNvCxnSpPr>
+          <p:nvPr/>
+        </p:nvCxnSpPr>
+        <p:spPr>
+          <a:xfrm flipV="1">
+            <a:off x="1639181" y="2381736"/>
+            <a:ext cx="763501" cy="1246332"/>
+          </a:xfrm>
+          <a:prstGeom prst="straightConnector1">
+            <a:avLst/>
+          </a:prstGeom>
+          <a:ln w="28575">
+            <a:solidFill>
+              <a:schemeClr val="tx1"/>
+            </a:solidFill>
+            <a:headEnd type="arrow" w="med" len="med"/>
+            <a:tailEnd type="none" w="med" len="med"/>
+          </a:ln>
+        </p:spPr>
+        <p:style>
+          <a:lnRef idx="1">
+            <a:schemeClr val="accent1"/>
+          </a:lnRef>
+          <a:fillRef idx="0">
+            <a:schemeClr val="accent1"/>
+          </a:fillRef>
+          <a:effectRef idx="0">
+            <a:schemeClr val="accent1"/>
+          </a:effectRef>
+          <a:fontRef idx="minor">
+            <a:schemeClr val="tx1"/>
+          </a:fontRef>
+        </p:style>
+      </p:cxnSp>
+      <p:cxnSp>
+        <p:nvCxnSpPr>
+          <p:cNvPr id="262" name="직선 화살표 연결선 261">
+            <a:extLst>
+              <a:ext uri="{FF2B5EF4-FFF2-40B4-BE49-F238E27FC236}">
+                <a16:creationId xmlns:a16="http://schemas.microsoft.com/office/drawing/2014/main" id="{2D075D8E-33D0-4BDC-ABE6-6E49BB1FD77B}"/>
+              </a:ext>
+            </a:extLst>
+          </p:cNvPr>
+          <p:cNvCxnSpPr>
+            <a:cxnSpLocks/>
+            <a:stCxn id="142" idx="0"/>
+            <a:endCxn id="147" idx="2"/>
+          </p:cNvCxnSpPr>
+          <p:nvPr/>
+        </p:nvCxnSpPr>
+        <p:spPr>
+          <a:xfrm flipH="1" flipV="1">
+            <a:off x="2402682" y="2381736"/>
+            <a:ext cx="745403" cy="1246332"/>
+          </a:xfrm>
+          <a:prstGeom prst="straightConnector1">
+            <a:avLst/>
+          </a:prstGeom>
+          <a:ln w="28575">
+            <a:solidFill>
+              <a:schemeClr val="tx1"/>
+            </a:solidFill>
+            <a:headEnd type="arrow" w="med" len="med"/>
+            <a:tailEnd type="none" w="med" len="med"/>
+          </a:ln>
+        </p:spPr>
+        <p:style>
+          <a:lnRef idx="1">
+            <a:schemeClr val="accent1"/>
+          </a:lnRef>
+          <a:fillRef idx="0">
+            <a:schemeClr val="accent1"/>
+          </a:fillRef>
+          <a:effectRef idx="0">
+            <a:schemeClr val="accent1"/>
+          </a:effectRef>
+          <a:fontRef idx="minor">
+            <a:schemeClr val="tx1"/>
+          </a:fontRef>
+        </p:style>
+      </p:cxnSp>
+      <p:cxnSp>
+        <p:nvCxnSpPr>
+          <p:cNvPr id="263" name="직선 화살표 연결선 262">
+            <a:extLst>
+              <a:ext uri="{FF2B5EF4-FFF2-40B4-BE49-F238E27FC236}">
+                <a16:creationId xmlns:a16="http://schemas.microsoft.com/office/drawing/2014/main" id="{C52A4140-B588-4AEC-B271-F747D2C7695E}"/>
+              </a:ext>
+            </a:extLst>
+          </p:cNvPr>
+          <p:cNvCxnSpPr>
+            <a:cxnSpLocks/>
+            <a:stCxn id="149" idx="0"/>
+            <a:endCxn id="147" idx="2"/>
+          </p:cNvCxnSpPr>
+          <p:nvPr/>
+        </p:nvCxnSpPr>
+        <p:spPr>
+          <a:xfrm flipH="1" flipV="1">
+            <a:off x="2402682" y="2381736"/>
+            <a:ext cx="747981" cy="227525"/>
+          </a:xfrm>
+          <a:prstGeom prst="straightConnector1">
+            <a:avLst/>
+          </a:prstGeom>
+          <a:ln w="28575">
+            <a:solidFill>
+              <a:schemeClr val="tx1"/>
+            </a:solidFill>
+            <a:headEnd type="arrow" w="med" len="med"/>
+            <a:tailEnd type="none" w="med" len="med"/>
+          </a:ln>
+        </p:spPr>
+        <p:style>
+          <a:lnRef idx="1">
+            <a:schemeClr val="accent1"/>
+          </a:lnRef>
+          <a:fillRef idx="0">
+            <a:schemeClr val="accent1"/>
+          </a:fillRef>
+          <a:effectRef idx="0">
+            <a:schemeClr val="accent1"/>
+          </a:effectRef>
+          <a:fontRef idx="minor">
+            <a:schemeClr val="tx1"/>
+          </a:fontRef>
+        </p:style>
+      </p:cxnSp>
+      <p:cxnSp>
+        <p:nvCxnSpPr>
+          <p:cNvPr id="275" name="직선 화살표 연결선 274">
+            <a:extLst>
+              <a:ext uri="{FF2B5EF4-FFF2-40B4-BE49-F238E27FC236}">
+                <a16:creationId xmlns:a16="http://schemas.microsoft.com/office/drawing/2014/main" id="{4A2708F0-4A5D-4271-ACD1-AF270D7E0C77}"/>
+              </a:ext>
+            </a:extLst>
+          </p:cNvPr>
+          <p:cNvCxnSpPr>
+            <a:cxnSpLocks/>
+            <a:endCxn id="251" idx="2"/>
+          </p:cNvCxnSpPr>
+          <p:nvPr/>
+        </p:nvCxnSpPr>
+        <p:spPr>
+          <a:xfrm flipV="1">
+            <a:off x="3252580" y="1299322"/>
+            <a:ext cx="0" cy="175297"/>
+          </a:xfrm>
+          <a:prstGeom prst="straightConnector1">
+            <a:avLst/>
+          </a:prstGeom>
+          <a:ln w="28575">
+            <a:solidFill>
+              <a:schemeClr val="tx1"/>
+            </a:solidFill>
+            <a:headEnd type="arrow" w="med" len="med"/>
+            <a:tailEnd type="none" w="med" len="med"/>
+          </a:ln>
+        </p:spPr>
+        <p:style>
+          <a:lnRef idx="1">
+            <a:schemeClr val="accent1"/>
+          </a:lnRef>
+          <a:fillRef idx="0">
+            <a:schemeClr val="accent1"/>
+          </a:fillRef>
+          <a:effectRef idx="0">
+            <a:schemeClr val="accent1"/>
+          </a:effectRef>
+          <a:fontRef idx="minor">
+            <a:schemeClr val="tx1"/>
+          </a:fontRef>
+        </p:style>
+      </p:cxnSp>
+      <p:cxnSp>
+        <p:nvCxnSpPr>
+          <p:cNvPr id="279" name="직선 화살표 연결선 278">
+            <a:extLst>
+              <a:ext uri="{FF2B5EF4-FFF2-40B4-BE49-F238E27FC236}">
+                <a16:creationId xmlns:a16="http://schemas.microsoft.com/office/drawing/2014/main" id="{29E630AB-303E-4949-BCF6-8CD73F07D8DB}"/>
+              </a:ext>
+            </a:extLst>
+          </p:cNvPr>
+          <p:cNvCxnSpPr>
+            <a:cxnSpLocks/>
+            <a:stCxn id="130" idx="1"/>
+            <a:endCxn id="147" idx="3"/>
+          </p:cNvCxnSpPr>
+          <p:nvPr/>
+        </p:nvCxnSpPr>
+        <p:spPr>
+          <a:xfrm flipH="1">
+            <a:off x="3053355" y="1193094"/>
+            <a:ext cx="2089519" cy="789999"/>
+          </a:xfrm>
+          <a:prstGeom prst="straightConnector1">
+            <a:avLst/>
+          </a:prstGeom>
+          <a:ln w="28575">
+            <a:solidFill>
+              <a:schemeClr val="tx1"/>
+            </a:solidFill>
+            <a:headEnd type="arrow" w="med" len="med"/>
+            <a:tailEnd type="none" w="med" len="med"/>
+          </a:ln>
+        </p:spPr>
+        <p:style>
+          <a:lnRef idx="1">
+            <a:schemeClr val="accent1"/>
+          </a:lnRef>
+          <a:fillRef idx="0">
+            <a:schemeClr val="accent1"/>
+          </a:fillRef>
+          <a:effectRef idx="0">
+            <a:schemeClr val="accent1"/>
+          </a:effectRef>
+          <a:fontRef idx="minor">
+            <a:schemeClr val="tx1"/>
+          </a:fontRef>
+        </p:style>
+      </p:cxnSp>
+      <p:cxnSp>
+        <p:nvCxnSpPr>
+          <p:cNvPr id="282" name="직선 화살표 연결선 281">
+            <a:extLst>
+              <a:ext uri="{FF2B5EF4-FFF2-40B4-BE49-F238E27FC236}">
+                <a16:creationId xmlns:a16="http://schemas.microsoft.com/office/drawing/2014/main" id="{75AFD191-269C-48B8-946C-FC28BA00461A}"/>
+              </a:ext>
+            </a:extLst>
+          </p:cNvPr>
+          <p:cNvCxnSpPr>
+            <a:cxnSpLocks/>
+            <a:stCxn id="66" idx="1"/>
+            <a:endCxn id="147" idx="3"/>
+          </p:cNvCxnSpPr>
+          <p:nvPr/>
+        </p:nvCxnSpPr>
+        <p:spPr>
+          <a:xfrm flipH="1" flipV="1">
+            <a:off x="3053355" y="1983093"/>
+            <a:ext cx="1945834" cy="1081030"/>
+          </a:xfrm>
+          <a:prstGeom prst="straightConnector1">
+            <a:avLst/>
+          </a:prstGeom>
+          <a:ln w="28575">
+            <a:solidFill>
+              <a:schemeClr val="tx1"/>
+            </a:solidFill>
+            <a:headEnd type="arrow" w="med" len="med"/>
+            <a:tailEnd type="none" w="med" len="med"/>
+          </a:ln>
+        </p:spPr>
+        <p:style>
+          <a:lnRef idx="1">
+            <a:schemeClr val="accent1"/>
+          </a:lnRef>
+          <a:fillRef idx="0">
+            <a:schemeClr val="accent1"/>
+          </a:fillRef>
+          <a:effectRef idx="0">
+            <a:schemeClr val="accent1"/>
+          </a:effectRef>
+          <a:fontRef idx="minor">
+            <a:schemeClr val="tx1"/>
+          </a:fontRef>
+        </p:style>
+      </p:cxnSp>
+      <p:cxnSp>
+        <p:nvCxnSpPr>
+          <p:cNvPr id="285" name="직선 화살표 연결선 284">
+            <a:extLst>
+              <a:ext uri="{FF2B5EF4-FFF2-40B4-BE49-F238E27FC236}">
+                <a16:creationId xmlns:a16="http://schemas.microsoft.com/office/drawing/2014/main" id="{2F4DCD22-E87C-4F8E-B21F-C9FF0A4D5A86}"/>
+              </a:ext>
+            </a:extLst>
+          </p:cNvPr>
+          <p:cNvCxnSpPr>
+            <a:cxnSpLocks/>
+            <a:stCxn id="131" idx="1"/>
+            <a:endCxn id="147" idx="3"/>
+          </p:cNvCxnSpPr>
+          <p:nvPr/>
+        </p:nvCxnSpPr>
+        <p:spPr>
+          <a:xfrm flipH="1" flipV="1">
+            <a:off x="3053355" y="1983093"/>
+            <a:ext cx="3591288" cy="1081030"/>
+          </a:xfrm>
+          <a:prstGeom prst="straightConnector1">
+            <a:avLst/>
+          </a:prstGeom>
+          <a:ln w="28575">
+            <a:solidFill>
+              <a:schemeClr val="tx1"/>
+            </a:solidFill>
+            <a:headEnd type="arrow" w="med" len="med"/>
+            <a:tailEnd type="none" w="med" len="med"/>
+          </a:ln>
+        </p:spPr>
+        <p:style>
+          <a:lnRef idx="1">
+            <a:schemeClr val="accent1"/>
+          </a:lnRef>
+          <a:fillRef idx="0">
+            <a:schemeClr val="accent1"/>
+          </a:fillRef>
+          <a:effectRef idx="0">
+            <a:schemeClr val="accent1"/>
+          </a:effectRef>
+          <a:fontRef idx="minor">
+            <a:schemeClr val="tx1"/>
+          </a:fontRef>
+        </p:style>
+      </p:cxnSp>
+      <p:cxnSp>
+        <p:nvCxnSpPr>
+          <p:cNvPr id="289" name="직선 화살표 연결선 288">
+            <a:extLst>
+              <a:ext uri="{FF2B5EF4-FFF2-40B4-BE49-F238E27FC236}">
+                <a16:creationId xmlns:a16="http://schemas.microsoft.com/office/drawing/2014/main" id="{4D7C8ADA-20AF-4D23-80EE-8DD3235B4D84}"/>
+              </a:ext>
+            </a:extLst>
+          </p:cNvPr>
+          <p:cNvCxnSpPr>
+            <a:cxnSpLocks/>
+            <a:stCxn id="43" idx="1"/>
+            <a:endCxn id="147" idx="3"/>
+          </p:cNvCxnSpPr>
+          <p:nvPr/>
+        </p:nvCxnSpPr>
+        <p:spPr>
+          <a:xfrm flipH="1" flipV="1">
+            <a:off x="3053355" y="1983093"/>
+            <a:ext cx="1945835" cy="181562"/>
+          </a:xfrm>
+          <a:prstGeom prst="straightConnector1">
+            <a:avLst/>
+          </a:prstGeom>
+          <a:ln w="28575">
+            <a:solidFill>
+              <a:schemeClr val="tx1"/>
+            </a:solidFill>
+            <a:headEnd type="arrow" w="med" len="med"/>
+            <a:tailEnd type="none" w="med" len="med"/>
+          </a:ln>
+        </p:spPr>
+        <p:style>
+          <a:lnRef idx="1">
+            <a:schemeClr val="accent1"/>
+          </a:lnRef>
+          <a:fillRef idx="0">
+            <a:schemeClr val="accent1"/>
+          </a:fillRef>
+          <a:effectRef idx="0">
+            <a:schemeClr val="accent1"/>
+          </a:effectRef>
+          <a:fontRef idx="minor">
+            <a:schemeClr val="tx1"/>
+          </a:fontRef>
+        </p:style>
+      </p:cxnSp>
+    </p:spTree>
+    <p:extLst>
+      <p:ext uri="{BB962C8B-B14F-4D97-AF65-F5344CB8AC3E}">
+        <p14:creationId xmlns:p14="http://schemas.microsoft.com/office/powerpoint/2010/main" val="2969780233"/>
+      </p:ext>
+    </p:extLst>
+  </p:cSld>
+  <p:clrMapOvr>
+    <a:masterClrMapping/>
+  </p:clrMapOvr>
+</p:sld>
+</file>
+
+<file path=ppt/slides/slide2.xml><?xml version="1.0" encoding="utf-8"?>
+<p:sld xmlns:a="http://schemas.openxmlformats.org/drawingml/2006/main" xmlns:r="http://schemas.openxmlformats.org/officeDocument/2006/relationships" xmlns:p="http://schemas.openxmlformats.org/presentationml/2006/main">
+  <p:cSld>
+    <p:spTree>
+      <p:nvGrpSpPr>
+        <p:cNvPr id="1" name=""/>
+        <p:cNvGrpSpPr/>
+        <p:nvPr/>
+      </p:nvGrpSpPr>
+      <p:grpSpPr>
+        <a:xfrm>
+          <a:off x="0" y="0"/>
+          <a:ext cx="0" cy="0"/>
+          <a:chOff x="0" y="0"/>
+          <a:chExt cx="0" cy="0"/>
+        </a:xfrm>
+      </p:grpSpPr>
+    </p:spTree>
+    <p:extLst>
+      <p:ext uri="{BB962C8B-B14F-4D97-AF65-F5344CB8AC3E}">
+        <p14:creationId xmlns:p14="http://schemas.microsoft.com/office/powerpoint/2010/main" val="3240817009"/>
+      </p:ext>
+    </p:extLst>
+  </p:cSld>
+  <p:clrMapOvr>
+    <a:masterClrMapping/>
+  </p:clrMapOvr>
+</p:sld>
+</file>
+
+<file path=ppt/slides/slide3.xml><?xml version="1.0" encoding="utf-8"?>
 <p:sld xmlns:a="http://schemas.openxmlformats.org/drawingml/2006/main" xmlns:r="http://schemas.openxmlformats.org/officeDocument/2006/relationships" xmlns:p="http://schemas.openxmlformats.org/presentationml/2006/main">
   <p:cSld>
     <p:spTree>
@@ -10309,7 +17332,7 @@
     </p:spTree>
     <p:extLst>
       <p:ext uri="{BB962C8B-B14F-4D97-AF65-F5344CB8AC3E}">
-        <p14:creationId xmlns:p14="http://schemas.microsoft.com/office/powerpoint/2010/main" val="2969780233"/>
+        <p14:creationId xmlns:p14="http://schemas.microsoft.com/office/powerpoint/2010/main" val="1272475598"/>
       </p:ext>
     </p:extLst>
   </p:cSld>
@@ -10319,7 +17342,7 @@
 </p:sld>
 </file>
 
-<file path=ppt/slides/slide2.xml><?xml version="1.0" encoding="utf-8"?>
+<file path=ppt/slides/slide4.xml><?xml version="1.0" encoding="utf-8"?>
 <p:sld xmlns:a="http://schemas.openxmlformats.org/drawingml/2006/main" xmlns:r="http://schemas.openxmlformats.org/officeDocument/2006/relationships" xmlns:p="http://schemas.openxmlformats.org/presentationml/2006/main">
   <p:cSld>
     <p:spTree>
@@ -16455,7 +23478,7 @@
 </p:sld>
 </file>
 
-<file path=ppt/slides/slide3.xml><?xml version="1.0" encoding="utf-8"?>
+<file path=ppt/slides/slide5.xml><?xml version="1.0" encoding="utf-8"?>
 <p:sld xmlns:a="http://schemas.openxmlformats.org/drawingml/2006/main" xmlns:r="http://schemas.openxmlformats.org/officeDocument/2006/relationships" xmlns:p="http://schemas.openxmlformats.org/presentationml/2006/main">
   <p:cSld>
     <p:spTree>
